--- a/images/architecture drawings.pptx
+++ b/images/architecture drawings.pptx
@@ -246,7 +246,7 @@
           <a:p>
             <a:fld id="{DC9AA326-EE99-456C-8AE0-599EDAE998F2}" type="datetimeFigureOut">
               <a:rPr lang="en-US" smtClean="0"/>
-              <a:t>08/04/15</a:t>
+              <a:t>09/04/15</a:t>
             </a:fld>
             <a:endParaRPr lang="en-US"/>
           </a:p>
@@ -416,7 +416,7 @@
           <a:p>
             <a:fld id="{DC9AA326-EE99-456C-8AE0-599EDAE998F2}" type="datetimeFigureOut">
               <a:rPr lang="en-US" smtClean="0"/>
-              <a:t>08/04/15</a:t>
+              <a:t>09/04/15</a:t>
             </a:fld>
             <a:endParaRPr lang="en-US"/>
           </a:p>
@@ -596,7 +596,7 @@
           <a:p>
             <a:fld id="{DC9AA326-EE99-456C-8AE0-599EDAE998F2}" type="datetimeFigureOut">
               <a:rPr lang="en-US" smtClean="0"/>
-              <a:t>08/04/15</a:t>
+              <a:t>09/04/15</a:t>
             </a:fld>
             <a:endParaRPr lang="en-US"/>
           </a:p>
@@ -766,7 +766,7 @@
           <a:p>
             <a:fld id="{DC9AA326-EE99-456C-8AE0-599EDAE998F2}" type="datetimeFigureOut">
               <a:rPr lang="en-US" smtClean="0"/>
-              <a:t>08/04/15</a:t>
+              <a:t>09/04/15</a:t>
             </a:fld>
             <a:endParaRPr lang="en-US"/>
           </a:p>
@@ -1012,7 +1012,7 @@
           <a:p>
             <a:fld id="{DC9AA326-EE99-456C-8AE0-599EDAE998F2}" type="datetimeFigureOut">
               <a:rPr lang="en-US" smtClean="0"/>
-              <a:t>08/04/15</a:t>
+              <a:t>09/04/15</a:t>
             </a:fld>
             <a:endParaRPr lang="en-US"/>
           </a:p>
@@ -1244,7 +1244,7 @@
           <a:p>
             <a:fld id="{DC9AA326-EE99-456C-8AE0-599EDAE998F2}" type="datetimeFigureOut">
               <a:rPr lang="en-US" smtClean="0"/>
-              <a:t>08/04/15</a:t>
+              <a:t>09/04/15</a:t>
             </a:fld>
             <a:endParaRPr lang="en-US"/>
           </a:p>
@@ -1611,7 +1611,7 @@
           <a:p>
             <a:fld id="{DC9AA326-EE99-456C-8AE0-599EDAE998F2}" type="datetimeFigureOut">
               <a:rPr lang="en-US" smtClean="0"/>
-              <a:t>08/04/15</a:t>
+              <a:t>09/04/15</a:t>
             </a:fld>
             <a:endParaRPr lang="en-US"/>
           </a:p>
@@ -1729,7 +1729,7 @@
           <a:p>
             <a:fld id="{DC9AA326-EE99-456C-8AE0-599EDAE998F2}" type="datetimeFigureOut">
               <a:rPr lang="en-US" smtClean="0"/>
-              <a:t>08/04/15</a:t>
+              <a:t>09/04/15</a:t>
             </a:fld>
             <a:endParaRPr lang="en-US"/>
           </a:p>
@@ -1824,7 +1824,7 @@
           <a:p>
             <a:fld id="{DC9AA326-EE99-456C-8AE0-599EDAE998F2}" type="datetimeFigureOut">
               <a:rPr lang="en-US" smtClean="0"/>
-              <a:t>08/04/15</a:t>
+              <a:t>09/04/15</a:t>
             </a:fld>
             <a:endParaRPr lang="en-US"/>
           </a:p>
@@ -2101,7 +2101,7 @@
           <a:p>
             <a:fld id="{DC9AA326-EE99-456C-8AE0-599EDAE998F2}" type="datetimeFigureOut">
               <a:rPr lang="en-US" smtClean="0"/>
-              <a:t>08/04/15</a:t>
+              <a:t>09/04/15</a:t>
             </a:fld>
             <a:endParaRPr lang="en-US"/>
           </a:p>
@@ -2354,7 +2354,7 @@
           <a:p>
             <a:fld id="{DC9AA326-EE99-456C-8AE0-599EDAE998F2}" type="datetimeFigureOut">
               <a:rPr lang="en-US" smtClean="0"/>
-              <a:t>08/04/15</a:t>
+              <a:t>09/04/15</a:t>
             </a:fld>
             <a:endParaRPr lang="en-US"/>
           </a:p>
@@ -2567,7 +2567,7 @@
           <a:p>
             <a:fld id="{DC9AA326-EE99-456C-8AE0-599EDAE998F2}" type="datetimeFigureOut">
               <a:rPr lang="en-US" smtClean="0"/>
-              <a:t>08/04/15</a:t>
+              <a:t>09/04/15</a:t>
             </a:fld>
             <a:endParaRPr lang="en-US"/>
           </a:p>
@@ -5817,6 +5817,276 @@
           </a:p>
         </p:txBody>
       </p:sp>
+      <p:sp>
+        <p:nvSpPr>
+          <p:cNvPr id="41" name="Freeform 40"/>
+          <p:cNvSpPr/>
+          <p:nvPr/>
+        </p:nvSpPr>
+        <p:spPr>
+          <a:xfrm flipH="1" flipV="1">
+            <a:off x="1362191" y="3815514"/>
+            <a:ext cx="1013286" cy="934753"/>
+          </a:xfrm>
+          <a:custGeom>
+            <a:avLst/>
+            <a:gdLst>
+              <a:gd name="connsiteX0" fmla="*/ 0 w 1158240"/>
+              <a:gd name="connsiteY0" fmla="*/ 0 h 719328"/>
+              <a:gd name="connsiteX1" fmla="*/ 1158240 w 1158240"/>
+              <a:gd name="connsiteY1" fmla="*/ 719328 h 719328"/>
+              <a:gd name="connsiteX0" fmla="*/ 0 w 1158240"/>
+              <a:gd name="connsiteY0" fmla="*/ 0 h 719328"/>
+              <a:gd name="connsiteX1" fmla="*/ 1158240 w 1158240"/>
+              <a:gd name="connsiteY1" fmla="*/ 719328 h 719328"/>
+              <a:gd name="connsiteX0" fmla="*/ 0 w 1158240"/>
+              <a:gd name="connsiteY0" fmla="*/ 0 h 719328"/>
+              <a:gd name="connsiteX1" fmla="*/ 1158240 w 1158240"/>
+              <a:gd name="connsiteY1" fmla="*/ 719328 h 719328"/>
+              <a:gd name="connsiteX0" fmla="*/ 0 w 1160661"/>
+              <a:gd name="connsiteY0" fmla="*/ 0 h 719328"/>
+              <a:gd name="connsiteX1" fmla="*/ 1158240 w 1160661"/>
+              <a:gd name="connsiteY1" fmla="*/ 719328 h 719328"/>
+              <a:gd name="connsiteX0" fmla="*/ 0 w 1158240"/>
+              <a:gd name="connsiteY0" fmla="*/ 0 h 719328"/>
+              <a:gd name="connsiteX1" fmla="*/ 1158240 w 1158240"/>
+              <a:gd name="connsiteY1" fmla="*/ 719328 h 719328"/>
+              <a:gd name="connsiteX0" fmla="*/ 0 w 1158240"/>
+              <a:gd name="connsiteY0" fmla="*/ 0 h 719328"/>
+              <a:gd name="connsiteX1" fmla="*/ 1158240 w 1158240"/>
+              <a:gd name="connsiteY1" fmla="*/ 719328 h 719328"/>
+              <a:gd name="connsiteX0" fmla="*/ 0 w 1158240"/>
+              <a:gd name="connsiteY0" fmla="*/ 0 h 719328"/>
+              <a:gd name="connsiteX1" fmla="*/ 1158240 w 1158240"/>
+              <a:gd name="connsiteY1" fmla="*/ 719328 h 719328"/>
+              <a:gd name="connsiteX0" fmla="*/ 0 w 1158240"/>
+              <a:gd name="connsiteY0" fmla="*/ 0 h 719328"/>
+              <a:gd name="connsiteX1" fmla="*/ 1158240 w 1158240"/>
+              <a:gd name="connsiteY1" fmla="*/ 719328 h 719328"/>
+            </a:gdLst>
+            <a:ahLst/>
+            <a:cxnLst>
+              <a:cxn ang="0">
+                <a:pos x="connsiteX0" y="connsiteY0"/>
+              </a:cxn>
+              <a:cxn ang="0">
+                <a:pos x="connsiteX1" y="connsiteY1"/>
+              </a:cxn>
+            </a:cxnLst>
+            <a:rect l="l" t="t" r="r" b="b"/>
+            <a:pathLst>
+              <a:path w="1158240" h="719328">
+                <a:moveTo>
+                  <a:pt x="0" y="0"/>
+                </a:moveTo>
+                <a:cubicBezTo>
+                  <a:pt x="568960" y="56896"/>
+                  <a:pt x="894080" y="52832"/>
+                  <a:pt x="1158240" y="719328"/>
+                </a:cubicBezTo>
+              </a:path>
+            </a:pathLst>
+          </a:custGeom>
+          <a:noFill/>
+          <a:ln w="22225">
+            <a:solidFill>
+              <a:srgbClr val="00CCFF"/>
+            </a:solidFill>
+            <a:prstDash val="dash"/>
+            <a:headEnd type="none"/>
+            <a:tailEnd type="arrow"/>
+          </a:ln>
+        </p:spPr>
+        <p:style>
+          <a:lnRef idx="2">
+            <a:schemeClr val="accent1">
+              <a:shade val="50000"/>
+            </a:schemeClr>
+          </a:lnRef>
+          <a:fillRef idx="1">
+            <a:schemeClr val="accent1"/>
+          </a:fillRef>
+          <a:effectRef idx="0">
+            <a:schemeClr val="accent1"/>
+          </a:effectRef>
+          <a:fontRef idx="minor">
+            <a:schemeClr val="lt1"/>
+          </a:fontRef>
+        </p:style>
+        <p:txBody>
+          <a:bodyPr rtlCol="0" anchor="ctr"/>
+          <a:lstStyle/>
+          <a:p>
+            <a:pPr algn="ctr"/>
+            <a:endParaRPr lang="en-GB"/>
+          </a:p>
+        </p:txBody>
+      </p:sp>
+      <p:sp>
+        <p:nvSpPr>
+          <p:cNvPr id="42" name="TextBox 41"/>
+          <p:cNvSpPr txBox="1"/>
+          <p:nvPr/>
+        </p:nvSpPr>
+        <p:spPr>
+          <a:xfrm>
+            <a:off x="2375477" y="4535057"/>
+            <a:ext cx="753732" cy="369332"/>
+          </a:xfrm>
+          <a:prstGeom prst="rect">
+            <a:avLst/>
+          </a:prstGeom>
+          <a:noFill/>
+        </p:spPr>
+        <p:txBody>
+          <a:bodyPr wrap="none" rtlCol="0">
+            <a:spAutoFit/>
+          </a:bodyPr>
+          <a:lstStyle/>
+          <a:p>
+            <a:r>
+              <a:rPr lang="nl-BE" dirty="0" smtClean="0"/>
+              <a:t>Origin</a:t>
+            </a:r>
+            <a:endParaRPr lang="en-US" dirty="0"/>
+          </a:p>
+        </p:txBody>
+      </p:sp>
+      <p:sp>
+        <p:nvSpPr>
+          <p:cNvPr id="43" name="Freeform 42"/>
+          <p:cNvSpPr/>
+          <p:nvPr/>
+        </p:nvSpPr>
+        <p:spPr>
+          <a:xfrm rot="11800446" flipH="1" flipV="1">
+            <a:off x="9769446" y="1139969"/>
+            <a:ext cx="922769" cy="400114"/>
+          </a:xfrm>
+          <a:custGeom>
+            <a:avLst/>
+            <a:gdLst>
+              <a:gd name="connsiteX0" fmla="*/ 0 w 1158240"/>
+              <a:gd name="connsiteY0" fmla="*/ 0 h 719328"/>
+              <a:gd name="connsiteX1" fmla="*/ 1158240 w 1158240"/>
+              <a:gd name="connsiteY1" fmla="*/ 719328 h 719328"/>
+              <a:gd name="connsiteX0" fmla="*/ 0 w 1158240"/>
+              <a:gd name="connsiteY0" fmla="*/ 0 h 719328"/>
+              <a:gd name="connsiteX1" fmla="*/ 1158240 w 1158240"/>
+              <a:gd name="connsiteY1" fmla="*/ 719328 h 719328"/>
+              <a:gd name="connsiteX0" fmla="*/ 0 w 1158240"/>
+              <a:gd name="connsiteY0" fmla="*/ 0 h 719328"/>
+              <a:gd name="connsiteX1" fmla="*/ 1158240 w 1158240"/>
+              <a:gd name="connsiteY1" fmla="*/ 719328 h 719328"/>
+              <a:gd name="connsiteX0" fmla="*/ 0 w 1160661"/>
+              <a:gd name="connsiteY0" fmla="*/ 0 h 719328"/>
+              <a:gd name="connsiteX1" fmla="*/ 1158240 w 1160661"/>
+              <a:gd name="connsiteY1" fmla="*/ 719328 h 719328"/>
+              <a:gd name="connsiteX0" fmla="*/ 0 w 1158240"/>
+              <a:gd name="connsiteY0" fmla="*/ 0 h 719328"/>
+              <a:gd name="connsiteX1" fmla="*/ 1158240 w 1158240"/>
+              <a:gd name="connsiteY1" fmla="*/ 719328 h 719328"/>
+              <a:gd name="connsiteX0" fmla="*/ 0 w 1158240"/>
+              <a:gd name="connsiteY0" fmla="*/ 0 h 719328"/>
+              <a:gd name="connsiteX1" fmla="*/ 1158240 w 1158240"/>
+              <a:gd name="connsiteY1" fmla="*/ 719328 h 719328"/>
+              <a:gd name="connsiteX0" fmla="*/ 0 w 1158240"/>
+              <a:gd name="connsiteY0" fmla="*/ 0 h 719328"/>
+              <a:gd name="connsiteX1" fmla="*/ 1158240 w 1158240"/>
+              <a:gd name="connsiteY1" fmla="*/ 719328 h 719328"/>
+              <a:gd name="connsiteX0" fmla="*/ 0 w 1158240"/>
+              <a:gd name="connsiteY0" fmla="*/ 0 h 719328"/>
+              <a:gd name="connsiteX1" fmla="*/ 1158240 w 1158240"/>
+              <a:gd name="connsiteY1" fmla="*/ 719328 h 719328"/>
+            </a:gdLst>
+            <a:ahLst/>
+            <a:cxnLst>
+              <a:cxn ang="0">
+                <a:pos x="connsiteX0" y="connsiteY0"/>
+              </a:cxn>
+              <a:cxn ang="0">
+                <a:pos x="connsiteX1" y="connsiteY1"/>
+              </a:cxn>
+            </a:cxnLst>
+            <a:rect l="l" t="t" r="r" b="b"/>
+            <a:pathLst>
+              <a:path w="1158240" h="719328">
+                <a:moveTo>
+                  <a:pt x="0" y="0"/>
+                </a:moveTo>
+                <a:cubicBezTo>
+                  <a:pt x="568960" y="56896"/>
+                  <a:pt x="894080" y="52832"/>
+                  <a:pt x="1158240" y="719328"/>
+                </a:cubicBezTo>
+              </a:path>
+            </a:pathLst>
+          </a:custGeom>
+          <a:noFill/>
+          <a:ln w="22225">
+            <a:solidFill>
+              <a:srgbClr val="00CCFF"/>
+            </a:solidFill>
+            <a:prstDash val="dash"/>
+            <a:headEnd type="none"/>
+            <a:tailEnd type="arrow"/>
+          </a:ln>
+        </p:spPr>
+        <p:style>
+          <a:lnRef idx="2">
+            <a:schemeClr val="accent1">
+              <a:shade val="50000"/>
+            </a:schemeClr>
+          </a:lnRef>
+          <a:fillRef idx="1">
+            <a:schemeClr val="accent1"/>
+          </a:fillRef>
+          <a:effectRef idx="0">
+            <a:schemeClr val="accent1"/>
+          </a:effectRef>
+          <a:fontRef idx="minor">
+            <a:schemeClr val="lt1"/>
+          </a:fontRef>
+        </p:style>
+        <p:txBody>
+          <a:bodyPr rtlCol="0" anchor="ctr"/>
+          <a:lstStyle/>
+          <a:p>
+            <a:pPr algn="ctr"/>
+            <a:endParaRPr lang="en-GB"/>
+          </a:p>
+        </p:txBody>
+      </p:sp>
+      <p:sp>
+        <p:nvSpPr>
+          <p:cNvPr id="44" name="TextBox 43"/>
+          <p:cNvSpPr txBox="1"/>
+          <p:nvPr/>
+        </p:nvSpPr>
+        <p:spPr>
+          <a:xfrm>
+            <a:off x="9065951" y="646665"/>
+            <a:ext cx="1263616" cy="369332"/>
+          </a:xfrm>
+          <a:prstGeom prst="rect">
+            <a:avLst/>
+          </a:prstGeom>
+          <a:noFill/>
+        </p:spPr>
+        <p:txBody>
+          <a:bodyPr wrap="none" rtlCol="0">
+            <a:spAutoFit/>
+          </a:bodyPr>
+          <a:lstStyle/>
+          <a:p>
+            <a:r>
+              <a:rPr lang="nl-BE" smtClean="0"/>
+              <a:t>Destination</a:t>
+            </a:r>
+            <a:endParaRPr lang="en-US" dirty="0"/>
+          </a:p>
+        </p:txBody>
+      </p:sp>
     </p:spTree>
     <p:extLst>
       <p:ext uri="{BB962C8B-B14F-4D97-AF65-F5344CB8AC3E}">
@@ -6135,6 +6405,150 @@
                                   </p:childTnLst>
                                 </p:cTn>
                               </p:par>
+                              <p:par>
+                                <p:cTn id="29" presetID="1" presetClass="entr" presetSubtype="0" fill="hold" grpId="0" nodeType="withEffect">
+                                  <p:stCondLst>
+                                    <p:cond delay="0"/>
+                                  </p:stCondLst>
+                                  <p:childTnLst>
+                                    <p:set>
+                                      <p:cBhvr>
+                                        <p:cTn id="30" dur="1" fill="hold">
+                                          <p:stCondLst>
+                                            <p:cond delay="0"/>
+                                          </p:stCondLst>
+                                        </p:cTn>
+                                        <p:tgtEl>
+                                          <p:spTgt spid="41"/>
+                                        </p:tgtEl>
+                                        <p:attrNameLst>
+                                          <p:attrName>style.visibility</p:attrName>
+                                        </p:attrNameLst>
+                                      </p:cBhvr>
+                                      <p:to>
+                                        <p:strVal val="visible"/>
+                                      </p:to>
+                                    </p:set>
+                                  </p:childTnLst>
+                                </p:cTn>
+                              </p:par>
+                            </p:childTnLst>
+                          </p:cTn>
+                        </p:par>
+                      </p:childTnLst>
+                    </p:cTn>
+                  </p:par>
+                  <p:par>
+                    <p:cTn id="31" fill="hold">
+                      <p:stCondLst>
+                        <p:cond delay="indefinite"/>
+                      </p:stCondLst>
+                      <p:childTnLst>
+                        <p:par>
+                          <p:cTn id="32" fill="hold">
+                            <p:stCondLst>
+                              <p:cond delay="0"/>
+                            </p:stCondLst>
+                            <p:childTnLst>
+                              <p:par>
+                                <p:cTn id="33" presetID="1" presetClass="entr" presetSubtype="0" fill="hold" grpId="0" nodeType="clickEffect">
+                                  <p:stCondLst>
+                                    <p:cond delay="0"/>
+                                  </p:stCondLst>
+                                  <p:childTnLst>
+                                    <p:set>
+                                      <p:cBhvr>
+                                        <p:cTn id="34" dur="1" fill="hold">
+                                          <p:stCondLst>
+                                            <p:cond delay="0"/>
+                                          </p:stCondLst>
+                                        </p:cTn>
+                                        <p:tgtEl>
+                                          <p:spTgt spid="42"/>
+                                        </p:tgtEl>
+                                        <p:attrNameLst>
+                                          <p:attrName>style.visibility</p:attrName>
+                                        </p:attrNameLst>
+                                      </p:cBhvr>
+                                      <p:to>
+                                        <p:strVal val="visible"/>
+                                      </p:to>
+                                    </p:set>
+                                  </p:childTnLst>
+                                </p:cTn>
+                              </p:par>
+                              <p:par>
+                                <p:cTn id="35" presetID="1" presetClass="entr" presetSubtype="0" fill="hold" grpId="0" nodeType="withEffect">
+                                  <p:stCondLst>
+                                    <p:cond delay="0"/>
+                                  </p:stCondLst>
+                                  <p:childTnLst>
+                                    <p:set>
+                                      <p:cBhvr>
+                                        <p:cTn id="36" dur="1" fill="hold">
+                                          <p:stCondLst>
+                                            <p:cond delay="0"/>
+                                          </p:stCondLst>
+                                        </p:cTn>
+                                        <p:tgtEl>
+                                          <p:spTgt spid="43"/>
+                                        </p:tgtEl>
+                                        <p:attrNameLst>
+                                          <p:attrName>style.visibility</p:attrName>
+                                        </p:attrNameLst>
+                                      </p:cBhvr>
+                                      <p:to>
+                                        <p:strVal val="visible"/>
+                                      </p:to>
+                                    </p:set>
+                                  </p:childTnLst>
+                                </p:cTn>
+                              </p:par>
+                            </p:childTnLst>
+                          </p:cTn>
+                        </p:par>
+                      </p:childTnLst>
+                    </p:cTn>
+                  </p:par>
+                  <p:par>
+                    <p:cTn id="37" fill="hold">
+                      <p:stCondLst>
+                        <p:cond delay="indefinite"/>
+                      </p:stCondLst>
+                      <p:childTnLst>
+                        <p:par>
+                          <p:cTn id="38" fill="hold">
+                            <p:stCondLst>
+                              <p:cond delay="0"/>
+                            </p:stCondLst>
+                            <p:childTnLst>
+                              <p:par>
+                                <p:cTn id="39" presetID="1" presetClass="entr" presetSubtype="0" fill="hold" grpId="0" nodeType="clickEffect">
+                                  <p:stCondLst>
+                                    <p:cond delay="0"/>
+                                  </p:stCondLst>
+                                  <p:childTnLst>
+                                    <p:set>
+                                      <p:cBhvr>
+                                        <p:cTn id="40" dur="1" fill="hold">
+                                          <p:stCondLst>
+                                            <p:cond delay="0"/>
+                                          </p:stCondLst>
+                                        </p:cTn>
+                                        <p:tgtEl>
+                                          <p:spTgt spid="44"/>
+                                        </p:tgtEl>
+                                        <p:attrNameLst>
+                                          <p:attrName>style.visibility</p:attrName>
+                                        </p:attrNameLst>
+                                      </p:cBhvr>
+                                      <p:to>
+                                        <p:strVal val="visible"/>
+                                      </p:to>
+                                    </p:set>
+                                  </p:childTnLst>
+                                </p:cTn>
+                              </p:par>
                             </p:childTnLst>
                           </p:cTn>
                         </p:par>
@@ -6171,6 +6585,10 @@
       <p:bldP spid="36" grpId="0" animBg="1"/>
       <p:bldP spid="46" grpId="0" animBg="1"/>
       <p:bldP spid="47" grpId="0"/>
+      <p:bldP spid="41" grpId="0" animBg="1"/>
+      <p:bldP spid="42" grpId="0"/>
+      <p:bldP spid="43" grpId="0" animBg="1"/>
+      <p:bldP spid="44" grpId="0"/>
     </p:bldLst>
   </p:timing>
 </p:sld>

--- a/images/architecture drawings.pptx
+++ b/images/architecture drawings.pptx
@@ -8,7 +8,9 @@
     <p:sldId id="256" r:id="rId2"/>
     <p:sldId id="259" r:id="rId3"/>
     <p:sldId id="258" r:id="rId4"/>
-    <p:sldId id="257" r:id="rId5"/>
+    <p:sldId id="260" r:id="rId5"/>
+    <p:sldId id="261" r:id="rId6"/>
+    <p:sldId id="257" r:id="rId7"/>
   </p:sldIdLst>
   <p:sldSz cx="12192000" cy="6858000"/>
   <p:notesSz cx="6858000" cy="9144000"/>
@@ -9095,6 +9097,8865 @@
 </file>
 
 <file path=ppt/slides/slide4.xml><?xml version="1.0" encoding="utf-8"?>
+<p:sld xmlns:a="http://schemas.openxmlformats.org/drawingml/2006/main" xmlns:r="http://schemas.openxmlformats.org/officeDocument/2006/relationships" xmlns:p="http://schemas.openxmlformats.org/presentationml/2006/main">
+  <p:cSld>
+    <p:spTree>
+      <p:nvGrpSpPr>
+        <p:cNvPr id="1" name=""/>
+        <p:cNvGrpSpPr/>
+        <p:nvPr/>
+      </p:nvGrpSpPr>
+      <p:grpSpPr>
+        <a:xfrm>
+          <a:off x="0" y="0"/>
+          <a:ext cx="0" cy="0"/>
+          <a:chOff x="0" y="0"/>
+          <a:chExt cx="0" cy="0"/>
+        </a:xfrm>
+      </p:grpSpPr>
+      <p:pic>
+        <p:nvPicPr>
+          <p:cNvPr id="117" name="Picture 116"/>
+          <p:cNvPicPr>
+            <a:picLocks noChangeAspect="1"/>
+          </p:cNvPicPr>
+          <p:nvPr/>
+        </p:nvPicPr>
+        <p:blipFill>
+          <a:blip r:embed="rId2"/>
+          <a:stretch>
+            <a:fillRect/>
+          </a:stretch>
+        </p:blipFill>
+        <p:spPr>
+          <a:xfrm>
+            <a:off x="4103885" y="-415633"/>
+            <a:ext cx="5152418" cy="5152418"/>
+          </a:xfrm>
+          <a:prstGeom prst="rect">
+            <a:avLst/>
+          </a:prstGeom>
+        </p:spPr>
+      </p:pic>
+      <p:sp>
+        <p:nvSpPr>
+          <p:cNvPr id="5" name="Rectangle 4"/>
+          <p:cNvSpPr/>
+          <p:nvPr/>
+        </p:nvSpPr>
+        <p:spPr>
+          <a:xfrm>
+            <a:off x="681328" y="3208493"/>
+            <a:ext cx="373121" cy="336475"/>
+          </a:xfrm>
+          <a:prstGeom prst="rect">
+            <a:avLst/>
+          </a:prstGeom>
+          <a:solidFill>
+            <a:srgbClr val="00CCFF"/>
+          </a:solidFill>
+          <a:ln>
+            <a:solidFill>
+              <a:srgbClr val="00CCFF"/>
+            </a:solidFill>
+          </a:ln>
+        </p:spPr>
+        <p:style>
+          <a:lnRef idx="2">
+            <a:schemeClr val="accent1">
+              <a:shade val="50000"/>
+            </a:schemeClr>
+          </a:lnRef>
+          <a:fillRef idx="1">
+            <a:schemeClr val="accent1"/>
+          </a:fillRef>
+          <a:effectRef idx="0">
+            <a:schemeClr val="accent1"/>
+          </a:effectRef>
+          <a:fontRef idx="minor">
+            <a:schemeClr val="lt1"/>
+          </a:fontRef>
+        </p:style>
+        <p:txBody>
+          <a:bodyPr rtlCol="0" anchor="ctr"/>
+          <a:lstStyle/>
+          <a:p>
+            <a:pPr algn="ctr"/>
+            <a:r>
+              <a:rPr lang="nl-BE" dirty="0" smtClean="0">
+                <a:latin typeface="Wingdings" panose="05000000000000000000" pitchFamily="2" charset="2"/>
+              </a:rPr>
+              <a:t>z</a:t>
+            </a:r>
+            <a:endParaRPr lang="en-US" dirty="0">
+              <a:latin typeface="Wingdings" panose="05000000000000000000" pitchFamily="2" charset="2"/>
+            </a:endParaRPr>
+          </a:p>
+        </p:txBody>
+      </p:sp>
+      <p:sp>
+        <p:nvSpPr>
+          <p:cNvPr id="6" name="Rectangle 5"/>
+          <p:cNvSpPr/>
+          <p:nvPr/>
+        </p:nvSpPr>
+        <p:spPr>
+          <a:xfrm>
+            <a:off x="681328" y="2732822"/>
+            <a:ext cx="373121" cy="336475"/>
+          </a:xfrm>
+          <a:prstGeom prst="rect">
+            <a:avLst/>
+          </a:prstGeom>
+          <a:solidFill>
+            <a:srgbClr val="00CCFF"/>
+          </a:solidFill>
+          <a:ln>
+            <a:solidFill>
+              <a:srgbClr val="00CCFF"/>
+            </a:solidFill>
+          </a:ln>
+        </p:spPr>
+        <p:style>
+          <a:lnRef idx="2">
+            <a:schemeClr val="accent1">
+              <a:shade val="50000"/>
+            </a:schemeClr>
+          </a:lnRef>
+          <a:fillRef idx="1">
+            <a:schemeClr val="accent1"/>
+          </a:fillRef>
+          <a:effectRef idx="0">
+            <a:schemeClr val="accent1"/>
+          </a:effectRef>
+          <a:fontRef idx="minor">
+            <a:schemeClr val="lt1"/>
+          </a:fontRef>
+        </p:style>
+        <p:txBody>
+          <a:bodyPr rtlCol="0" anchor="ctr"/>
+          <a:lstStyle/>
+          <a:p>
+            <a:pPr algn="ctr"/>
+            <a:r>
+              <a:rPr lang="nl-BE" dirty="0" smtClean="0">
+                <a:latin typeface="Wingdings" panose="05000000000000000000" pitchFamily="2" charset="2"/>
+              </a:rPr>
+              <a:t>z</a:t>
+            </a:r>
+            <a:endParaRPr lang="en-US" dirty="0">
+              <a:latin typeface="Wingdings" panose="05000000000000000000" pitchFamily="2" charset="2"/>
+            </a:endParaRPr>
+          </a:p>
+        </p:txBody>
+      </p:sp>
+      <p:sp>
+        <p:nvSpPr>
+          <p:cNvPr id="7" name="Rectangle 6"/>
+          <p:cNvSpPr/>
+          <p:nvPr/>
+        </p:nvSpPr>
+        <p:spPr>
+          <a:xfrm>
+            <a:off x="681329" y="2257151"/>
+            <a:ext cx="373121" cy="336475"/>
+          </a:xfrm>
+          <a:prstGeom prst="rect">
+            <a:avLst/>
+          </a:prstGeom>
+          <a:solidFill>
+            <a:srgbClr val="00CCFF"/>
+          </a:solidFill>
+          <a:ln>
+            <a:solidFill>
+              <a:srgbClr val="00CCFF"/>
+            </a:solidFill>
+          </a:ln>
+        </p:spPr>
+        <p:style>
+          <a:lnRef idx="2">
+            <a:schemeClr val="accent1">
+              <a:shade val="50000"/>
+            </a:schemeClr>
+          </a:lnRef>
+          <a:fillRef idx="1">
+            <a:schemeClr val="accent1"/>
+          </a:fillRef>
+          <a:effectRef idx="0">
+            <a:schemeClr val="accent1"/>
+          </a:effectRef>
+          <a:fontRef idx="minor">
+            <a:schemeClr val="lt1"/>
+          </a:fontRef>
+        </p:style>
+        <p:txBody>
+          <a:bodyPr rtlCol="0" anchor="ctr"/>
+          <a:lstStyle/>
+          <a:p>
+            <a:pPr algn="ctr"/>
+            <a:r>
+              <a:rPr lang="nl-BE" dirty="0" smtClean="0">
+                <a:latin typeface="Wingdings" panose="05000000000000000000" pitchFamily="2" charset="2"/>
+              </a:rPr>
+              <a:t>z</a:t>
+            </a:r>
+            <a:endParaRPr lang="en-US" dirty="0">
+              <a:latin typeface="Wingdings" panose="05000000000000000000" pitchFamily="2" charset="2"/>
+            </a:endParaRPr>
+          </a:p>
+        </p:txBody>
+      </p:sp>
+      <p:sp>
+        <p:nvSpPr>
+          <p:cNvPr id="8" name="Rectangle 7"/>
+          <p:cNvSpPr/>
+          <p:nvPr/>
+        </p:nvSpPr>
+        <p:spPr>
+          <a:xfrm>
+            <a:off x="1625620" y="2637170"/>
+            <a:ext cx="591824" cy="533698"/>
+          </a:xfrm>
+          <a:prstGeom prst="rect">
+            <a:avLst/>
+          </a:prstGeom>
+          <a:solidFill>
+            <a:srgbClr val="00CCFF"/>
+          </a:solidFill>
+          <a:ln>
+            <a:solidFill>
+              <a:srgbClr val="00CCFF"/>
+            </a:solidFill>
+          </a:ln>
+        </p:spPr>
+        <p:style>
+          <a:lnRef idx="2">
+            <a:schemeClr val="accent1">
+              <a:shade val="50000"/>
+            </a:schemeClr>
+          </a:lnRef>
+          <a:fillRef idx="1">
+            <a:schemeClr val="accent1"/>
+          </a:fillRef>
+          <a:effectRef idx="0">
+            <a:schemeClr val="accent1"/>
+          </a:effectRef>
+          <a:fontRef idx="minor">
+            <a:schemeClr val="lt1"/>
+          </a:fontRef>
+        </p:style>
+        <p:txBody>
+          <a:bodyPr rtlCol="0" anchor="ctr"/>
+          <a:lstStyle/>
+          <a:p>
+            <a:pPr algn="ctr"/>
+            <a:r>
+              <a:rPr lang="nl-BE" sz="3200" dirty="0" smtClean="0">
+                <a:latin typeface="Wingdings" panose="05000000000000000000" pitchFamily="2" charset="2"/>
+              </a:rPr>
+              <a:t>z</a:t>
+            </a:r>
+            <a:endParaRPr lang="en-US" sz="3200" dirty="0">
+              <a:latin typeface="Wingdings" panose="05000000000000000000" pitchFamily="2" charset="2"/>
+            </a:endParaRPr>
+          </a:p>
+        </p:txBody>
+      </p:sp>
+      <p:sp>
+        <p:nvSpPr>
+          <p:cNvPr id="11" name="Rectangle 10"/>
+          <p:cNvSpPr/>
+          <p:nvPr/>
+        </p:nvSpPr>
+        <p:spPr>
+          <a:xfrm>
+            <a:off x="10211583" y="3644135"/>
+            <a:ext cx="373121" cy="336475"/>
+          </a:xfrm>
+          <a:prstGeom prst="rect">
+            <a:avLst/>
+          </a:prstGeom>
+          <a:solidFill>
+            <a:srgbClr val="00CCFF"/>
+          </a:solidFill>
+          <a:ln>
+            <a:solidFill>
+              <a:srgbClr val="00CCFF"/>
+            </a:solidFill>
+          </a:ln>
+        </p:spPr>
+        <p:style>
+          <a:lnRef idx="2">
+            <a:schemeClr val="accent1">
+              <a:shade val="50000"/>
+            </a:schemeClr>
+          </a:lnRef>
+          <a:fillRef idx="1">
+            <a:schemeClr val="accent1"/>
+          </a:fillRef>
+          <a:effectRef idx="0">
+            <a:schemeClr val="accent1"/>
+          </a:effectRef>
+          <a:fontRef idx="minor">
+            <a:schemeClr val="lt1"/>
+          </a:fontRef>
+        </p:style>
+        <p:txBody>
+          <a:bodyPr rtlCol="0" anchor="ctr"/>
+          <a:lstStyle/>
+          <a:p>
+            <a:pPr algn="ctr"/>
+            <a:r>
+              <a:rPr lang="nl-BE" dirty="0" smtClean="0">
+                <a:latin typeface="Wingdings" panose="05000000000000000000" pitchFamily="2" charset="2"/>
+              </a:rPr>
+              <a:t>z</a:t>
+            </a:r>
+            <a:endParaRPr lang="en-US" dirty="0">
+              <a:latin typeface="Wingdings" panose="05000000000000000000" pitchFamily="2" charset="2"/>
+            </a:endParaRPr>
+          </a:p>
+        </p:txBody>
+      </p:sp>
+      <p:sp>
+        <p:nvSpPr>
+          <p:cNvPr id="15" name="Oval 14"/>
+          <p:cNvSpPr/>
+          <p:nvPr/>
+        </p:nvSpPr>
+        <p:spPr>
+          <a:xfrm>
+            <a:off x="3937904" y="2622983"/>
+            <a:ext cx="468086" cy="468086"/>
+          </a:xfrm>
+          <a:prstGeom prst="ellipse">
+            <a:avLst/>
+          </a:prstGeom>
+          <a:ln>
+            <a:solidFill>
+              <a:srgbClr val="00CCFF"/>
+            </a:solidFill>
+          </a:ln>
+        </p:spPr>
+        <p:style>
+          <a:lnRef idx="2">
+            <a:schemeClr val="accent1"/>
+          </a:lnRef>
+          <a:fillRef idx="1">
+            <a:schemeClr val="lt1"/>
+          </a:fillRef>
+          <a:effectRef idx="0">
+            <a:schemeClr val="accent1"/>
+          </a:effectRef>
+          <a:fontRef idx="minor">
+            <a:schemeClr val="dk1"/>
+          </a:fontRef>
+        </p:style>
+        <p:txBody>
+          <a:bodyPr rtlCol="0" anchor="ctr"/>
+          <a:lstStyle/>
+          <a:p>
+            <a:pPr algn="ctr"/>
+            <a:endParaRPr lang="en-US"/>
+          </a:p>
+        </p:txBody>
+      </p:sp>
+      <p:sp>
+        <p:nvSpPr>
+          <p:cNvPr id="17" name="Oval 16"/>
+          <p:cNvSpPr/>
+          <p:nvPr/>
+        </p:nvSpPr>
+        <p:spPr>
+          <a:xfrm>
+            <a:off x="8875296" y="1789065"/>
+            <a:ext cx="468086" cy="468086"/>
+          </a:xfrm>
+          <a:prstGeom prst="ellipse">
+            <a:avLst/>
+          </a:prstGeom>
+          <a:ln>
+            <a:solidFill>
+              <a:srgbClr val="00CCFF"/>
+            </a:solidFill>
+          </a:ln>
+        </p:spPr>
+        <p:style>
+          <a:lnRef idx="2">
+            <a:schemeClr val="accent1"/>
+          </a:lnRef>
+          <a:fillRef idx="1">
+            <a:schemeClr val="lt1"/>
+          </a:fillRef>
+          <a:effectRef idx="0">
+            <a:schemeClr val="accent1"/>
+          </a:effectRef>
+          <a:fontRef idx="minor">
+            <a:schemeClr val="dk1"/>
+          </a:fontRef>
+        </p:style>
+        <p:txBody>
+          <a:bodyPr rtlCol="0" anchor="ctr"/>
+          <a:lstStyle/>
+          <a:p>
+            <a:pPr algn="ctr"/>
+            <a:endParaRPr lang="en-US"/>
+          </a:p>
+        </p:txBody>
+      </p:sp>
+      <p:sp>
+        <p:nvSpPr>
+          <p:cNvPr id="18" name="Oval 17"/>
+          <p:cNvSpPr/>
+          <p:nvPr/>
+        </p:nvSpPr>
+        <p:spPr>
+          <a:xfrm>
+            <a:off x="8903186" y="3099220"/>
+            <a:ext cx="468086" cy="468086"/>
+          </a:xfrm>
+          <a:prstGeom prst="ellipse">
+            <a:avLst/>
+          </a:prstGeom>
+          <a:ln>
+            <a:solidFill>
+              <a:srgbClr val="00CCFF"/>
+            </a:solidFill>
+          </a:ln>
+        </p:spPr>
+        <p:style>
+          <a:lnRef idx="2">
+            <a:schemeClr val="accent1"/>
+          </a:lnRef>
+          <a:fillRef idx="1">
+            <a:schemeClr val="lt1"/>
+          </a:fillRef>
+          <a:effectRef idx="0">
+            <a:schemeClr val="accent1"/>
+          </a:effectRef>
+          <a:fontRef idx="minor">
+            <a:schemeClr val="dk1"/>
+          </a:fontRef>
+        </p:style>
+        <p:txBody>
+          <a:bodyPr rtlCol="0" anchor="ctr"/>
+          <a:lstStyle/>
+          <a:p>
+            <a:pPr algn="ctr"/>
+            <a:endParaRPr lang="en-US"/>
+          </a:p>
+        </p:txBody>
+      </p:sp>
+      <p:sp>
+        <p:nvSpPr>
+          <p:cNvPr id="19" name="Down Arrow 18"/>
+          <p:cNvSpPr/>
+          <p:nvPr/>
+        </p:nvSpPr>
+        <p:spPr>
+          <a:xfrm rot="16200000">
+            <a:off x="2723805" y="2089052"/>
+            <a:ext cx="721360" cy="1603445"/>
+          </a:xfrm>
+          <a:prstGeom prst="downArrow">
+            <a:avLst/>
+          </a:prstGeom>
+          <a:solidFill>
+            <a:schemeClr val="bg2">
+              <a:lumMod val="75000"/>
+            </a:schemeClr>
+          </a:solidFill>
+          <a:ln>
+            <a:solidFill>
+              <a:schemeClr val="bg2">
+                <a:lumMod val="75000"/>
+              </a:schemeClr>
+            </a:solidFill>
+          </a:ln>
+        </p:spPr>
+        <p:style>
+          <a:lnRef idx="2">
+            <a:schemeClr val="accent1">
+              <a:shade val="50000"/>
+            </a:schemeClr>
+          </a:lnRef>
+          <a:fillRef idx="1">
+            <a:schemeClr val="accent1"/>
+          </a:fillRef>
+          <a:effectRef idx="0">
+            <a:schemeClr val="accent1"/>
+          </a:effectRef>
+          <a:fontRef idx="minor">
+            <a:schemeClr val="lt1"/>
+          </a:fontRef>
+        </p:style>
+        <p:txBody>
+          <a:bodyPr rtlCol="0" anchor="ctr"/>
+          <a:lstStyle/>
+          <a:p>
+            <a:pPr algn="ctr"/>
+            <a:endParaRPr lang="en-US"/>
+          </a:p>
+        </p:txBody>
+      </p:sp>
+      <p:cxnSp>
+        <p:nvCxnSpPr>
+          <p:cNvPr id="22" name="Elbow Connector 21"/>
+          <p:cNvCxnSpPr>
+            <a:stCxn id="7" idx="3"/>
+            <a:endCxn id="8" idx="1"/>
+          </p:cNvCxnSpPr>
+          <p:nvPr/>
+        </p:nvCxnSpPr>
+        <p:spPr>
+          <a:xfrm>
+            <a:off x="1054450" y="2425389"/>
+            <a:ext cx="571170" cy="478630"/>
+          </a:xfrm>
+          <a:prstGeom prst="bentConnector3">
+            <a:avLst/>
+          </a:prstGeom>
+          <a:ln>
+            <a:tailEnd type="triangle"/>
+          </a:ln>
+        </p:spPr>
+        <p:style>
+          <a:lnRef idx="3">
+            <a:schemeClr val="accent3"/>
+          </a:lnRef>
+          <a:fillRef idx="0">
+            <a:schemeClr val="accent3"/>
+          </a:fillRef>
+          <a:effectRef idx="2">
+            <a:schemeClr val="accent3"/>
+          </a:effectRef>
+          <a:fontRef idx="minor">
+            <a:schemeClr val="tx1"/>
+          </a:fontRef>
+        </p:style>
+      </p:cxnSp>
+      <p:cxnSp>
+        <p:nvCxnSpPr>
+          <p:cNvPr id="23" name="Elbow Connector 22"/>
+          <p:cNvCxnSpPr>
+            <a:stCxn id="5" idx="3"/>
+            <a:endCxn id="8" idx="1"/>
+          </p:cNvCxnSpPr>
+          <p:nvPr/>
+        </p:nvCxnSpPr>
+        <p:spPr>
+          <a:xfrm flipV="1">
+            <a:off x="1054449" y="2904019"/>
+            <a:ext cx="571171" cy="472712"/>
+          </a:xfrm>
+          <a:prstGeom prst="bentConnector3">
+            <a:avLst/>
+          </a:prstGeom>
+          <a:ln>
+            <a:tailEnd type="triangle"/>
+          </a:ln>
+        </p:spPr>
+        <p:style>
+          <a:lnRef idx="3">
+            <a:schemeClr val="accent3"/>
+          </a:lnRef>
+          <a:fillRef idx="0">
+            <a:schemeClr val="accent3"/>
+          </a:fillRef>
+          <a:effectRef idx="2">
+            <a:schemeClr val="accent3"/>
+          </a:effectRef>
+          <a:fontRef idx="minor">
+            <a:schemeClr val="tx1"/>
+          </a:fontRef>
+        </p:style>
+      </p:cxnSp>
+      <p:cxnSp>
+        <p:nvCxnSpPr>
+          <p:cNvPr id="26" name="Elbow Connector 25"/>
+          <p:cNvCxnSpPr>
+            <a:stCxn id="6" idx="3"/>
+            <a:endCxn id="8" idx="1"/>
+          </p:cNvCxnSpPr>
+          <p:nvPr/>
+        </p:nvCxnSpPr>
+        <p:spPr>
+          <a:xfrm>
+            <a:off x="1054449" y="2901060"/>
+            <a:ext cx="571171" cy="2959"/>
+          </a:xfrm>
+          <a:prstGeom prst="bentConnector3">
+            <a:avLst/>
+          </a:prstGeom>
+          <a:ln>
+            <a:tailEnd type="triangle"/>
+          </a:ln>
+        </p:spPr>
+        <p:style>
+          <a:lnRef idx="3">
+            <a:schemeClr val="accent3"/>
+          </a:lnRef>
+          <a:fillRef idx="0">
+            <a:schemeClr val="accent3"/>
+          </a:fillRef>
+          <a:effectRef idx="2">
+            <a:schemeClr val="accent3"/>
+          </a:effectRef>
+          <a:fontRef idx="minor">
+            <a:schemeClr val="tx1"/>
+          </a:fontRef>
+        </p:style>
+      </p:cxnSp>
+      <p:cxnSp>
+        <p:nvCxnSpPr>
+          <p:cNvPr id="30" name="Straight Arrow Connector 29"/>
+          <p:cNvCxnSpPr>
+            <a:stCxn id="18" idx="5"/>
+            <a:endCxn id="11" idx="1"/>
+          </p:cNvCxnSpPr>
+          <p:nvPr/>
+        </p:nvCxnSpPr>
+        <p:spPr>
+          <a:xfrm>
+            <a:off x="9302722" y="3498756"/>
+            <a:ext cx="908861" cy="313617"/>
+          </a:xfrm>
+          <a:prstGeom prst="straightConnector1">
+            <a:avLst/>
+          </a:prstGeom>
+          <a:ln>
+            <a:headEnd type="triangle"/>
+            <a:tailEnd type="triangle"/>
+          </a:ln>
+        </p:spPr>
+        <p:style>
+          <a:lnRef idx="3">
+            <a:schemeClr val="accent3"/>
+          </a:lnRef>
+          <a:fillRef idx="0">
+            <a:schemeClr val="accent3"/>
+          </a:fillRef>
+          <a:effectRef idx="2">
+            <a:schemeClr val="accent3"/>
+          </a:effectRef>
+          <a:fontRef idx="minor">
+            <a:schemeClr val="tx1"/>
+          </a:fontRef>
+        </p:style>
+      </p:cxnSp>
+      <p:pic>
+        <p:nvPicPr>
+          <p:cNvPr id="32" name="Picture 31"/>
+          <p:cNvPicPr>
+            <a:picLocks noChangeAspect="1"/>
+          </p:cNvPicPr>
+          <p:nvPr/>
+        </p:nvPicPr>
+        <p:blipFill>
+          <a:blip r:embed="rId3"/>
+          <a:stretch>
+            <a:fillRect/>
+          </a:stretch>
+        </p:blipFill>
+        <p:spPr>
+          <a:xfrm>
+            <a:off x="4898929" y="2278923"/>
+            <a:ext cx="1219370" cy="1219370"/>
+          </a:xfrm>
+          <a:prstGeom prst="rect">
+            <a:avLst/>
+          </a:prstGeom>
+        </p:spPr>
+      </p:pic>
+      <p:pic>
+        <p:nvPicPr>
+          <p:cNvPr id="35" name="Picture 34"/>
+          <p:cNvPicPr>
+            <a:picLocks noChangeAspect="1"/>
+          </p:cNvPicPr>
+          <p:nvPr/>
+        </p:nvPicPr>
+        <p:blipFill>
+          <a:blip r:embed="rId4"/>
+          <a:stretch>
+            <a:fillRect/>
+          </a:stretch>
+        </p:blipFill>
+        <p:spPr>
+          <a:xfrm>
+            <a:off x="5906026" y="2319469"/>
+            <a:ext cx="1219370" cy="1219370"/>
+          </a:xfrm>
+          <a:prstGeom prst="rect">
+            <a:avLst/>
+          </a:prstGeom>
+        </p:spPr>
+      </p:pic>
+      <p:pic>
+        <p:nvPicPr>
+          <p:cNvPr id="36" name="Picture 35"/>
+          <p:cNvPicPr>
+            <a:picLocks noChangeAspect="1"/>
+          </p:cNvPicPr>
+          <p:nvPr/>
+        </p:nvPicPr>
+        <p:blipFill>
+          <a:blip r:embed="rId5"/>
+          <a:stretch>
+            <a:fillRect/>
+          </a:stretch>
+        </p:blipFill>
+        <p:spPr>
+          <a:xfrm>
+            <a:off x="7558291" y="2265867"/>
+            <a:ext cx="1219370" cy="1219370"/>
+          </a:xfrm>
+          <a:prstGeom prst="rect">
+            <a:avLst/>
+          </a:prstGeom>
+        </p:spPr>
+      </p:pic>
+      <p:sp>
+        <p:nvSpPr>
+          <p:cNvPr id="41" name="Rectangle 40"/>
+          <p:cNvSpPr/>
+          <p:nvPr/>
+        </p:nvSpPr>
+        <p:spPr>
+          <a:xfrm>
+            <a:off x="4679030" y="2229383"/>
+            <a:ext cx="4073281" cy="1191418"/>
+          </a:xfrm>
+          <a:prstGeom prst="rect">
+            <a:avLst/>
+          </a:prstGeom>
+          <a:noFill/>
+          <a:ln>
+            <a:solidFill>
+              <a:schemeClr val="bg1">
+                <a:lumMod val="50000"/>
+              </a:schemeClr>
+            </a:solidFill>
+          </a:ln>
+        </p:spPr>
+        <p:style>
+          <a:lnRef idx="2">
+            <a:schemeClr val="accent1"/>
+          </a:lnRef>
+          <a:fillRef idx="1">
+            <a:schemeClr val="lt1"/>
+          </a:fillRef>
+          <a:effectRef idx="0">
+            <a:schemeClr val="accent1"/>
+          </a:effectRef>
+          <a:fontRef idx="minor">
+            <a:schemeClr val="dk1"/>
+          </a:fontRef>
+        </p:style>
+        <p:txBody>
+          <a:bodyPr rtlCol="0" anchor="t"/>
+          <a:lstStyle/>
+          <a:p>
+            <a:pPr algn="ctr"/>
+            <a:r>
+              <a:rPr lang="nl-BE" dirty="0" smtClean="0"/>
+              <a:t>Channel</a:t>
+            </a:r>
+            <a:endParaRPr lang="en-US" dirty="0"/>
+          </a:p>
+        </p:txBody>
+      </p:sp>
+      <p:sp>
+        <p:nvSpPr>
+          <p:cNvPr id="42" name="Down Arrow 41"/>
+          <p:cNvSpPr/>
+          <p:nvPr/>
+        </p:nvSpPr>
+        <p:spPr>
+          <a:xfrm rot="16200000">
+            <a:off x="4546246" y="2593854"/>
+            <a:ext cx="450264" cy="580965"/>
+          </a:xfrm>
+          <a:prstGeom prst="downArrow">
+            <a:avLst/>
+          </a:prstGeom>
+          <a:solidFill>
+            <a:schemeClr val="bg2">
+              <a:lumMod val="75000"/>
+            </a:schemeClr>
+          </a:solidFill>
+          <a:ln>
+            <a:solidFill>
+              <a:schemeClr val="bg2">
+                <a:lumMod val="75000"/>
+              </a:schemeClr>
+            </a:solidFill>
+          </a:ln>
+        </p:spPr>
+        <p:style>
+          <a:lnRef idx="2">
+            <a:schemeClr val="accent1">
+              <a:shade val="50000"/>
+            </a:schemeClr>
+          </a:lnRef>
+          <a:fillRef idx="1">
+            <a:schemeClr val="accent1"/>
+          </a:fillRef>
+          <a:effectRef idx="0">
+            <a:schemeClr val="accent1"/>
+          </a:effectRef>
+          <a:fontRef idx="minor">
+            <a:schemeClr val="lt1"/>
+          </a:fontRef>
+        </p:style>
+        <p:txBody>
+          <a:bodyPr rtlCol="0" anchor="ctr"/>
+          <a:lstStyle/>
+          <a:p>
+            <a:pPr algn="ctr"/>
+            <a:endParaRPr lang="en-US"/>
+          </a:p>
+        </p:txBody>
+      </p:sp>
+      <p:sp>
+        <p:nvSpPr>
+          <p:cNvPr id="43" name="Down Arrow 42"/>
+          <p:cNvSpPr/>
+          <p:nvPr/>
+        </p:nvSpPr>
+        <p:spPr>
+          <a:xfrm rot="16200000">
+            <a:off x="6059173" y="2643086"/>
+            <a:ext cx="155855" cy="464932"/>
+          </a:xfrm>
+          <a:prstGeom prst="downArrow">
+            <a:avLst/>
+          </a:prstGeom>
+          <a:solidFill>
+            <a:schemeClr val="bg2">
+              <a:lumMod val="75000"/>
+            </a:schemeClr>
+          </a:solidFill>
+          <a:ln>
+            <a:solidFill>
+              <a:schemeClr val="bg2">
+                <a:lumMod val="75000"/>
+              </a:schemeClr>
+            </a:solidFill>
+          </a:ln>
+        </p:spPr>
+        <p:style>
+          <a:lnRef idx="2">
+            <a:schemeClr val="accent1">
+              <a:shade val="50000"/>
+            </a:schemeClr>
+          </a:lnRef>
+          <a:fillRef idx="1">
+            <a:schemeClr val="accent1"/>
+          </a:fillRef>
+          <a:effectRef idx="0">
+            <a:schemeClr val="accent1"/>
+          </a:effectRef>
+          <a:fontRef idx="minor">
+            <a:schemeClr val="lt1"/>
+          </a:fontRef>
+        </p:style>
+        <p:txBody>
+          <a:bodyPr rtlCol="0" anchor="ctr"/>
+          <a:lstStyle/>
+          <a:p>
+            <a:pPr algn="ctr"/>
+            <a:endParaRPr lang="en-US"/>
+          </a:p>
+        </p:txBody>
+      </p:sp>
+      <p:cxnSp>
+        <p:nvCxnSpPr>
+          <p:cNvPr id="45" name="Straight Arrow Connector 44"/>
+          <p:cNvCxnSpPr/>
+          <p:nvPr/>
+        </p:nvCxnSpPr>
+        <p:spPr>
+          <a:xfrm>
+            <a:off x="6727374" y="2873865"/>
+            <a:ext cx="261538" cy="1687"/>
+          </a:xfrm>
+          <a:prstGeom prst="straightConnector1">
+            <a:avLst/>
+          </a:prstGeom>
+          <a:ln>
+            <a:tailEnd type="triangle"/>
+          </a:ln>
+        </p:spPr>
+        <p:style>
+          <a:lnRef idx="3">
+            <a:schemeClr val="accent3"/>
+          </a:lnRef>
+          <a:fillRef idx="0">
+            <a:schemeClr val="accent3"/>
+          </a:fillRef>
+          <a:effectRef idx="2">
+            <a:schemeClr val="accent3"/>
+          </a:effectRef>
+          <a:fontRef idx="minor">
+            <a:schemeClr val="tx1"/>
+          </a:fontRef>
+        </p:style>
+      </p:cxnSp>
+      <p:cxnSp>
+        <p:nvCxnSpPr>
+          <p:cNvPr id="46" name="Straight Arrow Connector 45"/>
+          <p:cNvCxnSpPr/>
+          <p:nvPr/>
+        </p:nvCxnSpPr>
+        <p:spPr>
+          <a:xfrm flipV="1">
+            <a:off x="9351840" y="1523111"/>
+            <a:ext cx="691956" cy="451423"/>
+          </a:xfrm>
+          <a:prstGeom prst="straightConnector1">
+            <a:avLst/>
+          </a:prstGeom>
+          <a:ln>
+            <a:tailEnd type="triangle"/>
+          </a:ln>
+        </p:spPr>
+        <p:style>
+          <a:lnRef idx="3">
+            <a:schemeClr val="accent3"/>
+          </a:lnRef>
+          <a:fillRef idx="0">
+            <a:schemeClr val="accent3"/>
+          </a:fillRef>
+          <a:effectRef idx="2">
+            <a:schemeClr val="accent3"/>
+          </a:effectRef>
+          <a:fontRef idx="minor">
+            <a:schemeClr val="tx1"/>
+          </a:fontRef>
+        </p:style>
+      </p:cxnSp>
+      <p:cxnSp>
+        <p:nvCxnSpPr>
+          <p:cNvPr id="48" name="Straight Arrow Connector 47"/>
+          <p:cNvCxnSpPr>
+            <a:endCxn id="18" idx="2"/>
+          </p:cNvCxnSpPr>
+          <p:nvPr/>
+        </p:nvCxnSpPr>
+        <p:spPr>
+          <a:xfrm>
+            <a:off x="8484891" y="3136849"/>
+            <a:ext cx="418295" cy="196414"/>
+          </a:xfrm>
+          <a:prstGeom prst="straightConnector1">
+            <a:avLst/>
+          </a:prstGeom>
+          <a:ln>
+            <a:tailEnd type="triangle"/>
+          </a:ln>
+        </p:spPr>
+        <p:style>
+          <a:lnRef idx="3">
+            <a:schemeClr val="accent3"/>
+          </a:lnRef>
+          <a:fillRef idx="0">
+            <a:schemeClr val="accent3"/>
+          </a:fillRef>
+          <a:effectRef idx="2">
+            <a:schemeClr val="accent3"/>
+          </a:effectRef>
+          <a:fontRef idx="minor">
+            <a:schemeClr val="tx1"/>
+          </a:fontRef>
+        </p:style>
+      </p:cxnSp>
+      <p:sp>
+        <p:nvSpPr>
+          <p:cNvPr id="52" name="Oval 51"/>
+          <p:cNvSpPr/>
+          <p:nvPr/>
+        </p:nvSpPr>
+        <p:spPr>
+          <a:xfrm>
+            <a:off x="8974236" y="2340435"/>
+            <a:ext cx="468086" cy="468086"/>
+          </a:xfrm>
+          <a:prstGeom prst="ellipse">
+            <a:avLst/>
+          </a:prstGeom>
+          <a:ln>
+            <a:solidFill>
+              <a:srgbClr val="00CCFF"/>
+            </a:solidFill>
+          </a:ln>
+        </p:spPr>
+        <p:style>
+          <a:lnRef idx="2">
+            <a:schemeClr val="accent1"/>
+          </a:lnRef>
+          <a:fillRef idx="1">
+            <a:schemeClr val="lt1"/>
+          </a:fillRef>
+          <a:effectRef idx="0">
+            <a:schemeClr val="accent1"/>
+          </a:effectRef>
+          <a:fontRef idx="minor">
+            <a:schemeClr val="dk1"/>
+          </a:fontRef>
+        </p:style>
+        <p:txBody>
+          <a:bodyPr rtlCol="0" anchor="ctr"/>
+          <a:lstStyle/>
+          <a:p>
+            <a:pPr algn="ctr"/>
+            <a:endParaRPr lang="en-US"/>
+          </a:p>
+        </p:txBody>
+      </p:sp>
+      <p:cxnSp>
+        <p:nvCxnSpPr>
+          <p:cNvPr id="53" name="Straight Arrow Connector 52"/>
+          <p:cNvCxnSpPr/>
+          <p:nvPr/>
+        </p:nvCxnSpPr>
+        <p:spPr>
+          <a:xfrm flipV="1">
+            <a:off x="9441248" y="2591522"/>
+            <a:ext cx="751055" cy="8742"/>
+          </a:xfrm>
+          <a:prstGeom prst="straightConnector1">
+            <a:avLst/>
+          </a:prstGeom>
+          <a:ln>
+            <a:tailEnd type="triangle"/>
+          </a:ln>
+        </p:spPr>
+        <p:style>
+          <a:lnRef idx="3">
+            <a:schemeClr val="accent3"/>
+          </a:lnRef>
+          <a:fillRef idx="0">
+            <a:schemeClr val="accent3"/>
+          </a:fillRef>
+          <a:effectRef idx="2">
+            <a:schemeClr val="accent3"/>
+          </a:effectRef>
+          <a:fontRef idx="minor">
+            <a:schemeClr val="tx1"/>
+          </a:fontRef>
+        </p:style>
+      </p:cxnSp>
+      <p:sp>
+        <p:nvSpPr>
+          <p:cNvPr id="61" name="TextBox 60"/>
+          <p:cNvSpPr txBox="1"/>
+          <p:nvPr/>
+        </p:nvSpPr>
+        <p:spPr>
+          <a:xfrm>
+            <a:off x="6028578" y="870275"/>
+            <a:ext cx="1388457" cy="369332"/>
+          </a:xfrm>
+          <a:prstGeom prst="rect">
+            <a:avLst/>
+          </a:prstGeom>
+          <a:noFill/>
+        </p:spPr>
+        <p:txBody>
+          <a:bodyPr wrap="none" rtlCol="0">
+            <a:spAutoFit/>
+          </a:bodyPr>
+          <a:lstStyle/>
+          <a:p>
+            <a:r>
+              <a:rPr lang="nl-BE" dirty="0" smtClean="0"/>
+              <a:t>Environment</a:t>
+            </a:r>
+            <a:endParaRPr lang="en-US" dirty="0"/>
+          </a:p>
+        </p:txBody>
+      </p:sp>
+      <p:sp>
+        <p:nvSpPr>
+          <p:cNvPr id="62" name="TextBox 61"/>
+          <p:cNvSpPr txBox="1"/>
+          <p:nvPr/>
+        </p:nvSpPr>
+        <p:spPr>
+          <a:xfrm>
+            <a:off x="2484021" y="2726790"/>
+            <a:ext cx="915635" cy="307777"/>
+          </a:xfrm>
+          <a:prstGeom prst="rect">
+            <a:avLst/>
+          </a:prstGeom>
+          <a:noFill/>
+        </p:spPr>
+        <p:txBody>
+          <a:bodyPr wrap="none" rtlCol="0">
+            <a:spAutoFit/>
+          </a:bodyPr>
+          <a:lstStyle/>
+          <a:p>
+            <a:r>
+              <a:rPr lang="nl-BE" sz="1400" dirty="0" smtClean="0"/>
+              <a:t>Telemetry</a:t>
+            </a:r>
+            <a:endParaRPr lang="en-US" sz="1400" dirty="0"/>
+          </a:p>
+        </p:txBody>
+      </p:sp>
+      <p:sp>
+        <p:nvSpPr>
+          <p:cNvPr id="63" name="TextBox 62"/>
+          <p:cNvSpPr txBox="1"/>
+          <p:nvPr/>
+        </p:nvSpPr>
+        <p:spPr>
+          <a:xfrm>
+            <a:off x="478258" y="3616119"/>
+            <a:ext cx="745845" cy="307777"/>
+          </a:xfrm>
+          <a:prstGeom prst="rect">
+            <a:avLst/>
+          </a:prstGeom>
+          <a:noFill/>
+        </p:spPr>
+        <p:txBody>
+          <a:bodyPr wrap="none" rtlCol="0">
+            <a:spAutoFit/>
+          </a:bodyPr>
+          <a:lstStyle/>
+          <a:p>
+            <a:r>
+              <a:rPr lang="nl-BE" sz="1400" dirty="0" smtClean="0"/>
+              <a:t>Sensors</a:t>
+            </a:r>
+            <a:endParaRPr lang="en-US" sz="1400" dirty="0"/>
+          </a:p>
+        </p:txBody>
+      </p:sp>
+      <p:sp>
+        <p:nvSpPr>
+          <p:cNvPr id="64" name="TextBox 63"/>
+          <p:cNvSpPr txBox="1"/>
+          <p:nvPr/>
+        </p:nvSpPr>
+        <p:spPr>
+          <a:xfrm>
+            <a:off x="1490011" y="3136849"/>
+            <a:ext cx="822468" cy="523220"/>
+          </a:xfrm>
+          <a:prstGeom prst="rect">
+            <a:avLst/>
+          </a:prstGeom>
+          <a:noFill/>
+        </p:spPr>
+        <p:txBody>
+          <a:bodyPr wrap="none" rtlCol="0">
+            <a:spAutoFit/>
+          </a:bodyPr>
+          <a:lstStyle/>
+          <a:p>
+            <a:pPr algn="ctr"/>
+            <a:r>
+              <a:rPr lang="nl-BE" sz="1400" dirty="0" smtClean="0"/>
+              <a:t>Field</a:t>
+            </a:r>
+            <a:br>
+              <a:rPr lang="nl-BE" sz="1400" dirty="0" smtClean="0"/>
+            </a:br>
+            <a:r>
+              <a:rPr lang="nl-BE" sz="1400" dirty="0" smtClean="0"/>
+              <a:t>Gateway</a:t>
+            </a:r>
+            <a:endParaRPr lang="en-US" sz="1400" dirty="0"/>
+          </a:p>
+        </p:txBody>
+      </p:sp>
+      <p:sp>
+        <p:nvSpPr>
+          <p:cNvPr id="65" name="TextBox 64"/>
+          <p:cNvSpPr txBox="1"/>
+          <p:nvPr/>
+        </p:nvSpPr>
+        <p:spPr>
+          <a:xfrm>
+            <a:off x="9920155" y="3972414"/>
+            <a:ext cx="820866" cy="307777"/>
+          </a:xfrm>
+          <a:prstGeom prst="rect">
+            <a:avLst/>
+          </a:prstGeom>
+          <a:noFill/>
+        </p:spPr>
+        <p:txBody>
+          <a:bodyPr wrap="none" rtlCol="0">
+            <a:spAutoFit/>
+          </a:bodyPr>
+          <a:lstStyle/>
+          <a:p>
+            <a:r>
+              <a:rPr lang="nl-BE" sz="1400" dirty="0" smtClean="0"/>
+              <a:t>Actuator</a:t>
+            </a:r>
+            <a:endParaRPr lang="en-US" sz="1400" dirty="0"/>
+          </a:p>
+        </p:txBody>
+      </p:sp>
+      <p:pic>
+        <p:nvPicPr>
+          <p:cNvPr id="71" name="Picture 70"/>
+          <p:cNvPicPr>
+            <a:picLocks noChangeAspect="1"/>
+          </p:cNvPicPr>
+          <p:nvPr/>
+        </p:nvPicPr>
+        <p:blipFill>
+          <a:blip r:embed="rId6"/>
+          <a:stretch>
+            <a:fillRect/>
+          </a:stretch>
+        </p:blipFill>
+        <p:spPr>
+          <a:xfrm>
+            <a:off x="6776438" y="2380608"/>
+            <a:ext cx="952835" cy="952835"/>
+          </a:xfrm>
+          <a:prstGeom prst="rect">
+            <a:avLst/>
+          </a:prstGeom>
+        </p:spPr>
+      </p:pic>
+      <p:cxnSp>
+        <p:nvCxnSpPr>
+          <p:cNvPr id="87" name="Straight Arrow Connector 86"/>
+          <p:cNvCxnSpPr/>
+          <p:nvPr/>
+        </p:nvCxnSpPr>
+        <p:spPr>
+          <a:xfrm>
+            <a:off x="7519866" y="2873864"/>
+            <a:ext cx="261538" cy="1687"/>
+          </a:xfrm>
+          <a:prstGeom prst="straightConnector1">
+            <a:avLst/>
+          </a:prstGeom>
+          <a:ln>
+            <a:tailEnd type="triangle"/>
+          </a:ln>
+        </p:spPr>
+        <p:style>
+          <a:lnRef idx="3">
+            <a:schemeClr val="accent3"/>
+          </a:lnRef>
+          <a:fillRef idx="0">
+            <a:schemeClr val="accent3"/>
+          </a:fillRef>
+          <a:effectRef idx="2">
+            <a:schemeClr val="accent3"/>
+          </a:effectRef>
+          <a:fontRef idx="minor">
+            <a:schemeClr val="tx1"/>
+          </a:fontRef>
+        </p:style>
+      </p:cxnSp>
+      <p:cxnSp>
+        <p:nvCxnSpPr>
+          <p:cNvPr id="88" name="Straight Arrow Connector 87"/>
+          <p:cNvCxnSpPr>
+            <a:endCxn id="17" idx="3"/>
+          </p:cNvCxnSpPr>
+          <p:nvPr/>
+        </p:nvCxnSpPr>
+        <p:spPr>
+          <a:xfrm flipV="1">
+            <a:off x="8430859" y="2188601"/>
+            <a:ext cx="512987" cy="385877"/>
+          </a:xfrm>
+          <a:prstGeom prst="straightConnector1">
+            <a:avLst/>
+          </a:prstGeom>
+          <a:ln>
+            <a:tailEnd type="triangle"/>
+          </a:ln>
+        </p:spPr>
+        <p:style>
+          <a:lnRef idx="3">
+            <a:schemeClr val="accent3"/>
+          </a:lnRef>
+          <a:fillRef idx="0">
+            <a:schemeClr val="accent3"/>
+          </a:fillRef>
+          <a:effectRef idx="2">
+            <a:schemeClr val="accent3"/>
+          </a:effectRef>
+          <a:fontRef idx="minor">
+            <a:schemeClr val="tx1"/>
+          </a:fontRef>
+        </p:style>
+      </p:cxnSp>
+      <p:cxnSp>
+        <p:nvCxnSpPr>
+          <p:cNvPr id="90" name="Straight Arrow Connector 89"/>
+          <p:cNvCxnSpPr>
+            <a:endCxn id="52" idx="2"/>
+          </p:cNvCxnSpPr>
+          <p:nvPr/>
+        </p:nvCxnSpPr>
+        <p:spPr>
+          <a:xfrm flipV="1">
+            <a:off x="8484891" y="2574478"/>
+            <a:ext cx="489345" cy="94286"/>
+          </a:xfrm>
+          <a:prstGeom prst="straightConnector1">
+            <a:avLst/>
+          </a:prstGeom>
+          <a:ln>
+            <a:tailEnd type="triangle"/>
+          </a:ln>
+        </p:spPr>
+        <p:style>
+          <a:lnRef idx="3">
+            <a:schemeClr val="accent3"/>
+          </a:lnRef>
+          <a:fillRef idx="0">
+            <a:schemeClr val="accent3"/>
+          </a:fillRef>
+          <a:effectRef idx="2">
+            <a:schemeClr val="accent3"/>
+          </a:effectRef>
+          <a:fontRef idx="minor">
+            <a:schemeClr val="tx1"/>
+          </a:fontRef>
+        </p:style>
+      </p:cxnSp>
+      <p:pic>
+        <p:nvPicPr>
+          <p:cNvPr id="94" name="Picture 93"/>
+          <p:cNvPicPr>
+            <a:picLocks noChangeAspect="1"/>
+          </p:cNvPicPr>
+          <p:nvPr/>
+        </p:nvPicPr>
+        <p:blipFill>
+          <a:blip r:embed="rId7"/>
+          <a:stretch>
+            <a:fillRect/>
+          </a:stretch>
+        </p:blipFill>
+        <p:spPr>
+          <a:xfrm>
+            <a:off x="9914078" y="846311"/>
+            <a:ext cx="932088" cy="932088"/>
+          </a:xfrm>
+          <a:prstGeom prst="rect">
+            <a:avLst/>
+          </a:prstGeom>
+        </p:spPr>
+      </p:pic>
+      <p:pic>
+        <p:nvPicPr>
+          <p:cNvPr id="101" name="Picture 100"/>
+          <p:cNvPicPr>
+            <a:picLocks noChangeAspect="1"/>
+          </p:cNvPicPr>
+          <p:nvPr/>
+        </p:nvPicPr>
+        <p:blipFill>
+          <a:blip r:embed="rId8"/>
+          <a:stretch>
+            <a:fillRect/>
+          </a:stretch>
+        </p:blipFill>
+        <p:spPr>
+          <a:xfrm>
+            <a:off x="9863610" y="1998011"/>
+            <a:ext cx="1062178" cy="1062178"/>
+          </a:xfrm>
+          <a:prstGeom prst="rect">
+            <a:avLst/>
+          </a:prstGeom>
+        </p:spPr>
+      </p:pic>
+      <p:sp>
+        <p:nvSpPr>
+          <p:cNvPr id="107" name="TextBox 106"/>
+          <p:cNvSpPr txBox="1"/>
+          <p:nvPr/>
+        </p:nvSpPr>
+        <p:spPr>
+          <a:xfrm rot="1150056">
+            <a:off x="9282148" y="3650691"/>
+            <a:ext cx="829073" cy="276999"/>
+          </a:xfrm>
+          <a:prstGeom prst="rect">
+            <a:avLst/>
+          </a:prstGeom>
+          <a:noFill/>
+        </p:spPr>
+        <p:txBody>
+          <a:bodyPr wrap="none" rtlCol="0">
+            <a:spAutoFit/>
+          </a:bodyPr>
+          <a:lstStyle/>
+          <a:p>
+            <a:r>
+              <a:rPr lang="nl-BE" sz="1200" dirty="0" smtClean="0"/>
+              <a:t>Command</a:t>
+            </a:r>
+            <a:endParaRPr lang="en-US" sz="1200" dirty="0"/>
+          </a:p>
+        </p:txBody>
+      </p:sp>
+      <p:sp>
+        <p:nvSpPr>
+          <p:cNvPr id="108" name="TextBox 107"/>
+          <p:cNvSpPr txBox="1"/>
+          <p:nvPr/>
+        </p:nvSpPr>
+        <p:spPr>
+          <a:xfrm rot="19591373">
+            <a:off x="9222119" y="1458638"/>
+            <a:ext cx="856325" cy="261610"/>
+          </a:xfrm>
+          <a:prstGeom prst="rect">
+            <a:avLst/>
+          </a:prstGeom>
+          <a:noFill/>
+        </p:spPr>
+        <p:txBody>
+          <a:bodyPr wrap="none" rtlCol="0">
+            <a:spAutoFit/>
+          </a:bodyPr>
+          <a:lstStyle/>
+          <a:p>
+            <a:r>
+              <a:rPr lang="nl-BE" sz="1100" dirty="0" smtClean="0"/>
+              <a:t>Notification</a:t>
+            </a:r>
+            <a:endParaRPr lang="en-US" sz="1100" dirty="0"/>
+          </a:p>
+        </p:txBody>
+      </p:sp>
+      <p:sp>
+        <p:nvSpPr>
+          <p:cNvPr id="109" name="TextBox 108"/>
+          <p:cNvSpPr txBox="1"/>
+          <p:nvPr/>
+        </p:nvSpPr>
+        <p:spPr>
+          <a:xfrm>
+            <a:off x="9367138" y="2343955"/>
+            <a:ext cx="856325" cy="261610"/>
+          </a:xfrm>
+          <a:prstGeom prst="rect">
+            <a:avLst/>
+          </a:prstGeom>
+          <a:noFill/>
+        </p:spPr>
+        <p:txBody>
+          <a:bodyPr wrap="none" rtlCol="0">
+            <a:spAutoFit/>
+          </a:bodyPr>
+          <a:lstStyle/>
+          <a:p>
+            <a:r>
+              <a:rPr lang="nl-BE" sz="1100" dirty="0" smtClean="0"/>
+              <a:t>Notification</a:t>
+            </a:r>
+            <a:endParaRPr lang="en-US" sz="1100" dirty="0"/>
+          </a:p>
+        </p:txBody>
+      </p:sp>
+      <p:sp>
+        <p:nvSpPr>
+          <p:cNvPr id="118" name="TextBox 117"/>
+          <p:cNvSpPr txBox="1"/>
+          <p:nvPr/>
+        </p:nvSpPr>
+        <p:spPr>
+          <a:xfrm>
+            <a:off x="5238714" y="3179464"/>
+            <a:ext cx="479618" cy="261610"/>
+          </a:xfrm>
+          <a:prstGeom prst="rect">
+            <a:avLst/>
+          </a:prstGeom>
+          <a:noFill/>
+        </p:spPr>
+        <p:txBody>
+          <a:bodyPr wrap="none" rtlCol="0">
+            <a:spAutoFit/>
+          </a:bodyPr>
+          <a:lstStyle/>
+          <a:p>
+            <a:r>
+              <a:rPr lang="nl-BE" sz="1100" dirty="0" smtClean="0"/>
+              <a:t>Filter</a:t>
+            </a:r>
+            <a:endParaRPr lang="en-US" sz="1100" dirty="0"/>
+          </a:p>
+        </p:txBody>
+      </p:sp>
+      <p:sp>
+        <p:nvSpPr>
+          <p:cNvPr id="119" name="TextBox 118"/>
+          <p:cNvSpPr txBox="1"/>
+          <p:nvPr/>
+        </p:nvSpPr>
+        <p:spPr>
+          <a:xfrm>
+            <a:off x="6088204" y="3169371"/>
+            <a:ext cx="768159" cy="261610"/>
+          </a:xfrm>
+          <a:prstGeom prst="rect">
+            <a:avLst/>
+          </a:prstGeom>
+          <a:noFill/>
+        </p:spPr>
+        <p:txBody>
+          <a:bodyPr wrap="none" rtlCol="0">
+            <a:spAutoFit/>
+          </a:bodyPr>
+          <a:lstStyle/>
+          <a:p>
+            <a:r>
+              <a:rPr lang="nl-BE" sz="1100" dirty="0" smtClean="0"/>
+              <a:t>Aggregate</a:t>
+            </a:r>
+            <a:endParaRPr lang="en-US" sz="1100" dirty="0"/>
+          </a:p>
+        </p:txBody>
+      </p:sp>
+      <p:sp>
+        <p:nvSpPr>
+          <p:cNvPr id="120" name="TextBox 119"/>
+          <p:cNvSpPr txBox="1"/>
+          <p:nvPr/>
+        </p:nvSpPr>
+        <p:spPr>
+          <a:xfrm>
+            <a:off x="6816346" y="3179464"/>
+            <a:ext cx="869149" cy="261610"/>
+          </a:xfrm>
+          <a:prstGeom prst="rect">
+            <a:avLst/>
+          </a:prstGeom>
+          <a:noFill/>
+        </p:spPr>
+        <p:txBody>
+          <a:bodyPr wrap="none" rtlCol="0">
+            <a:spAutoFit/>
+          </a:bodyPr>
+          <a:lstStyle/>
+          <a:p>
+            <a:r>
+              <a:rPr lang="nl-BE" sz="1100" dirty="0" smtClean="0"/>
+              <a:t>Check limits</a:t>
+            </a:r>
+            <a:endParaRPr lang="en-US" sz="1100" dirty="0"/>
+          </a:p>
+        </p:txBody>
+      </p:sp>
+      <p:sp>
+        <p:nvSpPr>
+          <p:cNvPr id="121" name="TextBox 120"/>
+          <p:cNvSpPr txBox="1"/>
+          <p:nvPr/>
+        </p:nvSpPr>
+        <p:spPr>
+          <a:xfrm>
+            <a:off x="7837301" y="3186053"/>
+            <a:ext cx="526106" cy="261610"/>
+          </a:xfrm>
+          <a:prstGeom prst="rect">
+            <a:avLst/>
+          </a:prstGeom>
+          <a:noFill/>
+        </p:spPr>
+        <p:txBody>
+          <a:bodyPr wrap="none" rtlCol="0">
+            <a:spAutoFit/>
+          </a:bodyPr>
+          <a:lstStyle/>
+          <a:p>
+            <a:r>
+              <a:rPr lang="nl-BE" sz="1100" dirty="0" smtClean="0"/>
+              <a:t>Route</a:t>
+            </a:r>
+            <a:endParaRPr lang="en-US" sz="1100" dirty="0"/>
+          </a:p>
+        </p:txBody>
+      </p:sp>
+      <p:pic>
+        <p:nvPicPr>
+          <p:cNvPr id="47" name="Picture 46"/>
+          <p:cNvPicPr>
+            <a:picLocks noChangeAspect="1"/>
+          </p:cNvPicPr>
+          <p:nvPr/>
+        </p:nvPicPr>
+        <p:blipFill>
+          <a:blip r:embed="rId9"/>
+          <a:stretch>
+            <a:fillRect/>
+          </a:stretch>
+        </p:blipFill>
+        <p:spPr>
+          <a:xfrm>
+            <a:off x="10621473" y="4672884"/>
+            <a:ext cx="831492" cy="2980566"/>
+          </a:xfrm>
+          <a:prstGeom prst="rect">
+            <a:avLst/>
+          </a:prstGeom>
+        </p:spPr>
+      </p:pic>
+      <p:grpSp>
+        <p:nvGrpSpPr>
+          <p:cNvPr id="49" name="Group 48"/>
+          <p:cNvGrpSpPr/>
+          <p:nvPr/>
+        </p:nvGrpSpPr>
+        <p:grpSpPr>
+          <a:xfrm>
+            <a:off x="6389771" y="6489885"/>
+            <a:ext cx="1021456" cy="731373"/>
+            <a:chOff x="5910842" y="4523247"/>
+            <a:chExt cx="1021456" cy="731373"/>
+          </a:xfrm>
+        </p:grpSpPr>
+        <p:pic>
+          <p:nvPicPr>
+            <p:cNvPr id="50" name="Picture 49"/>
+            <p:cNvPicPr>
+              <a:picLocks noChangeAspect="1"/>
+            </p:cNvPicPr>
+            <p:nvPr/>
+          </p:nvPicPr>
+          <p:blipFill>
+            <a:blip r:embed="rId10"/>
+            <a:stretch>
+              <a:fillRect/>
+            </a:stretch>
+          </p:blipFill>
+          <p:spPr>
+            <a:xfrm>
+              <a:off x="5910842" y="4523247"/>
+              <a:ext cx="576356" cy="693433"/>
+            </a:xfrm>
+            <a:prstGeom prst="rect">
+              <a:avLst/>
+            </a:prstGeom>
+          </p:spPr>
+        </p:pic>
+        <p:pic>
+          <p:nvPicPr>
+            <p:cNvPr id="51" name="Picture 50"/>
+            <p:cNvPicPr>
+              <a:picLocks noChangeAspect="1"/>
+            </p:cNvPicPr>
+            <p:nvPr/>
+          </p:nvPicPr>
+          <p:blipFill>
+            <a:blip r:embed="rId10"/>
+            <a:stretch>
+              <a:fillRect/>
+            </a:stretch>
+          </p:blipFill>
+          <p:spPr>
+            <a:xfrm>
+              <a:off x="6355942" y="4561187"/>
+              <a:ext cx="576356" cy="693433"/>
+            </a:xfrm>
+            <a:prstGeom prst="rect">
+              <a:avLst/>
+            </a:prstGeom>
+          </p:spPr>
+        </p:pic>
+      </p:grpSp>
+      <p:grpSp>
+        <p:nvGrpSpPr>
+          <p:cNvPr id="54" name="Group 53"/>
+          <p:cNvGrpSpPr/>
+          <p:nvPr/>
+        </p:nvGrpSpPr>
+        <p:grpSpPr>
+          <a:xfrm>
+            <a:off x="1607675" y="4735067"/>
+            <a:ext cx="1529621" cy="2980566"/>
+            <a:chOff x="1492712" y="2943003"/>
+            <a:chExt cx="1529621" cy="2980566"/>
+          </a:xfrm>
+        </p:grpSpPr>
+        <p:pic>
+          <p:nvPicPr>
+            <p:cNvPr id="55" name="Picture 54"/>
+            <p:cNvPicPr>
+              <a:picLocks noChangeAspect="1"/>
+            </p:cNvPicPr>
+            <p:nvPr/>
+          </p:nvPicPr>
+          <p:blipFill>
+            <a:blip r:embed="rId9"/>
+            <a:stretch>
+              <a:fillRect/>
+            </a:stretch>
+          </p:blipFill>
+          <p:spPr>
+            <a:xfrm>
+              <a:off x="2190841" y="2943003"/>
+              <a:ext cx="831492" cy="2980566"/>
+            </a:xfrm>
+            <a:prstGeom prst="rect">
+              <a:avLst/>
+            </a:prstGeom>
+          </p:spPr>
+        </p:pic>
+        <p:sp>
+          <p:nvSpPr>
+            <p:cNvPr id="56" name="Oval 55"/>
+            <p:cNvSpPr/>
+            <p:nvPr/>
+          </p:nvSpPr>
+          <p:spPr>
+            <a:xfrm>
+              <a:off x="1492712" y="3833448"/>
+              <a:ext cx="230909" cy="215496"/>
+            </a:xfrm>
+            <a:prstGeom prst="ellipse">
+              <a:avLst/>
+            </a:prstGeom>
+            <a:solidFill>
+              <a:schemeClr val="bg2">
+                <a:lumMod val="50000"/>
+              </a:schemeClr>
+            </a:solidFill>
+            <a:ln>
+              <a:solidFill>
+                <a:schemeClr val="bg2">
+                  <a:lumMod val="50000"/>
+                </a:schemeClr>
+              </a:solidFill>
+            </a:ln>
+          </p:spPr>
+          <p:style>
+            <a:lnRef idx="2">
+              <a:schemeClr val="accent1">
+                <a:shade val="50000"/>
+              </a:schemeClr>
+            </a:lnRef>
+            <a:fillRef idx="1">
+              <a:schemeClr val="accent1"/>
+            </a:fillRef>
+            <a:effectRef idx="0">
+              <a:schemeClr val="accent1"/>
+            </a:effectRef>
+            <a:fontRef idx="minor">
+              <a:schemeClr val="lt1"/>
+            </a:fontRef>
+          </p:style>
+          <p:txBody>
+            <a:bodyPr rtlCol="0" anchor="ctr"/>
+            <a:lstStyle/>
+            <a:p>
+              <a:pPr algn="ctr"/>
+              <a:endParaRPr lang="en-US"/>
+            </a:p>
+          </p:txBody>
+        </p:sp>
+        <p:cxnSp>
+          <p:nvCxnSpPr>
+            <p:cNvPr id="57" name="Straight Connector 56"/>
+            <p:cNvCxnSpPr>
+              <a:stCxn id="56" idx="6"/>
+            </p:cNvCxnSpPr>
+            <p:nvPr/>
+          </p:nvCxnSpPr>
+          <p:spPr>
+            <a:xfrm>
+              <a:off x="1723621" y="3941196"/>
+              <a:ext cx="490444" cy="0"/>
+            </a:xfrm>
+            <a:prstGeom prst="line">
+              <a:avLst/>
+            </a:prstGeom>
+            <a:ln>
+              <a:solidFill>
+                <a:schemeClr val="bg2">
+                  <a:lumMod val="50000"/>
+                </a:schemeClr>
+              </a:solidFill>
+            </a:ln>
+          </p:spPr>
+          <p:style>
+            <a:lnRef idx="1">
+              <a:schemeClr val="accent1"/>
+            </a:lnRef>
+            <a:fillRef idx="0">
+              <a:schemeClr val="accent1"/>
+            </a:fillRef>
+            <a:effectRef idx="0">
+              <a:schemeClr val="accent1"/>
+            </a:effectRef>
+            <a:fontRef idx="minor">
+              <a:schemeClr val="tx1"/>
+            </a:fontRef>
+          </p:style>
+        </p:cxnSp>
+        <p:sp>
+          <p:nvSpPr>
+            <p:cNvPr id="58" name="Oval 57"/>
+            <p:cNvSpPr/>
+            <p:nvPr/>
+          </p:nvSpPr>
+          <p:spPr>
+            <a:xfrm>
+              <a:off x="1492712" y="4136854"/>
+              <a:ext cx="230909" cy="215496"/>
+            </a:xfrm>
+            <a:prstGeom prst="ellipse">
+              <a:avLst/>
+            </a:prstGeom>
+            <a:solidFill>
+              <a:schemeClr val="bg2">
+                <a:lumMod val="50000"/>
+              </a:schemeClr>
+            </a:solidFill>
+            <a:ln>
+              <a:solidFill>
+                <a:schemeClr val="bg2">
+                  <a:lumMod val="50000"/>
+                </a:schemeClr>
+              </a:solidFill>
+            </a:ln>
+          </p:spPr>
+          <p:style>
+            <a:lnRef idx="2">
+              <a:schemeClr val="accent1">
+                <a:shade val="50000"/>
+              </a:schemeClr>
+            </a:lnRef>
+            <a:fillRef idx="1">
+              <a:schemeClr val="accent1"/>
+            </a:fillRef>
+            <a:effectRef idx="0">
+              <a:schemeClr val="accent1"/>
+            </a:effectRef>
+            <a:fontRef idx="minor">
+              <a:schemeClr val="lt1"/>
+            </a:fontRef>
+          </p:style>
+          <p:txBody>
+            <a:bodyPr rtlCol="0" anchor="ctr"/>
+            <a:lstStyle/>
+            <a:p>
+              <a:pPr algn="ctr"/>
+              <a:endParaRPr lang="en-US"/>
+            </a:p>
+          </p:txBody>
+        </p:sp>
+        <p:cxnSp>
+          <p:nvCxnSpPr>
+            <p:cNvPr id="59" name="Straight Connector 58"/>
+            <p:cNvCxnSpPr>
+              <a:stCxn id="58" idx="6"/>
+            </p:cNvCxnSpPr>
+            <p:nvPr/>
+          </p:nvCxnSpPr>
+          <p:spPr>
+            <a:xfrm>
+              <a:off x="1723621" y="4244602"/>
+              <a:ext cx="479418" cy="0"/>
+            </a:xfrm>
+            <a:prstGeom prst="line">
+              <a:avLst/>
+            </a:prstGeom>
+            <a:ln>
+              <a:solidFill>
+                <a:schemeClr val="bg2">
+                  <a:lumMod val="50000"/>
+                </a:schemeClr>
+              </a:solidFill>
+            </a:ln>
+          </p:spPr>
+          <p:style>
+            <a:lnRef idx="1">
+              <a:schemeClr val="accent1"/>
+            </a:lnRef>
+            <a:fillRef idx="0">
+              <a:schemeClr val="accent1"/>
+            </a:fillRef>
+            <a:effectRef idx="0">
+              <a:schemeClr val="accent1"/>
+            </a:effectRef>
+            <a:fontRef idx="minor">
+              <a:schemeClr val="tx1"/>
+            </a:fontRef>
+          </p:style>
+        </p:cxnSp>
+        <p:sp>
+          <p:nvSpPr>
+            <p:cNvPr id="60" name="Oval 59"/>
+            <p:cNvSpPr/>
+            <p:nvPr/>
+          </p:nvSpPr>
+          <p:spPr>
+            <a:xfrm>
+              <a:off x="1492712" y="4523247"/>
+              <a:ext cx="230909" cy="215496"/>
+            </a:xfrm>
+            <a:prstGeom prst="ellipse">
+              <a:avLst/>
+            </a:prstGeom>
+            <a:solidFill>
+              <a:schemeClr val="bg2">
+                <a:lumMod val="50000"/>
+              </a:schemeClr>
+            </a:solidFill>
+            <a:ln>
+              <a:solidFill>
+                <a:schemeClr val="bg2">
+                  <a:lumMod val="50000"/>
+                </a:schemeClr>
+              </a:solidFill>
+            </a:ln>
+          </p:spPr>
+          <p:style>
+            <a:lnRef idx="2">
+              <a:schemeClr val="accent1">
+                <a:shade val="50000"/>
+              </a:schemeClr>
+            </a:lnRef>
+            <a:fillRef idx="1">
+              <a:schemeClr val="accent1"/>
+            </a:fillRef>
+            <a:effectRef idx="0">
+              <a:schemeClr val="accent1"/>
+            </a:effectRef>
+            <a:fontRef idx="minor">
+              <a:schemeClr val="lt1"/>
+            </a:fontRef>
+          </p:style>
+          <p:txBody>
+            <a:bodyPr rtlCol="0" anchor="ctr"/>
+            <a:lstStyle/>
+            <a:p>
+              <a:pPr algn="ctr"/>
+              <a:endParaRPr lang="en-US"/>
+            </a:p>
+          </p:txBody>
+        </p:sp>
+        <p:cxnSp>
+          <p:nvCxnSpPr>
+            <p:cNvPr id="66" name="Straight Connector 65"/>
+            <p:cNvCxnSpPr>
+              <a:stCxn id="60" idx="6"/>
+            </p:cNvCxnSpPr>
+            <p:nvPr/>
+          </p:nvCxnSpPr>
+          <p:spPr>
+            <a:xfrm>
+              <a:off x="1723621" y="4630995"/>
+              <a:ext cx="488653" cy="0"/>
+            </a:xfrm>
+            <a:prstGeom prst="line">
+              <a:avLst/>
+            </a:prstGeom>
+            <a:ln>
+              <a:solidFill>
+                <a:schemeClr val="bg2">
+                  <a:lumMod val="50000"/>
+                </a:schemeClr>
+              </a:solidFill>
+            </a:ln>
+          </p:spPr>
+          <p:style>
+            <a:lnRef idx="1">
+              <a:schemeClr val="accent1"/>
+            </a:lnRef>
+            <a:fillRef idx="0">
+              <a:schemeClr val="accent1"/>
+            </a:fillRef>
+            <a:effectRef idx="0">
+              <a:schemeClr val="accent1"/>
+            </a:effectRef>
+            <a:fontRef idx="minor">
+              <a:schemeClr val="tx1"/>
+            </a:fontRef>
+          </p:style>
+        </p:cxnSp>
+        <p:sp>
+          <p:nvSpPr>
+            <p:cNvPr id="67" name="Oval 66"/>
+            <p:cNvSpPr/>
+            <p:nvPr/>
+          </p:nvSpPr>
+          <p:spPr>
+            <a:xfrm>
+              <a:off x="1492712" y="4852228"/>
+              <a:ext cx="230909" cy="215496"/>
+            </a:xfrm>
+            <a:prstGeom prst="ellipse">
+              <a:avLst/>
+            </a:prstGeom>
+            <a:solidFill>
+              <a:schemeClr val="bg2">
+                <a:lumMod val="50000"/>
+              </a:schemeClr>
+            </a:solidFill>
+            <a:ln>
+              <a:solidFill>
+                <a:schemeClr val="bg2">
+                  <a:lumMod val="50000"/>
+                </a:schemeClr>
+              </a:solidFill>
+            </a:ln>
+          </p:spPr>
+          <p:style>
+            <a:lnRef idx="2">
+              <a:schemeClr val="accent1">
+                <a:shade val="50000"/>
+              </a:schemeClr>
+            </a:lnRef>
+            <a:fillRef idx="1">
+              <a:schemeClr val="accent1"/>
+            </a:fillRef>
+            <a:effectRef idx="0">
+              <a:schemeClr val="accent1"/>
+            </a:effectRef>
+            <a:fontRef idx="minor">
+              <a:schemeClr val="lt1"/>
+            </a:fontRef>
+          </p:style>
+          <p:txBody>
+            <a:bodyPr rtlCol="0" anchor="ctr"/>
+            <a:lstStyle/>
+            <a:p>
+              <a:pPr algn="ctr"/>
+              <a:endParaRPr lang="en-US"/>
+            </a:p>
+          </p:txBody>
+        </p:sp>
+        <p:cxnSp>
+          <p:nvCxnSpPr>
+            <p:cNvPr id="68" name="Straight Connector 67"/>
+            <p:cNvCxnSpPr>
+              <a:stCxn id="67" idx="6"/>
+            </p:cNvCxnSpPr>
+            <p:nvPr/>
+          </p:nvCxnSpPr>
+          <p:spPr>
+            <a:xfrm>
+              <a:off x="1723621" y="4959976"/>
+              <a:ext cx="494585" cy="0"/>
+            </a:xfrm>
+            <a:prstGeom prst="line">
+              <a:avLst/>
+            </a:prstGeom>
+            <a:ln>
+              <a:solidFill>
+                <a:schemeClr val="bg2">
+                  <a:lumMod val="50000"/>
+                </a:schemeClr>
+              </a:solidFill>
+            </a:ln>
+          </p:spPr>
+          <p:style>
+            <a:lnRef idx="1">
+              <a:schemeClr val="accent1"/>
+            </a:lnRef>
+            <a:fillRef idx="0">
+              <a:schemeClr val="accent1"/>
+            </a:fillRef>
+            <a:effectRef idx="0">
+              <a:schemeClr val="accent1"/>
+            </a:effectRef>
+            <a:fontRef idx="minor">
+              <a:schemeClr val="tx1"/>
+            </a:fontRef>
+          </p:style>
+        </p:cxnSp>
+        <p:sp>
+          <p:nvSpPr>
+            <p:cNvPr id="69" name="Oval 68"/>
+            <p:cNvSpPr/>
+            <p:nvPr/>
+          </p:nvSpPr>
+          <p:spPr>
+            <a:xfrm>
+              <a:off x="1492712" y="5295556"/>
+              <a:ext cx="230909" cy="215496"/>
+            </a:xfrm>
+            <a:prstGeom prst="ellipse">
+              <a:avLst/>
+            </a:prstGeom>
+            <a:solidFill>
+              <a:schemeClr val="bg2">
+                <a:lumMod val="50000"/>
+              </a:schemeClr>
+            </a:solidFill>
+            <a:ln>
+              <a:solidFill>
+                <a:schemeClr val="bg2">
+                  <a:lumMod val="50000"/>
+                </a:schemeClr>
+              </a:solidFill>
+            </a:ln>
+          </p:spPr>
+          <p:style>
+            <a:lnRef idx="2">
+              <a:schemeClr val="accent1">
+                <a:shade val="50000"/>
+              </a:schemeClr>
+            </a:lnRef>
+            <a:fillRef idx="1">
+              <a:schemeClr val="accent1"/>
+            </a:fillRef>
+            <a:effectRef idx="0">
+              <a:schemeClr val="accent1"/>
+            </a:effectRef>
+            <a:fontRef idx="minor">
+              <a:schemeClr val="lt1"/>
+            </a:fontRef>
+          </p:style>
+          <p:txBody>
+            <a:bodyPr rtlCol="0" anchor="ctr"/>
+            <a:lstStyle/>
+            <a:p>
+              <a:pPr algn="ctr"/>
+              <a:endParaRPr lang="en-US"/>
+            </a:p>
+          </p:txBody>
+        </p:sp>
+        <p:cxnSp>
+          <p:nvCxnSpPr>
+            <p:cNvPr id="70" name="Straight Connector 69"/>
+            <p:cNvCxnSpPr>
+              <a:stCxn id="69" idx="6"/>
+            </p:cNvCxnSpPr>
+            <p:nvPr/>
+          </p:nvCxnSpPr>
+          <p:spPr>
+            <a:xfrm>
+              <a:off x="1723621" y="5403304"/>
+              <a:ext cx="479418" cy="0"/>
+            </a:xfrm>
+            <a:prstGeom prst="line">
+              <a:avLst/>
+            </a:prstGeom>
+            <a:ln>
+              <a:solidFill>
+                <a:schemeClr val="bg2">
+                  <a:lumMod val="50000"/>
+                </a:schemeClr>
+              </a:solidFill>
+            </a:ln>
+          </p:spPr>
+          <p:style>
+            <a:lnRef idx="1">
+              <a:schemeClr val="accent1"/>
+            </a:lnRef>
+            <a:fillRef idx="0">
+              <a:schemeClr val="accent1"/>
+            </a:fillRef>
+            <a:effectRef idx="0">
+              <a:schemeClr val="accent1"/>
+            </a:effectRef>
+            <a:fontRef idx="minor">
+              <a:schemeClr val="tx1"/>
+            </a:fontRef>
+          </p:style>
+        </p:cxnSp>
+        <p:sp>
+          <p:nvSpPr>
+            <p:cNvPr id="72" name="Oval 71"/>
+            <p:cNvSpPr/>
+            <p:nvPr/>
+          </p:nvSpPr>
+          <p:spPr>
+            <a:xfrm>
+              <a:off x="1492712" y="5643254"/>
+              <a:ext cx="230909" cy="215496"/>
+            </a:xfrm>
+            <a:prstGeom prst="ellipse">
+              <a:avLst/>
+            </a:prstGeom>
+            <a:solidFill>
+              <a:schemeClr val="bg2">
+                <a:lumMod val="50000"/>
+              </a:schemeClr>
+            </a:solidFill>
+            <a:ln>
+              <a:solidFill>
+                <a:schemeClr val="bg2">
+                  <a:lumMod val="50000"/>
+                </a:schemeClr>
+              </a:solidFill>
+            </a:ln>
+          </p:spPr>
+          <p:style>
+            <a:lnRef idx="2">
+              <a:schemeClr val="accent1">
+                <a:shade val="50000"/>
+              </a:schemeClr>
+            </a:lnRef>
+            <a:fillRef idx="1">
+              <a:schemeClr val="accent1"/>
+            </a:fillRef>
+            <a:effectRef idx="0">
+              <a:schemeClr val="accent1"/>
+            </a:effectRef>
+            <a:fontRef idx="minor">
+              <a:schemeClr val="lt1"/>
+            </a:fontRef>
+          </p:style>
+          <p:txBody>
+            <a:bodyPr rtlCol="0" anchor="ctr"/>
+            <a:lstStyle/>
+            <a:p>
+              <a:pPr algn="ctr"/>
+              <a:endParaRPr lang="en-US"/>
+            </a:p>
+          </p:txBody>
+        </p:sp>
+        <p:cxnSp>
+          <p:nvCxnSpPr>
+            <p:cNvPr id="73" name="Straight Connector 72"/>
+            <p:cNvCxnSpPr>
+              <a:stCxn id="72" idx="6"/>
+            </p:cNvCxnSpPr>
+            <p:nvPr/>
+          </p:nvCxnSpPr>
+          <p:spPr>
+            <a:xfrm>
+              <a:off x="1723621" y="5751002"/>
+              <a:ext cx="488653" cy="0"/>
+            </a:xfrm>
+            <a:prstGeom prst="line">
+              <a:avLst/>
+            </a:prstGeom>
+            <a:ln>
+              <a:solidFill>
+                <a:schemeClr val="bg2">
+                  <a:lumMod val="50000"/>
+                </a:schemeClr>
+              </a:solidFill>
+            </a:ln>
+          </p:spPr>
+          <p:style>
+            <a:lnRef idx="1">
+              <a:schemeClr val="accent1"/>
+            </a:lnRef>
+            <a:fillRef idx="0">
+              <a:schemeClr val="accent1"/>
+            </a:fillRef>
+            <a:effectRef idx="0">
+              <a:schemeClr val="accent1"/>
+            </a:effectRef>
+            <a:fontRef idx="minor">
+              <a:schemeClr val="tx1"/>
+            </a:fontRef>
+          </p:style>
+        </p:cxnSp>
+        <p:sp>
+          <p:nvSpPr>
+            <p:cNvPr id="74" name="Oval 73"/>
+            <p:cNvSpPr/>
+            <p:nvPr/>
+          </p:nvSpPr>
+          <p:spPr>
+            <a:xfrm>
+              <a:off x="1492712" y="3025361"/>
+              <a:ext cx="230909" cy="215496"/>
+            </a:xfrm>
+            <a:prstGeom prst="ellipse">
+              <a:avLst/>
+            </a:prstGeom>
+            <a:solidFill>
+              <a:schemeClr val="bg2">
+                <a:lumMod val="50000"/>
+              </a:schemeClr>
+            </a:solidFill>
+            <a:ln>
+              <a:solidFill>
+                <a:schemeClr val="bg2">
+                  <a:lumMod val="50000"/>
+                </a:schemeClr>
+              </a:solidFill>
+            </a:ln>
+          </p:spPr>
+          <p:style>
+            <a:lnRef idx="2">
+              <a:schemeClr val="accent1">
+                <a:shade val="50000"/>
+              </a:schemeClr>
+            </a:lnRef>
+            <a:fillRef idx="1">
+              <a:schemeClr val="accent1"/>
+            </a:fillRef>
+            <a:effectRef idx="0">
+              <a:schemeClr val="accent1"/>
+            </a:effectRef>
+            <a:fontRef idx="minor">
+              <a:schemeClr val="lt1"/>
+            </a:fontRef>
+          </p:style>
+          <p:txBody>
+            <a:bodyPr rtlCol="0" anchor="ctr"/>
+            <a:lstStyle/>
+            <a:p>
+              <a:pPr algn="ctr"/>
+              <a:endParaRPr lang="en-US"/>
+            </a:p>
+          </p:txBody>
+        </p:sp>
+        <p:cxnSp>
+          <p:nvCxnSpPr>
+            <p:cNvPr id="75" name="Straight Connector 74"/>
+            <p:cNvCxnSpPr>
+              <a:stCxn id="74" idx="6"/>
+            </p:cNvCxnSpPr>
+            <p:nvPr/>
+          </p:nvCxnSpPr>
+          <p:spPr>
+            <a:xfrm>
+              <a:off x="1723621" y="3133109"/>
+              <a:ext cx="495604" cy="0"/>
+            </a:xfrm>
+            <a:prstGeom prst="line">
+              <a:avLst/>
+            </a:prstGeom>
+            <a:ln>
+              <a:solidFill>
+                <a:schemeClr val="bg2">
+                  <a:lumMod val="50000"/>
+                </a:schemeClr>
+              </a:solidFill>
+            </a:ln>
+          </p:spPr>
+          <p:style>
+            <a:lnRef idx="1">
+              <a:schemeClr val="accent1"/>
+            </a:lnRef>
+            <a:fillRef idx="0">
+              <a:schemeClr val="accent1"/>
+            </a:fillRef>
+            <a:effectRef idx="0">
+              <a:schemeClr val="accent1"/>
+            </a:effectRef>
+            <a:fontRef idx="minor">
+              <a:schemeClr val="tx1"/>
+            </a:fontRef>
+          </p:style>
+        </p:cxnSp>
+        <p:sp>
+          <p:nvSpPr>
+            <p:cNvPr id="76" name="Oval 75"/>
+            <p:cNvSpPr/>
+            <p:nvPr/>
+          </p:nvSpPr>
+          <p:spPr>
+            <a:xfrm>
+              <a:off x="1492712" y="3360941"/>
+              <a:ext cx="230909" cy="215496"/>
+            </a:xfrm>
+            <a:prstGeom prst="ellipse">
+              <a:avLst/>
+            </a:prstGeom>
+            <a:solidFill>
+              <a:schemeClr val="bg2">
+                <a:lumMod val="50000"/>
+              </a:schemeClr>
+            </a:solidFill>
+            <a:ln>
+              <a:solidFill>
+                <a:schemeClr val="bg2">
+                  <a:lumMod val="50000"/>
+                </a:schemeClr>
+              </a:solidFill>
+            </a:ln>
+          </p:spPr>
+          <p:style>
+            <a:lnRef idx="2">
+              <a:schemeClr val="accent1">
+                <a:shade val="50000"/>
+              </a:schemeClr>
+            </a:lnRef>
+            <a:fillRef idx="1">
+              <a:schemeClr val="accent1"/>
+            </a:fillRef>
+            <a:effectRef idx="0">
+              <a:schemeClr val="accent1"/>
+            </a:effectRef>
+            <a:fontRef idx="minor">
+              <a:schemeClr val="lt1"/>
+            </a:fontRef>
+          </p:style>
+          <p:txBody>
+            <a:bodyPr rtlCol="0" anchor="ctr"/>
+            <a:lstStyle/>
+            <a:p>
+              <a:pPr algn="ctr"/>
+              <a:endParaRPr lang="en-US"/>
+            </a:p>
+          </p:txBody>
+        </p:sp>
+        <p:cxnSp>
+          <p:nvCxnSpPr>
+            <p:cNvPr id="77" name="Straight Connector 76"/>
+            <p:cNvCxnSpPr/>
+            <p:nvPr/>
+          </p:nvCxnSpPr>
+          <p:spPr>
+            <a:xfrm>
+              <a:off x="1668196" y="3468689"/>
+              <a:ext cx="516966" cy="0"/>
+            </a:xfrm>
+            <a:prstGeom prst="line">
+              <a:avLst/>
+            </a:prstGeom>
+            <a:ln>
+              <a:solidFill>
+                <a:schemeClr val="bg2">
+                  <a:lumMod val="50000"/>
+                </a:schemeClr>
+              </a:solidFill>
+            </a:ln>
+          </p:spPr>
+          <p:style>
+            <a:lnRef idx="1">
+              <a:schemeClr val="accent1"/>
+            </a:lnRef>
+            <a:fillRef idx="0">
+              <a:schemeClr val="accent1"/>
+            </a:fillRef>
+            <a:effectRef idx="0">
+              <a:schemeClr val="accent1"/>
+            </a:effectRef>
+            <a:fontRef idx="minor">
+              <a:schemeClr val="tx1"/>
+            </a:fontRef>
+          </p:style>
+        </p:cxnSp>
+      </p:grpSp>
+      <p:sp>
+        <p:nvSpPr>
+          <p:cNvPr id="78" name="TextBox 77"/>
+          <p:cNvSpPr txBox="1"/>
+          <p:nvPr/>
+        </p:nvSpPr>
+        <p:spPr>
+          <a:xfrm>
+            <a:off x="1111799" y="7691736"/>
+            <a:ext cx="1319139" cy="461665"/>
+          </a:xfrm>
+          <a:prstGeom prst="rect">
+            <a:avLst/>
+          </a:prstGeom>
+          <a:noFill/>
+        </p:spPr>
+        <p:txBody>
+          <a:bodyPr wrap="square" rtlCol="0">
+            <a:spAutoFit/>
+          </a:bodyPr>
+          <a:lstStyle/>
+          <a:p>
+            <a:r>
+              <a:rPr lang="nl-BE" sz="1200" dirty="0" smtClean="0"/>
+              <a:t>Http, Amqp, Signalr</a:t>
+            </a:r>
+            <a:r>
+              <a:rPr lang="nl-BE" sz="1200" dirty="0" smtClean="0"/>
+              <a:t>, </a:t>
+            </a:r>
+            <a:r>
+              <a:rPr lang="nl-BE" sz="1200" dirty="0" smtClean="0"/>
+              <a:t>.... </a:t>
+            </a:r>
+            <a:endParaRPr lang="en-US" sz="1200" dirty="0"/>
+          </a:p>
+        </p:txBody>
+      </p:sp>
+      <p:sp>
+        <p:nvSpPr>
+          <p:cNvPr id="79" name="TextBox 78"/>
+          <p:cNvSpPr txBox="1"/>
+          <p:nvPr/>
+        </p:nvSpPr>
+        <p:spPr>
+          <a:xfrm>
+            <a:off x="6369956" y="7309342"/>
+            <a:ext cx="1319139" cy="553998"/>
+          </a:xfrm>
+          <a:prstGeom prst="rect">
+            <a:avLst/>
+          </a:prstGeom>
+          <a:noFill/>
+        </p:spPr>
+        <p:txBody>
+          <a:bodyPr wrap="square" rtlCol="0">
+            <a:spAutoFit/>
+          </a:bodyPr>
+          <a:lstStyle/>
+          <a:p>
+            <a:pPr algn="ctr"/>
+            <a:r>
+              <a:rPr lang="nl-BE" dirty="0" smtClean="0"/>
+              <a:t>Transport</a:t>
+            </a:r>
+            <a:endParaRPr lang="nl-BE" sz="1200" dirty="0" smtClean="0"/>
+          </a:p>
+          <a:p>
+            <a:pPr algn="ctr"/>
+            <a:r>
+              <a:rPr lang="nl-BE" sz="1200" dirty="0" smtClean="0"/>
+              <a:t>Azure </a:t>
+            </a:r>
+            <a:r>
+              <a:rPr lang="nl-BE" sz="1200" dirty="0" smtClean="0"/>
+              <a:t>Servicebus</a:t>
+            </a:r>
+            <a:endParaRPr lang="en-US" sz="1200" dirty="0"/>
+          </a:p>
+        </p:txBody>
+      </p:sp>
+      <p:sp>
+        <p:nvSpPr>
+          <p:cNvPr id="80" name="Left-Right Arrow 79"/>
+          <p:cNvSpPr/>
+          <p:nvPr/>
+        </p:nvSpPr>
+        <p:spPr>
+          <a:xfrm>
+            <a:off x="3582396" y="6546958"/>
+            <a:ext cx="2548579" cy="648875"/>
+          </a:xfrm>
+          <a:prstGeom prst="leftRightArrow">
+            <a:avLst/>
+          </a:prstGeom>
+          <a:solidFill>
+            <a:schemeClr val="bg1">
+              <a:lumMod val="65000"/>
+            </a:schemeClr>
+          </a:solidFill>
+          <a:ln>
+            <a:solidFill>
+              <a:schemeClr val="bg1">
+                <a:lumMod val="65000"/>
+              </a:schemeClr>
+            </a:solidFill>
+          </a:ln>
+        </p:spPr>
+        <p:style>
+          <a:lnRef idx="2">
+            <a:schemeClr val="accent1">
+              <a:shade val="50000"/>
+            </a:schemeClr>
+          </a:lnRef>
+          <a:fillRef idx="1">
+            <a:schemeClr val="accent1"/>
+          </a:fillRef>
+          <a:effectRef idx="0">
+            <a:schemeClr val="accent1"/>
+          </a:effectRef>
+          <a:fontRef idx="minor">
+            <a:schemeClr val="lt1"/>
+          </a:fontRef>
+        </p:style>
+        <p:txBody>
+          <a:bodyPr rtlCol="0" anchor="ctr"/>
+          <a:lstStyle/>
+          <a:p>
+            <a:pPr algn="ctr"/>
+            <a:endParaRPr lang="en-US"/>
+          </a:p>
+        </p:txBody>
+      </p:sp>
+      <p:sp>
+        <p:nvSpPr>
+          <p:cNvPr id="81" name="Left-Right Arrow 80"/>
+          <p:cNvSpPr/>
+          <p:nvPr/>
+        </p:nvSpPr>
+        <p:spPr>
+          <a:xfrm>
+            <a:off x="7689095" y="6530403"/>
+            <a:ext cx="2548579" cy="648875"/>
+          </a:xfrm>
+          <a:prstGeom prst="leftRightArrow">
+            <a:avLst/>
+          </a:prstGeom>
+          <a:solidFill>
+            <a:schemeClr val="bg1">
+              <a:lumMod val="65000"/>
+            </a:schemeClr>
+          </a:solidFill>
+          <a:ln>
+            <a:solidFill>
+              <a:schemeClr val="bg1">
+                <a:lumMod val="65000"/>
+              </a:schemeClr>
+            </a:solidFill>
+          </a:ln>
+        </p:spPr>
+        <p:style>
+          <a:lnRef idx="2">
+            <a:schemeClr val="accent1">
+              <a:shade val="50000"/>
+            </a:schemeClr>
+          </a:lnRef>
+          <a:fillRef idx="1">
+            <a:schemeClr val="accent1"/>
+          </a:fillRef>
+          <a:effectRef idx="0">
+            <a:schemeClr val="accent1"/>
+          </a:effectRef>
+          <a:fontRef idx="minor">
+            <a:schemeClr val="lt1"/>
+          </a:fontRef>
+        </p:style>
+        <p:txBody>
+          <a:bodyPr rtlCol="0" anchor="ctr"/>
+          <a:lstStyle/>
+          <a:p>
+            <a:pPr algn="ctr"/>
+            <a:endParaRPr lang="en-US"/>
+          </a:p>
+        </p:txBody>
+      </p:sp>
+      <p:sp>
+        <p:nvSpPr>
+          <p:cNvPr id="82" name="Rectangle 81"/>
+          <p:cNvSpPr/>
+          <p:nvPr/>
+        </p:nvSpPr>
+        <p:spPr>
+          <a:xfrm>
+            <a:off x="1123589" y="4355756"/>
+            <a:ext cx="11002751" cy="4148125"/>
+          </a:xfrm>
+          <a:prstGeom prst="rect">
+            <a:avLst/>
+          </a:prstGeom>
+          <a:noFill/>
+          <a:ln>
+            <a:solidFill>
+              <a:schemeClr val="bg1">
+                <a:lumMod val="50000"/>
+              </a:schemeClr>
+            </a:solidFill>
+          </a:ln>
+        </p:spPr>
+        <p:style>
+          <a:lnRef idx="2">
+            <a:schemeClr val="accent1"/>
+          </a:lnRef>
+          <a:fillRef idx="1">
+            <a:schemeClr val="lt1"/>
+          </a:fillRef>
+          <a:effectRef idx="0">
+            <a:schemeClr val="accent1"/>
+          </a:effectRef>
+          <a:fontRef idx="minor">
+            <a:schemeClr val="dk1"/>
+          </a:fontRef>
+        </p:style>
+        <p:txBody>
+          <a:bodyPr rtlCol="0" anchor="t"/>
+          <a:lstStyle/>
+          <a:p>
+            <a:pPr algn="ctr"/>
+            <a:r>
+              <a:rPr lang="nl-BE" dirty="0" smtClean="0"/>
+              <a:t>Environment</a:t>
+            </a:r>
+            <a:endParaRPr lang="en-US" dirty="0"/>
+          </a:p>
+        </p:txBody>
+      </p:sp>
+      <p:sp>
+        <p:nvSpPr>
+          <p:cNvPr id="84" name="Down Arrow 83"/>
+          <p:cNvSpPr/>
+          <p:nvPr/>
+        </p:nvSpPr>
+        <p:spPr>
+          <a:xfrm rot="16200000">
+            <a:off x="1131665" y="4594442"/>
+            <a:ext cx="90916" cy="661462"/>
+          </a:xfrm>
+          <a:prstGeom prst="downArrow">
+            <a:avLst/>
+          </a:prstGeom>
+          <a:solidFill>
+            <a:schemeClr val="bg2">
+              <a:lumMod val="75000"/>
+            </a:schemeClr>
+          </a:solidFill>
+          <a:ln>
+            <a:solidFill>
+              <a:schemeClr val="bg2">
+                <a:lumMod val="75000"/>
+              </a:schemeClr>
+            </a:solidFill>
+          </a:ln>
+        </p:spPr>
+        <p:style>
+          <a:lnRef idx="2">
+            <a:schemeClr val="accent1">
+              <a:shade val="50000"/>
+            </a:schemeClr>
+          </a:lnRef>
+          <a:fillRef idx="1">
+            <a:schemeClr val="accent1"/>
+          </a:fillRef>
+          <a:effectRef idx="0">
+            <a:schemeClr val="accent1"/>
+          </a:effectRef>
+          <a:fontRef idx="minor">
+            <a:schemeClr val="lt1"/>
+          </a:fontRef>
+        </p:style>
+        <p:txBody>
+          <a:bodyPr rtlCol="0" anchor="ctr"/>
+          <a:lstStyle/>
+          <a:p>
+            <a:pPr algn="ctr"/>
+            <a:endParaRPr lang="en-US"/>
+          </a:p>
+        </p:txBody>
+      </p:sp>
+      <p:sp>
+        <p:nvSpPr>
+          <p:cNvPr id="85" name="Down Arrow 84"/>
+          <p:cNvSpPr/>
+          <p:nvPr/>
+        </p:nvSpPr>
+        <p:spPr>
+          <a:xfrm rot="16200000">
+            <a:off x="1131665" y="4975480"/>
+            <a:ext cx="90916" cy="661462"/>
+          </a:xfrm>
+          <a:prstGeom prst="downArrow">
+            <a:avLst/>
+          </a:prstGeom>
+          <a:solidFill>
+            <a:schemeClr val="bg2">
+              <a:lumMod val="75000"/>
+            </a:schemeClr>
+          </a:solidFill>
+          <a:ln>
+            <a:solidFill>
+              <a:schemeClr val="bg2">
+                <a:lumMod val="75000"/>
+              </a:schemeClr>
+            </a:solidFill>
+          </a:ln>
+        </p:spPr>
+        <p:style>
+          <a:lnRef idx="2">
+            <a:schemeClr val="accent1">
+              <a:shade val="50000"/>
+            </a:schemeClr>
+          </a:lnRef>
+          <a:fillRef idx="1">
+            <a:schemeClr val="accent1"/>
+          </a:fillRef>
+          <a:effectRef idx="0">
+            <a:schemeClr val="accent1"/>
+          </a:effectRef>
+          <a:fontRef idx="minor">
+            <a:schemeClr val="lt1"/>
+          </a:fontRef>
+        </p:style>
+        <p:txBody>
+          <a:bodyPr rtlCol="0" anchor="ctr"/>
+          <a:lstStyle/>
+          <a:p>
+            <a:pPr algn="ctr"/>
+            <a:endParaRPr lang="en-US"/>
+          </a:p>
+        </p:txBody>
+      </p:sp>
+      <p:sp>
+        <p:nvSpPr>
+          <p:cNvPr id="86" name="Down Arrow 85"/>
+          <p:cNvSpPr/>
+          <p:nvPr/>
+        </p:nvSpPr>
+        <p:spPr>
+          <a:xfrm rot="16200000">
+            <a:off x="1131665" y="5391497"/>
+            <a:ext cx="90916" cy="661462"/>
+          </a:xfrm>
+          <a:prstGeom prst="downArrow">
+            <a:avLst/>
+          </a:prstGeom>
+          <a:solidFill>
+            <a:schemeClr val="bg2">
+              <a:lumMod val="75000"/>
+            </a:schemeClr>
+          </a:solidFill>
+          <a:ln>
+            <a:solidFill>
+              <a:schemeClr val="bg2">
+                <a:lumMod val="75000"/>
+              </a:schemeClr>
+            </a:solidFill>
+          </a:ln>
+        </p:spPr>
+        <p:style>
+          <a:lnRef idx="2">
+            <a:schemeClr val="accent1">
+              <a:shade val="50000"/>
+            </a:schemeClr>
+          </a:lnRef>
+          <a:fillRef idx="1">
+            <a:schemeClr val="accent1"/>
+          </a:fillRef>
+          <a:effectRef idx="0">
+            <a:schemeClr val="accent1"/>
+          </a:effectRef>
+          <a:fontRef idx="minor">
+            <a:schemeClr val="lt1"/>
+          </a:fontRef>
+        </p:style>
+        <p:txBody>
+          <a:bodyPr rtlCol="0" anchor="ctr"/>
+          <a:lstStyle/>
+          <a:p>
+            <a:pPr algn="ctr"/>
+            <a:endParaRPr lang="en-US"/>
+          </a:p>
+        </p:txBody>
+      </p:sp>
+      <p:sp>
+        <p:nvSpPr>
+          <p:cNvPr id="89" name="Down Arrow 88"/>
+          <p:cNvSpPr/>
+          <p:nvPr/>
+        </p:nvSpPr>
+        <p:spPr>
+          <a:xfrm rot="16200000">
+            <a:off x="1131665" y="5727078"/>
+            <a:ext cx="90916" cy="661462"/>
+          </a:xfrm>
+          <a:prstGeom prst="downArrow">
+            <a:avLst/>
+          </a:prstGeom>
+          <a:solidFill>
+            <a:schemeClr val="bg2">
+              <a:lumMod val="75000"/>
+            </a:schemeClr>
+          </a:solidFill>
+          <a:ln>
+            <a:solidFill>
+              <a:schemeClr val="bg2">
+                <a:lumMod val="75000"/>
+              </a:schemeClr>
+            </a:solidFill>
+          </a:ln>
+        </p:spPr>
+        <p:style>
+          <a:lnRef idx="2">
+            <a:schemeClr val="accent1">
+              <a:shade val="50000"/>
+            </a:schemeClr>
+          </a:lnRef>
+          <a:fillRef idx="1">
+            <a:schemeClr val="accent1"/>
+          </a:fillRef>
+          <a:effectRef idx="0">
+            <a:schemeClr val="accent1"/>
+          </a:effectRef>
+          <a:fontRef idx="minor">
+            <a:schemeClr val="lt1"/>
+          </a:fontRef>
+        </p:style>
+        <p:txBody>
+          <a:bodyPr rtlCol="0" anchor="ctr"/>
+          <a:lstStyle/>
+          <a:p>
+            <a:pPr algn="ctr"/>
+            <a:endParaRPr lang="en-US"/>
+          </a:p>
+        </p:txBody>
+      </p:sp>
+      <p:sp>
+        <p:nvSpPr>
+          <p:cNvPr id="91" name="Down Arrow 90"/>
+          <p:cNvSpPr/>
+          <p:nvPr/>
+        </p:nvSpPr>
+        <p:spPr>
+          <a:xfrm rot="5400000">
+            <a:off x="1131665" y="6087468"/>
+            <a:ext cx="90916" cy="661462"/>
+          </a:xfrm>
+          <a:prstGeom prst="downArrow">
+            <a:avLst/>
+          </a:prstGeom>
+          <a:solidFill>
+            <a:schemeClr val="bg2">
+              <a:lumMod val="75000"/>
+            </a:schemeClr>
+          </a:solidFill>
+          <a:ln>
+            <a:solidFill>
+              <a:schemeClr val="bg2">
+                <a:lumMod val="75000"/>
+              </a:schemeClr>
+            </a:solidFill>
+          </a:ln>
+        </p:spPr>
+        <p:style>
+          <a:lnRef idx="2">
+            <a:schemeClr val="accent1">
+              <a:shade val="50000"/>
+            </a:schemeClr>
+          </a:lnRef>
+          <a:fillRef idx="1">
+            <a:schemeClr val="accent1"/>
+          </a:fillRef>
+          <a:effectRef idx="0">
+            <a:schemeClr val="accent1"/>
+          </a:effectRef>
+          <a:fontRef idx="minor">
+            <a:schemeClr val="lt1"/>
+          </a:fontRef>
+        </p:style>
+        <p:txBody>
+          <a:bodyPr rtlCol="0" anchor="ctr"/>
+          <a:lstStyle/>
+          <a:p>
+            <a:pPr algn="ctr"/>
+            <a:endParaRPr lang="en-US"/>
+          </a:p>
+        </p:txBody>
+      </p:sp>
+      <p:sp>
+        <p:nvSpPr>
+          <p:cNvPr id="92" name="Down Arrow 91"/>
+          <p:cNvSpPr/>
+          <p:nvPr/>
+        </p:nvSpPr>
+        <p:spPr>
+          <a:xfrm rot="5400000">
+            <a:off x="1131665" y="6438457"/>
+            <a:ext cx="90916" cy="661462"/>
+          </a:xfrm>
+          <a:prstGeom prst="downArrow">
+            <a:avLst/>
+          </a:prstGeom>
+          <a:solidFill>
+            <a:schemeClr val="bg2">
+              <a:lumMod val="75000"/>
+            </a:schemeClr>
+          </a:solidFill>
+          <a:ln>
+            <a:solidFill>
+              <a:schemeClr val="bg2">
+                <a:lumMod val="75000"/>
+              </a:schemeClr>
+            </a:solidFill>
+          </a:ln>
+        </p:spPr>
+        <p:style>
+          <a:lnRef idx="2">
+            <a:schemeClr val="accent1">
+              <a:shade val="50000"/>
+            </a:schemeClr>
+          </a:lnRef>
+          <a:fillRef idx="1">
+            <a:schemeClr val="accent1"/>
+          </a:fillRef>
+          <a:effectRef idx="0">
+            <a:schemeClr val="accent1"/>
+          </a:effectRef>
+          <a:fontRef idx="minor">
+            <a:schemeClr val="lt1"/>
+          </a:fontRef>
+        </p:style>
+        <p:txBody>
+          <a:bodyPr rtlCol="0" anchor="ctr"/>
+          <a:lstStyle/>
+          <a:p>
+            <a:pPr algn="ctr"/>
+            <a:endParaRPr lang="en-US"/>
+          </a:p>
+        </p:txBody>
+      </p:sp>
+      <p:sp>
+        <p:nvSpPr>
+          <p:cNvPr id="93" name="Down Arrow 92"/>
+          <p:cNvSpPr/>
+          <p:nvPr/>
+        </p:nvSpPr>
+        <p:spPr>
+          <a:xfrm rot="5400000">
+            <a:off x="1131665" y="6864637"/>
+            <a:ext cx="90916" cy="661462"/>
+          </a:xfrm>
+          <a:prstGeom prst="downArrow">
+            <a:avLst/>
+          </a:prstGeom>
+          <a:solidFill>
+            <a:schemeClr val="bg2">
+              <a:lumMod val="75000"/>
+            </a:schemeClr>
+          </a:solidFill>
+          <a:ln>
+            <a:solidFill>
+              <a:schemeClr val="bg2">
+                <a:lumMod val="75000"/>
+              </a:schemeClr>
+            </a:solidFill>
+          </a:ln>
+        </p:spPr>
+        <p:style>
+          <a:lnRef idx="2">
+            <a:schemeClr val="accent1">
+              <a:shade val="50000"/>
+            </a:schemeClr>
+          </a:lnRef>
+          <a:fillRef idx="1">
+            <a:schemeClr val="accent1"/>
+          </a:fillRef>
+          <a:effectRef idx="0">
+            <a:schemeClr val="accent1"/>
+          </a:effectRef>
+          <a:fontRef idx="minor">
+            <a:schemeClr val="lt1"/>
+          </a:fontRef>
+        </p:style>
+        <p:txBody>
+          <a:bodyPr rtlCol="0" anchor="ctr"/>
+          <a:lstStyle/>
+          <a:p>
+            <a:pPr algn="ctr"/>
+            <a:endParaRPr lang="en-US"/>
+          </a:p>
+        </p:txBody>
+      </p:sp>
+      <p:sp>
+        <p:nvSpPr>
+          <p:cNvPr id="95" name="Down Arrow 94"/>
+          <p:cNvSpPr/>
+          <p:nvPr/>
+        </p:nvSpPr>
+        <p:spPr>
+          <a:xfrm rot="5400000">
+            <a:off x="1131665" y="7238686"/>
+            <a:ext cx="90916" cy="661462"/>
+          </a:xfrm>
+          <a:prstGeom prst="downArrow">
+            <a:avLst/>
+          </a:prstGeom>
+          <a:solidFill>
+            <a:schemeClr val="bg2">
+              <a:lumMod val="75000"/>
+            </a:schemeClr>
+          </a:solidFill>
+          <a:ln>
+            <a:solidFill>
+              <a:schemeClr val="bg2">
+                <a:lumMod val="75000"/>
+              </a:schemeClr>
+            </a:solidFill>
+          </a:ln>
+        </p:spPr>
+        <p:style>
+          <a:lnRef idx="2">
+            <a:schemeClr val="accent1">
+              <a:shade val="50000"/>
+            </a:schemeClr>
+          </a:lnRef>
+          <a:fillRef idx="1">
+            <a:schemeClr val="accent1"/>
+          </a:fillRef>
+          <a:effectRef idx="0">
+            <a:schemeClr val="accent1"/>
+          </a:effectRef>
+          <a:fontRef idx="minor">
+            <a:schemeClr val="lt1"/>
+          </a:fontRef>
+        </p:style>
+        <p:txBody>
+          <a:bodyPr rtlCol="0" anchor="ctr"/>
+          <a:lstStyle/>
+          <a:p>
+            <a:pPr algn="ctr"/>
+            <a:endParaRPr lang="en-US"/>
+          </a:p>
+        </p:txBody>
+      </p:sp>
+      <p:sp>
+        <p:nvSpPr>
+          <p:cNvPr id="96" name="Rectangle 95"/>
+          <p:cNvSpPr/>
+          <p:nvPr/>
+        </p:nvSpPr>
+        <p:spPr>
+          <a:xfrm>
+            <a:off x="365409" y="4737147"/>
+            <a:ext cx="373121" cy="336475"/>
+          </a:xfrm>
+          <a:prstGeom prst="rect">
+            <a:avLst/>
+          </a:prstGeom>
+          <a:solidFill>
+            <a:srgbClr val="00CCFF"/>
+          </a:solidFill>
+          <a:ln>
+            <a:solidFill>
+              <a:srgbClr val="00CCFF"/>
+            </a:solidFill>
+          </a:ln>
+        </p:spPr>
+        <p:style>
+          <a:lnRef idx="2">
+            <a:schemeClr val="accent1">
+              <a:shade val="50000"/>
+            </a:schemeClr>
+          </a:lnRef>
+          <a:fillRef idx="1">
+            <a:schemeClr val="accent1"/>
+          </a:fillRef>
+          <a:effectRef idx="0">
+            <a:schemeClr val="accent1"/>
+          </a:effectRef>
+          <a:fontRef idx="minor">
+            <a:schemeClr val="lt1"/>
+          </a:fontRef>
+        </p:style>
+        <p:txBody>
+          <a:bodyPr rtlCol="0" anchor="ctr"/>
+          <a:lstStyle/>
+          <a:p>
+            <a:pPr algn="ctr"/>
+            <a:r>
+              <a:rPr lang="nl-BE" dirty="0" smtClean="0">
+                <a:latin typeface="Wingdings" panose="05000000000000000000" pitchFamily="2" charset="2"/>
+              </a:rPr>
+              <a:t>z</a:t>
+            </a:r>
+            <a:endParaRPr lang="en-US" dirty="0">
+              <a:latin typeface="Wingdings" panose="05000000000000000000" pitchFamily="2" charset="2"/>
+            </a:endParaRPr>
+          </a:p>
+        </p:txBody>
+      </p:sp>
+      <p:sp>
+        <p:nvSpPr>
+          <p:cNvPr id="97" name="Rectangle 96"/>
+          <p:cNvSpPr/>
+          <p:nvPr/>
+        </p:nvSpPr>
+        <p:spPr>
+          <a:xfrm>
+            <a:off x="358301" y="5138662"/>
+            <a:ext cx="373121" cy="336475"/>
+          </a:xfrm>
+          <a:prstGeom prst="rect">
+            <a:avLst/>
+          </a:prstGeom>
+          <a:solidFill>
+            <a:srgbClr val="00CCFF"/>
+          </a:solidFill>
+          <a:ln>
+            <a:solidFill>
+              <a:srgbClr val="00CCFF"/>
+            </a:solidFill>
+          </a:ln>
+        </p:spPr>
+        <p:style>
+          <a:lnRef idx="2">
+            <a:schemeClr val="accent1">
+              <a:shade val="50000"/>
+            </a:schemeClr>
+          </a:lnRef>
+          <a:fillRef idx="1">
+            <a:schemeClr val="accent1"/>
+          </a:fillRef>
+          <a:effectRef idx="0">
+            <a:schemeClr val="accent1"/>
+          </a:effectRef>
+          <a:fontRef idx="minor">
+            <a:schemeClr val="lt1"/>
+          </a:fontRef>
+        </p:style>
+        <p:txBody>
+          <a:bodyPr rtlCol="0" anchor="ctr"/>
+          <a:lstStyle/>
+          <a:p>
+            <a:pPr algn="ctr"/>
+            <a:r>
+              <a:rPr lang="nl-BE" dirty="0" smtClean="0">
+                <a:latin typeface="Wingdings" panose="05000000000000000000" pitchFamily="2" charset="2"/>
+              </a:rPr>
+              <a:t>z</a:t>
+            </a:r>
+            <a:endParaRPr lang="en-US" dirty="0">
+              <a:latin typeface="Wingdings" panose="05000000000000000000" pitchFamily="2" charset="2"/>
+            </a:endParaRPr>
+          </a:p>
+        </p:txBody>
+      </p:sp>
+      <p:sp>
+        <p:nvSpPr>
+          <p:cNvPr id="98" name="Rectangle 97"/>
+          <p:cNvSpPr/>
+          <p:nvPr/>
+        </p:nvSpPr>
+        <p:spPr>
+          <a:xfrm>
+            <a:off x="365409" y="5526922"/>
+            <a:ext cx="373121" cy="336475"/>
+          </a:xfrm>
+          <a:prstGeom prst="rect">
+            <a:avLst/>
+          </a:prstGeom>
+          <a:solidFill>
+            <a:srgbClr val="00CCFF"/>
+          </a:solidFill>
+          <a:ln>
+            <a:solidFill>
+              <a:srgbClr val="00CCFF"/>
+            </a:solidFill>
+          </a:ln>
+        </p:spPr>
+        <p:style>
+          <a:lnRef idx="2">
+            <a:schemeClr val="accent1">
+              <a:shade val="50000"/>
+            </a:schemeClr>
+          </a:lnRef>
+          <a:fillRef idx="1">
+            <a:schemeClr val="accent1"/>
+          </a:fillRef>
+          <a:effectRef idx="0">
+            <a:schemeClr val="accent1"/>
+          </a:effectRef>
+          <a:fontRef idx="minor">
+            <a:schemeClr val="lt1"/>
+          </a:fontRef>
+        </p:style>
+        <p:txBody>
+          <a:bodyPr rtlCol="0" anchor="ctr"/>
+          <a:lstStyle/>
+          <a:p>
+            <a:pPr algn="ctr"/>
+            <a:r>
+              <a:rPr lang="nl-BE" dirty="0" smtClean="0">
+                <a:latin typeface="Wingdings" panose="05000000000000000000" pitchFamily="2" charset="2"/>
+              </a:rPr>
+              <a:t>z</a:t>
+            </a:r>
+            <a:endParaRPr lang="en-US" dirty="0">
+              <a:latin typeface="Wingdings" panose="05000000000000000000" pitchFamily="2" charset="2"/>
+            </a:endParaRPr>
+          </a:p>
+        </p:txBody>
+      </p:sp>
+      <p:sp>
+        <p:nvSpPr>
+          <p:cNvPr id="99" name="Rectangle 98"/>
+          <p:cNvSpPr/>
+          <p:nvPr/>
+        </p:nvSpPr>
+        <p:spPr>
+          <a:xfrm>
+            <a:off x="357816" y="5915182"/>
+            <a:ext cx="373121" cy="336475"/>
+          </a:xfrm>
+          <a:prstGeom prst="rect">
+            <a:avLst/>
+          </a:prstGeom>
+          <a:solidFill>
+            <a:srgbClr val="00CCFF"/>
+          </a:solidFill>
+          <a:ln>
+            <a:solidFill>
+              <a:srgbClr val="00CCFF"/>
+            </a:solidFill>
+          </a:ln>
+        </p:spPr>
+        <p:style>
+          <a:lnRef idx="2">
+            <a:schemeClr val="accent1">
+              <a:shade val="50000"/>
+            </a:schemeClr>
+          </a:lnRef>
+          <a:fillRef idx="1">
+            <a:schemeClr val="accent1"/>
+          </a:fillRef>
+          <a:effectRef idx="0">
+            <a:schemeClr val="accent1"/>
+          </a:effectRef>
+          <a:fontRef idx="minor">
+            <a:schemeClr val="lt1"/>
+          </a:fontRef>
+        </p:style>
+        <p:txBody>
+          <a:bodyPr rtlCol="0" anchor="ctr"/>
+          <a:lstStyle/>
+          <a:p>
+            <a:pPr algn="ctr"/>
+            <a:r>
+              <a:rPr lang="nl-BE" dirty="0" smtClean="0">
+                <a:latin typeface="Wingdings" panose="05000000000000000000" pitchFamily="2" charset="2"/>
+              </a:rPr>
+              <a:t>z</a:t>
+            </a:r>
+            <a:endParaRPr lang="en-US" dirty="0">
+              <a:latin typeface="Wingdings" panose="05000000000000000000" pitchFamily="2" charset="2"/>
+            </a:endParaRPr>
+          </a:p>
+        </p:txBody>
+      </p:sp>
+      <p:pic>
+        <p:nvPicPr>
+          <p:cNvPr id="100" name="Picture 99"/>
+          <p:cNvPicPr>
+            <a:picLocks noChangeAspect="1"/>
+          </p:cNvPicPr>
+          <p:nvPr/>
+        </p:nvPicPr>
+        <p:blipFill>
+          <a:blip r:embed="rId8"/>
+          <a:stretch>
+            <a:fillRect/>
+          </a:stretch>
+        </p:blipFill>
+        <p:spPr>
+          <a:xfrm>
+            <a:off x="225252" y="6634117"/>
+            <a:ext cx="599352" cy="599352"/>
+          </a:xfrm>
+          <a:prstGeom prst="rect">
+            <a:avLst/>
+          </a:prstGeom>
+        </p:spPr>
+      </p:pic>
+      <p:pic>
+        <p:nvPicPr>
+          <p:cNvPr id="102" name="Picture 101"/>
+          <p:cNvPicPr>
+            <a:picLocks noChangeAspect="1"/>
+          </p:cNvPicPr>
+          <p:nvPr/>
+        </p:nvPicPr>
+        <p:blipFill>
+          <a:blip r:embed="rId8"/>
+          <a:stretch>
+            <a:fillRect/>
+          </a:stretch>
+        </p:blipFill>
+        <p:spPr>
+          <a:xfrm>
+            <a:off x="301278" y="6780286"/>
+            <a:ext cx="599352" cy="599352"/>
+          </a:xfrm>
+          <a:prstGeom prst="rect">
+            <a:avLst/>
+          </a:prstGeom>
+        </p:spPr>
+      </p:pic>
+      <p:pic>
+        <p:nvPicPr>
+          <p:cNvPr id="103" name="Picture 102"/>
+          <p:cNvPicPr>
+            <a:picLocks noChangeAspect="1"/>
+          </p:cNvPicPr>
+          <p:nvPr/>
+        </p:nvPicPr>
+        <p:blipFill>
+          <a:blip r:embed="rId7"/>
+          <a:stretch>
+            <a:fillRect/>
+          </a:stretch>
+        </p:blipFill>
+        <p:spPr>
+          <a:xfrm>
+            <a:off x="275794" y="7237771"/>
+            <a:ext cx="586483" cy="586483"/>
+          </a:xfrm>
+          <a:prstGeom prst="rect">
+            <a:avLst/>
+          </a:prstGeom>
+        </p:spPr>
+      </p:pic>
+      <p:sp>
+        <p:nvSpPr>
+          <p:cNvPr id="105" name="Rectangle 104"/>
+          <p:cNvSpPr/>
+          <p:nvPr/>
+        </p:nvSpPr>
+        <p:spPr>
+          <a:xfrm>
+            <a:off x="355591" y="6303442"/>
+            <a:ext cx="373121" cy="336475"/>
+          </a:xfrm>
+          <a:prstGeom prst="rect">
+            <a:avLst/>
+          </a:prstGeom>
+          <a:solidFill>
+            <a:srgbClr val="00CCFF"/>
+          </a:solidFill>
+          <a:ln>
+            <a:solidFill>
+              <a:srgbClr val="00CCFF"/>
+            </a:solidFill>
+          </a:ln>
+        </p:spPr>
+        <p:style>
+          <a:lnRef idx="2">
+            <a:schemeClr val="accent1">
+              <a:shade val="50000"/>
+            </a:schemeClr>
+          </a:lnRef>
+          <a:fillRef idx="1">
+            <a:schemeClr val="accent1"/>
+          </a:fillRef>
+          <a:effectRef idx="0">
+            <a:schemeClr val="accent1"/>
+          </a:effectRef>
+          <a:fontRef idx="minor">
+            <a:schemeClr val="lt1"/>
+          </a:fontRef>
+        </p:style>
+        <p:txBody>
+          <a:bodyPr rtlCol="0" anchor="ctr"/>
+          <a:lstStyle/>
+          <a:p>
+            <a:pPr algn="ctr"/>
+            <a:r>
+              <a:rPr lang="nl-BE" dirty="0" smtClean="0">
+                <a:latin typeface="Wingdings" panose="05000000000000000000" pitchFamily="2" charset="2"/>
+              </a:rPr>
+              <a:t>z</a:t>
+            </a:r>
+            <a:endParaRPr lang="en-US" dirty="0">
+              <a:latin typeface="Wingdings" panose="05000000000000000000" pitchFamily="2" charset="2"/>
+            </a:endParaRPr>
+          </a:p>
+        </p:txBody>
+      </p:sp>
+      <p:sp>
+        <p:nvSpPr>
+          <p:cNvPr id="106" name="Freeform 105"/>
+          <p:cNvSpPr/>
+          <p:nvPr/>
+        </p:nvSpPr>
+        <p:spPr>
+          <a:xfrm rot="15965720" flipH="1">
+            <a:off x="6786362" y="3010145"/>
+            <a:ext cx="3397069" cy="3831190"/>
+          </a:xfrm>
+          <a:custGeom>
+            <a:avLst/>
+            <a:gdLst>
+              <a:gd name="connsiteX0" fmla="*/ 0 w 1158240"/>
+              <a:gd name="connsiteY0" fmla="*/ 0 h 719328"/>
+              <a:gd name="connsiteX1" fmla="*/ 1158240 w 1158240"/>
+              <a:gd name="connsiteY1" fmla="*/ 719328 h 719328"/>
+              <a:gd name="connsiteX0" fmla="*/ 0 w 1158240"/>
+              <a:gd name="connsiteY0" fmla="*/ 0 h 719328"/>
+              <a:gd name="connsiteX1" fmla="*/ 1158240 w 1158240"/>
+              <a:gd name="connsiteY1" fmla="*/ 719328 h 719328"/>
+              <a:gd name="connsiteX0" fmla="*/ 0 w 1158240"/>
+              <a:gd name="connsiteY0" fmla="*/ 0 h 719328"/>
+              <a:gd name="connsiteX1" fmla="*/ 1158240 w 1158240"/>
+              <a:gd name="connsiteY1" fmla="*/ 719328 h 719328"/>
+              <a:gd name="connsiteX0" fmla="*/ 0 w 1160661"/>
+              <a:gd name="connsiteY0" fmla="*/ 0 h 719328"/>
+              <a:gd name="connsiteX1" fmla="*/ 1158240 w 1160661"/>
+              <a:gd name="connsiteY1" fmla="*/ 719328 h 719328"/>
+              <a:gd name="connsiteX0" fmla="*/ 0 w 1158240"/>
+              <a:gd name="connsiteY0" fmla="*/ 0 h 719328"/>
+              <a:gd name="connsiteX1" fmla="*/ 1158240 w 1158240"/>
+              <a:gd name="connsiteY1" fmla="*/ 719328 h 719328"/>
+              <a:gd name="connsiteX0" fmla="*/ 0 w 1158240"/>
+              <a:gd name="connsiteY0" fmla="*/ 0 h 719328"/>
+              <a:gd name="connsiteX1" fmla="*/ 1158240 w 1158240"/>
+              <a:gd name="connsiteY1" fmla="*/ 719328 h 719328"/>
+              <a:gd name="connsiteX0" fmla="*/ 0 w 1158240"/>
+              <a:gd name="connsiteY0" fmla="*/ 0 h 719328"/>
+              <a:gd name="connsiteX1" fmla="*/ 1158240 w 1158240"/>
+              <a:gd name="connsiteY1" fmla="*/ 719328 h 719328"/>
+              <a:gd name="connsiteX0" fmla="*/ 0 w 1158240"/>
+              <a:gd name="connsiteY0" fmla="*/ 0 h 719328"/>
+              <a:gd name="connsiteX1" fmla="*/ 1158240 w 1158240"/>
+              <a:gd name="connsiteY1" fmla="*/ 719328 h 719328"/>
+            </a:gdLst>
+            <a:ahLst/>
+            <a:cxnLst>
+              <a:cxn ang="0">
+                <a:pos x="connsiteX0" y="connsiteY0"/>
+              </a:cxn>
+              <a:cxn ang="0">
+                <a:pos x="connsiteX1" y="connsiteY1"/>
+              </a:cxn>
+            </a:cxnLst>
+            <a:rect l="l" t="t" r="r" b="b"/>
+            <a:pathLst>
+              <a:path w="1158240" h="719328">
+                <a:moveTo>
+                  <a:pt x="0" y="0"/>
+                </a:moveTo>
+                <a:cubicBezTo>
+                  <a:pt x="568960" y="56896"/>
+                  <a:pt x="894080" y="52832"/>
+                  <a:pt x="1158240" y="719328"/>
+                </a:cubicBezTo>
+              </a:path>
+            </a:pathLst>
+          </a:custGeom>
+          <a:noFill/>
+          <a:ln w="22225">
+            <a:solidFill>
+              <a:srgbClr val="00CCFF"/>
+            </a:solidFill>
+            <a:prstDash val="dash"/>
+            <a:headEnd type="none"/>
+            <a:tailEnd type="arrow"/>
+          </a:ln>
+        </p:spPr>
+        <p:style>
+          <a:lnRef idx="2">
+            <a:schemeClr val="accent1">
+              <a:shade val="50000"/>
+            </a:schemeClr>
+          </a:lnRef>
+          <a:fillRef idx="1">
+            <a:schemeClr val="accent1"/>
+          </a:fillRef>
+          <a:effectRef idx="0">
+            <a:schemeClr val="accent1"/>
+          </a:effectRef>
+          <a:fontRef idx="minor">
+            <a:schemeClr val="lt1"/>
+          </a:fontRef>
+        </p:style>
+        <p:txBody>
+          <a:bodyPr rtlCol="0" anchor="ctr"/>
+          <a:lstStyle/>
+          <a:p>
+            <a:pPr algn="ctr"/>
+            <a:endParaRPr lang="en-GB"/>
+          </a:p>
+        </p:txBody>
+      </p:sp>
+      <p:sp>
+        <p:nvSpPr>
+          <p:cNvPr id="110" name="Freeform 109"/>
+          <p:cNvSpPr/>
+          <p:nvPr/>
+        </p:nvSpPr>
+        <p:spPr>
+          <a:xfrm rot="15965720" flipH="1">
+            <a:off x="6444406" y="2690731"/>
+            <a:ext cx="3253822" cy="4670055"/>
+          </a:xfrm>
+          <a:custGeom>
+            <a:avLst/>
+            <a:gdLst>
+              <a:gd name="connsiteX0" fmla="*/ 0 w 1158240"/>
+              <a:gd name="connsiteY0" fmla="*/ 0 h 719328"/>
+              <a:gd name="connsiteX1" fmla="*/ 1158240 w 1158240"/>
+              <a:gd name="connsiteY1" fmla="*/ 719328 h 719328"/>
+              <a:gd name="connsiteX0" fmla="*/ 0 w 1158240"/>
+              <a:gd name="connsiteY0" fmla="*/ 0 h 719328"/>
+              <a:gd name="connsiteX1" fmla="*/ 1158240 w 1158240"/>
+              <a:gd name="connsiteY1" fmla="*/ 719328 h 719328"/>
+              <a:gd name="connsiteX0" fmla="*/ 0 w 1158240"/>
+              <a:gd name="connsiteY0" fmla="*/ 0 h 719328"/>
+              <a:gd name="connsiteX1" fmla="*/ 1158240 w 1158240"/>
+              <a:gd name="connsiteY1" fmla="*/ 719328 h 719328"/>
+              <a:gd name="connsiteX0" fmla="*/ 0 w 1160661"/>
+              <a:gd name="connsiteY0" fmla="*/ 0 h 719328"/>
+              <a:gd name="connsiteX1" fmla="*/ 1158240 w 1160661"/>
+              <a:gd name="connsiteY1" fmla="*/ 719328 h 719328"/>
+              <a:gd name="connsiteX0" fmla="*/ 0 w 1158240"/>
+              <a:gd name="connsiteY0" fmla="*/ 0 h 719328"/>
+              <a:gd name="connsiteX1" fmla="*/ 1158240 w 1158240"/>
+              <a:gd name="connsiteY1" fmla="*/ 719328 h 719328"/>
+              <a:gd name="connsiteX0" fmla="*/ 0 w 1158240"/>
+              <a:gd name="connsiteY0" fmla="*/ 0 h 719328"/>
+              <a:gd name="connsiteX1" fmla="*/ 1158240 w 1158240"/>
+              <a:gd name="connsiteY1" fmla="*/ 719328 h 719328"/>
+              <a:gd name="connsiteX0" fmla="*/ 0 w 1158240"/>
+              <a:gd name="connsiteY0" fmla="*/ 0 h 719328"/>
+              <a:gd name="connsiteX1" fmla="*/ 1158240 w 1158240"/>
+              <a:gd name="connsiteY1" fmla="*/ 719328 h 719328"/>
+              <a:gd name="connsiteX0" fmla="*/ 0 w 1158240"/>
+              <a:gd name="connsiteY0" fmla="*/ 0 h 719328"/>
+              <a:gd name="connsiteX1" fmla="*/ 1158240 w 1158240"/>
+              <a:gd name="connsiteY1" fmla="*/ 719328 h 719328"/>
+            </a:gdLst>
+            <a:ahLst/>
+            <a:cxnLst>
+              <a:cxn ang="0">
+                <a:pos x="connsiteX0" y="connsiteY0"/>
+              </a:cxn>
+              <a:cxn ang="0">
+                <a:pos x="connsiteX1" y="connsiteY1"/>
+              </a:cxn>
+            </a:cxnLst>
+            <a:rect l="l" t="t" r="r" b="b"/>
+            <a:pathLst>
+              <a:path w="1158240" h="719328">
+                <a:moveTo>
+                  <a:pt x="0" y="0"/>
+                </a:moveTo>
+                <a:cubicBezTo>
+                  <a:pt x="568960" y="56896"/>
+                  <a:pt x="894080" y="52832"/>
+                  <a:pt x="1158240" y="719328"/>
+                </a:cubicBezTo>
+              </a:path>
+            </a:pathLst>
+          </a:custGeom>
+          <a:noFill/>
+          <a:ln w="22225">
+            <a:solidFill>
+              <a:srgbClr val="00CCFF"/>
+            </a:solidFill>
+            <a:prstDash val="dash"/>
+            <a:headEnd type="none"/>
+            <a:tailEnd type="arrow"/>
+          </a:ln>
+        </p:spPr>
+        <p:style>
+          <a:lnRef idx="2">
+            <a:schemeClr val="accent1">
+              <a:shade val="50000"/>
+            </a:schemeClr>
+          </a:lnRef>
+          <a:fillRef idx="1">
+            <a:schemeClr val="accent1"/>
+          </a:fillRef>
+          <a:effectRef idx="0">
+            <a:schemeClr val="accent1"/>
+          </a:effectRef>
+          <a:fontRef idx="minor">
+            <a:schemeClr val="lt1"/>
+          </a:fontRef>
+        </p:style>
+        <p:txBody>
+          <a:bodyPr rtlCol="0" anchor="ctr"/>
+          <a:lstStyle/>
+          <a:p>
+            <a:pPr algn="ctr"/>
+            <a:endParaRPr lang="en-GB"/>
+          </a:p>
+        </p:txBody>
+      </p:sp>
+      <p:sp>
+        <p:nvSpPr>
+          <p:cNvPr id="111" name="Freeform 110"/>
+          <p:cNvSpPr/>
+          <p:nvPr/>
+        </p:nvSpPr>
+        <p:spPr>
+          <a:xfrm rot="15965720" flipH="1">
+            <a:off x="7620364" y="3021132"/>
+            <a:ext cx="2532934" cy="3182790"/>
+          </a:xfrm>
+          <a:custGeom>
+            <a:avLst/>
+            <a:gdLst>
+              <a:gd name="connsiteX0" fmla="*/ 0 w 1158240"/>
+              <a:gd name="connsiteY0" fmla="*/ 0 h 719328"/>
+              <a:gd name="connsiteX1" fmla="*/ 1158240 w 1158240"/>
+              <a:gd name="connsiteY1" fmla="*/ 719328 h 719328"/>
+              <a:gd name="connsiteX0" fmla="*/ 0 w 1158240"/>
+              <a:gd name="connsiteY0" fmla="*/ 0 h 719328"/>
+              <a:gd name="connsiteX1" fmla="*/ 1158240 w 1158240"/>
+              <a:gd name="connsiteY1" fmla="*/ 719328 h 719328"/>
+              <a:gd name="connsiteX0" fmla="*/ 0 w 1158240"/>
+              <a:gd name="connsiteY0" fmla="*/ 0 h 719328"/>
+              <a:gd name="connsiteX1" fmla="*/ 1158240 w 1158240"/>
+              <a:gd name="connsiteY1" fmla="*/ 719328 h 719328"/>
+              <a:gd name="connsiteX0" fmla="*/ 0 w 1160661"/>
+              <a:gd name="connsiteY0" fmla="*/ 0 h 719328"/>
+              <a:gd name="connsiteX1" fmla="*/ 1158240 w 1160661"/>
+              <a:gd name="connsiteY1" fmla="*/ 719328 h 719328"/>
+              <a:gd name="connsiteX0" fmla="*/ 0 w 1158240"/>
+              <a:gd name="connsiteY0" fmla="*/ 0 h 719328"/>
+              <a:gd name="connsiteX1" fmla="*/ 1158240 w 1158240"/>
+              <a:gd name="connsiteY1" fmla="*/ 719328 h 719328"/>
+              <a:gd name="connsiteX0" fmla="*/ 0 w 1158240"/>
+              <a:gd name="connsiteY0" fmla="*/ 0 h 719328"/>
+              <a:gd name="connsiteX1" fmla="*/ 1158240 w 1158240"/>
+              <a:gd name="connsiteY1" fmla="*/ 719328 h 719328"/>
+              <a:gd name="connsiteX0" fmla="*/ 0 w 1158240"/>
+              <a:gd name="connsiteY0" fmla="*/ 0 h 719328"/>
+              <a:gd name="connsiteX1" fmla="*/ 1158240 w 1158240"/>
+              <a:gd name="connsiteY1" fmla="*/ 719328 h 719328"/>
+              <a:gd name="connsiteX0" fmla="*/ 0 w 1158240"/>
+              <a:gd name="connsiteY0" fmla="*/ 0 h 719328"/>
+              <a:gd name="connsiteX1" fmla="*/ 1158240 w 1158240"/>
+              <a:gd name="connsiteY1" fmla="*/ 719328 h 719328"/>
+            </a:gdLst>
+            <a:ahLst/>
+            <a:cxnLst>
+              <a:cxn ang="0">
+                <a:pos x="connsiteX0" y="connsiteY0"/>
+              </a:cxn>
+              <a:cxn ang="0">
+                <a:pos x="connsiteX1" y="connsiteY1"/>
+              </a:cxn>
+            </a:cxnLst>
+            <a:rect l="l" t="t" r="r" b="b"/>
+            <a:pathLst>
+              <a:path w="1158240" h="719328">
+                <a:moveTo>
+                  <a:pt x="0" y="0"/>
+                </a:moveTo>
+                <a:cubicBezTo>
+                  <a:pt x="568960" y="56896"/>
+                  <a:pt x="894080" y="52832"/>
+                  <a:pt x="1158240" y="719328"/>
+                </a:cubicBezTo>
+              </a:path>
+            </a:pathLst>
+          </a:custGeom>
+          <a:noFill/>
+          <a:ln w="22225">
+            <a:solidFill>
+              <a:srgbClr val="00CCFF"/>
+            </a:solidFill>
+            <a:prstDash val="dash"/>
+            <a:headEnd type="none"/>
+            <a:tailEnd type="arrow"/>
+          </a:ln>
+        </p:spPr>
+        <p:style>
+          <a:lnRef idx="2">
+            <a:schemeClr val="accent1">
+              <a:shade val="50000"/>
+            </a:schemeClr>
+          </a:lnRef>
+          <a:fillRef idx="1">
+            <a:schemeClr val="accent1"/>
+          </a:fillRef>
+          <a:effectRef idx="0">
+            <a:schemeClr val="accent1"/>
+          </a:effectRef>
+          <a:fontRef idx="minor">
+            <a:schemeClr val="lt1"/>
+          </a:fontRef>
+        </p:style>
+        <p:txBody>
+          <a:bodyPr rtlCol="0" anchor="ctr"/>
+          <a:lstStyle/>
+          <a:p>
+            <a:pPr algn="ctr"/>
+            <a:endParaRPr lang="en-GB"/>
+          </a:p>
+        </p:txBody>
+      </p:sp>
+      <p:sp>
+        <p:nvSpPr>
+          <p:cNvPr id="112" name="Freeform 111"/>
+          <p:cNvSpPr/>
+          <p:nvPr/>
+        </p:nvSpPr>
+        <p:spPr>
+          <a:xfrm rot="15965720" flipH="1">
+            <a:off x="8521527" y="3178756"/>
+            <a:ext cx="1759730" cy="2182722"/>
+          </a:xfrm>
+          <a:custGeom>
+            <a:avLst/>
+            <a:gdLst>
+              <a:gd name="connsiteX0" fmla="*/ 0 w 1158240"/>
+              <a:gd name="connsiteY0" fmla="*/ 0 h 719328"/>
+              <a:gd name="connsiteX1" fmla="*/ 1158240 w 1158240"/>
+              <a:gd name="connsiteY1" fmla="*/ 719328 h 719328"/>
+              <a:gd name="connsiteX0" fmla="*/ 0 w 1158240"/>
+              <a:gd name="connsiteY0" fmla="*/ 0 h 719328"/>
+              <a:gd name="connsiteX1" fmla="*/ 1158240 w 1158240"/>
+              <a:gd name="connsiteY1" fmla="*/ 719328 h 719328"/>
+              <a:gd name="connsiteX0" fmla="*/ 0 w 1158240"/>
+              <a:gd name="connsiteY0" fmla="*/ 0 h 719328"/>
+              <a:gd name="connsiteX1" fmla="*/ 1158240 w 1158240"/>
+              <a:gd name="connsiteY1" fmla="*/ 719328 h 719328"/>
+              <a:gd name="connsiteX0" fmla="*/ 0 w 1160661"/>
+              <a:gd name="connsiteY0" fmla="*/ 0 h 719328"/>
+              <a:gd name="connsiteX1" fmla="*/ 1158240 w 1160661"/>
+              <a:gd name="connsiteY1" fmla="*/ 719328 h 719328"/>
+              <a:gd name="connsiteX0" fmla="*/ 0 w 1158240"/>
+              <a:gd name="connsiteY0" fmla="*/ 0 h 719328"/>
+              <a:gd name="connsiteX1" fmla="*/ 1158240 w 1158240"/>
+              <a:gd name="connsiteY1" fmla="*/ 719328 h 719328"/>
+              <a:gd name="connsiteX0" fmla="*/ 0 w 1158240"/>
+              <a:gd name="connsiteY0" fmla="*/ 0 h 719328"/>
+              <a:gd name="connsiteX1" fmla="*/ 1158240 w 1158240"/>
+              <a:gd name="connsiteY1" fmla="*/ 719328 h 719328"/>
+              <a:gd name="connsiteX0" fmla="*/ 0 w 1158240"/>
+              <a:gd name="connsiteY0" fmla="*/ 0 h 719328"/>
+              <a:gd name="connsiteX1" fmla="*/ 1158240 w 1158240"/>
+              <a:gd name="connsiteY1" fmla="*/ 719328 h 719328"/>
+              <a:gd name="connsiteX0" fmla="*/ 0 w 1158240"/>
+              <a:gd name="connsiteY0" fmla="*/ 0 h 719328"/>
+              <a:gd name="connsiteX1" fmla="*/ 1158240 w 1158240"/>
+              <a:gd name="connsiteY1" fmla="*/ 719328 h 719328"/>
+            </a:gdLst>
+            <a:ahLst/>
+            <a:cxnLst>
+              <a:cxn ang="0">
+                <a:pos x="connsiteX0" y="connsiteY0"/>
+              </a:cxn>
+              <a:cxn ang="0">
+                <a:pos x="connsiteX1" y="connsiteY1"/>
+              </a:cxn>
+            </a:cxnLst>
+            <a:rect l="l" t="t" r="r" b="b"/>
+            <a:pathLst>
+              <a:path w="1158240" h="719328">
+                <a:moveTo>
+                  <a:pt x="0" y="0"/>
+                </a:moveTo>
+                <a:cubicBezTo>
+                  <a:pt x="568960" y="56896"/>
+                  <a:pt x="894080" y="52832"/>
+                  <a:pt x="1158240" y="719328"/>
+                </a:cubicBezTo>
+              </a:path>
+            </a:pathLst>
+          </a:custGeom>
+          <a:noFill/>
+          <a:ln w="22225">
+            <a:solidFill>
+              <a:srgbClr val="00CCFF"/>
+            </a:solidFill>
+            <a:prstDash val="dash"/>
+            <a:headEnd type="none"/>
+            <a:tailEnd type="arrow"/>
+          </a:ln>
+        </p:spPr>
+        <p:style>
+          <a:lnRef idx="2">
+            <a:schemeClr val="accent1">
+              <a:shade val="50000"/>
+            </a:schemeClr>
+          </a:lnRef>
+          <a:fillRef idx="1">
+            <a:schemeClr val="accent1"/>
+          </a:fillRef>
+          <a:effectRef idx="0">
+            <a:schemeClr val="accent1"/>
+          </a:effectRef>
+          <a:fontRef idx="minor">
+            <a:schemeClr val="lt1"/>
+          </a:fontRef>
+        </p:style>
+        <p:txBody>
+          <a:bodyPr rtlCol="0" anchor="ctr"/>
+          <a:lstStyle/>
+          <a:p>
+            <a:pPr algn="ctr"/>
+            <a:endParaRPr lang="en-GB"/>
+          </a:p>
+        </p:txBody>
+      </p:sp>
+      <p:sp>
+        <p:nvSpPr>
+          <p:cNvPr id="113" name="Freeform 112"/>
+          <p:cNvSpPr/>
+          <p:nvPr/>
+        </p:nvSpPr>
+        <p:spPr>
+          <a:xfrm rot="15965720" flipH="1" flipV="1">
+            <a:off x="2782061" y="3586705"/>
+            <a:ext cx="1903704" cy="1085573"/>
+          </a:xfrm>
+          <a:custGeom>
+            <a:avLst/>
+            <a:gdLst>
+              <a:gd name="connsiteX0" fmla="*/ 0 w 1158240"/>
+              <a:gd name="connsiteY0" fmla="*/ 0 h 719328"/>
+              <a:gd name="connsiteX1" fmla="*/ 1158240 w 1158240"/>
+              <a:gd name="connsiteY1" fmla="*/ 719328 h 719328"/>
+              <a:gd name="connsiteX0" fmla="*/ 0 w 1158240"/>
+              <a:gd name="connsiteY0" fmla="*/ 0 h 719328"/>
+              <a:gd name="connsiteX1" fmla="*/ 1158240 w 1158240"/>
+              <a:gd name="connsiteY1" fmla="*/ 719328 h 719328"/>
+              <a:gd name="connsiteX0" fmla="*/ 0 w 1158240"/>
+              <a:gd name="connsiteY0" fmla="*/ 0 h 719328"/>
+              <a:gd name="connsiteX1" fmla="*/ 1158240 w 1158240"/>
+              <a:gd name="connsiteY1" fmla="*/ 719328 h 719328"/>
+              <a:gd name="connsiteX0" fmla="*/ 0 w 1160661"/>
+              <a:gd name="connsiteY0" fmla="*/ 0 h 719328"/>
+              <a:gd name="connsiteX1" fmla="*/ 1158240 w 1160661"/>
+              <a:gd name="connsiteY1" fmla="*/ 719328 h 719328"/>
+              <a:gd name="connsiteX0" fmla="*/ 0 w 1158240"/>
+              <a:gd name="connsiteY0" fmla="*/ 0 h 719328"/>
+              <a:gd name="connsiteX1" fmla="*/ 1158240 w 1158240"/>
+              <a:gd name="connsiteY1" fmla="*/ 719328 h 719328"/>
+              <a:gd name="connsiteX0" fmla="*/ 0 w 1158240"/>
+              <a:gd name="connsiteY0" fmla="*/ 0 h 719328"/>
+              <a:gd name="connsiteX1" fmla="*/ 1158240 w 1158240"/>
+              <a:gd name="connsiteY1" fmla="*/ 719328 h 719328"/>
+              <a:gd name="connsiteX0" fmla="*/ 0 w 1158240"/>
+              <a:gd name="connsiteY0" fmla="*/ 0 h 719328"/>
+              <a:gd name="connsiteX1" fmla="*/ 1158240 w 1158240"/>
+              <a:gd name="connsiteY1" fmla="*/ 719328 h 719328"/>
+              <a:gd name="connsiteX0" fmla="*/ 0 w 1158240"/>
+              <a:gd name="connsiteY0" fmla="*/ 0 h 719328"/>
+              <a:gd name="connsiteX1" fmla="*/ 1158240 w 1158240"/>
+              <a:gd name="connsiteY1" fmla="*/ 719328 h 719328"/>
+            </a:gdLst>
+            <a:ahLst/>
+            <a:cxnLst>
+              <a:cxn ang="0">
+                <a:pos x="connsiteX0" y="connsiteY0"/>
+              </a:cxn>
+              <a:cxn ang="0">
+                <a:pos x="connsiteX1" y="connsiteY1"/>
+              </a:cxn>
+            </a:cxnLst>
+            <a:rect l="l" t="t" r="r" b="b"/>
+            <a:pathLst>
+              <a:path w="1158240" h="719328">
+                <a:moveTo>
+                  <a:pt x="0" y="0"/>
+                </a:moveTo>
+                <a:cubicBezTo>
+                  <a:pt x="568960" y="56896"/>
+                  <a:pt x="894080" y="52832"/>
+                  <a:pt x="1158240" y="719328"/>
+                </a:cubicBezTo>
+              </a:path>
+            </a:pathLst>
+          </a:custGeom>
+          <a:noFill/>
+          <a:ln w="22225">
+            <a:solidFill>
+              <a:srgbClr val="00CCFF"/>
+            </a:solidFill>
+            <a:prstDash val="dash"/>
+            <a:headEnd type="none"/>
+            <a:tailEnd type="arrow"/>
+          </a:ln>
+        </p:spPr>
+        <p:style>
+          <a:lnRef idx="2">
+            <a:schemeClr val="accent1">
+              <a:shade val="50000"/>
+            </a:schemeClr>
+          </a:lnRef>
+          <a:fillRef idx="1">
+            <a:schemeClr val="accent1"/>
+          </a:fillRef>
+          <a:effectRef idx="0">
+            <a:schemeClr val="accent1"/>
+          </a:effectRef>
+          <a:fontRef idx="minor">
+            <a:schemeClr val="lt1"/>
+          </a:fontRef>
+        </p:style>
+        <p:txBody>
+          <a:bodyPr rtlCol="0" anchor="ctr"/>
+          <a:lstStyle/>
+          <a:p>
+            <a:pPr algn="ctr"/>
+            <a:endParaRPr lang="en-GB"/>
+          </a:p>
+        </p:txBody>
+      </p:sp>
+      <p:sp>
+        <p:nvSpPr>
+          <p:cNvPr id="114" name="Freeform 113"/>
+          <p:cNvSpPr/>
+          <p:nvPr/>
+        </p:nvSpPr>
+        <p:spPr>
+          <a:xfrm rot="15965720" flipH="1" flipV="1">
+            <a:off x="4834366" y="2072810"/>
+            <a:ext cx="2610196" cy="6071727"/>
+          </a:xfrm>
+          <a:custGeom>
+            <a:avLst/>
+            <a:gdLst>
+              <a:gd name="connsiteX0" fmla="*/ 0 w 1158240"/>
+              <a:gd name="connsiteY0" fmla="*/ 0 h 719328"/>
+              <a:gd name="connsiteX1" fmla="*/ 1158240 w 1158240"/>
+              <a:gd name="connsiteY1" fmla="*/ 719328 h 719328"/>
+              <a:gd name="connsiteX0" fmla="*/ 0 w 1158240"/>
+              <a:gd name="connsiteY0" fmla="*/ 0 h 719328"/>
+              <a:gd name="connsiteX1" fmla="*/ 1158240 w 1158240"/>
+              <a:gd name="connsiteY1" fmla="*/ 719328 h 719328"/>
+              <a:gd name="connsiteX0" fmla="*/ 0 w 1158240"/>
+              <a:gd name="connsiteY0" fmla="*/ 0 h 719328"/>
+              <a:gd name="connsiteX1" fmla="*/ 1158240 w 1158240"/>
+              <a:gd name="connsiteY1" fmla="*/ 719328 h 719328"/>
+              <a:gd name="connsiteX0" fmla="*/ 0 w 1160661"/>
+              <a:gd name="connsiteY0" fmla="*/ 0 h 719328"/>
+              <a:gd name="connsiteX1" fmla="*/ 1158240 w 1160661"/>
+              <a:gd name="connsiteY1" fmla="*/ 719328 h 719328"/>
+              <a:gd name="connsiteX0" fmla="*/ 0 w 1158240"/>
+              <a:gd name="connsiteY0" fmla="*/ 0 h 719328"/>
+              <a:gd name="connsiteX1" fmla="*/ 1158240 w 1158240"/>
+              <a:gd name="connsiteY1" fmla="*/ 719328 h 719328"/>
+              <a:gd name="connsiteX0" fmla="*/ 0 w 1158240"/>
+              <a:gd name="connsiteY0" fmla="*/ 0 h 719328"/>
+              <a:gd name="connsiteX1" fmla="*/ 1158240 w 1158240"/>
+              <a:gd name="connsiteY1" fmla="*/ 719328 h 719328"/>
+              <a:gd name="connsiteX0" fmla="*/ 0 w 1158240"/>
+              <a:gd name="connsiteY0" fmla="*/ 0 h 719328"/>
+              <a:gd name="connsiteX1" fmla="*/ 1158240 w 1158240"/>
+              <a:gd name="connsiteY1" fmla="*/ 719328 h 719328"/>
+              <a:gd name="connsiteX0" fmla="*/ 0 w 1158240"/>
+              <a:gd name="connsiteY0" fmla="*/ 0 h 719328"/>
+              <a:gd name="connsiteX1" fmla="*/ 1158240 w 1158240"/>
+              <a:gd name="connsiteY1" fmla="*/ 719328 h 719328"/>
+            </a:gdLst>
+            <a:ahLst/>
+            <a:cxnLst>
+              <a:cxn ang="0">
+                <a:pos x="connsiteX0" y="connsiteY0"/>
+              </a:cxn>
+              <a:cxn ang="0">
+                <a:pos x="connsiteX1" y="connsiteY1"/>
+              </a:cxn>
+            </a:cxnLst>
+            <a:rect l="l" t="t" r="r" b="b"/>
+            <a:pathLst>
+              <a:path w="1158240" h="719328">
+                <a:moveTo>
+                  <a:pt x="0" y="0"/>
+                </a:moveTo>
+                <a:cubicBezTo>
+                  <a:pt x="568960" y="56896"/>
+                  <a:pt x="894080" y="52832"/>
+                  <a:pt x="1158240" y="719328"/>
+                </a:cubicBezTo>
+              </a:path>
+            </a:pathLst>
+          </a:custGeom>
+          <a:noFill/>
+          <a:ln w="22225">
+            <a:solidFill>
+              <a:srgbClr val="00CCFF"/>
+            </a:solidFill>
+            <a:prstDash val="dash"/>
+            <a:headEnd type="none"/>
+            <a:tailEnd type="arrow"/>
+          </a:ln>
+        </p:spPr>
+        <p:style>
+          <a:lnRef idx="2">
+            <a:schemeClr val="accent1">
+              <a:shade val="50000"/>
+            </a:schemeClr>
+          </a:lnRef>
+          <a:fillRef idx="1">
+            <a:schemeClr val="accent1"/>
+          </a:fillRef>
+          <a:effectRef idx="0">
+            <a:schemeClr val="accent1"/>
+          </a:effectRef>
+          <a:fontRef idx="minor">
+            <a:schemeClr val="lt1"/>
+          </a:fontRef>
+        </p:style>
+        <p:txBody>
+          <a:bodyPr rtlCol="0" anchor="ctr"/>
+          <a:lstStyle/>
+          <a:p>
+            <a:pPr algn="ctr"/>
+            <a:endParaRPr lang="en-GB"/>
+          </a:p>
+        </p:txBody>
+      </p:sp>
+      <p:sp>
+        <p:nvSpPr>
+          <p:cNvPr id="122" name="Rectangle 121"/>
+          <p:cNvSpPr/>
+          <p:nvPr/>
+        </p:nvSpPr>
+        <p:spPr>
+          <a:xfrm>
+            <a:off x="1991941" y="4578769"/>
+            <a:ext cx="1418566" cy="3574632"/>
+          </a:xfrm>
+          <a:prstGeom prst="rect">
+            <a:avLst/>
+          </a:prstGeom>
+          <a:noFill/>
+          <a:ln>
+            <a:solidFill>
+              <a:schemeClr val="bg1">
+                <a:lumMod val="50000"/>
+              </a:schemeClr>
+            </a:solidFill>
+          </a:ln>
+        </p:spPr>
+        <p:style>
+          <a:lnRef idx="2">
+            <a:schemeClr val="accent1"/>
+          </a:lnRef>
+          <a:fillRef idx="1">
+            <a:schemeClr val="lt1"/>
+          </a:fillRef>
+          <a:effectRef idx="0">
+            <a:schemeClr val="accent1"/>
+          </a:effectRef>
+          <a:fontRef idx="minor">
+            <a:schemeClr val="dk1"/>
+          </a:fontRef>
+        </p:style>
+        <p:txBody>
+          <a:bodyPr rtlCol="0" anchor="b"/>
+          <a:lstStyle/>
+          <a:p>
+            <a:pPr algn="ctr"/>
+            <a:r>
+              <a:rPr lang="nl-BE" dirty="0" smtClean="0"/>
+              <a:t>Gateway</a:t>
+            </a:r>
+            <a:endParaRPr lang="en-US" dirty="0"/>
+          </a:p>
+        </p:txBody>
+      </p:sp>
+      <p:sp>
+        <p:nvSpPr>
+          <p:cNvPr id="123" name="Rectangle 122"/>
+          <p:cNvSpPr/>
+          <p:nvPr/>
+        </p:nvSpPr>
+        <p:spPr>
+          <a:xfrm>
+            <a:off x="10326067" y="4539243"/>
+            <a:ext cx="1418566" cy="3574632"/>
+          </a:xfrm>
+          <a:prstGeom prst="rect">
+            <a:avLst/>
+          </a:prstGeom>
+          <a:noFill/>
+          <a:ln>
+            <a:solidFill>
+              <a:schemeClr val="bg1">
+                <a:lumMod val="50000"/>
+              </a:schemeClr>
+            </a:solidFill>
+          </a:ln>
+        </p:spPr>
+        <p:style>
+          <a:lnRef idx="2">
+            <a:schemeClr val="accent1"/>
+          </a:lnRef>
+          <a:fillRef idx="1">
+            <a:schemeClr val="lt1"/>
+          </a:fillRef>
+          <a:effectRef idx="0">
+            <a:schemeClr val="accent1"/>
+          </a:effectRef>
+          <a:fontRef idx="minor">
+            <a:schemeClr val="dk1"/>
+          </a:fontRef>
+        </p:style>
+        <p:txBody>
+          <a:bodyPr rtlCol="0" anchor="b"/>
+          <a:lstStyle/>
+          <a:p>
+            <a:pPr algn="ctr"/>
+            <a:r>
+              <a:rPr lang="nl-BE" dirty="0" smtClean="0"/>
+              <a:t>Fabric</a:t>
+            </a:r>
+            <a:endParaRPr lang="en-US" dirty="0"/>
+          </a:p>
+        </p:txBody>
+      </p:sp>
+    </p:spTree>
+    <p:extLst>
+      <p:ext uri="{BB962C8B-B14F-4D97-AF65-F5344CB8AC3E}">
+        <p14:creationId xmlns:p14="http://schemas.microsoft.com/office/powerpoint/2010/main" val="3648561184"/>
+      </p:ext>
+    </p:extLst>
+  </p:cSld>
+  <p:clrMapOvr>
+    <a:masterClrMapping/>
+  </p:clrMapOvr>
+  <p:timing>
+    <p:tnLst>
+      <p:par>
+        <p:cTn id="1" dur="indefinite" restart="never" nodeType="tmRoot">
+          <p:childTnLst>
+            <p:seq concurrent="1" nextAc="seek">
+              <p:cTn id="2" dur="indefinite" nodeType="mainSeq">
+                <p:childTnLst>
+                  <p:par>
+                    <p:cTn id="3" fill="hold">
+                      <p:stCondLst>
+                        <p:cond delay="indefinite"/>
+                      </p:stCondLst>
+                      <p:childTnLst>
+                        <p:par>
+                          <p:cTn id="4" fill="hold">
+                            <p:stCondLst>
+                              <p:cond delay="0"/>
+                            </p:stCondLst>
+                            <p:childTnLst>
+                              <p:par>
+                                <p:cTn id="5" presetID="1" presetClass="entr" presetSubtype="0" fill="hold" grpId="0" nodeType="clickEffect">
+                                  <p:stCondLst>
+                                    <p:cond delay="0"/>
+                                  </p:stCondLst>
+                                  <p:childTnLst>
+                                    <p:set>
+                                      <p:cBhvr>
+                                        <p:cTn id="6" dur="1" fill="hold">
+                                          <p:stCondLst>
+                                            <p:cond delay="0"/>
+                                          </p:stCondLst>
+                                        </p:cTn>
+                                        <p:tgtEl>
+                                          <p:spTgt spid="19"/>
+                                        </p:tgtEl>
+                                        <p:attrNameLst>
+                                          <p:attrName>style.visibility</p:attrName>
+                                        </p:attrNameLst>
+                                      </p:cBhvr>
+                                      <p:to>
+                                        <p:strVal val="visible"/>
+                                      </p:to>
+                                    </p:set>
+                                  </p:childTnLst>
+                                </p:cTn>
+                              </p:par>
+                            </p:childTnLst>
+                          </p:cTn>
+                        </p:par>
+                      </p:childTnLst>
+                    </p:cTn>
+                  </p:par>
+                  <p:par>
+                    <p:cTn id="7" fill="hold">
+                      <p:stCondLst>
+                        <p:cond delay="indefinite"/>
+                      </p:stCondLst>
+                      <p:childTnLst>
+                        <p:par>
+                          <p:cTn id="8" fill="hold">
+                            <p:stCondLst>
+                              <p:cond delay="0"/>
+                            </p:stCondLst>
+                            <p:childTnLst>
+                              <p:par>
+                                <p:cTn id="9" presetID="1" presetClass="entr" presetSubtype="0" fill="hold" nodeType="clickEffect">
+                                  <p:stCondLst>
+                                    <p:cond delay="0"/>
+                                  </p:stCondLst>
+                                  <p:childTnLst>
+                                    <p:set>
+                                      <p:cBhvr>
+                                        <p:cTn id="10" dur="1" fill="hold">
+                                          <p:stCondLst>
+                                            <p:cond delay="0"/>
+                                          </p:stCondLst>
+                                        </p:cTn>
+                                        <p:tgtEl>
+                                          <p:spTgt spid="32"/>
+                                        </p:tgtEl>
+                                        <p:attrNameLst>
+                                          <p:attrName>style.visibility</p:attrName>
+                                        </p:attrNameLst>
+                                      </p:cBhvr>
+                                      <p:to>
+                                        <p:strVal val="visible"/>
+                                      </p:to>
+                                    </p:set>
+                                  </p:childTnLst>
+                                </p:cTn>
+                              </p:par>
+                            </p:childTnLst>
+                          </p:cTn>
+                        </p:par>
+                      </p:childTnLst>
+                    </p:cTn>
+                  </p:par>
+                  <p:par>
+                    <p:cTn id="11" fill="hold">
+                      <p:stCondLst>
+                        <p:cond delay="indefinite"/>
+                      </p:stCondLst>
+                      <p:childTnLst>
+                        <p:par>
+                          <p:cTn id="12" fill="hold">
+                            <p:stCondLst>
+                              <p:cond delay="0"/>
+                            </p:stCondLst>
+                            <p:childTnLst>
+                              <p:par>
+                                <p:cTn id="13" presetID="1" presetClass="entr" presetSubtype="0" fill="hold" nodeType="clickEffect">
+                                  <p:stCondLst>
+                                    <p:cond delay="0"/>
+                                  </p:stCondLst>
+                                  <p:childTnLst>
+                                    <p:set>
+                                      <p:cBhvr>
+                                        <p:cTn id="14" dur="1" fill="hold">
+                                          <p:stCondLst>
+                                            <p:cond delay="0"/>
+                                          </p:stCondLst>
+                                        </p:cTn>
+                                        <p:tgtEl>
+                                          <p:spTgt spid="35"/>
+                                        </p:tgtEl>
+                                        <p:attrNameLst>
+                                          <p:attrName>style.visibility</p:attrName>
+                                        </p:attrNameLst>
+                                      </p:cBhvr>
+                                      <p:to>
+                                        <p:strVal val="visible"/>
+                                      </p:to>
+                                    </p:set>
+                                  </p:childTnLst>
+                                </p:cTn>
+                              </p:par>
+                            </p:childTnLst>
+                          </p:cTn>
+                        </p:par>
+                      </p:childTnLst>
+                    </p:cTn>
+                  </p:par>
+                  <p:par>
+                    <p:cTn id="15" fill="hold">
+                      <p:stCondLst>
+                        <p:cond delay="indefinite"/>
+                      </p:stCondLst>
+                      <p:childTnLst>
+                        <p:par>
+                          <p:cTn id="16" fill="hold">
+                            <p:stCondLst>
+                              <p:cond delay="0"/>
+                            </p:stCondLst>
+                            <p:childTnLst>
+                              <p:par>
+                                <p:cTn id="17" presetID="1" presetClass="entr" presetSubtype="0" fill="hold" nodeType="clickEffect">
+                                  <p:stCondLst>
+                                    <p:cond delay="0"/>
+                                  </p:stCondLst>
+                                  <p:childTnLst>
+                                    <p:set>
+                                      <p:cBhvr>
+                                        <p:cTn id="18" dur="1" fill="hold">
+                                          <p:stCondLst>
+                                            <p:cond delay="0"/>
+                                          </p:stCondLst>
+                                        </p:cTn>
+                                        <p:tgtEl>
+                                          <p:spTgt spid="36"/>
+                                        </p:tgtEl>
+                                        <p:attrNameLst>
+                                          <p:attrName>style.visibility</p:attrName>
+                                        </p:attrNameLst>
+                                      </p:cBhvr>
+                                      <p:to>
+                                        <p:strVal val="visible"/>
+                                      </p:to>
+                                    </p:set>
+                                  </p:childTnLst>
+                                </p:cTn>
+                              </p:par>
+                            </p:childTnLst>
+                          </p:cTn>
+                        </p:par>
+                      </p:childTnLst>
+                    </p:cTn>
+                  </p:par>
+                  <p:par>
+                    <p:cTn id="19" fill="hold">
+                      <p:stCondLst>
+                        <p:cond delay="indefinite"/>
+                      </p:stCondLst>
+                      <p:childTnLst>
+                        <p:par>
+                          <p:cTn id="20" fill="hold">
+                            <p:stCondLst>
+                              <p:cond delay="0"/>
+                            </p:stCondLst>
+                            <p:childTnLst>
+                              <p:par>
+                                <p:cTn id="21" presetID="1" presetClass="entr" presetSubtype="0" fill="hold" grpId="0" nodeType="clickEffect">
+                                  <p:stCondLst>
+                                    <p:cond delay="0"/>
+                                  </p:stCondLst>
+                                  <p:childTnLst>
+                                    <p:set>
+                                      <p:cBhvr>
+                                        <p:cTn id="22" dur="1" fill="hold">
+                                          <p:stCondLst>
+                                            <p:cond delay="0"/>
+                                          </p:stCondLst>
+                                        </p:cTn>
+                                        <p:tgtEl>
+                                          <p:spTgt spid="41"/>
+                                        </p:tgtEl>
+                                        <p:attrNameLst>
+                                          <p:attrName>style.visibility</p:attrName>
+                                        </p:attrNameLst>
+                                      </p:cBhvr>
+                                      <p:to>
+                                        <p:strVal val="visible"/>
+                                      </p:to>
+                                    </p:set>
+                                  </p:childTnLst>
+                                </p:cTn>
+                              </p:par>
+                              <p:par>
+                                <p:cTn id="23" presetID="1" presetClass="entr" presetSubtype="0" fill="hold" grpId="0" nodeType="withEffect">
+                                  <p:stCondLst>
+                                    <p:cond delay="0"/>
+                                  </p:stCondLst>
+                                  <p:childTnLst>
+                                    <p:set>
+                                      <p:cBhvr>
+                                        <p:cTn id="24" dur="1" fill="hold">
+                                          <p:stCondLst>
+                                            <p:cond delay="0"/>
+                                          </p:stCondLst>
+                                        </p:cTn>
+                                        <p:tgtEl>
+                                          <p:spTgt spid="42"/>
+                                        </p:tgtEl>
+                                        <p:attrNameLst>
+                                          <p:attrName>style.visibility</p:attrName>
+                                        </p:attrNameLst>
+                                      </p:cBhvr>
+                                      <p:to>
+                                        <p:strVal val="visible"/>
+                                      </p:to>
+                                    </p:set>
+                                  </p:childTnLst>
+                                </p:cTn>
+                              </p:par>
+                              <p:par>
+                                <p:cTn id="25" presetID="1" presetClass="entr" presetSubtype="0" fill="hold" grpId="0" nodeType="withEffect">
+                                  <p:stCondLst>
+                                    <p:cond delay="0"/>
+                                  </p:stCondLst>
+                                  <p:childTnLst>
+                                    <p:set>
+                                      <p:cBhvr>
+                                        <p:cTn id="26" dur="1" fill="hold">
+                                          <p:stCondLst>
+                                            <p:cond delay="0"/>
+                                          </p:stCondLst>
+                                        </p:cTn>
+                                        <p:tgtEl>
+                                          <p:spTgt spid="43"/>
+                                        </p:tgtEl>
+                                        <p:attrNameLst>
+                                          <p:attrName>style.visibility</p:attrName>
+                                        </p:attrNameLst>
+                                      </p:cBhvr>
+                                      <p:to>
+                                        <p:strVal val="visible"/>
+                                      </p:to>
+                                    </p:set>
+                                  </p:childTnLst>
+                                </p:cTn>
+                              </p:par>
+                            </p:childTnLst>
+                          </p:cTn>
+                        </p:par>
+                      </p:childTnLst>
+                    </p:cTn>
+                  </p:par>
+                  <p:par>
+                    <p:cTn id="27" fill="hold">
+                      <p:stCondLst>
+                        <p:cond delay="indefinite"/>
+                      </p:stCondLst>
+                      <p:childTnLst>
+                        <p:par>
+                          <p:cTn id="28" fill="hold">
+                            <p:stCondLst>
+                              <p:cond delay="0"/>
+                            </p:stCondLst>
+                            <p:childTnLst>
+                              <p:par>
+                                <p:cTn id="29" presetID="1" presetClass="entr" presetSubtype="0" fill="hold" grpId="0" nodeType="clickEffect">
+                                  <p:stCondLst>
+                                    <p:cond delay="0"/>
+                                  </p:stCondLst>
+                                  <p:childTnLst>
+                                    <p:set>
+                                      <p:cBhvr>
+                                        <p:cTn id="30" dur="1" fill="hold">
+                                          <p:stCondLst>
+                                            <p:cond delay="0"/>
+                                          </p:stCondLst>
+                                        </p:cTn>
+                                        <p:tgtEl>
+                                          <p:spTgt spid="61"/>
+                                        </p:tgtEl>
+                                        <p:attrNameLst>
+                                          <p:attrName>style.visibility</p:attrName>
+                                        </p:attrNameLst>
+                                      </p:cBhvr>
+                                      <p:to>
+                                        <p:strVal val="visible"/>
+                                      </p:to>
+                                    </p:set>
+                                  </p:childTnLst>
+                                </p:cTn>
+                              </p:par>
+                            </p:childTnLst>
+                          </p:cTn>
+                        </p:par>
+                      </p:childTnLst>
+                    </p:cTn>
+                  </p:par>
+                  <p:par>
+                    <p:cTn id="31" fill="hold">
+                      <p:stCondLst>
+                        <p:cond delay="indefinite"/>
+                      </p:stCondLst>
+                      <p:childTnLst>
+                        <p:par>
+                          <p:cTn id="32" fill="hold">
+                            <p:stCondLst>
+                              <p:cond delay="0"/>
+                            </p:stCondLst>
+                            <p:childTnLst>
+                              <p:par>
+                                <p:cTn id="33" presetID="1" presetClass="entr" presetSubtype="0" fill="hold" grpId="0" nodeType="clickEffect">
+                                  <p:stCondLst>
+                                    <p:cond delay="0"/>
+                                  </p:stCondLst>
+                                  <p:childTnLst>
+                                    <p:set>
+                                      <p:cBhvr>
+                                        <p:cTn id="34" dur="1" fill="hold">
+                                          <p:stCondLst>
+                                            <p:cond delay="0"/>
+                                          </p:stCondLst>
+                                        </p:cTn>
+                                        <p:tgtEl>
+                                          <p:spTgt spid="62"/>
+                                        </p:tgtEl>
+                                        <p:attrNameLst>
+                                          <p:attrName>style.visibility</p:attrName>
+                                        </p:attrNameLst>
+                                      </p:cBhvr>
+                                      <p:to>
+                                        <p:strVal val="visible"/>
+                                      </p:to>
+                                    </p:set>
+                                  </p:childTnLst>
+                                </p:cTn>
+                              </p:par>
+                            </p:childTnLst>
+                          </p:cTn>
+                        </p:par>
+                      </p:childTnLst>
+                    </p:cTn>
+                  </p:par>
+                  <p:par>
+                    <p:cTn id="35" fill="hold">
+                      <p:stCondLst>
+                        <p:cond delay="indefinite"/>
+                      </p:stCondLst>
+                      <p:childTnLst>
+                        <p:par>
+                          <p:cTn id="36" fill="hold">
+                            <p:stCondLst>
+                              <p:cond delay="0"/>
+                            </p:stCondLst>
+                            <p:childTnLst>
+                              <p:par>
+                                <p:cTn id="37" presetID="1" presetClass="entr" presetSubtype="0" fill="hold" grpId="0" nodeType="clickEffect">
+                                  <p:stCondLst>
+                                    <p:cond delay="0"/>
+                                  </p:stCondLst>
+                                  <p:childTnLst>
+                                    <p:set>
+                                      <p:cBhvr>
+                                        <p:cTn id="38" dur="1" fill="hold">
+                                          <p:stCondLst>
+                                            <p:cond delay="0"/>
+                                          </p:stCondLst>
+                                        </p:cTn>
+                                        <p:tgtEl>
+                                          <p:spTgt spid="63"/>
+                                        </p:tgtEl>
+                                        <p:attrNameLst>
+                                          <p:attrName>style.visibility</p:attrName>
+                                        </p:attrNameLst>
+                                      </p:cBhvr>
+                                      <p:to>
+                                        <p:strVal val="visible"/>
+                                      </p:to>
+                                    </p:set>
+                                  </p:childTnLst>
+                                </p:cTn>
+                              </p:par>
+                            </p:childTnLst>
+                          </p:cTn>
+                        </p:par>
+                      </p:childTnLst>
+                    </p:cTn>
+                  </p:par>
+                  <p:par>
+                    <p:cTn id="39" fill="hold">
+                      <p:stCondLst>
+                        <p:cond delay="indefinite"/>
+                      </p:stCondLst>
+                      <p:childTnLst>
+                        <p:par>
+                          <p:cTn id="40" fill="hold">
+                            <p:stCondLst>
+                              <p:cond delay="0"/>
+                            </p:stCondLst>
+                            <p:childTnLst>
+                              <p:par>
+                                <p:cTn id="41" presetID="1" presetClass="entr" presetSubtype="0" fill="hold" grpId="0" nodeType="clickEffect">
+                                  <p:stCondLst>
+                                    <p:cond delay="0"/>
+                                  </p:stCondLst>
+                                  <p:childTnLst>
+                                    <p:set>
+                                      <p:cBhvr>
+                                        <p:cTn id="42" dur="1" fill="hold">
+                                          <p:stCondLst>
+                                            <p:cond delay="0"/>
+                                          </p:stCondLst>
+                                        </p:cTn>
+                                        <p:tgtEl>
+                                          <p:spTgt spid="64"/>
+                                        </p:tgtEl>
+                                        <p:attrNameLst>
+                                          <p:attrName>style.visibility</p:attrName>
+                                        </p:attrNameLst>
+                                      </p:cBhvr>
+                                      <p:to>
+                                        <p:strVal val="visible"/>
+                                      </p:to>
+                                    </p:set>
+                                  </p:childTnLst>
+                                </p:cTn>
+                              </p:par>
+                            </p:childTnLst>
+                          </p:cTn>
+                        </p:par>
+                      </p:childTnLst>
+                    </p:cTn>
+                  </p:par>
+                  <p:par>
+                    <p:cTn id="43" fill="hold">
+                      <p:stCondLst>
+                        <p:cond delay="indefinite"/>
+                      </p:stCondLst>
+                      <p:childTnLst>
+                        <p:par>
+                          <p:cTn id="44" fill="hold">
+                            <p:stCondLst>
+                              <p:cond delay="0"/>
+                            </p:stCondLst>
+                            <p:childTnLst>
+                              <p:par>
+                                <p:cTn id="45" presetID="1" presetClass="entr" presetSubtype="0" fill="hold" grpId="0" nodeType="clickEffect">
+                                  <p:stCondLst>
+                                    <p:cond delay="0"/>
+                                  </p:stCondLst>
+                                  <p:childTnLst>
+                                    <p:set>
+                                      <p:cBhvr>
+                                        <p:cTn id="46" dur="1" fill="hold">
+                                          <p:stCondLst>
+                                            <p:cond delay="0"/>
+                                          </p:stCondLst>
+                                        </p:cTn>
+                                        <p:tgtEl>
+                                          <p:spTgt spid="65"/>
+                                        </p:tgtEl>
+                                        <p:attrNameLst>
+                                          <p:attrName>style.visibility</p:attrName>
+                                        </p:attrNameLst>
+                                      </p:cBhvr>
+                                      <p:to>
+                                        <p:strVal val="visible"/>
+                                      </p:to>
+                                    </p:set>
+                                  </p:childTnLst>
+                                </p:cTn>
+                              </p:par>
+                              <p:par>
+                                <p:cTn id="47" presetID="1" presetClass="entr" presetSubtype="0" fill="hold" nodeType="withEffect">
+                                  <p:stCondLst>
+                                    <p:cond delay="0"/>
+                                  </p:stCondLst>
+                                  <p:childTnLst>
+                                    <p:set>
+                                      <p:cBhvr>
+                                        <p:cTn id="48" dur="1" fill="hold">
+                                          <p:stCondLst>
+                                            <p:cond delay="0"/>
+                                          </p:stCondLst>
+                                        </p:cTn>
+                                        <p:tgtEl>
+                                          <p:spTgt spid="71"/>
+                                        </p:tgtEl>
+                                        <p:attrNameLst>
+                                          <p:attrName>style.visibility</p:attrName>
+                                        </p:attrNameLst>
+                                      </p:cBhvr>
+                                      <p:to>
+                                        <p:strVal val="visible"/>
+                                      </p:to>
+                                    </p:set>
+                                  </p:childTnLst>
+                                </p:cTn>
+                              </p:par>
+                            </p:childTnLst>
+                          </p:cTn>
+                        </p:par>
+                      </p:childTnLst>
+                    </p:cTn>
+                  </p:par>
+                  <p:par>
+                    <p:cTn id="49" fill="hold">
+                      <p:stCondLst>
+                        <p:cond delay="indefinite"/>
+                      </p:stCondLst>
+                      <p:childTnLst>
+                        <p:par>
+                          <p:cTn id="50" fill="hold">
+                            <p:stCondLst>
+                              <p:cond delay="0"/>
+                            </p:stCondLst>
+                            <p:childTnLst>
+                              <p:par>
+                                <p:cTn id="51" presetID="1" presetClass="entr" presetSubtype="0" fill="hold" grpId="0" nodeType="clickEffect">
+                                  <p:stCondLst>
+                                    <p:cond delay="0"/>
+                                  </p:stCondLst>
+                                  <p:childTnLst>
+                                    <p:set>
+                                      <p:cBhvr>
+                                        <p:cTn id="52" dur="1" fill="hold">
+                                          <p:stCondLst>
+                                            <p:cond delay="0"/>
+                                          </p:stCondLst>
+                                        </p:cTn>
+                                        <p:tgtEl>
+                                          <p:spTgt spid="107"/>
+                                        </p:tgtEl>
+                                        <p:attrNameLst>
+                                          <p:attrName>style.visibility</p:attrName>
+                                        </p:attrNameLst>
+                                      </p:cBhvr>
+                                      <p:to>
+                                        <p:strVal val="visible"/>
+                                      </p:to>
+                                    </p:set>
+                                  </p:childTnLst>
+                                </p:cTn>
+                              </p:par>
+                            </p:childTnLst>
+                          </p:cTn>
+                        </p:par>
+                      </p:childTnLst>
+                    </p:cTn>
+                  </p:par>
+                  <p:par>
+                    <p:cTn id="53" fill="hold">
+                      <p:stCondLst>
+                        <p:cond delay="indefinite"/>
+                      </p:stCondLst>
+                      <p:childTnLst>
+                        <p:par>
+                          <p:cTn id="54" fill="hold">
+                            <p:stCondLst>
+                              <p:cond delay="0"/>
+                            </p:stCondLst>
+                            <p:childTnLst>
+                              <p:par>
+                                <p:cTn id="55" presetID="1" presetClass="entr" presetSubtype="0" fill="hold" grpId="0" nodeType="clickEffect">
+                                  <p:stCondLst>
+                                    <p:cond delay="0"/>
+                                  </p:stCondLst>
+                                  <p:childTnLst>
+                                    <p:set>
+                                      <p:cBhvr>
+                                        <p:cTn id="56" dur="1" fill="hold">
+                                          <p:stCondLst>
+                                            <p:cond delay="0"/>
+                                          </p:stCondLst>
+                                        </p:cTn>
+                                        <p:tgtEl>
+                                          <p:spTgt spid="108"/>
+                                        </p:tgtEl>
+                                        <p:attrNameLst>
+                                          <p:attrName>style.visibility</p:attrName>
+                                        </p:attrNameLst>
+                                      </p:cBhvr>
+                                      <p:to>
+                                        <p:strVal val="visible"/>
+                                      </p:to>
+                                    </p:set>
+                                  </p:childTnLst>
+                                </p:cTn>
+                              </p:par>
+                            </p:childTnLst>
+                          </p:cTn>
+                        </p:par>
+                      </p:childTnLst>
+                    </p:cTn>
+                  </p:par>
+                  <p:par>
+                    <p:cTn id="57" fill="hold">
+                      <p:stCondLst>
+                        <p:cond delay="indefinite"/>
+                      </p:stCondLst>
+                      <p:childTnLst>
+                        <p:par>
+                          <p:cTn id="58" fill="hold">
+                            <p:stCondLst>
+                              <p:cond delay="0"/>
+                            </p:stCondLst>
+                            <p:childTnLst>
+                              <p:par>
+                                <p:cTn id="59" presetID="1" presetClass="entr" presetSubtype="0" fill="hold" grpId="0" nodeType="clickEffect">
+                                  <p:stCondLst>
+                                    <p:cond delay="0"/>
+                                  </p:stCondLst>
+                                  <p:childTnLst>
+                                    <p:set>
+                                      <p:cBhvr>
+                                        <p:cTn id="60" dur="1" fill="hold">
+                                          <p:stCondLst>
+                                            <p:cond delay="0"/>
+                                          </p:stCondLst>
+                                        </p:cTn>
+                                        <p:tgtEl>
+                                          <p:spTgt spid="109"/>
+                                        </p:tgtEl>
+                                        <p:attrNameLst>
+                                          <p:attrName>style.visibility</p:attrName>
+                                        </p:attrNameLst>
+                                      </p:cBhvr>
+                                      <p:to>
+                                        <p:strVal val="visible"/>
+                                      </p:to>
+                                    </p:set>
+                                  </p:childTnLst>
+                                </p:cTn>
+                              </p:par>
+                            </p:childTnLst>
+                          </p:cTn>
+                        </p:par>
+                      </p:childTnLst>
+                    </p:cTn>
+                  </p:par>
+                  <p:par>
+                    <p:cTn id="61" fill="hold">
+                      <p:stCondLst>
+                        <p:cond delay="indefinite"/>
+                      </p:stCondLst>
+                      <p:childTnLst>
+                        <p:par>
+                          <p:cTn id="62" fill="hold">
+                            <p:stCondLst>
+                              <p:cond delay="0"/>
+                            </p:stCondLst>
+                            <p:childTnLst>
+                              <p:par>
+                                <p:cTn id="63" presetID="1" presetClass="entr" presetSubtype="0" fill="hold" grpId="0" nodeType="clickEffect">
+                                  <p:stCondLst>
+                                    <p:cond delay="0"/>
+                                  </p:stCondLst>
+                                  <p:childTnLst>
+                                    <p:set>
+                                      <p:cBhvr>
+                                        <p:cTn id="64" dur="1" fill="hold">
+                                          <p:stCondLst>
+                                            <p:cond delay="0"/>
+                                          </p:stCondLst>
+                                        </p:cTn>
+                                        <p:tgtEl>
+                                          <p:spTgt spid="118"/>
+                                        </p:tgtEl>
+                                        <p:attrNameLst>
+                                          <p:attrName>style.visibility</p:attrName>
+                                        </p:attrNameLst>
+                                      </p:cBhvr>
+                                      <p:to>
+                                        <p:strVal val="visible"/>
+                                      </p:to>
+                                    </p:set>
+                                  </p:childTnLst>
+                                </p:cTn>
+                              </p:par>
+                            </p:childTnLst>
+                          </p:cTn>
+                        </p:par>
+                      </p:childTnLst>
+                    </p:cTn>
+                  </p:par>
+                  <p:par>
+                    <p:cTn id="65" fill="hold">
+                      <p:stCondLst>
+                        <p:cond delay="indefinite"/>
+                      </p:stCondLst>
+                      <p:childTnLst>
+                        <p:par>
+                          <p:cTn id="66" fill="hold">
+                            <p:stCondLst>
+                              <p:cond delay="0"/>
+                            </p:stCondLst>
+                            <p:childTnLst>
+                              <p:par>
+                                <p:cTn id="67" presetID="1" presetClass="entr" presetSubtype="0" fill="hold" grpId="0" nodeType="clickEffect">
+                                  <p:stCondLst>
+                                    <p:cond delay="0"/>
+                                  </p:stCondLst>
+                                  <p:childTnLst>
+                                    <p:set>
+                                      <p:cBhvr>
+                                        <p:cTn id="68" dur="1" fill="hold">
+                                          <p:stCondLst>
+                                            <p:cond delay="0"/>
+                                          </p:stCondLst>
+                                        </p:cTn>
+                                        <p:tgtEl>
+                                          <p:spTgt spid="119"/>
+                                        </p:tgtEl>
+                                        <p:attrNameLst>
+                                          <p:attrName>style.visibility</p:attrName>
+                                        </p:attrNameLst>
+                                      </p:cBhvr>
+                                      <p:to>
+                                        <p:strVal val="visible"/>
+                                      </p:to>
+                                    </p:set>
+                                  </p:childTnLst>
+                                </p:cTn>
+                              </p:par>
+                            </p:childTnLst>
+                          </p:cTn>
+                        </p:par>
+                      </p:childTnLst>
+                    </p:cTn>
+                  </p:par>
+                  <p:par>
+                    <p:cTn id="69" fill="hold">
+                      <p:stCondLst>
+                        <p:cond delay="indefinite"/>
+                      </p:stCondLst>
+                      <p:childTnLst>
+                        <p:par>
+                          <p:cTn id="70" fill="hold">
+                            <p:stCondLst>
+                              <p:cond delay="0"/>
+                            </p:stCondLst>
+                            <p:childTnLst>
+                              <p:par>
+                                <p:cTn id="71" presetID="1" presetClass="entr" presetSubtype="0" fill="hold" grpId="0" nodeType="clickEffect">
+                                  <p:stCondLst>
+                                    <p:cond delay="0"/>
+                                  </p:stCondLst>
+                                  <p:childTnLst>
+                                    <p:set>
+                                      <p:cBhvr>
+                                        <p:cTn id="72" dur="1" fill="hold">
+                                          <p:stCondLst>
+                                            <p:cond delay="0"/>
+                                          </p:stCondLst>
+                                        </p:cTn>
+                                        <p:tgtEl>
+                                          <p:spTgt spid="120"/>
+                                        </p:tgtEl>
+                                        <p:attrNameLst>
+                                          <p:attrName>style.visibility</p:attrName>
+                                        </p:attrNameLst>
+                                      </p:cBhvr>
+                                      <p:to>
+                                        <p:strVal val="visible"/>
+                                      </p:to>
+                                    </p:set>
+                                  </p:childTnLst>
+                                </p:cTn>
+                              </p:par>
+                            </p:childTnLst>
+                          </p:cTn>
+                        </p:par>
+                      </p:childTnLst>
+                    </p:cTn>
+                  </p:par>
+                  <p:par>
+                    <p:cTn id="73" fill="hold">
+                      <p:stCondLst>
+                        <p:cond delay="indefinite"/>
+                      </p:stCondLst>
+                      <p:childTnLst>
+                        <p:par>
+                          <p:cTn id="74" fill="hold">
+                            <p:stCondLst>
+                              <p:cond delay="0"/>
+                            </p:stCondLst>
+                            <p:childTnLst>
+                              <p:par>
+                                <p:cTn id="75" presetID="1" presetClass="entr" presetSubtype="0" fill="hold" grpId="0" nodeType="clickEffect">
+                                  <p:stCondLst>
+                                    <p:cond delay="0"/>
+                                  </p:stCondLst>
+                                  <p:childTnLst>
+                                    <p:set>
+                                      <p:cBhvr>
+                                        <p:cTn id="76" dur="1" fill="hold">
+                                          <p:stCondLst>
+                                            <p:cond delay="0"/>
+                                          </p:stCondLst>
+                                        </p:cTn>
+                                        <p:tgtEl>
+                                          <p:spTgt spid="121"/>
+                                        </p:tgtEl>
+                                        <p:attrNameLst>
+                                          <p:attrName>style.visibility</p:attrName>
+                                        </p:attrNameLst>
+                                      </p:cBhvr>
+                                      <p:to>
+                                        <p:strVal val="visible"/>
+                                      </p:to>
+                                    </p:set>
+                                  </p:childTnLst>
+                                </p:cTn>
+                              </p:par>
+                              <p:par>
+                                <p:cTn id="77" presetID="1" presetClass="entr" presetSubtype="0" fill="hold" nodeType="withEffect">
+                                  <p:stCondLst>
+                                    <p:cond delay="0"/>
+                                  </p:stCondLst>
+                                  <p:childTnLst>
+                                    <p:set>
+                                      <p:cBhvr>
+                                        <p:cTn id="78" dur="1" fill="hold">
+                                          <p:stCondLst>
+                                            <p:cond delay="0"/>
+                                          </p:stCondLst>
+                                        </p:cTn>
+                                        <p:tgtEl>
+                                          <p:spTgt spid="47"/>
+                                        </p:tgtEl>
+                                        <p:attrNameLst>
+                                          <p:attrName>style.visibility</p:attrName>
+                                        </p:attrNameLst>
+                                      </p:cBhvr>
+                                      <p:to>
+                                        <p:strVal val="visible"/>
+                                      </p:to>
+                                    </p:set>
+                                  </p:childTnLst>
+                                </p:cTn>
+                              </p:par>
+                            </p:childTnLst>
+                          </p:cTn>
+                        </p:par>
+                      </p:childTnLst>
+                    </p:cTn>
+                  </p:par>
+                  <p:par>
+                    <p:cTn id="79" fill="hold">
+                      <p:stCondLst>
+                        <p:cond delay="indefinite"/>
+                      </p:stCondLst>
+                      <p:childTnLst>
+                        <p:par>
+                          <p:cTn id="80" fill="hold">
+                            <p:stCondLst>
+                              <p:cond delay="0"/>
+                            </p:stCondLst>
+                            <p:childTnLst>
+                              <p:par>
+                                <p:cTn id="81" presetID="1" presetClass="entr" presetSubtype="0" fill="hold" nodeType="clickEffect">
+                                  <p:stCondLst>
+                                    <p:cond delay="0"/>
+                                  </p:stCondLst>
+                                  <p:childTnLst>
+                                    <p:set>
+                                      <p:cBhvr>
+                                        <p:cTn id="82" dur="1" fill="hold">
+                                          <p:stCondLst>
+                                            <p:cond delay="0"/>
+                                          </p:stCondLst>
+                                        </p:cTn>
+                                        <p:tgtEl>
+                                          <p:spTgt spid="54"/>
+                                        </p:tgtEl>
+                                        <p:attrNameLst>
+                                          <p:attrName>style.visibility</p:attrName>
+                                        </p:attrNameLst>
+                                      </p:cBhvr>
+                                      <p:to>
+                                        <p:strVal val="visible"/>
+                                      </p:to>
+                                    </p:set>
+                                  </p:childTnLst>
+                                </p:cTn>
+                              </p:par>
+                              <p:par>
+                                <p:cTn id="83" presetID="1" presetClass="entr" presetSubtype="0" fill="hold" grpId="0" nodeType="withEffect">
+                                  <p:stCondLst>
+                                    <p:cond delay="0"/>
+                                  </p:stCondLst>
+                                  <p:childTnLst>
+                                    <p:set>
+                                      <p:cBhvr>
+                                        <p:cTn id="84" dur="1" fill="hold">
+                                          <p:stCondLst>
+                                            <p:cond delay="0"/>
+                                          </p:stCondLst>
+                                        </p:cTn>
+                                        <p:tgtEl>
+                                          <p:spTgt spid="78"/>
+                                        </p:tgtEl>
+                                        <p:attrNameLst>
+                                          <p:attrName>style.visibility</p:attrName>
+                                        </p:attrNameLst>
+                                      </p:cBhvr>
+                                      <p:to>
+                                        <p:strVal val="visible"/>
+                                      </p:to>
+                                    </p:set>
+                                  </p:childTnLst>
+                                </p:cTn>
+                              </p:par>
+                            </p:childTnLst>
+                          </p:cTn>
+                        </p:par>
+                      </p:childTnLst>
+                    </p:cTn>
+                  </p:par>
+                  <p:par>
+                    <p:cTn id="85" fill="hold">
+                      <p:stCondLst>
+                        <p:cond delay="indefinite"/>
+                      </p:stCondLst>
+                      <p:childTnLst>
+                        <p:par>
+                          <p:cTn id="86" fill="hold">
+                            <p:stCondLst>
+                              <p:cond delay="0"/>
+                            </p:stCondLst>
+                            <p:childTnLst>
+                              <p:par>
+                                <p:cTn id="87" presetID="1" presetClass="entr" presetSubtype="0" fill="hold" nodeType="clickEffect">
+                                  <p:stCondLst>
+                                    <p:cond delay="0"/>
+                                  </p:stCondLst>
+                                  <p:childTnLst>
+                                    <p:set>
+                                      <p:cBhvr>
+                                        <p:cTn id="88" dur="1" fill="hold">
+                                          <p:stCondLst>
+                                            <p:cond delay="0"/>
+                                          </p:stCondLst>
+                                        </p:cTn>
+                                        <p:tgtEl>
+                                          <p:spTgt spid="49"/>
+                                        </p:tgtEl>
+                                        <p:attrNameLst>
+                                          <p:attrName>style.visibility</p:attrName>
+                                        </p:attrNameLst>
+                                      </p:cBhvr>
+                                      <p:to>
+                                        <p:strVal val="visible"/>
+                                      </p:to>
+                                    </p:set>
+                                  </p:childTnLst>
+                                </p:cTn>
+                              </p:par>
+                              <p:par>
+                                <p:cTn id="89" presetID="1" presetClass="entr" presetSubtype="0" fill="hold" grpId="0" nodeType="withEffect">
+                                  <p:stCondLst>
+                                    <p:cond delay="0"/>
+                                  </p:stCondLst>
+                                  <p:childTnLst>
+                                    <p:set>
+                                      <p:cBhvr>
+                                        <p:cTn id="90" dur="1" fill="hold">
+                                          <p:stCondLst>
+                                            <p:cond delay="0"/>
+                                          </p:stCondLst>
+                                        </p:cTn>
+                                        <p:tgtEl>
+                                          <p:spTgt spid="79"/>
+                                        </p:tgtEl>
+                                        <p:attrNameLst>
+                                          <p:attrName>style.visibility</p:attrName>
+                                        </p:attrNameLst>
+                                      </p:cBhvr>
+                                      <p:to>
+                                        <p:strVal val="visible"/>
+                                      </p:to>
+                                    </p:set>
+                                  </p:childTnLst>
+                                </p:cTn>
+                              </p:par>
+                            </p:childTnLst>
+                          </p:cTn>
+                        </p:par>
+                      </p:childTnLst>
+                    </p:cTn>
+                  </p:par>
+                  <p:par>
+                    <p:cTn id="91" fill="hold">
+                      <p:stCondLst>
+                        <p:cond delay="indefinite"/>
+                      </p:stCondLst>
+                      <p:childTnLst>
+                        <p:par>
+                          <p:cTn id="92" fill="hold">
+                            <p:stCondLst>
+                              <p:cond delay="0"/>
+                            </p:stCondLst>
+                            <p:childTnLst>
+                              <p:par>
+                                <p:cTn id="93" presetID="1" presetClass="entr" presetSubtype="0" fill="hold" grpId="0" nodeType="clickEffect">
+                                  <p:stCondLst>
+                                    <p:cond delay="0"/>
+                                  </p:stCondLst>
+                                  <p:childTnLst>
+                                    <p:set>
+                                      <p:cBhvr>
+                                        <p:cTn id="94" dur="1" fill="hold">
+                                          <p:stCondLst>
+                                            <p:cond delay="0"/>
+                                          </p:stCondLst>
+                                        </p:cTn>
+                                        <p:tgtEl>
+                                          <p:spTgt spid="80"/>
+                                        </p:tgtEl>
+                                        <p:attrNameLst>
+                                          <p:attrName>style.visibility</p:attrName>
+                                        </p:attrNameLst>
+                                      </p:cBhvr>
+                                      <p:to>
+                                        <p:strVal val="visible"/>
+                                      </p:to>
+                                    </p:set>
+                                  </p:childTnLst>
+                                </p:cTn>
+                              </p:par>
+                              <p:par>
+                                <p:cTn id="95" presetID="1" presetClass="entr" presetSubtype="0" fill="hold" grpId="0" nodeType="withEffect">
+                                  <p:stCondLst>
+                                    <p:cond delay="0"/>
+                                  </p:stCondLst>
+                                  <p:childTnLst>
+                                    <p:set>
+                                      <p:cBhvr>
+                                        <p:cTn id="96" dur="1" fill="hold">
+                                          <p:stCondLst>
+                                            <p:cond delay="0"/>
+                                          </p:stCondLst>
+                                        </p:cTn>
+                                        <p:tgtEl>
+                                          <p:spTgt spid="81"/>
+                                        </p:tgtEl>
+                                        <p:attrNameLst>
+                                          <p:attrName>style.visibility</p:attrName>
+                                        </p:attrNameLst>
+                                      </p:cBhvr>
+                                      <p:to>
+                                        <p:strVal val="visible"/>
+                                      </p:to>
+                                    </p:set>
+                                  </p:childTnLst>
+                                </p:cTn>
+                              </p:par>
+                            </p:childTnLst>
+                          </p:cTn>
+                        </p:par>
+                      </p:childTnLst>
+                    </p:cTn>
+                  </p:par>
+                  <p:par>
+                    <p:cTn id="97" fill="hold">
+                      <p:stCondLst>
+                        <p:cond delay="indefinite"/>
+                      </p:stCondLst>
+                      <p:childTnLst>
+                        <p:par>
+                          <p:cTn id="98" fill="hold">
+                            <p:stCondLst>
+                              <p:cond delay="0"/>
+                            </p:stCondLst>
+                            <p:childTnLst>
+                              <p:par>
+                                <p:cTn id="99" presetID="1" presetClass="entr" presetSubtype="0" fill="hold" grpId="0" nodeType="clickEffect">
+                                  <p:stCondLst>
+                                    <p:cond delay="0"/>
+                                  </p:stCondLst>
+                                  <p:childTnLst>
+                                    <p:set>
+                                      <p:cBhvr>
+                                        <p:cTn id="100" dur="1" fill="hold">
+                                          <p:stCondLst>
+                                            <p:cond delay="0"/>
+                                          </p:stCondLst>
+                                        </p:cTn>
+                                        <p:tgtEl>
+                                          <p:spTgt spid="82"/>
+                                        </p:tgtEl>
+                                        <p:attrNameLst>
+                                          <p:attrName>style.visibility</p:attrName>
+                                        </p:attrNameLst>
+                                      </p:cBhvr>
+                                      <p:to>
+                                        <p:strVal val="visible"/>
+                                      </p:to>
+                                    </p:set>
+                                  </p:childTnLst>
+                                </p:cTn>
+                              </p:par>
+                              <p:par>
+                                <p:cTn id="101" presetID="1" presetClass="entr" presetSubtype="0" fill="hold" grpId="0" nodeType="withEffect">
+                                  <p:stCondLst>
+                                    <p:cond delay="0"/>
+                                  </p:stCondLst>
+                                  <p:childTnLst>
+                                    <p:set>
+                                      <p:cBhvr>
+                                        <p:cTn id="102" dur="1" fill="hold">
+                                          <p:stCondLst>
+                                            <p:cond delay="0"/>
+                                          </p:stCondLst>
+                                        </p:cTn>
+                                        <p:tgtEl>
+                                          <p:spTgt spid="84"/>
+                                        </p:tgtEl>
+                                        <p:attrNameLst>
+                                          <p:attrName>style.visibility</p:attrName>
+                                        </p:attrNameLst>
+                                      </p:cBhvr>
+                                      <p:to>
+                                        <p:strVal val="visible"/>
+                                      </p:to>
+                                    </p:set>
+                                  </p:childTnLst>
+                                </p:cTn>
+                              </p:par>
+                              <p:par>
+                                <p:cTn id="103" presetID="1" presetClass="entr" presetSubtype="0" fill="hold" grpId="0" nodeType="withEffect">
+                                  <p:stCondLst>
+                                    <p:cond delay="0"/>
+                                  </p:stCondLst>
+                                  <p:childTnLst>
+                                    <p:set>
+                                      <p:cBhvr>
+                                        <p:cTn id="104" dur="1" fill="hold">
+                                          <p:stCondLst>
+                                            <p:cond delay="0"/>
+                                          </p:stCondLst>
+                                        </p:cTn>
+                                        <p:tgtEl>
+                                          <p:spTgt spid="85"/>
+                                        </p:tgtEl>
+                                        <p:attrNameLst>
+                                          <p:attrName>style.visibility</p:attrName>
+                                        </p:attrNameLst>
+                                      </p:cBhvr>
+                                      <p:to>
+                                        <p:strVal val="visible"/>
+                                      </p:to>
+                                    </p:set>
+                                  </p:childTnLst>
+                                </p:cTn>
+                              </p:par>
+                              <p:par>
+                                <p:cTn id="105" presetID="1" presetClass="entr" presetSubtype="0" fill="hold" grpId="0" nodeType="withEffect">
+                                  <p:stCondLst>
+                                    <p:cond delay="0"/>
+                                  </p:stCondLst>
+                                  <p:childTnLst>
+                                    <p:set>
+                                      <p:cBhvr>
+                                        <p:cTn id="106" dur="1" fill="hold">
+                                          <p:stCondLst>
+                                            <p:cond delay="0"/>
+                                          </p:stCondLst>
+                                        </p:cTn>
+                                        <p:tgtEl>
+                                          <p:spTgt spid="86"/>
+                                        </p:tgtEl>
+                                        <p:attrNameLst>
+                                          <p:attrName>style.visibility</p:attrName>
+                                        </p:attrNameLst>
+                                      </p:cBhvr>
+                                      <p:to>
+                                        <p:strVal val="visible"/>
+                                      </p:to>
+                                    </p:set>
+                                  </p:childTnLst>
+                                </p:cTn>
+                              </p:par>
+                              <p:par>
+                                <p:cTn id="107" presetID="1" presetClass="entr" presetSubtype="0" fill="hold" grpId="0" nodeType="withEffect">
+                                  <p:stCondLst>
+                                    <p:cond delay="0"/>
+                                  </p:stCondLst>
+                                  <p:childTnLst>
+                                    <p:set>
+                                      <p:cBhvr>
+                                        <p:cTn id="108" dur="1" fill="hold">
+                                          <p:stCondLst>
+                                            <p:cond delay="0"/>
+                                          </p:stCondLst>
+                                        </p:cTn>
+                                        <p:tgtEl>
+                                          <p:spTgt spid="89"/>
+                                        </p:tgtEl>
+                                        <p:attrNameLst>
+                                          <p:attrName>style.visibility</p:attrName>
+                                        </p:attrNameLst>
+                                      </p:cBhvr>
+                                      <p:to>
+                                        <p:strVal val="visible"/>
+                                      </p:to>
+                                    </p:set>
+                                  </p:childTnLst>
+                                </p:cTn>
+                              </p:par>
+                              <p:par>
+                                <p:cTn id="109" presetID="1" presetClass="entr" presetSubtype="0" fill="hold" grpId="0" nodeType="withEffect">
+                                  <p:stCondLst>
+                                    <p:cond delay="0"/>
+                                  </p:stCondLst>
+                                  <p:childTnLst>
+                                    <p:set>
+                                      <p:cBhvr>
+                                        <p:cTn id="110" dur="1" fill="hold">
+                                          <p:stCondLst>
+                                            <p:cond delay="0"/>
+                                          </p:stCondLst>
+                                        </p:cTn>
+                                        <p:tgtEl>
+                                          <p:spTgt spid="91"/>
+                                        </p:tgtEl>
+                                        <p:attrNameLst>
+                                          <p:attrName>style.visibility</p:attrName>
+                                        </p:attrNameLst>
+                                      </p:cBhvr>
+                                      <p:to>
+                                        <p:strVal val="visible"/>
+                                      </p:to>
+                                    </p:set>
+                                  </p:childTnLst>
+                                </p:cTn>
+                              </p:par>
+                              <p:par>
+                                <p:cTn id="111" presetID="1" presetClass="entr" presetSubtype="0" fill="hold" grpId="0" nodeType="withEffect">
+                                  <p:stCondLst>
+                                    <p:cond delay="0"/>
+                                  </p:stCondLst>
+                                  <p:childTnLst>
+                                    <p:set>
+                                      <p:cBhvr>
+                                        <p:cTn id="112" dur="1" fill="hold">
+                                          <p:stCondLst>
+                                            <p:cond delay="0"/>
+                                          </p:stCondLst>
+                                        </p:cTn>
+                                        <p:tgtEl>
+                                          <p:spTgt spid="92"/>
+                                        </p:tgtEl>
+                                        <p:attrNameLst>
+                                          <p:attrName>style.visibility</p:attrName>
+                                        </p:attrNameLst>
+                                      </p:cBhvr>
+                                      <p:to>
+                                        <p:strVal val="visible"/>
+                                      </p:to>
+                                    </p:set>
+                                  </p:childTnLst>
+                                </p:cTn>
+                              </p:par>
+                              <p:par>
+                                <p:cTn id="113" presetID="1" presetClass="entr" presetSubtype="0" fill="hold" grpId="0" nodeType="withEffect">
+                                  <p:stCondLst>
+                                    <p:cond delay="0"/>
+                                  </p:stCondLst>
+                                  <p:childTnLst>
+                                    <p:set>
+                                      <p:cBhvr>
+                                        <p:cTn id="114" dur="1" fill="hold">
+                                          <p:stCondLst>
+                                            <p:cond delay="0"/>
+                                          </p:stCondLst>
+                                        </p:cTn>
+                                        <p:tgtEl>
+                                          <p:spTgt spid="93"/>
+                                        </p:tgtEl>
+                                        <p:attrNameLst>
+                                          <p:attrName>style.visibility</p:attrName>
+                                        </p:attrNameLst>
+                                      </p:cBhvr>
+                                      <p:to>
+                                        <p:strVal val="visible"/>
+                                      </p:to>
+                                    </p:set>
+                                  </p:childTnLst>
+                                </p:cTn>
+                              </p:par>
+                              <p:par>
+                                <p:cTn id="115" presetID="1" presetClass="entr" presetSubtype="0" fill="hold" grpId="0" nodeType="withEffect">
+                                  <p:stCondLst>
+                                    <p:cond delay="0"/>
+                                  </p:stCondLst>
+                                  <p:childTnLst>
+                                    <p:set>
+                                      <p:cBhvr>
+                                        <p:cTn id="116" dur="1" fill="hold">
+                                          <p:stCondLst>
+                                            <p:cond delay="0"/>
+                                          </p:stCondLst>
+                                        </p:cTn>
+                                        <p:tgtEl>
+                                          <p:spTgt spid="95"/>
+                                        </p:tgtEl>
+                                        <p:attrNameLst>
+                                          <p:attrName>style.visibility</p:attrName>
+                                        </p:attrNameLst>
+                                      </p:cBhvr>
+                                      <p:to>
+                                        <p:strVal val="visible"/>
+                                      </p:to>
+                                    </p:set>
+                                  </p:childTnLst>
+                                </p:cTn>
+                              </p:par>
+                            </p:childTnLst>
+                          </p:cTn>
+                        </p:par>
+                      </p:childTnLst>
+                    </p:cTn>
+                  </p:par>
+                  <p:par>
+                    <p:cTn id="117" fill="hold">
+                      <p:stCondLst>
+                        <p:cond delay="indefinite"/>
+                      </p:stCondLst>
+                      <p:childTnLst>
+                        <p:par>
+                          <p:cTn id="118" fill="hold">
+                            <p:stCondLst>
+                              <p:cond delay="0"/>
+                            </p:stCondLst>
+                            <p:childTnLst>
+                              <p:par>
+                                <p:cTn id="119" presetID="1" presetClass="entr" presetSubtype="0" fill="hold" grpId="0" nodeType="clickEffect">
+                                  <p:stCondLst>
+                                    <p:cond delay="0"/>
+                                  </p:stCondLst>
+                                  <p:childTnLst>
+                                    <p:set>
+                                      <p:cBhvr>
+                                        <p:cTn id="120" dur="1" fill="hold">
+                                          <p:stCondLst>
+                                            <p:cond delay="0"/>
+                                          </p:stCondLst>
+                                        </p:cTn>
+                                        <p:tgtEl>
+                                          <p:spTgt spid="106"/>
+                                        </p:tgtEl>
+                                        <p:attrNameLst>
+                                          <p:attrName>style.visibility</p:attrName>
+                                        </p:attrNameLst>
+                                      </p:cBhvr>
+                                      <p:to>
+                                        <p:strVal val="visible"/>
+                                      </p:to>
+                                    </p:set>
+                                  </p:childTnLst>
+                                </p:cTn>
+                              </p:par>
+                            </p:childTnLst>
+                          </p:cTn>
+                        </p:par>
+                      </p:childTnLst>
+                    </p:cTn>
+                  </p:par>
+                  <p:par>
+                    <p:cTn id="121" fill="hold">
+                      <p:stCondLst>
+                        <p:cond delay="indefinite"/>
+                      </p:stCondLst>
+                      <p:childTnLst>
+                        <p:par>
+                          <p:cTn id="122" fill="hold">
+                            <p:stCondLst>
+                              <p:cond delay="0"/>
+                            </p:stCondLst>
+                            <p:childTnLst>
+                              <p:par>
+                                <p:cTn id="123" presetID="1" presetClass="entr" presetSubtype="0" fill="hold" grpId="0" nodeType="clickEffect">
+                                  <p:stCondLst>
+                                    <p:cond delay="0"/>
+                                  </p:stCondLst>
+                                  <p:childTnLst>
+                                    <p:set>
+                                      <p:cBhvr>
+                                        <p:cTn id="124" dur="1" fill="hold">
+                                          <p:stCondLst>
+                                            <p:cond delay="0"/>
+                                          </p:stCondLst>
+                                        </p:cTn>
+                                        <p:tgtEl>
+                                          <p:spTgt spid="110"/>
+                                        </p:tgtEl>
+                                        <p:attrNameLst>
+                                          <p:attrName>style.visibility</p:attrName>
+                                        </p:attrNameLst>
+                                      </p:cBhvr>
+                                      <p:to>
+                                        <p:strVal val="visible"/>
+                                      </p:to>
+                                    </p:set>
+                                  </p:childTnLst>
+                                </p:cTn>
+                              </p:par>
+                            </p:childTnLst>
+                          </p:cTn>
+                        </p:par>
+                      </p:childTnLst>
+                    </p:cTn>
+                  </p:par>
+                  <p:par>
+                    <p:cTn id="125" fill="hold">
+                      <p:stCondLst>
+                        <p:cond delay="indefinite"/>
+                      </p:stCondLst>
+                      <p:childTnLst>
+                        <p:par>
+                          <p:cTn id="126" fill="hold">
+                            <p:stCondLst>
+                              <p:cond delay="0"/>
+                            </p:stCondLst>
+                            <p:childTnLst>
+                              <p:par>
+                                <p:cTn id="127" presetID="1" presetClass="entr" presetSubtype="0" fill="hold" grpId="0" nodeType="clickEffect">
+                                  <p:stCondLst>
+                                    <p:cond delay="0"/>
+                                  </p:stCondLst>
+                                  <p:childTnLst>
+                                    <p:set>
+                                      <p:cBhvr>
+                                        <p:cTn id="128" dur="1" fill="hold">
+                                          <p:stCondLst>
+                                            <p:cond delay="0"/>
+                                          </p:stCondLst>
+                                        </p:cTn>
+                                        <p:tgtEl>
+                                          <p:spTgt spid="111"/>
+                                        </p:tgtEl>
+                                        <p:attrNameLst>
+                                          <p:attrName>style.visibility</p:attrName>
+                                        </p:attrNameLst>
+                                      </p:cBhvr>
+                                      <p:to>
+                                        <p:strVal val="visible"/>
+                                      </p:to>
+                                    </p:set>
+                                  </p:childTnLst>
+                                </p:cTn>
+                              </p:par>
+                            </p:childTnLst>
+                          </p:cTn>
+                        </p:par>
+                      </p:childTnLst>
+                    </p:cTn>
+                  </p:par>
+                  <p:par>
+                    <p:cTn id="129" fill="hold">
+                      <p:stCondLst>
+                        <p:cond delay="indefinite"/>
+                      </p:stCondLst>
+                      <p:childTnLst>
+                        <p:par>
+                          <p:cTn id="130" fill="hold">
+                            <p:stCondLst>
+                              <p:cond delay="0"/>
+                            </p:stCondLst>
+                            <p:childTnLst>
+                              <p:par>
+                                <p:cTn id="131" presetID="1" presetClass="entr" presetSubtype="0" fill="hold" grpId="0" nodeType="clickEffect">
+                                  <p:stCondLst>
+                                    <p:cond delay="0"/>
+                                  </p:stCondLst>
+                                  <p:childTnLst>
+                                    <p:set>
+                                      <p:cBhvr>
+                                        <p:cTn id="132" dur="1" fill="hold">
+                                          <p:stCondLst>
+                                            <p:cond delay="0"/>
+                                          </p:stCondLst>
+                                        </p:cTn>
+                                        <p:tgtEl>
+                                          <p:spTgt spid="112"/>
+                                        </p:tgtEl>
+                                        <p:attrNameLst>
+                                          <p:attrName>style.visibility</p:attrName>
+                                        </p:attrNameLst>
+                                      </p:cBhvr>
+                                      <p:to>
+                                        <p:strVal val="visible"/>
+                                      </p:to>
+                                    </p:set>
+                                  </p:childTnLst>
+                                </p:cTn>
+                              </p:par>
+                              <p:par>
+                                <p:cTn id="133" presetID="1" presetClass="entr" presetSubtype="0" fill="hold" grpId="0" nodeType="withEffect">
+                                  <p:stCondLst>
+                                    <p:cond delay="0"/>
+                                  </p:stCondLst>
+                                  <p:childTnLst>
+                                    <p:set>
+                                      <p:cBhvr>
+                                        <p:cTn id="134" dur="1" fill="hold">
+                                          <p:stCondLst>
+                                            <p:cond delay="0"/>
+                                          </p:stCondLst>
+                                        </p:cTn>
+                                        <p:tgtEl>
+                                          <p:spTgt spid="113"/>
+                                        </p:tgtEl>
+                                        <p:attrNameLst>
+                                          <p:attrName>style.visibility</p:attrName>
+                                        </p:attrNameLst>
+                                      </p:cBhvr>
+                                      <p:to>
+                                        <p:strVal val="visible"/>
+                                      </p:to>
+                                    </p:set>
+                                  </p:childTnLst>
+                                </p:cTn>
+                              </p:par>
+                              <p:par>
+                                <p:cTn id="135" presetID="1" presetClass="entr" presetSubtype="0" fill="hold" grpId="0" nodeType="withEffect">
+                                  <p:stCondLst>
+                                    <p:cond delay="0"/>
+                                  </p:stCondLst>
+                                  <p:childTnLst>
+                                    <p:set>
+                                      <p:cBhvr>
+                                        <p:cTn id="136" dur="1" fill="hold">
+                                          <p:stCondLst>
+                                            <p:cond delay="0"/>
+                                          </p:stCondLst>
+                                        </p:cTn>
+                                        <p:tgtEl>
+                                          <p:spTgt spid="114"/>
+                                        </p:tgtEl>
+                                        <p:attrNameLst>
+                                          <p:attrName>style.visibility</p:attrName>
+                                        </p:attrNameLst>
+                                      </p:cBhvr>
+                                      <p:to>
+                                        <p:strVal val="visible"/>
+                                      </p:to>
+                                    </p:set>
+                                  </p:childTnLst>
+                                </p:cTn>
+                              </p:par>
+                            </p:childTnLst>
+                          </p:cTn>
+                        </p:par>
+                      </p:childTnLst>
+                    </p:cTn>
+                  </p:par>
+                  <p:par>
+                    <p:cTn id="137" fill="hold">
+                      <p:stCondLst>
+                        <p:cond delay="indefinite"/>
+                      </p:stCondLst>
+                      <p:childTnLst>
+                        <p:par>
+                          <p:cTn id="138" fill="hold">
+                            <p:stCondLst>
+                              <p:cond delay="0"/>
+                            </p:stCondLst>
+                            <p:childTnLst>
+                              <p:par>
+                                <p:cTn id="139" presetID="1" presetClass="entr" presetSubtype="0" fill="hold" grpId="0" nodeType="clickEffect">
+                                  <p:stCondLst>
+                                    <p:cond delay="0"/>
+                                  </p:stCondLst>
+                                  <p:childTnLst>
+                                    <p:set>
+                                      <p:cBhvr>
+                                        <p:cTn id="140" dur="1" fill="hold">
+                                          <p:stCondLst>
+                                            <p:cond delay="0"/>
+                                          </p:stCondLst>
+                                        </p:cTn>
+                                        <p:tgtEl>
+                                          <p:spTgt spid="122"/>
+                                        </p:tgtEl>
+                                        <p:attrNameLst>
+                                          <p:attrName>style.visibility</p:attrName>
+                                        </p:attrNameLst>
+                                      </p:cBhvr>
+                                      <p:to>
+                                        <p:strVal val="visible"/>
+                                      </p:to>
+                                    </p:set>
+                                  </p:childTnLst>
+                                </p:cTn>
+                              </p:par>
+                            </p:childTnLst>
+                          </p:cTn>
+                        </p:par>
+                      </p:childTnLst>
+                    </p:cTn>
+                  </p:par>
+                  <p:par>
+                    <p:cTn id="141" fill="hold">
+                      <p:stCondLst>
+                        <p:cond delay="indefinite"/>
+                      </p:stCondLst>
+                      <p:childTnLst>
+                        <p:par>
+                          <p:cTn id="142" fill="hold">
+                            <p:stCondLst>
+                              <p:cond delay="0"/>
+                            </p:stCondLst>
+                            <p:childTnLst>
+                              <p:par>
+                                <p:cTn id="143" presetID="1" presetClass="entr" presetSubtype="0" fill="hold" grpId="0" nodeType="clickEffect">
+                                  <p:stCondLst>
+                                    <p:cond delay="0"/>
+                                  </p:stCondLst>
+                                  <p:childTnLst>
+                                    <p:set>
+                                      <p:cBhvr>
+                                        <p:cTn id="144" dur="1" fill="hold">
+                                          <p:stCondLst>
+                                            <p:cond delay="0"/>
+                                          </p:stCondLst>
+                                        </p:cTn>
+                                        <p:tgtEl>
+                                          <p:spTgt spid="123"/>
+                                        </p:tgtEl>
+                                        <p:attrNameLst>
+                                          <p:attrName>style.visibility</p:attrName>
+                                        </p:attrNameLst>
+                                      </p:cBhvr>
+                                      <p:to>
+                                        <p:strVal val="visible"/>
+                                      </p:to>
+                                    </p:set>
+                                  </p:childTnLst>
+                                </p:cTn>
+                              </p:par>
+                            </p:childTnLst>
+                          </p:cTn>
+                        </p:par>
+                      </p:childTnLst>
+                    </p:cTn>
+                  </p:par>
+                </p:childTnLst>
+              </p:cTn>
+              <p:prevCondLst>
+                <p:cond evt="onPrev" delay="0">
+                  <p:tgtEl>
+                    <p:sldTgt/>
+                  </p:tgtEl>
+                </p:cond>
+              </p:prevCondLst>
+              <p:nextCondLst>
+                <p:cond evt="onNext" delay="0">
+                  <p:tgtEl>
+                    <p:sldTgt/>
+                  </p:tgtEl>
+                </p:cond>
+              </p:nextCondLst>
+            </p:seq>
+          </p:childTnLst>
+        </p:cTn>
+      </p:par>
+    </p:tnLst>
+    <p:bldLst>
+      <p:bldP spid="19" grpId="0" animBg="1"/>
+      <p:bldP spid="41" grpId="0" animBg="1"/>
+      <p:bldP spid="42" grpId="0" animBg="1"/>
+      <p:bldP spid="43" grpId="0" animBg="1"/>
+      <p:bldP spid="61" grpId="0"/>
+      <p:bldP spid="62" grpId="0"/>
+      <p:bldP spid="63" grpId="0"/>
+      <p:bldP spid="64" grpId="0"/>
+      <p:bldP spid="65" grpId="0"/>
+      <p:bldP spid="107" grpId="0"/>
+      <p:bldP spid="108" grpId="0"/>
+      <p:bldP spid="109" grpId="0"/>
+      <p:bldP spid="118" grpId="0"/>
+      <p:bldP spid="119" grpId="0"/>
+      <p:bldP spid="120" grpId="0"/>
+      <p:bldP spid="121" grpId="0"/>
+      <p:bldP spid="78" grpId="0"/>
+      <p:bldP spid="79" grpId="0"/>
+      <p:bldP spid="80" grpId="0" animBg="1"/>
+      <p:bldP spid="81" grpId="0" animBg="1"/>
+      <p:bldP spid="82" grpId="0" animBg="1"/>
+      <p:bldP spid="84" grpId="0" animBg="1"/>
+      <p:bldP spid="85" grpId="0" animBg="1"/>
+      <p:bldP spid="86" grpId="0" animBg="1"/>
+      <p:bldP spid="89" grpId="0" animBg="1"/>
+      <p:bldP spid="91" grpId="0" animBg="1"/>
+      <p:bldP spid="92" grpId="0" animBg="1"/>
+      <p:bldP spid="93" grpId="0" animBg="1"/>
+      <p:bldP spid="95" grpId="0" animBg="1"/>
+      <p:bldP spid="106" grpId="0" animBg="1"/>
+      <p:bldP spid="110" grpId="0" animBg="1"/>
+      <p:bldP spid="111" grpId="0" animBg="1"/>
+      <p:bldP spid="112" grpId="0" animBg="1"/>
+      <p:bldP spid="113" grpId="0" animBg="1"/>
+      <p:bldP spid="114" grpId="0" animBg="1"/>
+      <p:bldP spid="122" grpId="0" animBg="1"/>
+      <p:bldP spid="123" grpId="0" animBg="1"/>
+    </p:bldLst>
+  </p:timing>
+</p:sld>
+</file>
+
+<file path=ppt/slides/slide5.xml><?xml version="1.0" encoding="utf-8"?>
+<p:sld xmlns:a="http://schemas.openxmlformats.org/drawingml/2006/main" xmlns:r="http://schemas.openxmlformats.org/officeDocument/2006/relationships" xmlns:p="http://schemas.openxmlformats.org/presentationml/2006/main">
+  <p:cSld>
+    <p:spTree>
+      <p:nvGrpSpPr>
+        <p:cNvPr id="1" name=""/>
+        <p:cNvGrpSpPr/>
+        <p:nvPr/>
+      </p:nvGrpSpPr>
+      <p:grpSpPr>
+        <a:xfrm>
+          <a:off x="0" y="0"/>
+          <a:ext cx="0" cy="0"/>
+          <a:chOff x="0" y="0"/>
+          <a:chExt cx="0" cy="0"/>
+        </a:xfrm>
+      </p:grpSpPr>
+      <p:pic>
+        <p:nvPicPr>
+          <p:cNvPr id="47" name="Picture 46"/>
+          <p:cNvPicPr>
+            <a:picLocks noChangeAspect="1"/>
+          </p:cNvPicPr>
+          <p:nvPr/>
+        </p:nvPicPr>
+        <p:blipFill>
+          <a:blip r:embed="rId2"/>
+          <a:stretch>
+            <a:fillRect/>
+          </a:stretch>
+        </p:blipFill>
+        <p:spPr>
+          <a:xfrm>
+            <a:off x="10621473" y="2682159"/>
+            <a:ext cx="831492" cy="2980566"/>
+          </a:xfrm>
+          <a:prstGeom prst="rect">
+            <a:avLst/>
+          </a:prstGeom>
+        </p:spPr>
+      </p:pic>
+      <p:grpSp>
+        <p:nvGrpSpPr>
+          <p:cNvPr id="49" name="Group 48"/>
+          <p:cNvGrpSpPr/>
+          <p:nvPr/>
+        </p:nvGrpSpPr>
+        <p:grpSpPr>
+          <a:xfrm>
+            <a:off x="6389771" y="4499160"/>
+            <a:ext cx="1021456" cy="731373"/>
+            <a:chOff x="5910842" y="4523247"/>
+            <a:chExt cx="1021456" cy="731373"/>
+          </a:xfrm>
+        </p:grpSpPr>
+        <p:pic>
+          <p:nvPicPr>
+            <p:cNvPr id="50" name="Picture 49"/>
+            <p:cNvPicPr>
+              <a:picLocks noChangeAspect="1"/>
+            </p:cNvPicPr>
+            <p:nvPr/>
+          </p:nvPicPr>
+          <p:blipFill>
+            <a:blip r:embed="rId3"/>
+            <a:stretch>
+              <a:fillRect/>
+            </a:stretch>
+          </p:blipFill>
+          <p:spPr>
+            <a:xfrm>
+              <a:off x="5910842" y="4523247"/>
+              <a:ext cx="576356" cy="693433"/>
+            </a:xfrm>
+            <a:prstGeom prst="rect">
+              <a:avLst/>
+            </a:prstGeom>
+          </p:spPr>
+        </p:pic>
+        <p:pic>
+          <p:nvPicPr>
+            <p:cNvPr id="51" name="Picture 50"/>
+            <p:cNvPicPr>
+              <a:picLocks noChangeAspect="1"/>
+            </p:cNvPicPr>
+            <p:nvPr/>
+          </p:nvPicPr>
+          <p:blipFill>
+            <a:blip r:embed="rId3"/>
+            <a:stretch>
+              <a:fillRect/>
+            </a:stretch>
+          </p:blipFill>
+          <p:spPr>
+            <a:xfrm>
+              <a:off x="6355942" y="4561187"/>
+              <a:ext cx="576356" cy="693433"/>
+            </a:xfrm>
+            <a:prstGeom prst="rect">
+              <a:avLst/>
+            </a:prstGeom>
+          </p:spPr>
+        </p:pic>
+      </p:grpSp>
+      <p:grpSp>
+        <p:nvGrpSpPr>
+          <p:cNvPr id="54" name="Group 53"/>
+          <p:cNvGrpSpPr/>
+          <p:nvPr/>
+        </p:nvGrpSpPr>
+        <p:grpSpPr>
+          <a:xfrm>
+            <a:off x="1607675" y="2744342"/>
+            <a:ext cx="1529621" cy="2980566"/>
+            <a:chOff x="1492712" y="2943003"/>
+            <a:chExt cx="1529621" cy="2980566"/>
+          </a:xfrm>
+        </p:grpSpPr>
+        <p:pic>
+          <p:nvPicPr>
+            <p:cNvPr id="55" name="Picture 54"/>
+            <p:cNvPicPr>
+              <a:picLocks noChangeAspect="1"/>
+            </p:cNvPicPr>
+            <p:nvPr/>
+          </p:nvPicPr>
+          <p:blipFill>
+            <a:blip r:embed="rId2"/>
+            <a:stretch>
+              <a:fillRect/>
+            </a:stretch>
+          </p:blipFill>
+          <p:spPr>
+            <a:xfrm>
+              <a:off x="2190841" y="2943003"/>
+              <a:ext cx="831492" cy="2980566"/>
+            </a:xfrm>
+            <a:prstGeom prst="rect">
+              <a:avLst/>
+            </a:prstGeom>
+          </p:spPr>
+        </p:pic>
+        <p:sp>
+          <p:nvSpPr>
+            <p:cNvPr id="56" name="Oval 55"/>
+            <p:cNvSpPr/>
+            <p:nvPr/>
+          </p:nvSpPr>
+          <p:spPr>
+            <a:xfrm>
+              <a:off x="1492712" y="3833448"/>
+              <a:ext cx="230909" cy="215496"/>
+            </a:xfrm>
+            <a:prstGeom prst="ellipse">
+              <a:avLst/>
+            </a:prstGeom>
+            <a:solidFill>
+              <a:schemeClr val="bg2">
+                <a:lumMod val="50000"/>
+              </a:schemeClr>
+            </a:solidFill>
+            <a:ln>
+              <a:solidFill>
+                <a:schemeClr val="bg2">
+                  <a:lumMod val="50000"/>
+                </a:schemeClr>
+              </a:solidFill>
+            </a:ln>
+          </p:spPr>
+          <p:style>
+            <a:lnRef idx="2">
+              <a:schemeClr val="accent1">
+                <a:shade val="50000"/>
+              </a:schemeClr>
+            </a:lnRef>
+            <a:fillRef idx="1">
+              <a:schemeClr val="accent1"/>
+            </a:fillRef>
+            <a:effectRef idx="0">
+              <a:schemeClr val="accent1"/>
+            </a:effectRef>
+            <a:fontRef idx="minor">
+              <a:schemeClr val="lt1"/>
+            </a:fontRef>
+          </p:style>
+          <p:txBody>
+            <a:bodyPr rtlCol="0" anchor="ctr"/>
+            <a:lstStyle/>
+            <a:p>
+              <a:pPr algn="ctr"/>
+              <a:endParaRPr lang="en-US"/>
+            </a:p>
+          </p:txBody>
+        </p:sp>
+        <p:cxnSp>
+          <p:nvCxnSpPr>
+            <p:cNvPr id="57" name="Straight Connector 56"/>
+            <p:cNvCxnSpPr>
+              <a:stCxn id="56" idx="6"/>
+            </p:cNvCxnSpPr>
+            <p:nvPr/>
+          </p:nvCxnSpPr>
+          <p:spPr>
+            <a:xfrm>
+              <a:off x="1723621" y="3941196"/>
+              <a:ext cx="490444" cy="0"/>
+            </a:xfrm>
+            <a:prstGeom prst="line">
+              <a:avLst/>
+            </a:prstGeom>
+            <a:ln>
+              <a:solidFill>
+                <a:schemeClr val="bg2">
+                  <a:lumMod val="50000"/>
+                </a:schemeClr>
+              </a:solidFill>
+            </a:ln>
+          </p:spPr>
+          <p:style>
+            <a:lnRef idx="1">
+              <a:schemeClr val="accent1"/>
+            </a:lnRef>
+            <a:fillRef idx="0">
+              <a:schemeClr val="accent1"/>
+            </a:fillRef>
+            <a:effectRef idx="0">
+              <a:schemeClr val="accent1"/>
+            </a:effectRef>
+            <a:fontRef idx="minor">
+              <a:schemeClr val="tx1"/>
+            </a:fontRef>
+          </p:style>
+        </p:cxnSp>
+        <p:sp>
+          <p:nvSpPr>
+            <p:cNvPr id="58" name="Oval 57"/>
+            <p:cNvSpPr/>
+            <p:nvPr/>
+          </p:nvSpPr>
+          <p:spPr>
+            <a:xfrm>
+              <a:off x="1492712" y="4136854"/>
+              <a:ext cx="230909" cy="215496"/>
+            </a:xfrm>
+            <a:prstGeom prst="ellipse">
+              <a:avLst/>
+            </a:prstGeom>
+            <a:solidFill>
+              <a:schemeClr val="bg2">
+                <a:lumMod val="50000"/>
+              </a:schemeClr>
+            </a:solidFill>
+            <a:ln>
+              <a:solidFill>
+                <a:schemeClr val="bg2">
+                  <a:lumMod val="50000"/>
+                </a:schemeClr>
+              </a:solidFill>
+            </a:ln>
+          </p:spPr>
+          <p:style>
+            <a:lnRef idx="2">
+              <a:schemeClr val="accent1">
+                <a:shade val="50000"/>
+              </a:schemeClr>
+            </a:lnRef>
+            <a:fillRef idx="1">
+              <a:schemeClr val="accent1"/>
+            </a:fillRef>
+            <a:effectRef idx="0">
+              <a:schemeClr val="accent1"/>
+            </a:effectRef>
+            <a:fontRef idx="minor">
+              <a:schemeClr val="lt1"/>
+            </a:fontRef>
+          </p:style>
+          <p:txBody>
+            <a:bodyPr rtlCol="0" anchor="ctr"/>
+            <a:lstStyle/>
+            <a:p>
+              <a:pPr algn="ctr"/>
+              <a:endParaRPr lang="en-US"/>
+            </a:p>
+          </p:txBody>
+        </p:sp>
+        <p:cxnSp>
+          <p:nvCxnSpPr>
+            <p:cNvPr id="59" name="Straight Connector 58"/>
+            <p:cNvCxnSpPr>
+              <a:stCxn id="58" idx="6"/>
+            </p:cNvCxnSpPr>
+            <p:nvPr/>
+          </p:nvCxnSpPr>
+          <p:spPr>
+            <a:xfrm>
+              <a:off x="1723621" y="4244602"/>
+              <a:ext cx="479418" cy="0"/>
+            </a:xfrm>
+            <a:prstGeom prst="line">
+              <a:avLst/>
+            </a:prstGeom>
+            <a:ln>
+              <a:solidFill>
+                <a:schemeClr val="bg2">
+                  <a:lumMod val="50000"/>
+                </a:schemeClr>
+              </a:solidFill>
+            </a:ln>
+          </p:spPr>
+          <p:style>
+            <a:lnRef idx="1">
+              <a:schemeClr val="accent1"/>
+            </a:lnRef>
+            <a:fillRef idx="0">
+              <a:schemeClr val="accent1"/>
+            </a:fillRef>
+            <a:effectRef idx="0">
+              <a:schemeClr val="accent1"/>
+            </a:effectRef>
+            <a:fontRef idx="minor">
+              <a:schemeClr val="tx1"/>
+            </a:fontRef>
+          </p:style>
+        </p:cxnSp>
+        <p:sp>
+          <p:nvSpPr>
+            <p:cNvPr id="60" name="Oval 59"/>
+            <p:cNvSpPr/>
+            <p:nvPr/>
+          </p:nvSpPr>
+          <p:spPr>
+            <a:xfrm>
+              <a:off x="1492712" y="4523247"/>
+              <a:ext cx="230909" cy="215496"/>
+            </a:xfrm>
+            <a:prstGeom prst="ellipse">
+              <a:avLst/>
+            </a:prstGeom>
+            <a:solidFill>
+              <a:schemeClr val="bg2">
+                <a:lumMod val="50000"/>
+              </a:schemeClr>
+            </a:solidFill>
+            <a:ln>
+              <a:solidFill>
+                <a:schemeClr val="bg2">
+                  <a:lumMod val="50000"/>
+                </a:schemeClr>
+              </a:solidFill>
+            </a:ln>
+          </p:spPr>
+          <p:style>
+            <a:lnRef idx="2">
+              <a:schemeClr val="accent1">
+                <a:shade val="50000"/>
+              </a:schemeClr>
+            </a:lnRef>
+            <a:fillRef idx="1">
+              <a:schemeClr val="accent1"/>
+            </a:fillRef>
+            <a:effectRef idx="0">
+              <a:schemeClr val="accent1"/>
+            </a:effectRef>
+            <a:fontRef idx="minor">
+              <a:schemeClr val="lt1"/>
+            </a:fontRef>
+          </p:style>
+          <p:txBody>
+            <a:bodyPr rtlCol="0" anchor="ctr"/>
+            <a:lstStyle/>
+            <a:p>
+              <a:pPr algn="ctr"/>
+              <a:endParaRPr lang="en-US"/>
+            </a:p>
+          </p:txBody>
+        </p:sp>
+        <p:cxnSp>
+          <p:nvCxnSpPr>
+            <p:cNvPr id="66" name="Straight Connector 65"/>
+            <p:cNvCxnSpPr>
+              <a:stCxn id="60" idx="6"/>
+            </p:cNvCxnSpPr>
+            <p:nvPr/>
+          </p:nvCxnSpPr>
+          <p:spPr>
+            <a:xfrm>
+              <a:off x="1723621" y="4630995"/>
+              <a:ext cx="488653" cy="0"/>
+            </a:xfrm>
+            <a:prstGeom prst="line">
+              <a:avLst/>
+            </a:prstGeom>
+            <a:ln>
+              <a:solidFill>
+                <a:schemeClr val="bg2">
+                  <a:lumMod val="50000"/>
+                </a:schemeClr>
+              </a:solidFill>
+            </a:ln>
+          </p:spPr>
+          <p:style>
+            <a:lnRef idx="1">
+              <a:schemeClr val="accent1"/>
+            </a:lnRef>
+            <a:fillRef idx="0">
+              <a:schemeClr val="accent1"/>
+            </a:fillRef>
+            <a:effectRef idx="0">
+              <a:schemeClr val="accent1"/>
+            </a:effectRef>
+            <a:fontRef idx="minor">
+              <a:schemeClr val="tx1"/>
+            </a:fontRef>
+          </p:style>
+        </p:cxnSp>
+        <p:sp>
+          <p:nvSpPr>
+            <p:cNvPr id="67" name="Oval 66"/>
+            <p:cNvSpPr/>
+            <p:nvPr/>
+          </p:nvSpPr>
+          <p:spPr>
+            <a:xfrm>
+              <a:off x="1492712" y="4852228"/>
+              <a:ext cx="230909" cy="215496"/>
+            </a:xfrm>
+            <a:prstGeom prst="ellipse">
+              <a:avLst/>
+            </a:prstGeom>
+            <a:solidFill>
+              <a:schemeClr val="bg2">
+                <a:lumMod val="50000"/>
+              </a:schemeClr>
+            </a:solidFill>
+            <a:ln>
+              <a:solidFill>
+                <a:schemeClr val="bg2">
+                  <a:lumMod val="50000"/>
+                </a:schemeClr>
+              </a:solidFill>
+            </a:ln>
+          </p:spPr>
+          <p:style>
+            <a:lnRef idx="2">
+              <a:schemeClr val="accent1">
+                <a:shade val="50000"/>
+              </a:schemeClr>
+            </a:lnRef>
+            <a:fillRef idx="1">
+              <a:schemeClr val="accent1"/>
+            </a:fillRef>
+            <a:effectRef idx="0">
+              <a:schemeClr val="accent1"/>
+            </a:effectRef>
+            <a:fontRef idx="minor">
+              <a:schemeClr val="lt1"/>
+            </a:fontRef>
+          </p:style>
+          <p:txBody>
+            <a:bodyPr rtlCol="0" anchor="ctr"/>
+            <a:lstStyle/>
+            <a:p>
+              <a:pPr algn="ctr"/>
+              <a:endParaRPr lang="en-US"/>
+            </a:p>
+          </p:txBody>
+        </p:sp>
+        <p:cxnSp>
+          <p:nvCxnSpPr>
+            <p:cNvPr id="68" name="Straight Connector 67"/>
+            <p:cNvCxnSpPr>
+              <a:stCxn id="67" idx="6"/>
+            </p:cNvCxnSpPr>
+            <p:nvPr/>
+          </p:nvCxnSpPr>
+          <p:spPr>
+            <a:xfrm>
+              <a:off x="1723621" y="4959976"/>
+              <a:ext cx="494585" cy="0"/>
+            </a:xfrm>
+            <a:prstGeom prst="line">
+              <a:avLst/>
+            </a:prstGeom>
+            <a:ln>
+              <a:solidFill>
+                <a:schemeClr val="bg2">
+                  <a:lumMod val="50000"/>
+                </a:schemeClr>
+              </a:solidFill>
+            </a:ln>
+          </p:spPr>
+          <p:style>
+            <a:lnRef idx="1">
+              <a:schemeClr val="accent1"/>
+            </a:lnRef>
+            <a:fillRef idx="0">
+              <a:schemeClr val="accent1"/>
+            </a:fillRef>
+            <a:effectRef idx="0">
+              <a:schemeClr val="accent1"/>
+            </a:effectRef>
+            <a:fontRef idx="minor">
+              <a:schemeClr val="tx1"/>
+            </a:fontRef>
+          </p:style>
+        </p:cxnSp>
+        <p:sp>
+          <p:nvSpPr>
+            <p:cNvPr id="69" name="Oval 68"/>
+            <p:cNvSpPr/>
+            <p:nvPr/>
+          </p:nvSpPr>
+          <p:spPr>
+            <a:xfrm>
+              <a:off x="1492712" y="5295556"/>
+              <a:ext cx="230909" cy="215496"/>
+            </a:xfrm>
+            <a:prstGeom prst="ellipse">
+              <a:avLst/>
+            </a:prstGeom>
+            <a:solidFill>
+              <a:schemeClr val="bg2">
+                <a:lumMod val="50000"/>
+              </a:schemeClr>
+            </a:solidFill>
+            <a:ln>
+              <a:solidFill>
+                <a:schemeClr val="bg2">
+                  <a:lumMod val="50000"/>
+                </a:schemeClr>
+              </a:solidFill>
+            </a:ln>
+          </p:spPr>
+          <p:style>
+            <a:lnRef idx="2">
+              <a:schemeClr val="accent1">
+                <a:shade val="50000"/>
+              </a:schemeClr>
+            </a:lnRef>
+            <a:fillRef idx="1">
+              <a:schemeClr val="accent1"/>
+            </a:fillRef>
+            <a:effectRef idx="0">
+              <a:schemeClr val="accent1"/>
+            </a:effectRef>
+            <a:fontRef idx="minor">
+              <a:schemeClr val="lt1"/>
+            </a:fontRef>
+          </p:style>
+          <p:txBody>
+            <a:bodyPr rtlCol="0" anchor="ctr"/>
+            <a:lstStyle/>
+            <a:p>
+              <a:pPr algn="ctr"/>
+              <a:endParaRPr lang="en-US"/>
+            </a:p>
+          </p:txBody>
+        </p:sp>
+        <p:cxnSp>
+          <p:nvCxnSpPr>
+            <p:cNvPr id="70" name="Straight Connector 69"/>
+            <p:cNvCxnSpPr>
+              <a:stCxn id="69" idx="6"/>
+            </p:cNvCxnSpPr>
+            <p:nvPr/>
+          </p:nvCxnSpPr>
+          <p:spPr>
+            <a:xfrm>
+              <a:off x="1723621" y="5403304"/>
+              <a:ext cx="479418" cy="0"/>
+            </a:xfrm>
+            <a:prstGeom prst="line">
+              <a:avLst/>
+            </a:prstGeom>
+            <a:ln>
+              <a:solidFill>
+                <a:schemeClr val="bg2">
+                  <a:lumMod val="50000"/>
+                </a:schemeClr>
+              </a:solidFill>
+            </a:ln>
+          </p:spPr>
+          <p:style>
+            <a:lnRef idx="1">
+              <a:schemeClr val="accent1"/>
+            </a:lnRef>
+            <a:fillRef idx="0">
+              <a:schemeClr val="accent1"/>
+            </a:fillRef>
+            <a:effectRef idx="0">
+              <a:schemeClr val="accent1"/>
+            </a:effectRef>
+            <a:fontRef idx="minor">
+              <a:schemeClr val="tx1"/>
+            </a:fontRef>
+          </p:style>
+        </p:cxnSp>
+        <p:sp>
+          <p:nvSpPr>
+            <p:cNvPr id="72" name="Oval 71"/>
+            <p:cNvSpPr/>
+            <p:nvPr/>
+          </p:nvSpPr>
+          <p:spPr>
+            <a:xfrm>
+              <a:off x="1492712" y="5643254"/>
+              <a:ext cx="230909" cy="215496"/>
+            </a:xfrm>
+            <a:prstGeom prst="ellipse">
+              <a:avLst/>
+            </a:prstGeom>
+            <a:solidFill>
+              <a:schemeClr val="bg2">
+                <a:lumMod val="50000"/>
+              </a:schemeClr>
+            </a:solidFill>
+            <a:ln>
+              <a:solidFill>
+                <a:schemeClr val="bg2">
+                  <a:lumMod val="50000"/>
+                </a:schemeClr>
+              </a:solidFill>
+            </a:ln>
+          </p:spPr>
+          <p:style>
+            <a:lnRef idx="2">
+              <a:schemeClr val="accent1">
+                <a:shade val="50000"/>
+              </a:schemeClr>
+            </a:lnRef>
+            <a:fillRef idx="1">
+              <a:schemeClr val="accent1"/>
+            </a:fillRef>
+            <a:effectRef idx="0">
+              <a:schemeClr val="accent1"/>
+            </a:effectRef>
+            <a:fontRef idx="minor">
+              <a:schemeClr val="lt1"/>
+            </a:fontRef>
+          </p:style>
+          <p:txBody>
+            <a:bodyPr rtlCol="0" anchor="ctr"/>
+            <a:lstStyle/>
+            <a:p>
+              <a:pPr algn="ctr"/>
+              <a:endParaRPr lang="en-US"/>
+            </a:p>
+          </p:txBody>
+        </p:sp>
+        <p:cxnSp>
+          <p:nvCxnSpPr>
+            <p:cNvPr id="73" name="Straight Connector 72"/>
+            <p:cNvCxnSpPr>
+              <a:stCxn id="72" idx="6"/>
+            </p:cNvCxnSpPr>
+            <p:nvPr/>
+          </p:nvCxnSpPr>
+          <p:spPr>
+            <a:xfrm>
+              <a:off x="1723621" y="5751002"/>
+              <a:ext cx="488653" cy="0"/>
+            </a:xfrm>
+            <a:prstGeom prst="line">
+              <a:avLst/>
+            </a:prstGeom>
+            <a:ln>
+              <a:solidFill>
+                <a:schemeClr val="bg2">
+                  <a:lumMod val="50000"/>
+                </a:schemeClr>
+              </a:solidFill>
+            </a:ln>
+          </p:spPr>
+          <p:style>
+            <a:lnRef idx="1">
+              <a:schemeClr val="accent1"/>
+            </a:lnRef>
+            <a:fillRef idx="0">
+              <a:schemeClr val="accent1"/>
+            </a:fillRef>
+            <a:effectRef idx="0">
+              <a:schemeClr val="accent1"/>
+            </a:effectRef>
+            <a:fontRef idx="minor">
+              <a:schemeClr val="tx1"/>
+            </a:fontRef>
+          </p:style>
+        </p:cxnSp>
+        <p:sp>
+          <p:nvSpPr>
+            <p:cNvPr id="74" name="Oval 73"/>
+            <p:cNvSpPr/>
+            <p:nvPr/>
+          </p:nvSpPr>
+          <p:spPr>
+            <a:xfrm>
+              <a:off x="1492712" y="3025361"/>
+              <a:ext cx="230909" cy="215496"/>
+            </a:xfrm>
+            <a:prstGeom prst="ellipse">
+              <a:avLst/>
+            </a:prstGeom>
+            <a:solidFill>
+              <a:schemeClr val="bg2">
+                <a:lumMod val="50000"/>
+              </a:schemeClr>
+            </a:solidFill>
+            <a:ln>
+              <a:solidFill>
+                <a:schemeClr val="bg2">
+                  <a:lumMod val="50000"/>
+                </a:schemeClr>
+              </a:solidFill>
+            </a:ln>
+          </p:spPr>
+          <p:style>
+            <a:lnRef idx="2">
+              <a:schemeClr val="accent1">
+                <a:shade val="50000"/>
+              </a:schemeClr>
+            </a:lnRef>
+            <a:fillRef idx="1">
+              <a:schemeClr val="accent1"/>
+            </a:fillRef>
+            <a:effectRef idx="0">
+              <a:schemeClr val="accent1"/>
+            </a:effectRef>
+            <a:fontRef idx="minor">
+              <a:schemeClr val="lt1"/>
+            </a:fontRef>
+          </p:style>
+          <p:txBody>
+            <a:bodyPr rtlCol="0" anchor="ctr"/>
+            <a:lstStyle/>
+            <a:p>
+              <a:pPr algn="ctr"/>
+              <a:endParaRPr lang="en-US"/>
+            </a:p>
+          </p:txBody>
+        </p:sp>
+        <p:cxnSp>
+          <p:nvCxnSpPr>
+            <p:cNvPr id="75" name="Straight Connector 74"/>
+            <p:cNvCxnSpPr>
+              <a:stCxn id="74" idx="6"/>
+            </p:cNvCxnSpPr>
+            <p:nvPr/>
+          </p:nvCxnSpPr>
+          <p:spPr>
+            <a:xfrm>
+              <a:off x="1723621" y="3133109"/>
+              <a:ext cx="495604" cy="0"/>
+            </a:xfrm>
+            <a:prstGeom prst="line">
+              <a:avLst/>
+            </a:prstGeom>
+            <a:ln>
+              <a:solidFill>
+                <a:schemeClr val="bg2">
+                  <a:lumMod val="50000"/>
+                </a:schemeClr>
+              </a:solidFill>
+            </a:ln>
+          </p:spPr>
+          <p:style>
+            <a:lnRef idx="1">
+              <a:schemeClr val="accent1"/>
+            </a:lnRef>
+            <a:fillRef idx="0">
+              <a:schemeClr val="accent1"/>
+            </a:fillRef>
+            <a:effectRef idx="0">
+              <a:schemeClr val="accent1"/>
+            </a:effectRef>
+            <a:fontRef idx="minor">
+              <a:schemeClr val="tx1"/>
+            </a:fontRef>
+          </p:style>
+        </p:cxnSp>
+        <p:sp>
+          <p:nvSpPr>
+            <p:cNvPr id="76" name="Oval 75"/>
+            <p:cNvSpPr/>
+            <p:nvPr/>
+          </p:nvSpPr>
+          <p:spPr>
+            <a:xfrm>
+              <a:off x="1492712" y="3360941"/>
+              <a:ext cx="230909" cy="215496"/>
+            </a:xfrm>
+            <a:prstGeom prst="ellipse">
+              <a:avLst/>
+            </a:prstGeom>
+            <a:solidFill>
+              <a:schemeClr val="bg2">
+                <a:lumMod val="50000"/>
+              </a:schemeClr>
+            </a:solidFill>
+            <a:ln>
+              <a:solidFill>
+                <a:schemeClr val="bg2">
+                  <a:lumMod val="50000"/>
+                </a:schemeClr>
+              </a:solidFill>
+            </a:ln>
+          </p:spPr>
+          <p:style>
+            <a:lnRef idx="2">
+              <a:schemeClr val="accent1">
+                <a:shade val="50000"/>
+              </a:schemeClr>
+            </a:lnRef>
+            <a:fillRef idx="1">
+              <a:schemeClr val="accent1"/>
+            </a:fillRef>
+            <a:effectRef idx="0">
+              <a:schemeClr val="accent1"/>
+            </a:effectRef>
+            <a:fontRef idx="minor">
+              <a:schemeClr val="lt1"/>
+            </a:fontRef>
+          </p:style>
+          <p:txBody>
+            <a:bodyPr rtlCol="0" anchor="ctr"/>
+            <a:lstStyle/>
+            <a:p>
+              <a:pPr algn="ctr"/>
+              <a:endParaRPr lang="en-US"/>
+            </a:p>
+          </p:txBody>
+        </p:sp>
+        <p:cxnSp>
+          <p:nvCxnSpPr>
+            <p:cNvPr id="77" name="Straight Connector 76"/>
+            <p:cNvCxnSpPr/>
+            <p:nvPr/>
+          </p:nvCxnSpPr>
+          <p:spPr>
+            <a:xfrm>
+              <a:off x="1668196" y="3468689"/>
+              <a:ext cx="516966" cy="0"/>
+            </a:xfrm>
+            <a:prstGeom prst="line">
+              <a:avLst/>
+            </a:prstGeom>
+            <a:ln>
+              <a:solidFill>
+                <a:schemeClr val="bg2">
+                  <a:lumMod val="50000"/>
+                </a:schemeClr>
+              </a:solidFill>
+            </a:ln>
+          </p:spPr>
+          <p:style>
+            <a:lnRef idx="1">
+              <a:schemeClr val="accent1"/>
+            </a:lnRef>
+            <a:fillRef idx="0">
+              <a:schemeClr val="accent1"/>
+            </a:fillRef>
+            <a:effectRef idx="0">
+              <a:schemeClr val="accent1"/>
+            </a:effectRef>
+            <a:fontRef idx="minor">
+              <a:schemeClr val="tx1"/>
+            </a:fontRef>
+          </p:style>
+        </p:cxnSp>
+      </p:grpSp>
+      <p:sp>
+        <p:nvSpPr>
+          <p:cNvPr id="78" name="TextBox 77"/>
+          <p:cNvSpPr txBox="1"/>
+          <p:nvPr/>
+        </p:nvSpPr>
+        <p:spPr>
+          <a:xfrm>
+            <a:off x="1111799" y="5701011"/>
+            <a:ext cx="1319139" cy="461665"/>
+          </a:xfrm>
+          <a:prstGeom prst="rect">
+            <a:avLst/>
+          </a:prstGeom>
+          <a:noFill/>
+        </p:spPr>
+        <p:txBody>
+          <a:bodyPr wrap="square" rtlCol="0">
+            <a:spAutoFit/>
+          </a:bodyPr>
+          <a:lstStyle/>
+          <a:p>
+            <a:r>
+              <a:rPr lang="nl-BE" sz="1200" dirty="0" smtClean="0"/>
+              <a:t>Http, Amqp, Signalr</a:t>
+            </a:r>
+            <a:r>
+              <a:rPr lang="nl-BE" sz="1200" dirty="0" smtClean="0"/>
+              <a:t>, </a:t>
+            </a:r>
+            <a:r>
+              <a:rPr lang="nl-BE" sz="1200" dirty="0" smtClean="0"/>
+              <a:t>.... </a:t>
+            </a:r>
+            <a:endParaRPr lang="en-US" sz="1200" dirty="0"/>
+          </a:p>
+        </p:txBody>
+      </p:sp>
+      <p:sp>
+        <p:nvSpPr>
+          <p:cNvPr id="79" name="TextBox 78"/>
+          <p:cNvSpPr txBox="1"/>
+          <p:nvPr/>
+        </p:nvSpPr>
+        <p:spPr>
+          <a:xfrm>
+            <a:off x="6369956" y="5318617"/>
+            <a:ext cx="1319139" cy="553998"/>
+          </a:xfrm>
+          <a:prstGeom prst="rect">
+            <a:avLst/>
+          </a:prstGeom>
+          <a:noFill/>
+        </p:spPr>
+        <p:txBody>
+          <a:bodyPr wrap="square" rtlCol="0">
+            <a:spAutoFit/>
+          </a:bodyPr>
+          <a:lstStyle/>
+          <a:p>
+            <a:pPr algn="ctr"/>
+            <a:r>
+              <a:rPr lang="nl-BE" dirty="0" smtClean="0"/>
+              <a:t>Transport</a:t>
+            </a:r>
+            <a:endParaRPr lang="nl-BE" sz="1200" dirty="0" smtClean="0"/>
+          </a:p>
+          <a:p>
+            <a:pPr algn="ctr"/>
+            <a:r>
+              <a:rPr lang="nl-BE" sz="1200" dirty="0" smtClean="0"/>
+              <a:t>Azure </a:t>
+            </a:r>
+            <a:r>
+              <a:rPr lang="nl-BE" sz="1200" dirty="0" smtClean="0"/>
+              <a:t>Servicebus</a:t>
+            </a:r>
+            <a:endParaRPr lang="en-US" sz="1200" dirty="0"/>
+          </a:p>
+        </p:txBody>
+      </p:sp>
+      <p:sp>
+        <p:nvSpPr>
+          <p:cNvPr id="80" name="Left-Right Arrow 79"/>
+          <p:cNvSpPr/>
+          <p:nvPr/>
+        </p:nvSpPr>
+        <p:spPr>
+          <a:xfrm>
+            <a:off x="3582396" y="4556233"/>
+            <a:ext cx="2548579" cy="648875"/>
+          </a:xfrm>
+          <a:prstGeom prst="leftRightArrow">
+            <a:avLst/>
+          </a:prstGeom>
+          <a:solidFill>
+            <a:schemeClr val="bg1">
+              <a:lumMod val="65000"/>
+            </a:schemeClr>
+          </a:solidFill>
+          <a:ln>
+            <a:solidFill>
+              <a:schemeClr val="bg1">
+                <a:lumMod val="65000"/>
+              </a:schemeClr>
+            </a:solidFill>
+          </a:ln>
+        </p:spPr>
+        <p:style>
+          <a:lnRef idx="2">
+            <a:schemeClr val="accent1">
+              <a:shade val="50000"/>
+            </a:schemeClr>
+          </a:lnRef>
+          <a:fillRef idx="1">
+            <a:schemeClr val="accent1"/>
+          </a:fillRef>
+          <a:effectRef idx="0">
+            <a:schemeClr val="accent1"/>
+          </a:effectRef>
+          <a:fontRef idx="minor">
+            <a:schemeClr val="lt1"/>
+          </a:fontRef>
+        </p:style>
+        <p:txBody>
+          <a:bodyPr rtlCol="0" anchor="ctr"/>
+          <a:lstStyle/>
+          <a:p>
+            <a:pPr algn="ctr"/>
+            <a:endParaRPr lang="en-US"/>
+          </a:p>
+        </p:txBody>
+      </p:sp>
+      <p:sp>
+        <p:nvSpPr>
+          <p:cNvPr id="81" name="Left-Right Arrow 80"/>
+          <p:cNvSpPr/>
+          <p:nvPr/>
+        </p:nvSpPr>
+        <p:spPr>
+          <a:xfrm>
+            <a:off x="7689095" y="4539678"/>
+            <a:ext cx="2548579" cy="648875"/>
+          </a:xfrm>
+          <a:prstGeom prst="leftRightArrow">
+            <a:avLst/>
+          </a:prstGeom>
+          <a:solidFill>
+            <a:schemeClr val="bg1">
+              <a:lumMod val="65000"/>
+            </a:schemeClr>
+          </a:solidFill>
+          <a:ln>
+            <a:solidFill>
+              <a:schemeClr val="bg1">
+                <a:lumMod val="65000"/>
+              </a:schemeClr>
+            </a:solidFill>
+          </a:ln>
+        </p:spPr>
+        <p:style>
+          <a:lnRef idx="2">
+            <a:schemeClr val="accent1">
+              <a:shade val="50000"/>
+            </a:schemeClr>
+          </a:lnRef>
+          <a:fillRef idx="1">
+            <a:schemeClr val="accent1"/>
+          </a:fillRef>
+          <a:effectRef idx="0">
+            <a:schemeClr val="accent1"/>
+          </a:effectRef>
+          <a:fontRef idx="minor">
+            <a:schemeClr val="lt1"/>
+          </a:fontRef>
+        </p:style>
+        <p:txBody>
+          <a:bodyPr rtlCol="0" anchor="ctr"/>
+          <a:lstStyle/>
+          <a:p>
+            <a:pPr algn="ctr"/>
+            <a:endParaRPr lang="en-US"/>
+          </a:p>
+        </p:txBody>
+      </p:sp>
+      <p:sp>
+        <p:nvSpPr>
+          <p:cNvPr id="82" name="Rectangle 81"/>
+          <p:cNvSpPr/>
+          <p:nvPr/>
+        </p:nvSpPr>
+        <p:spPr>
+          <a:xfrm>
+            <a:off x="1123589" y="2365031"/>
+            <a:ext cx="11002751" cy="4148125"/>
+          </a:xfrm>
+          <a:prstGeom prst="rect">
+            <a:avLst/>
+          </a:prstGeom>
+          <a:noFill/>
+          <a:ln>
+            <a:solidFill>
+              <a:schemeClr val="bg1">
+                <a:lumMod val="50000"/>
+              </a:schemeClr>
+            </a:solidFill>
+          </a:ln>
+        </p:spPr>
+        <p:style>
+          <a:lnRef idx="2">
+            <a:schemeClr val="accent1"/>
+          </a:lnRef>
+          <a:fillRef idx="1">
+            <a:schemeClr val="lt1"/>
+          </a:fillRef>
+          <a:effectRef idx="0">
+            <a:schemeClr val="accent1"/>
+          </a:effectRef>
+          <a:fontRef idx="minor">
+            <a:schemeClr val="dk1"/>
+          </a:fontRef>
+        </p:style>
+        <p:txBody>
+          <a:bodyPr rtlCol="0" anchor="t"/>
+          <a:lstStyle/>
+          <a:p>
+            <a:pPr algn="ctr"/>
+            <a:r>
+              <a:rPr lang="nl-BE" dirty="0" smtClean="0"/>
+              <a:t>Environment</a:t>
+            </a:r>
+            <a:endParaRPr lang="en-US" dirty="0"/>
+          </a:p>
+        </p:txBody>
+      </p:sp>
+      <p:sp>
+        <p:nvSpPr>
+          <p:cNvPr id="84" name="Down Arrow 83"/>
+          <p:cNvSpPr/>
+          <p:nvPr/>
+        </p:nvSpPr>
+        <p:spPr>
+          <a:xfrm rot="16200000">
+            <a:off x="1131665" y="2603717"/>
+            <a:ext cx="90916" cy="661462"/>
+          </a:xfrm>
+          <a:prstGeom prst="downArrow">
+            <a:avLst/>
+          </a:prstGeom>
+          <a:solidFill>
+            <a:schemeClr val="bg2">
+              <a:lumMod val="75000"/>
+            </a:schemeClr>
+          </a:solidFill>
+          <a:ln>
+            <a:solidFill>
+              <a:schemeClr val="bg2">
+                <a:lumMod val="75000"/>
+              </a:schemeClr>
+            </a:solidFill>
+          </a:ln>
+        </p:spPr>
+        <p:style>
+          <a:lnRef idx="2">
+            <a:schemeClr val="accent1">
+              <a:shade val="50000"/>
+            </a:schemeClr>
+          </a:lnRef>
+          <a:fillRef idx="1">
+            <a:schemeClr val="accent1"/>
+          </a:fillRef>
+          <a:effectRef idx="0">
+            <a:schemeClr val="accent1"/>
+          </a:effectRef>
+          <a:fontRef idx="minor">
+            <a:schemeClr val="lt1"/>
+          </a:fontRef>
+        </p:style>
+        <p:txBody>
+          <a:bodyPr rtlCol="0" anchor="ctr"/>
+          <a:lstStyle/>
+          <a:p>
+            <a:pPr algn="ctr"/>
+            <a:endParaRPr lang="en-US"/>
+          </a:p>
+        </p:txBody>
+      </p:sp>
+      <p:sp>
+        <p:nvSpPr>
+          <p:cNvPr id="85" name="Down Arrow 84"/>
+          <p:cNvSpPr/>
+          <p:nvPr/>
+        </p:nvSpPr>
+        <p:spPr>
+          <a:xfrm rot="16200000">
+            <a:off x="1131665" y="2984755"/>
+            <a:ext cx="90916" cy="661462"/>
+          </a:xfrm>
+          <a:prstGeom prst="downArrow">
+            <a:avLst/>
+          </a:prstGeom>
+          <a:solidFill>
+            <a:schemeClr val="bg2">
+              <a:lumMod val="75000"/>
+            </a:schemeClr>
+          </a:solidFill>
+          <a:ln>
+            <a:solidFill>
+              <a:schemeClr val="bg2">
+                <a:lumMod val="75000"/>
+              </a:schemeClr>
+            </a:solidFill>
+          </a:ln>
+        </p:spPr>
+        <p:style>
+          <a:lnRef idx="2">
+            <a:schemeClr val="accent1">
+              <a:shade val="50000"/>
+            </a:schemeClr>
+          </a:lnRef>
+          <a:fillRef idx="1">
+            <a:schemeClr val="accent1"/>
+          </a:fillRef>
+          <a:effectRef idx="0">
+            <a:schemeClr val="accent1"/>
+          </a:effectRef>
+          <a:fontRef idx="minor">
+            <a:schemeClr val="lt1"/>
+          </a:fontRef>
+        </p:style>
+        <p:txBody>
+          <a:bodyPr rtlCol="0" anchor="ctr"/>
+          <a:lstStyle/>
+          <a:p>
+            <a:pPr algn="ctr"/>
+            <a:endParaRPr lang="en-US"/>
+          </a:p>
+        </p:txBody>
+      </p:sp>
+      <p:sp>
+        <p:nvSpPr>
+          <p:cNvPr id="86" name="Down Arrow 85"/>
+          <p:cNvSpPr/>
+          <p:nvPr/>
+        </p:nvSpPr>
+        <p:spPr>
+          <a:xfrm rot="16200000">
+            <a:off x="1131665" y="3400772"/>
+            <a:ext cx="90916" cy="661462"/>
+          </a:xfrm>
+          <a:prstGeom prst="downArrow">
+            <a:avLst/>
+          </a:prstGeom>
+          <a:solidFill>
+            <a:schemeClr val="bg2">
+              <a:lumMod val="75000"/>
+            </a:schemeClr>
+          </a:solidFill>
+          <a:ln>
+            <a:solidFill>
+              <a:schemeClr val="bg2">
+                <a:lumMod val="75000"/>
+              </a:schemeClr>
+            </a:solidFill>
+          </a:ln>
+        </p:spPr>
+        <p:style>
+          <a:lnRef idx="2">
+            <a:schemeClr val="accent1">
+              <a:shade val="50000"/>
+            </a:schemeClr>
+          </a:lnRef>
+          <a:fillRef idx="1">
+            <a:schemeClr val="accent1"/>
+          </a:fillRef>
+          <a:effectRef idx="0">
+            <a:schemeClr val="accent1"/>
+          </a:effectRef>
+          <a:fontRef idx="minor">
+            <a:schemeClr val="lt1"/>
+          </a:fontRef>
+        </p:style>
+        <p:txBody>
+          <a:bodyPr rtlCol="0" anchor="ctr"/>
+          <a:lstStyle/>
+          <a:p>
+            <a:pPr algn="ctr"/>
+            <a:endParaRPr lang="en-US"/>
+          </a:p>
+        </p:txBody>
+      </p:sp>
+      <p:sp>
+        <p:nvSpPr>
+          <p:cNvPr id="89" name="Down Arrow 88"/>
+          <p:cNvSpPr/>
+          <p:nvPr/>
+        </p:nvSpPr>
+        <p:spPr>
+          <a:xfrm rot="16200000">
+            <a:off x="1131665" y="3736353"/>
+            <a:ext cx="90916" cy="661462"/>
+          </a:xfrm>
+          <a:prstGeom prst="downArrow">
+            <a:avLst/>
+          </a:prstGeom>
+          <a:solidFill>
+            <a:schemeClr val="bg2">
+              <a:lumMod val="75000"/>
+            </a:schemeClr>
+          </a:solidFill>
+          <a:ln>
+            <a:solidFill>
+              <a:schemeClr val="bg2">
+                <a:lumMod val="75000"/>
+              </a:schemeClr>
+            </a:solidFill>
+          </a:ln>
+        </p:spPr>
+        <p:style>
+          <a:lnRef idx="2">
+            <a:schemeClr val="accent1">
+              <a:shade val="50000"/>
+            </a:schemeClr>
+          </a:lnRef>
+          <a:fillRef idx="1">
+            <a:schemeClr val="accent1"/>
+          </a:fillRef>
+          <a:effectRef idx="0">
+            <a:schemeClr val="accent1"/>
+          </a:effectRef>
+          <a:fontRef idx="minor">
+            <a:schemeClr val="lt1"/>
+          </a:fontRef>
+        </p:style>
+        <p:txBody>
+          <a:bodyPr rtlCol="0" anchor="ctr"/>
+          <a:lstStyle/>
+          <a:p>
+            <a:pPr algn="ctr"/>
+            <a:endParaRPr lang="en-US"/>
+          </a:p>
+        </p:txBody>
+      </p:sp>
+      <p:sp>
+        <p:nvSpPr>
+          <p:cNvPr id="91" name="Down Arrow 90"/>
+          <p:cNvSpPr/>
+          <p:nvPr/>
+        </p:nvSpPr>
+        <p:spPr>
+          <a:xfrm rot="5400000">
+            <a:off x="1131665" y="4096743"/>
+            <a:ext cx="90916" cy="661462"/>
+          </a:xfrm>
+          <a:prstGeom prst="downArrow">
+            <a:avLst/>
+          </a:prstGeom>
+          <a:solidFill>
+            <a:schemeClr val="bg2">
+              <a:lumMod val="75000"/>
+            </a:schemeClr>
+          </a:solidFill>
+          <a:ln>
+            <a:solidFill>
+              <a:schemeClr val="bg2">
+                <a:lumMod val="75000"/>
+              </a:schemeClr>
+            </a:solidFill>
+          </a:ln>
+        </p:spPr>
+        <p:style>
+          <a:lnRef idx="2">
+            <a:schemeClr val="accent1">
+              <a:shade val="50000"/>
+            </a:schemeClr>
+          </a:lnRef>
+          <a:fillRef idx="1">
+            <a:schemeClr val="accent1"/>
+          </a:fillRef>
+          <a:effectRef idx="0">
+            <a:schemeClr val="accent1"/>
+          </a:effectRef>
+          <a:fontRef idx="minor">
+            <a:schemeClr val="lt1"/>
+          </a:fontRef>
+        </p:style>
+        <p:txBody>
+          <a:bodyPr rtlCol="0" anchor="ctr"/>
+          <a:lstStyle/>
+          <a:p>
+            <a:pPr algn="ctr"/>
+            <a:endParaRPr lang="en-US"/>
+          </a:p>
+        </p:txBody>
+      </p:sp>
+      <p:sp>
+        <p:nvSpPr>
+          <p:cNvPr id="92" name="Down Arrow 91"/>
+          <p:cNvSpPr/>
+          <p:nvPr/>
+        </p:nvSpPr>
+        <p:spPr>
+          <a:xfrm rot="5400000">
+            <a:off x="1131665" y="4447732"/>
+            <a:ext cx="90916" cy="661462"/>
+          </a:xfrm>
+          <a:prstGeom prst="downArrow">
+            <a:avLst/>
+          </a:prstGeom>
+          <a:solidFill>
+            <a:schemeClr val="bg2">
+              <a:lumMod val="75000"/>
+            </a:schemeClr>
+          </a:solidFill>
+          <a:ln>
+            <a:solidFill>
+              <a:schemeClr val="bg2">
+                <a:lumMod val="75000"/>
+              </a:schemeClr>
+            </a:solidFill>
+          </a:ln>
+        </p:spPr>
+        <p:style>
+          <a:lnRef idx="2">
+            <a:schemeClr val="accent1">
+              <a:shade val="50000"/>
+            </a:schemeClr>
+          </a:lnRef>
+          <a:fillRef idx="1">
+            <a:schemeClr val="accent1"/>
+          </a:fillRef>
+          <a:effectRef idx="0">
+            <a:schemeClr val="accent1"/>
+          </a:effectRef>
+          <a:fontRef idx="minor">
+            <a:schemeClr val="lt1"/>
+          </a:fontRef>
+        </p:style>
+        <p:txBody>
+          <a:bodyPr rtlCol="0" anchor="ctr"/>
+          <a:lstStyle/>
+          <a:p>
+            <a:pPr algn="ctr"/>
+            <a:endParaRPr lang="en-US"/>
+          </a:p>
+        </p:txBody>
+      </p:sp>
+      <p:sp>
+        <p:nvSpPr>
+          <p:cNvPr id="93" name="Down Arrow 92"/>
+          <p:cNvSpPr/>
+          <p:nvPr/>
+        </p:nvSpPr>
+        <p:spPr>
+          <a:xfrm rot="5400000">
+            <a:off x="1131665" y="4873912"/>
+            <a:ext cx="90916" cy="661462"/>
+          </a:xfrm>
+          <a:prstGeom prst="downArrow">
+            <a:avLst/>
+          </a:prstGeom>
+          <a:solidFill>
+            <a:schemeClr val="bg2">
+              <a:lumMod val="75000"/>
+            </a:schemeClr>
+          </a:solidFill>
+          <a:ln>
+            <a:solidFill>
+              <a:schemeClr val="bg2">
+                <a:lumMod val="75000"/>
+              </a:schemeClr>
+            </a:solidFill>
+          </a:ln>
+        </p:spPr>
+        <p:style>
+          <a:lnRef idx="2">
+            <a:schemeClr val="accent1">
+              <a:shade val="50000"/>
+            </a:schemeClr>
+          </a:lnRef>
+          <a:fillRef idx="1">
+            <a:schemeClr val="accent1"/>
+          </a:fillRef>
+          <a:effectRef idx="0">
+            <a:schemeClr val="accent1"/>
+          </a:effectRef>
+          <a:fontRef idx="minor">
+            <a:schemeClr val="lt1"/>
+          </a:fontRef>
+        </p:style>
+        <p:txBody>
+          <a:bodyPr rtlCol="0" anchor="ctr"/>
+          <a:lstStyle/>
+          <a:p>
+            <a:pPr algn="ctr"/>
+            <a:endParaRPr lang="en-US"/>
+          </a:p>
+        </p:txBody>
+      </p:sp>
+      <p:sp>
+        <p:nvSpPr>
+          <p:cNvPr id="95" name="Down Arrow 94"/>
+          <p:cNvSpPr/>
+          <p:nvPr/>
+        </p:nvSpPr>
+        <p:spPr>
+          <a:xfrm rot="5400000">
+            <a:off x="1131665" y="5247961"/>
+            <a:ext cx="90916" cy="661462"/>
+          </a:xfrm>
+          <a:prstGeom prst="downArrow">
+            <a:avLst/>
+          </a:prstGeom>
+          <a:solidFill>
+            <a:schemeClr val="bg2">
+              <a:lumMod val="75000"/>
+            </a:schemeClr>
+          </a:solidFill>
+          <a:ln>
+            <a:solidFill>
+              <a:schemeClr val="bg2">
+                <a:lumMod val="75000"/>
+              </a:schemeClr>
+            </a:solidFill>
+          </a:ln>
+        </p:spPr>
+        <p:style>
+          <a:lnRef idx="2">
+            <a:schemeClr val="accent1">
+              <a:shade val="50000"/>
+            </a:schemeClr>
+          </a:lnRef>
+          <a:fillRef idx="1">
+            <a:schemeClr val="accent1"/>
+          </a:fillRef>
+          <a:effectRef idx="0">
+            <a:schemeClr val="accent1"/>
+          </a:effectRef>
+          <a:fontRef idx="minor">
+            <a:schemeClr val="lt1"/>
+          </a:fontRef>
+        </p:style>
+        <p:txBody>
+          <a:bodyPr rtlCol="0" anchor="ctr"/>
+          <a:lstStyle/>
+          <a:p>
+            <a:pPr algn="ctr"/>
+            <a:endParaRPr lang="en-US"/>
+          </a:p>
+        </p:txBody>
+      </p:sp>
+      <p:sp>
+        <p:nvSpPr>
+          <p:cNvPr id="96" name="Rectangle 95"/>
+          <p:cNvSpPr/>
+          <p:nvPr/>
+        </p:nvSpPr>
+        <p:spPr>
+          <a:xfrm>
+            <a:off x="365409" y="2746422"/>
+            <a:ext cx="373121" cy="336475"/>
+          </a:xfrm>
+          <a:prstGeom prst="rect">
+            <a:avLst/>
+          </a:prstGeom>
+          <a:solidFill>
+            <a:srgbClr val="00CCFF"/>
+          </a:solidFill>
+          <a:ln>
+            <a:solidFill>
+              <a:srgbClr val="00CCFF"/>
+            </a:solidFill>
+          </a:ln>
+        </p:spPr>
+        <p:style>
+          <a:lnRef idx="2">
+            <a:schemeClr val="accent1">
+              <a:shade val="50000"/>
+            </a:schemeClr>
+          </a:lnRef>
+          <a:fillRef idx="1">
+            <a:schemeClr val="accent1"/>
+          </a:fillRef>
+          <a:effectRef idx="0">
+            <a:schemeClr val="accent1"/>
+          </a:effectRef>
+          <a:fontRef idx="minor">
+            <a:schemeClr val="lt1"/>
+          </a:fontRef>
+        </p:style>
+        <p:txBody>
+          <a:bodyPr rtlCol="0" anchor="ctr"/>
+          <a:lstStyle/>
+          <a:p>
+            <a:pPr algn="ctr"/>
+            <a:r>
+              <a:rPr lang="nl-BE" dirty="0" smtClean="0">
+                <a:latin typeface="Wingdings" panose="05000000000000000000" pitchFamily="2" charset="2"/>
+              </a:rPr>
+              <a:t>z</a:t>
+            </a:r>
+            <a:endParaRPr lang="en-US" dirty="0">
+              <a:latin typeface="Wingdings" panose="05000000000000000000" pitchFamily="2" charset="2"/>
+            </a:endParaRPr>
+          </a:p>
+        </p:txBody>
+      </p:sp>
+      <p:sp>
+        <p:nvSpPr>
+          <p:cNvPr id="97" name="Rectangle 96"/>
+          <p:cNvSpPr/>
+          <p:nvPr/>
+        </p:nvSpPr>
+        <p:spPr>
+          <a:xfrm>
+            <a:off x="358301" y="3147937"/>
+            <a:ext cx="373121" cy="336475"/>
+          </a:xfrm>
+          <a:prstGeom prst="rect">
+            <a:avLst/>
+          </a:prstGeom>
+          <a:solidFill>
+            <a:srgbClr val="00CCFF"/>
+          </a:solidFill>
+          <a:ln>
+            <a:solidFill>
+              <a:srgbClr val="00CCFF"/>
+            </a:solidFill>
+          </a:ln>
+        </p:spPr>
+        <p:style>
+          <a:lnRef idx="2">
+            <a:schemeClr val="accent1">
+              <a:shade val="50000"/>
+            </a:schemeClr>
+          </a:lnRef>
+          <a:fillRef idx="1">
+            <a:schemeClr val="accent1"/>
+          </a:fillRef>
+          <a:effectRef idx="0">
+            <a:schemeClr val="accent1"/>
+          </a:effectRef>
+          <a:fontRef idx="minor">
+            <a:schemeClr val="lt1"/>
+          </a:fontRef>
+        </p:style>
+        <p:txBody>
+          <a:bodyPr rtlCol="0" anchor="ctr"/>
+          <a:lstStyle/>
+          <a:p>
+            <a:pPr algn="ctr"/>
+            <a:r>
+              <a:rPr lang="nl-BE" dirty="0" smtClean="0">
+                <a:latin typeface="Wingdings" panose="05000000000000000000" pitchFamily="2" charset="2"/>
+              </a:rPr>
+              <a:t>z</a:t>
+            </a:r>
+            <a:endParaRPr lang="en-US" dirty="0">
+              <a:latin typeface="Wingdings" panose="05000000000000000000" pitchFamily="2" charset="2"/>
+            </a:endParaRPr>
+          </a:p>
+        </p:txBody>
+      </p:sp>
+      <p:sp>
+        <p:nvSpPr>
+          <p:cNvPr id="98" name="Rectangle 97"/>
+          <p:cNvSpPr/>
+          <p:nvPr/>
+        </p:nvSpPr>
+        <p:spPr>
+          <a:xfrm>
+            <a:off x="365409" y="3536197"/>
+            <a:ext cx="373121" cy="336475"/>
+          </a:xfrm>
+          <a:prstGeom prst="rect">
+            <a:avLst/>
+          </a:prstGeom>
+          <a:solidFill>
+            <a:srgbClr val="00CCFF"/>
+          </a:solidFill>
+          <a:ln>
+            <a:solidFill>
+              <a:srgbClr val="00CCFF"/>
+            </a:solidFill>
+          </a:ln>
+        </p:spPr>
+        <p:style>
+          <a:lnRef idx="2">
+            <a:schemeClr val="accent1">
+              <a:shade val="50000"/>
+            </a:schemeClr>
+          </a:lnRef>
+          <a:fillRef idx="1">
+            <a:schemeClr val="accent1"/>
+          </a:fillRef>
+          <a:effectRef idx="0">
+            <a:schemeClr val="accent1"/>
+          </a:effectRef>
+          <a:fontRef idx="minor">
+            <a:schemeClr val="lt1"/>
+          </a:fontRef>
+        </p:style>
+        <p:txBody>
+          <a:bodyPr rtlCol="0" anchor="ctr"/>
+          <a:lstStyle/>
+          <a:p>
+            <a:pPr algn="ctr"/>
+            <a:r>
+              <a:rPr lang="nl-BE" dirty="0" smtClean="0">
+                <a:latin typeface="Wingdings" panose="05000000000000000000" pitchFamily="2" charset="2"/>
+              </a:rPr>
+              <a:t>z</a:t>
+            </a:r>
+            <a:endParaRPr lang="en-US" dirty="0">
+              <a:latin typeface="Wingdings" panose="05000000000000000000" pitchFamily="2" charset="2"/>
+            </a:endParaRPr>
+          </a:p>
+        </p:txBody>
+      </p:sp>
+      <p:sp>
+        <p:nvSpPr>
+          <p:cNvPr id="99" name="Rectangle 98"/>
+          <p:cNvSpPr/>
+          <p:nvPr/>
+        </p:nvSpPr>
+        <p:spPr>
+          <a:xfrm>
+            <a:off x="357816" y="3924457"/>
+            <a:ext cx="373121" cy="336475"/>
+          </a:xfrm>
+          <a:prstGeom prst="rect">
+            <a:avLst/>
+          </a:prstGeom>
+          <a:solidFill>
+            <a:srgbClr val="00CCFF"/>
+          </a:solidFill>
+          <a:ln>
+            <a:solidFill>
+              <a:srgbClr val="00CCFF"/>
+            </a:solidFill>
+          </a:ln>
+        </p:spPr>
+        <p:style>
+          <a:lnRef idx="2">
+            <a:schemeClr val="accent1">
+              <a:shade val="50000"/>
+            </a:schemeClr>
+          </a:lnRef>
+          <a:fillRef idx="1">
+            <a:schemeClr val="accent1"/>
+          </a:fillRef>
+          <a:effectRef idx="0">
+            <a:schemeClr val="accent1"/>
+          </a:effectRef>
+          <a:fontRef idx="minor">
+            <a:schemeClr val="lt1"/>
+          </a:fontRef>
+        </p:style>
+        <p:txBody>
+          <a:bodyPr rtlCol="0" anchor="ctr"/>
+          <a:lstStyle/>
+          <a:p>
+            <a:pPr algn="ctr"/>
+            <a:r>
+              <a:rPr lang="nl-BE" dirty="0" smtClean="0">
+                <a:latin typeface="Wingdings" panose="05000000000000000000" pitchFamily="2" charset="2"/>
+              </a:rPr>
+              <a:t>z</a:t>
+            </a:r>
+            <a:endParaRPr lang="en-US" dirty="0">
+              <a:latin typeface="Wingdings" panose="05000000000000000000" pitchFamily="2" charset="2"/>
+            </a:endParaRPr>
+          </a:p>
+        </p:txBody>
+      </p:sp>
+      <p:pic>
+        <p:nvPicPr>
+          <p:cNvPr id="100" name="Picture 99"/>
+          <p:cNvPicPr>
+            <a:picLocks noChangeAspect="1"/>
+          </p:cNvPicPr>
+          <p:nvPr/>
+        </p:nvPicPr>
+        <p:blipFill>
+          <a:blip r:embed="rId4"/>
+          <a:stretch>
+            <a:fillRect/>
+          </a:stretch>
+        </p:blipFill>
+        <p:spPr>
+          <a:xfrm>
+            <a:off x="225252" y="4643392"/>
+            <a:ext cx="599352" cy="599352"/>
+          </a:xfrm>
+          <a:prstGeom prst="rect">
+            <a:avLst/>
+          </a:prstGeom>
+        </p:spPr>
+      </p:pic>
+      <p:pic>
+        <p:nvPicPr>
+          <p:cNvPr id="102" name="Picture 101"/>
+          <p:cNvPicPr>
+            <a:picLocks noChangeAspect="1"/>
+          </p:cNvPicPr>
+          <p:nvPr/>
+        </p:nvPicPr>
+        <p:blipFill>
+          <a:blip r:embed="rId4"/>
+          <a:stretch>
+            <a:fillRect/>
+          </a:stretch>
+        </p:blipFill>
+        <p:spPr>
+          <a:xfrm>
+            <a:off x="301278" y="4789561"/>
+            <a:ext cx="599352" cy="599352"/>
+          </a:xfrm>
+          <a:prstGeom prst="rect">
+            <a:avLst/>
+          </a:prstGeom>
+        </p:spPr>
+      </p:pic>
+      <p:pic>
+        <p:nvPicPr>
+          <p:cNvPr id="103" name="Picture 102"/>
+          <p:cNvPicPr>
+            <a:picLocks noChangeAspect="1"/>
+          </p:cNvPicPr>
+          <p:nvPr/>
+        </p:nvPicPr>
+        <p:blipFill>
+          <a:blip r:embed="rId5"/>
+          <a:stretch>
+            <a:fillRect/>
+          </a:stretch>
+        </p:blipFill>
+        <p:spPr>
+          <a:xfrm>
+            <a:off x="275794" y="5247046"/>
+            <a:ext cx="586483" cy="586483"/>
+          </a:xfrm>
+          <a:prstGeom prst="rect">
+            <a:avLst/>
+          </a:prstGeom>
+        </p:spPr>
+      </p:pic>
+      <p:sp>
+        <p:nvSpPr>
+          <p:cNvPr id="105" name="Rectangle 104"/>
+          <p:cNvSpPr/>
+          <p:nvPr/>
+        </p:nvSpPr>
+        <p:spPr>
+          <a:xfrm>
+            <a:off x="355591" y="4312717"/>
+            <a:ext cx="373121" cy="336475"/>
+          </a:xfrm>
+          <a:prstGeom prst="rect">
+            <a:avLst/>
+          </a:prstGeom>
+          <a:solidFill>
+            <a:srgbClr val="00CCFF"/>
+          </a:solidFill>
+          <a:ln>
+            <a:solidFill>
+              <a:srgbClr val="00CCFF"/>
+            </a:solidFill>
+          </a:ln>
+        </p:spPr>
+        <p:style>
+          <a:lnRef idx="2">
+            <a:schemeClr val="accent1">
+              <a:shade val="50000"/>
+            </a:schemeClr>
+          </a:lnRef>
+          <a:fillRef idx="1">
+            <a:schemeClr val="accent1"/>
+          </a:fillRef>
+          <a:effectRef idx="0">
+            <a:schemeClr val="accent1"/>
+          </a:effectRef>
+          <a:fontRef idx="minor">
+            <a:schemeClr val="lt1"/>
+          </a:fontRef>
+        </p:style>
+        <p:txBody>
+          <a:bodyPr rtlCol="0" anchor="ctr"/>
+          <a:lstStyle/>
+          <a:p>
+            <a:pPr algn="ctr"/>
+            <a:r>
+              <a:rPr lang="nl-BE" dirty="0" smtClean="0">
+                <a:latin typeface="Wingdings" panose="05000000000000000000" pitchFamily="2" charset="2"/>
+              </a:rPr>
+              <a:t>z</a:t>
+            </a:r>
+            <a:endParaRPr lang="en-US" dirty="0">
+              <a:latin typeface="Wingdings" panose="05000000000000000000" pitchFamily="2" charset="2"/>
+            </a:endParaRPr>
+          </a:p>
+        </p:txBody>
+      </p:sp>
+      <p:sp>
+        <p:nvSpPr>
+          <p:cNvPr id="122" name="Rectangle 121"/>
+          <p:cNvSpPr/>
+          <p:nvPr/>
+        </p:nvSpPr>
+        <p:spPr>
+          <a:xfrm>
+            <a:off x="1991941" y="2588044"/>
+            <a:ext cx="1418566" cy="3574632"/>
+          </a:xfrm>
+          <a:prstGeom prst="rect">
+            <a:avLst/>
+          </a:prstGeom>
+          <a:noFill/>
+          <a:ln>
+            <a:solidFill>
+              <a:schemeClr val="bg1">
+                <a:lumMod val="50000"/>
+              </a:schemeClr>
+            </a:solidFill>
+          </a:ln>
+        </p:spPr>
+        <p:style>
+          <a:lnRef idx="2">
+            <a:schemeClr val="accent1"/>
+          </a:lnRef>
+          <a:fillRef idx="1">
+            <a:schemeClr val="lt1"/>
+          </a:fillRef>
+          <a:effectRef idx="0">
+            <a:schemeClr val="accent1"/>
+          </a:effectRef>
+          <a:fontRef idx="minor">
+            <a:schemeClr val="dk1"/>
+          </a:fontRef>
+        </p:style>
+        <p:txBody>
+          <a:bodyPr rtlCol="0" anchor="b"/>
+          <a:lstStyle/>
+          <a:p>
+            <a:pPr algn="ctr"/>
+            <a:r>
+              <a:rPr lang="nl-BE" dirty="0" smtClean="0"/>
+              <a:t>Gateway</a:t>
+            </a:r>
+            <a:endParaRPr lang="en-US" dirty="0"/>
+          </a:p>
+        </p:txBody>
+      </p:sp>
+      <p:sp>
+        <p:nvSpPr>
+          <p:cNvPr id="123" name="Rectangle 122"/>
+          <p:cNvSpPr/>
+          <p:nvPr/>
+        </p:nvSpPr>
+        <p:spPr>
+          <a:xfrm>
+            <a:off x="10326067" y="2548518"/>
+            <a:ext cx="1418566" cy="3574632"/>
+          </a:xfrm>
+          <a:prstGeom prst="rect">
+            <a:avLst/>
+          </a:prstGeom>
+          <a:noFill/>
+          <a:ln>
+            <a:solidFill>
+              <a:schemeClr val="bg1">
+                <a:lumMod val="50000"/>
+              </a:schemeClr>
+            </a:solidFill>
+          </a:ln>
+        </p:spPr>
+        <p:style>
+          <a:lnRef idx="2">
+            <a:schemeClr val="accent1"/>
+          </a:lnRef>
+          <a:fillRef idx="1">
+            <a:schemeClr val="lt1"/>
+          </a:fillRef>
+          <a:effectRef idx="0">
+            <a:schemeClr val="accent1"/>
+          </a:effectRef>
+          <a:fontRef idx="minor">
+            <a:schemeClr val="dk1"/>
+          </a:fontRef>
+        </p:style>
+        <p:txBody>
+          <a:bodyPr rtlCol="0" anchor="b"/>
+          <a:lstStyle/>
+          <a:p>
+            <a:pPr algn="ctr"/>
+            <a:r>
+              <a:rPr lang="nl-BE" dirty="0" smtClean="0"/>
+              <a:t>Fabric</a:t>
+            </a:r>
+            <a:endParaRPr lang="en-US" dirty="0"/>
+          </a:p>
+        </p:txBody>
+      </p:sp>
+      <p:sp>
+        <p:nvSpPr>
+          <p:cNvPr id="104" name="Rectangle 103"/>
+          <p:cNvSpPr/>
+          <p:nvPr/>
+        </p:nvSpPr>
+        <p:spPr>
+          <a:xfrm>
+            <a:off x="604070" y="516563"/>
+            <a:ext cx="1861225" cy="1669490"/>
+          </a:xfrm>
+          <a:prstGeom prst="rect">
+            <a:avLst/>
+          </a:prstGeom>
+          <a:solidFill>
+            <a:srgbClr val="00CCFF"/>
+          </a:solidFill>
+        </p:spPr>
+        <p:style>
+          <a:lnRef idx="3">
+            <a:schemeClr val="lt1"/>
+          </a:lnRef>
+          <a:fillRef idx="1">
+            <a:schemeClr val="accent1"/>
+          </a:fillRef>
+          <a:effectRef idx="1">
+            <a:schemeClr val="accent1"/>
+          </a:effectRef>
+          <a:fontRef idx="minor">
+            <a:schemeClr val="lt1"/>
+          </a:fontRef>
+        </p:style>
+        <p:txBody>
+          <a:bodyPr rtlCol="0" anchor="ctr"/>
+          <a:lstStyle/>
+          <a:p>
+            <a:pPr algn="ctr"/>
+            <a:r>
+              <a:rPr lang="nl-BE" dirty="0"/>
+              <a:t>Management </a:t>
+            </a:r>
+            <a:r>
+              <a:rPr lang="nl-BE" dirty="0" smtClean="0"/>
+              <a:t>Portal</a:t>
+            </a:r>
+            <a:endParaRPr lang="en-US" dirty="0"/>
+          </a:p>
+        </p:txBody>
+      </p:sp>
+      <p:sp>
+        <p:nvSpPr>
+          <p:cNvPr id="115" name="Rectangle 114"/>
+          <p:cNvSpPr/>
+          <p:nvPr/>
+        </p:nvSpPr>
+        <p:spPr>
+          <a:xfrm>
+            <a:off x="2515416" y="520195"/>
+            <a:ext cx="1861225" cy="1669490"/>
+          </a:xfrm>
+          <a:prstGeom prst="rect">
+            <a:avLst/>
+          </a:prstGeom>
+          <a:solidFill>
+            <a:srgbClr val="00CCFF"/>
+          </a:solidFill>
+        </p:spPr>
+        <p:style>
+          <a:lnRef idx="3">
+            <a:schemeClr val="lt1"/>
+          </a:lnRef>
+          <a:fillRef idx="1">
+            <a:schemeClr val="accent1"/>
+          </a:fillRef>
+          <a:effectRef idx="1">
+            <a:schemeClr val="accent1"/>
+          </a:effectRef>
+          <a:fontRef idx="minor">
+            <a:schemeClr val="lt1"/>
+          </a:fontRef>
+        </p:style>
+        <p:txBody>
+          <a:bodyPr rtlCol="0" anchor="ctr"/>
+          <a:lstStyle/>
+          <a:p>
+            <a:pPr algn="ctr"/>
+            <a:r>
+              <a:rPr lang="nl-BE" dirty="0" smtClean="0"/>
+              <a:t>Gallery</a:t>
+            </a:r>
+            <a:endParaRPr lang="en-US" dirty="0"/>
+          </a:p>
+        </p:txBody>
+      </p:sp>
+      <p:sp>
+        <p:nvSpPr>
+          <p:cNvPr id="116" name="Rectangle 115"/>
+          <p:cNvSpPr/>
+          <p:nvPr/>
+        </p:nvSpPr>
+        <p:spPr>
+          <a:xfrm>
+            <a:off x="4426762" y="516563"/>
+            <a:ext cx="1861225" cy="1669490"/>
+          </a:xfrm>
+          <a:prstGeom prst="rect">
+            <a:avLst/>
+          </a:prstGeom>
+          <a:solidFill>
+            <a:srgbClr val="00CCFF"/>
+          </a:solidFill>
+        </p:spPr>
+        <p:style>
+          <a:lnRef idx="3">
+            <a:schemeClr val="lt1"/>
+          </a:lnRef>
+          <a:fillRef idx="1">
+            <a:schemeClr val="accent1"/>
+          </a:fillRef>
+          <a:effectRef idx="1">
+            <a:schemeClr val="accent1"/>
+          </a:effectRef>
+          <a:fontRef idx="minor">
+            <a:schemeClr val="lt1"/>
+          </a:fontRef>
+        </p:style>
+        <p:txBody>
+          <a:bodyPr rtlCol="0" anchor="ctr"/>
+          <a:lstStyle/>
+          <a:p>
+            <a:pPr algn="ctr"/>
+            <a:r>
+              <a:rPr lang="nl-BE" dirty="0" smtClean="0"/>
+              <a:t>Build Services</a:t>
+            </a:r>
+            <a:endParaRPr lang="en-US" dirty="0"/>
+          </a:p>
+        </p:txBody>
+      </p:sp>
+      <p:sp>
+        <p:nvSpPr>
+          <p:cNvPr id="124" name="Rectangle 123"/>
+          <p:cNvSpPr/>
+          <p:nvPr/>
+        </p:nvSpPr>
+        <p:spPr>
+          <a:xfrm>
+            <a:off x="6321083" y="516563"/>
+            <a:ext cx="1861225" cy="1669490"/>
+          </a:xfrm>
+          <a:prstGeom prst="rect">
+            <a:avLst/>
+          </a:prstGeom>
+          <a:solidFill>
+            <a:srgbClr val="00CCFF"/>
+          </a:solidFill>
+        </p:spPr>
+        <p:style>
+          <a:lnRef idx="3">
+            <a:schemeClr val="lt1"/>
+          </a:lnRef>
+          <a:fillRef idx="1">
+            <a:schemeClr val="accent1"/>
+          </a:fillRef>
+          <a:effectRef idx="1">
+            <a:schemeClr val="accent1"/>
+          </a:effectRef>
+          <a:fontRef idx="minor">
+            <a:schemeClr val="lt1"/>
+          </a:fontRef>
+        </p:style>
+        <p:txBody>
+          <a:bodyPr rtlCol="0" anchor="ctr"/>
+          <a:lstStyle/>
+          <a:p>
+            <a:pPr algn="ctr"/>
+            <a:r>
+              <a:rPr lang="nl-BE" dirty="0"/>
+              <a:t>Documentation </a:t>
+            </a:r>
+            <a:r>
+              <a:rPr lang="nl-BE" dirty="0" smtClean="0"/>
+              <a:t>System</a:t>
+            </a:r>
+            <a:endParaRPr lang="en-US" dirty="0"/>
+          </a:p>
+        </p:txBody>
+      </p:sp>
+      <p:sp>
+        <p:nvSpPr>
+          <p:cNvPr id="125" name="Rectangle 124"/>
+          <p:cNvSpPr/>
+          <p:nvPr/>
+        </p:nvSpPr>
+        <p:spPr>
+          <a:xfrm>
+            <a:off x="8232909" y="516563"/>
+            <a:ext cx="1861225" cy="1669490"/>
+          </a:xfrm>
+          <a:prstGeom prst="rect">
+            <a:avLst/>
+          </a:prstGeom>
+          <a:solidFill>
+            <a:srgbClr val="00CCFF"/>
+          </a:solidFill>
+        </p:spPr>
+        <p:style>
+          <a:lnRef idx="3">
+            <a:schemeClr val="lt1"/>
+          </a:lnRef>
+          <a:fillRef idx="1">
+            <a:schemeClr val="accent1"/>
+          </a:fillRef>
+          <a:effectRef idx="1">
+            <a:schemeClr val="accent1"/>
+          </a:effectRef>
+          <a:fontRef idx="minor">
+            <a:schemeClr val="lt1"/>
+          </a:fontRef>
+        </p:style>
+        <p:txBody>
+          <a:bodyPr rtlCol="0" anchor="ctr"/>
+          <a:lstStyle/>
+          <a:p>
+            <a:pPr algn="ctr"/>
+            <a:r>
+              <a:rPr lang="nl-BE" dirty="0" smtClean="0"/>
+              <a:t>STS</a:t>
+            </a:r>
+            <a:endParaRPr lang="en-US" dirty="0"/>
+          </a:p>
+        </p:txBody>
+      </p:sp>
+      <p:sp>
+        <p:nvSpPr>
+          <p:cNvPr id="126" name="Rectangle 125"/>
+          <p:cNvSpPr/>
+          <p:nvPr/>
+        </p:nvSpPr>
+        <p:spPr>
+          <a:xfrm>
+            <a:off x="10144735" y="516563"/>
+            <a:ext cx="1861225" cy="1669490"/>
+          </a:xfrm>
+          <a:prstGeom prst="rect">
+            <a:avLst/>
+          </a:prstGeom>
+          <a:solidFill>
+            <a:srgbClr val="00CCFF"/>
+          </a:solidFill>
+        </p:spPr>
+        <p:style>
+          <a:lnRef idx="3">
+            <a:schemeClr val="lt1"/>
+          </a:lnRef>
+          <a:fillRef idx="1">
+            <a:schemeClr val="accent1"/>
+          </a:fillRef>
+          <a:effectRef idx="1">
+            <a:schemeClr val="accent1"/>
+          </a:effectRef>
+          <a:fontRef idx="minor">
+            <a:schemeClr val="lt1"/>
+          </a:fontRef>
+        </p:style>
+        <p:txBody>
+          <a:bodyPr rtlCol="0" anchor="ctr"/>
+          <a:lstStyle/>
+          <a:p>
+            <a:pPr algn="ctr"/>
+            <a:r>
+              <a:rPr lang="nl-BE" dirty="0" smtClean="0"/>
+              <a:t>API</a:t>
+            </a:r>
+            <a:endParaRPr lang="en-US" dirty="0"/>
+          </a:p>
+        </p:txBody>
+      </p:sp>
+    </p:spTree>
+    <p:extLst>
+      <p:ext uri="{BB962C8B-B14F-4D97-AF65-F5344CB8AC3E}">
+        <p14:creationId xmlns:p14="http://schemas.microsoft.com/office/powerpoint/2010/main" val="2791933267"/>
+      </p:ext>
+    </p:extLst>
+  </p:cSld>
+  <p:clrMapOvr>
+    <a:masterClrMapping/>
+  </p:clrMapOvr>
+  <p:timing>
+    <p:tnLst>
+      <p:par>
+        <p:cTn id="1" dur="indefinite" restart="never" nodeType="tmRoot">
+          <p:childTnLst>
+            <p:seq concurrent="1" nextAc="seek">
+              <p:cTn id="2" dur="indefinite" nodeType="mainSeq">
+                <p:childTnLst>
+                  <p:par>
+                    <p:cTn id="3" fill="hold">
+                      <p:stCondLst>
+                        <p:cond delay="indefinite"/>
+                        <p:cond evt="onBegin" delay="0">
+                          <p:tn val="2"/>
+                        </p:cond>
+                      </p:stCondLst>
+                      <p:childTnLst>
+                        <p:par>
+                          <p:cTn id="4" fill="hold">
+                            <p:stCondLst>
+                              <p:cond delay="0"/>
+                            </p:stCondLst>
+                            <p:childTnLst>
+                              <p:par>
+                                <p:cTn id="5" presetID="1" presetClass="entr" presetSubtype="0" fill="hold" nodeType="withEffect">
+                                  <p:stCondLst>
+                                    <p:cond delay="0"/>
+                                  </p:stCondLst>
+                                  <p:childTnLst>
+                                    <p:set>
+                                      <p:cBhvr>
+                                        <p:cTn id="6" dur="1" fill="hold">
+                                          <p:stCondLst>
+                                            <p:cond delay="0"/>
+                                          </p:stCondLst>
+                                        </p:cTn>
+                                        <p:tgtEl>
+                                          <p:spTgt spid="47"/>
+                                        </p:tgtEl>
+                                        <p:attrNameLst>
+                                          <p:attrName>style.visibility</p:attrName>
+                                        </p:attrNameLst>
+                                      </p:cBhvr>
+                                      <p:to>
+                                        <p:strVal val="visible"/>
+                                      </p:to>
+                                    </p:set>
+                                  </p:childTnLst>
+                                </p:cTn>
+                              </p:par>
+                            </p:childTnLst>
+                          </p:cTn>
+                        </p:par>
+                      </p:childTnLst>
+                    </p:cTn>
+                  </p:par>
+                  <p:par>
+                    <p:cTn id="7" fill="hold">
+                      <p:stCondLst>
+                        <p:cond delay="indefinite"/>
+                      </p:stCondLst>
+                      <p:childTnLst>
+                        <p:par>
+                          <p:cTn id="8" fill="hold">
+                            <p:stCondLst>
+                              <p:cond delay="0"/>
+                            </p:stCondLst>
+                            <p:childTnLst>
+                              <p:par>
+                                <p:cTn id="9" presetID="1" presetClass="entr" presetSubtype="0" fill="hold" nodeType="clickEffect">
+                                  <p:stCondLst>
+                                    <p:cond delay="0"/>
+                                  </p:stCondLst>
+                                  <p:childTnLst>
+                                    <p:set>
+                                      <p:cBhvr>
+                                        <p:cTn id="10" dur="1" fill="hold">
+                                          <p:stCondLst>
+                                            <p:cond delay="0"/>
+                                          </p:stCondLst>
+                                        </p:cTn>
+                                        <p:tgtEl>
+                                          <p:spTgt spid="54"/>
+                                        </p:tgtEl>
+                                        <p:attrNameLst>
+                                          <p:attrName>style.visibility</p:attrName>
+                                        </p:attrNameLst>
+                                      </p:cBhvr>
+                                      <p:to>
+                                        <p:strVal val="visible"/>
+                                      </p:to>
+                                    </p:set>
+                                  </p:childTnLst>
+                                </p:cTn>
+                              </p:par>
+                              <p:par>
+                                <p:cTn id="11" presetID="1" presetClass="entr" presetSubtype="0" fill="hold" grpId="0" nodeType="withEffect">
+                                  <p:stCondLst>
+                                    <p:cond delay="0"/>
+                                  </p:stCondLst>
+                                  <p:childTnLst>
+                                    <p:set>
+                                      <p:cBhvr>
+                                        <p:cTn id="12" dur="1" fill="hold">
+                                          <p:stCondLst>
+                                            <p:cond delay="0"/>
+                                          </p:stCondLst>
+                                        </p:cTn>
+                                        <p:tgtEl>
+                                          <p:spTgt spid="78"/>
+                                        </p:tgtEl>
+                                        <p:attrNameLst>
+                                          <p:attrName>style.visibility</p:attrName>
+                                        </p:attrNameLst>
+                                      </p:cBhvr>
+                                      <p:to>
+                                        <p:strVal val="visible"/>
+                                      </p:to>
+                                    </p:set>
+                                  </p:childTnLst>
+                                </p:cTn>
+                              </p:par>
+                            </p:childTnLst>
+                          </p:cTn>
+                        </p:par>
+                      </p:childTnLst>
+                    </p:cTn>
+                  </p:par>
+                  <p:par>
+                    <p:cTn id="13" fill="hold">
+                      <p:stCondLst>
+                        <p:cond delay="indefinite"/>
+                      </p:stCondLst>
+                      <p:childTnLst>
+                        <p:par>
+                          <p:cTn id="14" fill="hold">
+                            <p:stCondLst>
+                              <p:cond delay="0"/>
+                            </p:stCondLst>
+                            <p:childTnLst>
+                              <p:par>
+                                <p:cTn id="15" presetID="1" presetClass="entr" presetSubtype="0" fill="hold" nodeType="clickEffect">
+                                  <p:stCondLst>
+                                    <p:cond delay="0"/>
+                                  </p:stCondLst>
+                                  <p:childTnLst>
+                                    <p:set>
+                                      <p:cBhvr>
+                                        <p:cTn id="16" dur="1" fill="hold">
+                                          <p:stCondLst>
+                                            <p:cond delay="0"/>
+                                          </p:stCondLst>
+                                        </p:cTn>
+                                        <p:tgtEl>
+                                          <p:spTgt spid="49"/>
+                                        </p:tgtEl>
+                                        <p:attrNameLst>
+                                          <p:attrName>style.visibility</p:attrName>
+                                        </p:attrNameLst>
+                                      </p:cBhvr>
+                                      <p:to>
+                                        <p:strVal val="visible"/>
+                                      </p:to>
+                                    </p:set>
+                                  </p:childTnLst>
+                                </p:cTn>
+                              </p:par>
+                              <p:par>
+                                <p:cTn id="17" presetID="1" presetClass="entr" presetSubtype="0" fill="hold" grpId="0" nodeType="withEffect">
+                                  <p:stCondLst>
+                                    <p:cond delay="0"/>
+                                  </p:stCondLst>
+                                  <p:childTnLst>
+                                    <p:set>
+                                      <p:cBhvr>
+                                        <p:cTn id="18" dur="1" fill="hold">
+                                          <p:stCondLst>
+                                            <p:cond delay="0"/>
+                                          </p:stCondLst>
+                                        </p:cTn>
+                                        <p:tgtEl>
+                                          <p:spTgt spid="79"/>
+                                        </p:tgtEl>
+                                        <p:attrNameLst>
+                                          <p:attrName>style.visibility</p:attrName>
+                                        </p:attrNameLst>
+                                      </p:cBhvr>
+                                      <p:to>
+                                        <p:strVal val="visible"/>
+                                      </p:to>
+                                    </p:set>
+                                  </p:childTnLst>
+                                </p:cTn>
+                              </p:par>
+                            </p:childTnLst>
+                          </p:cTn>
+                        </p:par>
+                      </p:childTnLst>
+                    </p:cTn>
+                  </p:par>
+                  <p:par>
+                    <p:cTn id="19" fill="hold">
+                      <p:stCondLst>
+                        <p:cond delay="indefinite"/>
+                      </p:stCondLst>
+                      <p:childTnLst>
+                        <p:par>
+                          <p:cTn id="20" fill="hold">
+                            <p:stCondLst>
+                              <p:cond delay="0"/>
+                            </p:stCondLst>
+                            <p:childTnLst>
+                              <p:par>
+                                <p:cTn id="21" presetID="1" presetClass="entr" presetSubtype="0" fill="hold" grpId="0" nodeType="clickEffect">
+                                  <p:stCondLst>
+                                    <p:cond delay="0"/>
+                                  </p:stCondLst>
+                                  <p:childTnLst>
+                                    <p:set>
+                                      <p:cBhvr>
+                                        <p:cTn id="22" dur="1" fill="hold">
+                                          <p:stCondLst>
+                                            <p:cond delay="0"/>
+                                          </p:stCondLst>
+                                        </p:cTn>
+                                        <p:tgtEl>
+                                          <p:spTgt spid="80"/>
+                                        </p:tgtEl>
+                                        <p:attrNameLst>
+                                          <p:attrName>style.visibility</p:attrName>
+                                        </p:attrNameLst>
+                                      </p:cBhvr>
+                                      <p:to>
+                                        <p:strVal val="visible"/>
+                                      </p:to>
+                                    </p:set>
+                                  </p:childTnLst>
+                                </p:cTn>
+                              </p:par>
+                              <p:par>
+                                <p:cTn id="23" presetID="1" presetClass="entr" presetSubtype="0" fill="hold" grpId="0" nodeType="withEffect">
+                                  <p:stCondLst>
+                                    <p:cond delay="0"/>
+                                  </p:stCondLst>
+                                  <p:childTnLst>
+                                    <p:set>
+                                      <p:cBhvr>
+                                        <p:cTn id="24" dur="1" fill="hold">
+                                          <p:stCondLst>
+                                            <p:cond delay="0"/>
+                                          </p:stCondLst>
+                                        </p:cTn>
+                                        <p:tgtEl>
+                                          <p:spTgt spid="81"/>
+                                        </p:tgtEl>
+                                        <p:attrNameLst>
+                                          <p:attrName>style.visibility</p:attrName>
+                                        </p:attrNameLst>
+                                      </p:cBhvr>
+                                      <p:to>
+                                        <p:strVal val="visible"/>
+                                      </p:to>
+                                    </p:set>
+                                  </p:childTnLst>
+                                </p:cTn>
+                              </p:par>
+                            </p:childTnLst>
+                          </p:cTn>
+                        </p:par>
+                      </p:childTnLst>
+                    </p:cTn>
+                  </p:par>
+                  <p:par>
+                    <p:cTn id="25" fill="hold">
+                      <p:stCondLst>
+                        <p:cond delay="indefinite"/>
+                      </p:stCondLst>
+                      <p:childTnLst>
+                        <p:par>
+                          <p:cTn id="26" fill="hold">
+                            <p:stCondLst>
+                              <p:cond delay="0"/>
+                            </p:stCondLst>
+                            <p:childTnLst>
+                              <p:par>
+                                <p:cTn id="27" presetID="1" presetClass="entr" presetSubtype="0" fill="hold" grpId="0" nodeType="clickEffect">
+                                  <p:stCondLst>
+                                    <p:cond delay="0"/>
+                                  </p:stCondLst>
+                                  <p:childTnLst>
+                                    <p:set>
+                                      <p:cBhvr>
+                                        <p:cTn id="28" dur="1" fill="hold">
+                                          <p:stCondLst>
+                                            <p:cond delay="0"/>
+                                          </p:stCondLst>
+                                        </p:cTn>
+                                        <p:tgtEl>
+                                          <p:spTgt spid="82"/>
+                                        </p:tgtEl>
+                                        <p:attrNameLst>
+                                          <p:attrName>style.visibility</p:attrName>
+                                        </p:attrNameLst>
+                                      </p:cBhvr>
+                                      <p:to>
+                                        <p:strVal val="visible"/>
+                                      </p:to>
+                                    </p:set>
+                                  </p:childTnLst>
+                                </p:cTn>
+                              </p:par>
+                              <p:par>
+                                <p:cTn id="29" presetID="1" presetClass="entr" presetSubtype="0" fill="hold" grpId="0" nodeType="withEffect">
+                                  <p:stCondLst>
+                                    <p:cond delay="0"/>
+                                  </p:stCondLst>
+                                  <p:childTnLst>
+                                    <p:set>
+                                      <p:cBhvr>
+                                        <p:cTn id="30" dur="1" fill="hold">
+                                          <p:stCondLst>
+                                            <p:cond delay="0"/>
+                                          </p:stCondLst>
+                                        </p:cTn>
+                                        <p:tgtEl>
+                                          <p:spTgt spid="84"/>
+                                        </p:tgtEl>
+                                        <p:attrNameLst>
+                                          <p:attrName>style.visibility</p:attrName>
+                                        </p:attrNameLst>
+                                      </p:cBhvr>
+                                      <p:to>
+                                        <p:strVal val="visible"/>
+                                      </p:to>
+                                    </p:set>
+                                  </p:childTnLst>
+                                </p:cTn>
+                              </p:par>
+                              <p:par>
+                                <p:cTn id="31" presetID="1" presetClass="entr" presetSubtype="0" fill="hold" grpId="0" nodeType="withEffect">
+                                  <p:stCondLst>
+                                    <p:cond delay="0"/>
+                                  </p:stCondLst>
+                                  <p:childTnLst>
+                                    <p:set>
+                                      <p:cBhvr>
+                                        <p:cTn id="32" dur="1" fill="hold">
+                                          <p:stCondLst>
+                                            <p:cond delay="0"/>
+                                          </p:stCondLst>
+                                        </p:cTn>
+                                        <p:tgtEl>
+                                          <p:spTgt spid="85"/>
+                                        </p:tgtEl>
+                                        <p:attrNameLst>
+                                          <p:attrName>style.visibility</p:attrName>
+                                        </p:attrNameLst>
+                                      </p:cBhvr>
+                                      <p:to>
+                                        <p:strVal val="visible"/>
+                                      </p:to>
+                                    </p:set>
+                                  </p:childTnLst>
+                                </p:cTn>
+                              </p:par>
+                              <p:par>
+                                <p:cTn id="33" presetID="1" presetClass="entr" presetSubtype="0" fill="hold" grpId="0" nodeType="withEffect">
+                                  <p:stCondLst>
+                                    <p:cond delay="0"/>
+                                  </p:stCondLst>
+                                  <p:childTnLst>
+                                    <p:set>
+                                      <p:cBhvr>
+                                        <p:cTn id="34" dur="1" fill="hold">
+                                          <p:stCondLst>
+                                            <p:cond delay="0"/>
+                                          </p:stCondLst>
+                                        </p:cTn>
+                                        <p:tgtEl>
+                                          <p:spTgt spid="86"/>
+                                        </p:tgtEl>
+                                        <p:attrNameLst>
+                                          <p:attrName>style.visibility</p:attrName>
+                                        </p:attrNameLst>
+                                      </p:cBhvr>
+                                      <p:to>
+                                        <p:strVal val="visible"/>
+                                      </p:to>
+                                    </p:set>
+                                  </p:childTnLst>
+                                </p:cTn>
+                              </p:par>
+                              <p:par>
+                                <p:cTn id="35" presetID="1" presetClass="entr" presetSubtype="0" fill="hold" grpId="0" nodeType="withEffect">
+                                  <p:stCondLst>
+                                    <p:cond delay="0"/>
+                                  </p:stCondLst>
+                                  <p:childTnLst>
+                                    <p:set>
+                                      <p:cBhvr>
+                                        <p:cTn id="36" dur="1" fill="hold">
+                                          <p:stCondLst>
+                                            <p:cond delay="0"/>
+                                          </p:stCondLst>
+                                        </p:cTn>
+                                        <p:tgtEl>
+                                          <p:spTgt spid="89"/>
+                                        </p:tgtEl>
+                                        <p:attrNameLst>
+                                          <p:attrName>style.visibility</p:attrName>
+                                        </p:attrNameLst>
+                                      </p:cBhvr>
+                                      <p:to>
+                                        <p:strVal val="visible"/>
+                                      </p:to>
+                                    </p:set>
+                                  </p:childTnLst>
+                                </p:cTn>
+                              </p:par>
+                              <p:par>
+                                <p:cTn id="37" presetID="1" presetClass="entr" presetSubtype="0" fill="hold" grpId="0" nodeType="withEffect">
+                                  <p:stCondLst>
+                                    <p:cond delay="0"/>
+                                  </p:stCondLst>
+                                  <p:childTnLst>
+                                    <p:set>
+                                      <p:cBhvr>
+                                        <p:cTn id="38" dur="1" fill="hold">
+                                          <p:stCondLst>
+                                            <p:cond delay="0"/>
+                                          </p:stCondLst>
+                                        </p:cTn>
+                                        <p:tgtEl>
+                                          <p:spTgt spid="91"/>
+                                        </p:tgtEl>
+                                        <p:attrNameLst>
+                                          <p:attrName>style.visibility</p:attrName>
+                                        </p:attrNameLst>
+                                      </p:cBhvr>
+                                      <p:to>
+                                        <p:strVal val="visible"/>
+                                      </p:to>
+                                    </p:set>
+                                  </p:childTnLst>
+                                </p:cTn>
+                              </p:par>
+                              <p:par>
+                                <p:cTn id="39" presetID="1" presetClass="entr" presetSubtype="0" fill="hold" grpId="0" nodeType="withEffect">
+                                  <p:stCondLst>
+                                    <p:cond delay="0"/>
+                                  </p:stCondLst>
+                                  <p:childTnLst>
+                                    <p:set>
+                                      <p:cBhvr>
+                                        <p:cTn id="40" dur="1" fill="hold">
+                                          <p:stCondLst>
+                                            <p:cond delay="0"/>
+                                          </p:stCondLst>
+                                        </p:cTn>
+                                        <p:tgtEl>
+                                          <p:spTgt spid="92"/>
+                                        </p:tgtEl>
+                                        <p:attrNameLst>
+                                          <p:attrName>style.visibility</p:attrName>
+                                        </p:attrNameLst>
+                                      </p:cBhvr>
+                                      <p:to>
+                                        <p:strVal val="visible"/>
+                                      </p:to>
+                                    </p:set>
+                                  </p:childTnLst>
+                                </p:cTn>
+                              </p:par>
+                              <p:par>
+                                <p:cTn id="41" presetID="1" presetClass="entr" presetSubtype="0" fill="hold" grpId="0" nodeType="withEffect">
+                                  <p:stCondLst>
+                                    <p:cond delay="0"/>
+                                  </p:stCondLst>
+                                  <p:childTnLst>
+                                    <p:set>
+                                      <p:cBhvr>
+                                        <p:cTn id="42" dur="1" fill="hold">
+                                          <p:stCondLst>
+                                            <p:cond delay="0"/>
+                                          </p:stCondLst>
+                                        </p:cTn>
+                                        <p:tgtEl>
+                                          <p:spTgt spid="93"/>
+                                        </p:tgtEl>
+                                        <p:attrNameLst>
+                                          <p:attrName>style.visibility</p:attrName>
+                                        </p:attrNameLst>
+                                      </p:cBhvr>
+                                      <p:to>
+                                        <p:strVal val="visible"/>
+                                      </p:to>
+                                    </p:set>
+                                  </p:childTnLst>
+                                </p:cTn>
+                              </p:par>
+                              <p:par>
+                                <p:cTn id="43" presetID="1" presetClass="entr" presetSubtype="0" fill="hold" grpId="0" nodeType="withEffect">
+                                  <p:stCondLst>
+                                    <p:cond delay="0"/>
+                                  </p:stCondLst>
+                                  <p:childTnLst>
+                                    <p:set>
+                                      <p:cBhvr>
+                                        <p:cTn id="44" dur="1" fill="hold">
+                                          <p:stCondLst>
+                                            <p:cond delay="0"/>
+                                          </p:stCondLst>
+                                        </p:cTn>
+                                        <p:tgtEl>
+                                          <p:spTgt spid="95"/>
+                                        </p:tgtEl>
+                                        <p:attrNameLst>
+                                          <p:attrName>style.visibility</p:attrName>
+                                        </p:attrNameLst>
+                                      </p:cBhvr>
+                                      <p:to>
+                                        <p:strVal val="visible"/>
+                                      </p:to>
+                                    </p:set>
+                                  </p:childTnLst>
+                                </p:cTn>
+                              </p:par>
+                            </p:childTnLst>
+                          </p:cTn>
+                        </p:par>
+                      </p:childTnLst>
+                    </p:cTn>
+                  </p:par>
+                  <p:par>
+                    <p:cTn id="45" fill="hold">
+                      <p:stCondLst>
+                        <p:cond delay="indefinite"/>
+                      </p:stCondLst>
+                      <p:childTnLst>
+                        <p:par>
+                          <p:cTn id="46" fill="hold">
+                            <p:stCondLst>
+                              <p:cond delay="0"/>
+                            </p:stCondLst>
+                            <p:childTnLst>
+                              <p:par>
+                                <p:cTn id="47" presetID="1" presetClass="entr" presetSubtype="0" fill="hold" grpId="0" nodeType="clickEffect">
+                                  <p:stCondLst>
+                                    <p:cond delay="0"/>
+                                  </p:stCondLst>
+                                  <p:childTnLst>
+                                    <p:set>
+                                      <p:cBhvr>
+                                        <p:cTn id="48" dur="1" fill="hold">
+                                          <p:stCondLst>
+                                            <p:cond delay="0"/>
+                                          </p:stCondLst>
+                                        </p:cTn>
+                                        <p:tgtEl>
+                                          <p:spTgt spid="122"/>
+                                        </p:tgtEl>
+                                        <p:attrNameLst>
+                                          <p:attrName>style.visibility</p:attrName>
+                                        </p:attrNameLst>
+                                      </p:cBhvr>
+                                      <p:to>
+                                        <p:strVal val="visible"/>
+                                      </p:to>
+                                    </p:set>
+                                  </p:childTnLst>
+                                </p:cTn>
+                              </p:par>
+                            </p:childTnLst>
+                          </p:cTn>
+                        </p:par>
+                      </p:childTnLst>
+                    </p:cTn>
+                  </p:par>
+                  <p:par>
+                    <p:cTn id="49" fill="hold">
+                      <p:stCondLst>
+                        <p:cond delay="indefinite"/>
+                      </p:stCondLst>
+                      <p:childTnLst>
+                        <p:par>
+                          <p:cTn id="50" fill="hold">
+                            <p:stCondLst>
+                              <p:cond delay="0"/>
+                            </p:stCondLst>
+                            <p:childTnLst>
+                              <p:par>
+                                <p:cTn id="51" presetID="1" presetClass="entr" presetSubtype="0" fill="hold" grpId="0" nodeType="clickEffect">
+                                  <p:stCondLst>
+                                    <p:cond delay="0"/>
+                                  </p:stCondLst>
+                                  <p:childTnLst>
+                                    <p:set>
+                                      <p:cBhvr>
+                                        <p:cTn id="52" dur="1" fill="hold">
+                                          <p:stCondLst>
+                                            <p:cond delay="0"/>
+                                          </p:stCondLst>
+                                        </p:cTn>
+                                        <p:tgtEl>
+                                          <p:spTgt spid="123"/>
+                                        </p:tgtEl>
+                                        <p:attrNameLst>
+                                          <p:attrName>style.visibility</p:attrName>
+                                        </p:attrNameLst>
+                                      </p:cBhvr>
+                                      <p:to>
+                                        <p:strVal val="visible"/>
+                                      </p:to>
+                                    </p:set>
+                                  </p:childTnLst>
+                                </p:cTn>
+                              </p:par>
+                            </p:childTnLst>
+                          </p:cTn>
+                        </p:par>
+                      </p:childTnLst>
+                    </p:cTn>
+                  </p:par>
+                </p:childTnLst>
+              </p:cTn>
+              <p:prevCondLst>
+                <p:cond evt="onPrev" delay="0">
+                  <p:tgtEl>
+                    <p:sldTgt/>
+                  </p:tgtEl>
+                </p:cond>
+              </p:prevCondLst>
+              <p:nextCondLst>
+                <p:cond evt="onNext" delay="0">
+                  <p:tgtEl>
+                    <p:sldTgt/>
+                  </p:tgtEl>
+                </p:cond>
+              </p:nextCondLst>
+            </p:seq>
+          </p:childTnLst>
+        </p:cTn>
+      </p:par>
+    </p:tnLst>
+    <p:bldLst>
+      <p:bldP spid="78" grpId="0"/>
+      <p:bldP spid="79" grpId="0"/>
+      <p:bldP spid="80" grpId="0" animBg="1"/>
+      <p:bldP spid="81" grpId="0" animBg="1"/>
+      <p:bldP spid="82" grpId="0" animBg="1"/>
+      <p:bldP spid="84" grpId="0" animBg="1"/>
+      <p:bldP spid="85" grpId="0" animBg="1"/>
+      <p:bldP spid="86" grpId="0" animBg="1"/>
+      <p:bldP spid="89" grpId="0" animBg="1"/>
+      <p:bldP spid="91" grpId="0" animBg="1"/>
+      <p:bldP spid="92" grpId="0" animBg="1"/>
+      <p:bldP spid="93" grpId="0" animBg="1"/>
+      <p:bldP spid="95" grpId="0" animBg="1"/>
+      <p:bldP spid="122" grpId="0" animBg="1"/>
+      <p:bldP spid="123" grpId="0" animBg="1"/>
+    </p:bldLst>
+  </p:timing>
+</p:sld>
+</file>
+
+<file path=ppt/slides/slide6.xml><?xml version="1.0" encoding="utf-8"?>
 <p:sld xmlns:a="http://schemas.openxmlformats.org/drawingml/2006/main" xmlns:r="http://schemas.openxmlformats.org/officeDocument/2006/relationships" xmlns:p="http://schemas.openxmlformats.org/presentationml/2006/main">
   <p:cSld>
     <p:spTree>

--- a/images/architecture drawings.pptx
+++ b/images/architecture drawings.pptx
@@ -19803,7 +19803,7 @@
       </p:sp>
       <p:grpSp>
         <p:nvGrpSpPr>
-          <p:cNvPr id="2" name="Group 1"/>
+          <p:cNvPr id="3" name="Group 2"/>
           <p:cNvGrpSpPr/>
           <p:nvPr/>
         </p:nvGrpSpPr>
@@ -19811,7 +19811,7 @@
           <a:xfrm>
             <a:off x="3044203" y="1099875"/>
             <a:ext cx="2668937" cy="1718176"/>
-            <a:chOff x="3712418" y="1055913"/>
+            <a:chOff x="3044203" y="1099875"/>
             <a:chExt cx="2668937" cy="1718176"/>
           </a:xfrm>
         </p:grpSpPr>
@@ -19823,7 +19823,7 @@
           </p:nvSpPr>
           <p:spPr>
             <a:xfrm>
-              <a:off x="3712418" y="1647154"/>
+              <a:off x="3044203" y="1691116"/>
               <a:ext cx="130548" cy="141531"/>
             </a:xfrm>
             <a:prstGeom prst="rect">
@@ -19833,9 +19833,7 @@
               <a:srgbClr val="00CCFF"/>
             </a:solidFill>
             <a:ln>
-              <a:solidFill>
-                <a:srgbClr val="00CCFF"/>
-              </a:solidFill>
+              <a:noFill/>
             </a:ln>
           </p:spPr>
           <p:style>
@@ -19871,7 +19869,7 @@
           </p:nvSpPr>
           <p:spPr>
             <a:xfrm>
-              <a:off x="3712418" y="1844235"/>
+              <a:off x="3044203" y="1888197"/>
               <a:ext cx="130548" cy="141531"/>
             </a:xfrm>
             <a:prstGeom prst="rect">
@@ -19881,9 +19879,7 @@
               <a:srgbClr val="00CCFF"/>
             </a:solidFill>
             <a:ln>
-              <a:solidFill>
-                <a:srgbClr val="00CCFF"/>
-              </a:solidFill>
+              <a:noFill/>
             </a:ln>
           </p:spPr>
           <p:style>
@@ -19919,7 +19915,7 @@
           </p:nvSpPr>
           <p:spPr>
             <a:xfrm>
-              <a:off x="3712418" y="2041315"/>
+              <a:off x="3044203" y="2085277"/>
               <a:ext cx="130548" cy="141531"/>
             </a:xfrm>
             <a:prstGeom prst="rect">
@@ -19929,9 +19925,7 @@
               <a:srgbClr val="00CCFF"/>
             </a:solidFill>
             <a:ln>
-              <a:solidFill>
-                <a:srgbClr val="00CCFF"/>
-              </a:solidFill>
+              <a:noFill/>
             </a:ln>
           </p:spPr>
           <p:style>
@@ -19967,7 +19961,7 @@
           </p:nvSpPr>
           <p:spPr>
             <a:xfrm>
-              <a:off x="3712418" y="2238395"/>
+              <a:off x="3044203" y="2282357"/>
               <a:ext cx="130548" cy="141531"/>
             </a:xfrm>
             <a:prstGeom prst="rect">
@@ -19977,9 +19971,7 @@
               <a:srgbClr val="00CCFF"/>
             </a:solidFill>
             <a:ln>
-              <a:solidFill>
-                <a:srgbClr val="00CCFF"/>
-              </a:solidFill>
+              <a:noFill/>
             </a:ln>
           </p:spPr>
           <p:style>
@@ -20015,7 +20007,7 @@
           </p:nvSpPr>
           <p:spPr>
             <a:xfrm>
-              <a:off x="3712418" y="2435476"/>
+              <a:off x="3044203" y="2479438"/>
               <a:ext cx="130548" cy="141531"/>
             </a:xfrm>
             <a:prstGeom prst="rect">
@@ -20025,9 +20017,7 @@
               <a:srgbClr val="00CCFF"/>
             </a:solidFill>
             <a:ln>
-              <a:solidFill>
-                <a:srgbClr val="00CCFF"/>
-              </a:solidFill>
+              <a:noFill/>
             </a:ln>
           </p:spPr>
           <p:style>
@@ -20063,7 +20053,7 @@
           </p:nvSpPr>
           <p:spPr>
             <a:xfrm>
-              <a:off x="3712418" y="2632558"/>
+              <a:off x="3044203" y="2676520"/>
               <a:ext cx="130548" cy="141531"/>
             </a:xfrm>
             <a:prstGeom prst="rect">
@@ -20073,9 +20063,7 @@
               <a:srgbClr val="00CCFF"/>
             </a:solidFill>
             <a:ln>
-              <a:solidFill>
-                <a:srgbClr val="00CCFF"/>
-              </a:solidFill>
+              <a:noFill/>
             </a:ln>
           </p:spPr>
           <p:style>
@@ -20111,7 +20099,7 @@
           </p:nvSpPr>
           <p:spPr>
             <a:xfrm>
-              <a:off x="3712418" y="1055913"/>
+              <a:off x="3044203" y="1099875"/>
               <a:ext cx="130548" cy="141531"/>
             </a:xfrm>
             <a:prstGeom prst="rect">
@@ -20121,9 +20109,7 @@
               <a:srgbClr val="00CCFF"/>
             </a:solidFill>
             <a:ln>
-              <a:solidFill>
-                <a:srgbClr val="00CCFF"/>
-              </a:solidFill>
+              <a:noFill/>
             </a:ln>
           </p:spPr>
           <p:style>
@@ -20159,7 +20145,7 @@
           </p:nvSpPr>
           <p:spPr>
             <a:xfrm>
-              <a:off x="3712418" y="1252993"/>
+              <a:off x="3044203" y="1296955"/>
               <a:ext cx="130548" cy="141531"/>
             </a:xfrm>
             <a:prstGeom prst="rect">
@@ -20169,9 +20155,7 @@
               <a:srgbClr val="00CCFF"/>
             </a:solidFill>
             <a:ln>
-              <a:solidFill>
-                <a:srgbClr val="00CCFF"/>
-              </a:solidFill>
+              <a:noFill/>
             </a:ln>
           </p:spPr>
           <p:style>
@@ -20207,7 +20191,7 @@
           </p:nvSpPr>
           <p:spPr>
             <a:xfrm>
-              <a:off x="3712418" y="1450074"/>
+              <a:off x="3044203" y="1494036"/>
               <a:ext cx="130548" cy="141531"/>
             </a:xfrm>
             <a:prstGeom prst="rect">
@@ -20217,9 +20201,7 @@
               <a:srgbClr val="00CCFF"/>
             </a:solidFill>
             <a:ln>
-              <a:solidFill>
-                <a:srgbClr val="00CCFF"/>
-              </a:solidFill>
+              <a:noFill/>
             </a:ln>
           </p:spPr>
           <p:style>
@@ -20255,7 +20237,7 @@
           </p:nvSpPr>
           <p:spPr>
             <a:xfrm>
-              <a:off x="3908237" y="1647154"/>
+              <a:off x="3240022" y="1691116"/>
               <a:ext cx="130548" cy="141531"/>
             </a:xfrm>
             <a:prstGeom prst="rect">
@@ -20265,9 +20247,7 @@
               <a:srgbClr val="00CCFF"/>
             </a:solidFill>
             <a:ln>
-              <a:solidFill>
-                <a:srgbClr val="00CCFF"/>
-              </a:solidFill>
+              <a:noFill/>
             </a:ln>
           </p:spPr>
           <p:style>
@@ -20303,7 +20283,7 @@
           </p:nvSpPr>
           <p:spPr>
             <a:xfrm>
-              <a:off x="3908237" y="1844235"/>
+              <a:off x="3240022" y="1888197"/>
               <a:ext cx="130548" cy="141531"/>
             </a:xfrm>
             <a:prstGeom prst="rect">
@@ -20313,9 +20293,7 @@
               <a:srgbClr val="00CCFF"/>
             </a:solidFill>
             <a:ln>
-              <a:solidFill>
-                <a:srgbClr val="00CCFF"/>
-              </a:solidFill>
+              <a:noFill/>
             </a:ln>
           </p:spPr>
           <p:style>
@@ -20351,7 +20329,7 @@
           </p:nvSpPr>
           <p:spPr>
             <a:xfrm>
-              <a:off x="3908237" y="2041315"/>
+              <a:off x="3240022" y="2085277"/>
               <a:ext cx="130548" cy="141531"/>
             </a:xfrm>
             <a:prstGeom prst="rect">
@@ -20361,9 +20339,7 @@
               <a:srgbClr val="00CCFF"/>
             </a:solidFill>
             <a:ln>
-              <a:solidFill>
-                <a:srgbClr val="00CCFF"/>
-              </a:solidFill>
+              <a:noFill/>
             </a:ln>
           </p:spPr>
           <p:style>
@@ -20399,7 +20375,7 @@
           </p:nvSpPr>
           <p:spPr>
             <a:xfrm>
-              <a:off x="3908237" y="2238395"/>
+              <a:off x="3240022" y="2282357"/>
               <a:ext cx="130548" cy="141531"/>
             </a:xfrm>
             <a:prstGeom prst="rect">
@@ -20409,9 +20385,7 @@
               <a:srgbClr val="00CCFF"/>
             </a:solidFill>
             <a:ln>
-              <a:solidFill>
-                <a:srgbClr val="00CCFF"/>
-              </a:solidFill>
+              <a:noFill/>
             </a:ln>
           </p:spPr>
           <p:style>
@@ -20447,7 +20421,7 @@
           </p:nvSpPr>
           <p:spPr>
             <a:xfrm>
-              <a:off x="3908237" y="2435476"/>
+              <a:off x="3240022" y="2479438"/>
               <a:ext cx="130548" cy="141531"/>
             </a:xfrm>
             <a:prstGeom prst="rect">
@@ -20457,9 +20431,7 @@
               <a:srgbClr val="00CCFF"/>
             </a:solidFill>
             <a:ln>
-              <a:solidFill>
-                <a:srgbClr val="00CCFF"/>
-              </a:solidFill>
+              <a:noFill/>
             </a:ln>
           </p:spPr>
           <p:style>
@@ -20495,7 +20467,7 @@
           </p:nvSpPr>
           <p:spPr>
             <a:xfrm>
-              <a:off x="3908237" y="2632558"/>
+              <a:off x="3240022" y="2676520"/>
               <a:ext cx="130548" cy="141531"/>
             </a:xfrm>
             <a:prstGeom prst="rect">
@@ -20505,9 +20477,7 @@
               <a:srgbClr val="00CCFF"/>
             </a:solidFill>
             <a:ln>
-              <a:solidFill>
-                <a:srgbClr val="00CCFF"/>
-              </a:solidFill>
+              <a:noFill/>
             </a:ln>
           </p:spPr>
           <p:style>
@@ -20543,7 +20513,7 @@
           </p:nvSpPr>
           <p:spPr>
             <a:xfrm>
-              <a:off x="3908237" y="1055913"/>
+              <a:off x="3240022" y="1099875"/>
               <a:ext cx="130548" cy="141531"/>
             </a:xfrm>
             <a:prstGeom prst="rect">
@@ -20553,9 +20523,7 @@
               <a:srgbClr val="00CCFF"/>
             </a:solidFill>
             <a:ln>
-              <a:solidFill>
-                <a:srgbClr val="00CCFF"/>
-              </a:solidFill>
+              <a:noFill/>
             </a:ln>
           </p:spPr>
           <p:style>
@@ -20591,7 +20559,7 @@
           </p:nvSpPr>
           <p:spPr>
             <a:xfrm>
-              <a:off x="3908237" y="1252993"/>
+              <a:off x="3240022" y="1296955"/>
               <a:ext cx="130548" cy="141531"/>
             </a:xfrm>
             <a:prstGeom prst="rect">
@@ -20601,9 +20569,7 @@
               <a:srgbClr val="00CCFF"/>
             </a:solidFill>
             <a:ln>
-              <a:solidFill>
-                <a:srgbClr val="00CCFF"/>
-              </a:solidFill>
+              <a:noFill/>
             </a:ln>
           </p:spPr>
           <p:style>
@@ -20639,7 +20605,7 @@
           </p:nvSpPr>
           <p:spPr>
             <a:xfrm>
-              <a:off x="3908237" y="1450074"/>
+              <a:off x="3240022" y="1494036"/>
               <a:ext cx="130548" cy="141531"/>
             </a:xfrm>
             <a:prstGeom prst="rect">
@@ -20649,9 +20615,7 @@
               <a:srgbClr val="00CCFF"/>
             </a:solidFill>
             <a:ln>
-              <a:solidFill>
-                <a:srgbClr val="00CCFF"/>
-              </a:solidFill>
+              <a:noFill/>
             </a:ln>
           </p:spPr>
           <p:style>
@@ -20687,7 +20651,7 @@
           </p:nvSpPr>
           <p:spPr>
             <a:xfrm>
-              <a:off x="4104055" y="1647154"/>
+              <a:off x="3435840" y="1691116"/>
               <a:ext cx="130548" cy="141531"/>
             </a:xfrm>
             <a:prstGeom prst="rect">
@@ -20697,9 +20661,7 @@
               <a:srgbClr val="00CCFF"/>
             </a:solidFill>
             <a:ln>
-              <a:solidFill>
-                <a:srgbClr val="00CCFF"/>
-              </a:solidFill>
+              <a:noFill/>
             </a:ln>
           </p:spPr>
           <p:style>
@@ -20735,7 +20697,7 @@
           </p:nvSpPr>
           <p:spPr>
             <a:xfrm>
-              <a:off x="4104055" y="1844235"/>
+              <a:off x="3435840" y="1888197"/>
               <a:ext cx="130548" cy="141531"/>
             </a:xfrm>
             <a:prstGeom prst="rect">
@@ -20745,9 +20707,7 @@
               <a:srgbClr val="00CCFF"/>
             </a:solidFill>
             <a:ln>
-              <a:solidFill>
-                <a:srgbClr val="00CCFF"/>
-              </a:solidFill>
+              <a:noFill/>
             </a:ln>
           </p:spPr>
           <p:style>
@@ -20783,7 +20743,7 @@
           </p:nvSpPr>
           <p:spPr>
             <a:xfrm>
-              <a:off x="4104055" y="2041315"/>
+              <a:off x="3435840" y="2085277"/>
               <a:ext cx="130548" cy="141531"/>
             </a:xfrm>
             <a:prstGeom prst="rect">
@@ -20793,9 +20753,7 @@
               <a:srgbClr val="00CCFF"/>
             </a:solidFill>
             <a:ln>
-              <a:solidFill>
-                <a:srgbClr val="00CCFF"/>
-              </a:solidFill>
+              <a:noFill/>
             </a:ln>
           </p:spPr>
           <p:style>
@@ -20831,7 +20789,7 @@
           </p:nvSpPr>
           <p:spPr>
             <a:xfrm>
-              <a:off x="4104055" y="2238395"/>
+              <a:off x="3435840" y="2282357"/>
               <a:ext cx="130548" cy="141531"/>
             </a:xfrm>
             <a:prstGeom prst="rect">
@@ -20841,9 +20799,7 @@
               <a:srgbClr val="00CCFF"/>
             </a:solidFill>
             <a:ln>
-              <a:solidFill>
-                <a:srgbClr val="00CCFF"/>
-              </a:solidFill>
+              <a:noFill/>
             </a:ln>
           </p:spPr>
           <p:style>
@@ -20879,7 +20835,7 @@
           </p:nvSpPr>
           <p:spPr>
             <a:xfrm>
-              <a:off x="4104055" y="2435476"/>
+              <a:off x="3435840" y="2479438"/>
               <a:ext cx="130548" cy="141531"/>
             </a:xfrm>
             <a:prstGeom prst="rect">
@@ -20889,9 +20845,7 @@
               <a:srgbClr val="00CCFF"/>
             </a:solidFill>
             <a:ln>
-              <a:solidFill>
-                <a:srgbClr val="00CCFF"/>
-              </a:solidFill>
+              <a:noFill/>
             </a:ln>
           </p:spPr>
           <p:style>
@@ -20927,7 +20881,7 @@
           </p:nvSpPr>
           <p:spPr>
             <a:xfrm>
-              <a:off x="4104055" y="2632558"/>
+              <a:off x="3435840" y="2676520"/>
               <a:ext cx="130548" cy="141531"/>
             </a:xfrm>
             <a:prstGeom prst="rect">
@@ -20937,9 +20891,7 @@
               <a:srgbClr val="00CCFF"/>
             </a:solidFill>
             <a:ln>
-              <a:solidFill>
-                <a:srgbClr val="00CCFF"/>
-              </a:solidFill>
+              <a:noFill/>
             </a:ln>
           </p:spPr>
           <p:style>
@@ -20975,7 +20927,7 @@
           </p:nvSpPr>
           <p:spPr>
             <a:xfrm>
-              <a:off x="4104055" y="1055913"/>
+              <a:off x="3435840" y="1099875"/>
               <a:ext cx="130548" cy="141531"/>
             </a:xfrm>
             <a:prstGeom prst="rect">
@@ -20985,9 +20937,7 @@
               <a:srgbClr val="00CCFF"/>
             </a:solidFill>
             <a:ln>
-              <a:solidFill>
-                <a:srgbClr val="00CCFF"/>
-              </a:solidFill>
+              <a:noFill/>
             </a:ln>
           </p:spPr>
           <p:style>
@@ -21023,7 +20973,7 @@
           </p:nvSpPr>
           <p:spPr>
             <a:xfrm>
-              <a:off x="4104055" y="1252993"/>
+              <a:off x="3435840" y="1296955"/>
               <a:ext cx="130548" cy="141531"/>
             </a:xfrm>
             <a:prstGeom prst="rect">
@@ -21033,9 +20983,7 @@
               <a:srgbClr val="00CCFF"/>
             </a:solidFill>
             <a:ln>
-              <a:solidFill>
-                <a:srgbClr val="00CCFF"/>
-              </a:solidFill>
+              <a:noFill/>
             </a:ln>
           </p:spPr>
           <p:style>
@@ -21071,7 +21019,7 @@
           </p:nvSpPr>
           <p:spPr>
             <a:xfrm>
-              <a:off x="4104055" y="1450074"/>
+              <a:off x="3435840" y="1494036"/>
               <a:ext cx="130548" cy="141531"/>
             </a:xfrm>
             <a:prstGeom prst="rect">
@@ -21081,9 +21029,7 @@
               <a:srgbClr val="00CCFF"/>
             </a:solidFill>
             <a:ln>
-              <a:solidFill>
-                <a:srgbClr val="00CCFF"/>
-              </a:solidFill>
+              <a:noFill/>
             </a:ln>
           </p:spPr>
           <p:style>
@@ -21119,7 +21065,7 @@
           </p:nvSpPr>
           <p:spPr>
             <a:xfrm>
-              <a:off x="4299874" y="1647154"/>
+              <a:off x="3631659" y="1691116"/>
               <a:ext cx="130548" cy="141531"/>
             </a:xfrm>
             <a:prstGeom prst="rect">
@@ -21129,9 +21075,7 @@
               <a:srgbClr val="00CCFF"/>
             </a:solidFill>
             <a:ln>
-              <a:solidFill>
-                <a:srgbClr val="00CCFF"/>
-              </a:solidFill>
+              <a:noFill/>
             </a:ln>
           </p:spPr>
           <p:style>
@@ -21167,7 +21111,7 @@
           </p:nvSpPr>
           <p:spPr>
             <a:xfrm>
-              <a:off x="4299874" y="1844235"/>
+              <a:off x="3631659" y="1888197"/>
               <a:ext cx="130548" cy="141531"/>
             </a:xfrm>
             <a:prstGeom prst="rect">
@@ -21177,9 +21121,7 @@
               <a:srgbClr val="00CCFF"/>
             </a:solidFill>
             <a:ln>
-              <a:solidFill>
-                <a:srgbClr val="00CCFF"/>
-              </a:solidFill>
+              <a:noFill/>
             </a:ln>
           </p:spPr>
           <p:style>
@@ -21215,7 +21157,7 @@
           </p:nvSpPr>
           <p:spPr>
             <a:xfrm>
-              <a:off x="4299874" y="2041315"/>
+              <a:off x="3631659" y="2085277"/>
               <a:ext cx="130548" cy="141531"/>
             </a:xfrm>
             <a:prstGeom prst="rect">
@@ -21225,9 +21167,7 @@
               <a:srgbClr val="00CCFF"/>
             </a:solidFill>
             <a:ln>
-              <a:solidFill>
-                <a:srgbClr val="00CCFF"/>
-              </a:solidFill>
+              <a:noFill/>
             </a:ln>
           </p:spPr>
           <p:style>
@@ -21263,7 +21203,7 @@
           </p:nvSpPr>
           <p:spPr>
             <a:xfrm>
-              <a:off x="4299874" y="2238395"/>
+              <a:off x="3631659" y="2282357"/>
               <a:ext cx="130548" cy="141531"/>
             </a:xfrm>
             <a:prstGeom prst="rect">
@@ -21273,9 +21213,7 @@
               <a:srgbClr val="00CCFF"/>
             </a:solidFill>
             <a:ln>
-              <a:solidFill>
-                <a:srgbClr val="00CCFF"/>
-              </a:solidFill>
+              <a:noFill/>
             </a:ln>
           </p:spPr>
           <p:style>
@@ -21311,7 +21249,7 @@
           </p:nvSpPr>
           <p:spPr>
             <a:xfrm>
-              <a:off x="4299874" y="2435476"/>
+              <a:off x="3631659" y="2479438"/>
               <a:ext cx="130548" cy="141531"/>
             </a:xfrm>
             <a:prstGeom prst="rect">
@@ -21321,9 +21259,7 @@
               <a:srgbClr val="00CCFF"/>
             </a:solidFill>
             <a:ln>
-              <a:solidFill>
-                <a:srgbClr val="00CCFF"/>
-              </a:solidFill>
+              <a:noFill/>
             </a:ln>
           </p:spPr>
           <p:style>
@@ -21359,7 +21295,7 @@
           </p:nvSpPr>
           <p:spPr>
             <a:xfrm>
-              <a:off x="4299874" y="2632558"/>
+              <a:off x="3631659" y="2676520"/>
               <a:ext cx="130548" cy="141531"/>
             </a:xfrm>
             <a:prstGeom prst="rect">
@@ -21369,9 +21305,7 @@
               <a:srgbClr val="00CCFF"/>
             </a:solidFill>
             <a:ln>
-              <a:solidFill>
-                <a:srgbClr val="00CCFF"/>
-              </a:solidFill>
+              <a:noFill/>
             </a:ln>
           </p:spPr>
           <p:style>
@@ -21407,7 +21341,7 @@
           </p:nvSpPr>
           <p:spPr>
             <a:xfrm>
-              <a:off x="4299874" y="1055913"/>
+              <a:off x="3631659" y="1099875"/>
               <a:ext cx="130548" cy="141531"/>
             </a:xfrm>
             <a:prstGeom prst="rect">
@@ -21417,9 +21351,7 @@
               <a:srgbClr val="00CCFF"/>
             </a:solidFill>
             <a:ln>
-              <a:solidFill>
-                <a:srgbClr val="00CCFF"/>
-              </a:solidFill>
+              <a:noFill/>
             </a:ln>
           </p:spPr>
           <p:style>
@@ -21455,7 +21387,7 @@
           </p:nvSpPr>
           <p:spPr>
             <a:xfrm>
-              <a:off x="4299874" y="1252993"/>
+              <a:off x="3631659" y="1296955"/>
               <a:ext cx="130548" cy="141531"/>
             </a:xfrm>
             <a:prstGeom prst="rect">
@@ -21465,9 +21397,7 @@
               <a:srgbClr val="00CCFF"/>
             </a:solidFill>
             <a:ln>
-              <a:solidFill>
-                <a:srgbClr val="00CCFF"/>
-              </a:solidFill>
+              <a:noFill/>
             </a:ln>
           </p:spPr>
           <p:style>
@@ -21503,7 +21433,7 @@
           </p:nvSpPr>
           <p:spPr>
             <a:xfrm>
-              <a:off x="4299874" y="1450074"/>
+              <a:off x="3631659" y="1494036"/>
               <a:ext cx="130548" cy="141531"/>
             </a:xfrm>
             <a:prstGeom prst="rect">
@@ -21513,9 +21443,7 @@
               <a:srgbClr val="00CCFF"/>
             </a:solidFill>
             <a:ln>
-              <a:solidFill>
-                <a:srgbClr val="00CCFF"/>
-              </a:solidFill>
+              <a:noFill/>
             </a:ln>
           </p:spPr>
           <p:style>
@@ -21551,7 +21479,7 @@
           </p:nvSpPr>
           <p:spPr>
             <a:xfrm>
-              <a:off x="4495690" y="1647154"/>
+              <a:off x="3827475" y="1691116"/>
               <a:ext cx="130548" cy="141531"/>
             </a:xfrm>
             <a:prstGeom prst="rect">
@@ -21561,9 +21489,7 @@
               <a:srgbClr val="00CCFF"/>
             </a:solidFill>
             <a:ln>
-              <a:solidFill>
-                <a:srgbClr val="00CCFF"/>
-              </a:solidFill>
+              <a:noFill/>
             </a:ln>
           </p:spPr>
           <p:style>
@@ -21599,7 +21525,7 @@
           </p:nvSpPr>
           <p:spPr>
             <a:xfrm>
-              <a:off x="4495690" y="1844235"/>
+              <a:off x="3827475" y="1888197"/>
               <a:ext cx="130548" cy="141531"/>
             </a:xfrm>
             <a:prstGeom prst="rect">
@@ -21609,9 +21535,7 @@
               <a:srgbClr val="00CCFF"/>
             </a:solidFill>
             <a:ln>
-              <a:solidFill>
-                <a:srgbClr val="00CCFF"/>
-              </a:solidFill>
+              <a:noFill/>
             </a:ln>
           </p:spPr>
           <p:style>
@@ -21647,7 +21571,7 @@
           </p:nvSpPr>
           <p:spPr>
             <a:xfrm>
-              <a:off x="4495690" y="2041315"/>
+              <a:off x="3827475" y="2085277"/>
               <a:ext cx="130548" cy="141531"/>
             </a:xfrm>
             <a:prstGeom prst="rect">
@@ -21657,9 +21581,7 @@
               <a:srgbClr val="00CCFF"/>
             </a:solidFill>
             <a:ln>
-              <a:solidFill>
-                <a:srgbClr val="00CCFF"/>
-              </a:solidFill>
+              <a:noFill/>
             </a:ln>
           </p:spPr>
           <p:style>
@@ -21695,7 +21617,7 @@
           </p:nvSpPr>
           <p:spPr>
             <a:xfrm>
-              <a:off x="4495690" y="2238395"/>
+              <a:off x="3827475" y="2282357"/>
               <a:ext cx="130548" cy="141531"/>
             </a:xfrm>
             <a:prstGeom prst="rect">
@@ -21705,9 +21627,7 @@
               <a:srgbClr val="00CCFF"/>
             </a:solidFill>
             <a:ln>
-              <a:solidFill>
-                <a:srgbClr val="00CCFF"/>
-              </a:solidFill>
+              <a:noFill/>
             </a:ln>
           </p:spPr>
           <p:style>
@@ -21743,7 +21663,7 @@
           </p:nvSpPr>
           <p:spPr>
             <a:xfrm>
-              <a:off x="4495690" y="2435476"/>
+              <a:off x="3827475" y="2479438"/>
               <a:ext cx="130548" cy="141531"/>
             </a:xfrm>
             <a:prstGeom prst="rect">
@@ -21753,9 +21673,7 @@
               <a:srgbClr val="00CCFF"/>
             </a:solidFill>
             <a:ln>
-              <a:solidFill>
-                <a:srgbClr val="00CCFF"/>
-              </a:solidFill>
+              <a:noFill/>
             </a:ln>
           </p:spPr>
           <p:style>
@@ -21791,7 +21709,7 @@
           </p:nvSpPr>
           <p:spPr>
             <a:xfrm>
-              <a:off x="4495690" y="2632558"/>
+              <a:off x="3827475" y="2676520"/>
               <a:ext cx="130548" cy="141531"/>
             </a:xfrm>
             <a:prstGeom prst="rect">
@@ -21801,9 +21719,7 @@
               <a:srgbClr val="00CCFF"/>
             </a:solidFill>
             <a:ln>
-              <a:solidFill>
-                <a:srgbClr val="00CCFF"/>
-              </a:solidFill>
+              <a:noFill/>
             </a:ln>
           </p:spPr>
           <p:style>
@@ -21839,7 +21755,7 @@
           </p:nvSpPr>
           <p:spPr>
             <a:xfrm>
-              <a:off x="4495690" y="1055913"/>
+              <a:off x="3827475" y="1099875"/>
               <a:ext cx="130548" cy="141531"/>
             </a:xfrm>
             <a:prstGeom prst="rect">
@@ -21849,9 +21765,7 @@
               <a:srgbClr val="00CCFF"/>
             </a:solidFill>
             <a:ln>
-              <a:solidFill>
-                <a:srgbClr val="00CCFF"/>
-              </a:solidFill>
+              <a:noFill/>
             </a:ln>
           </p:spPr>
           <p:style>
@@ -21887,7 +21801,7 @@
           </p:nvSpPr>
           <p:spPr>
             <a:xfrm>
-              <a:off x="4495690" y="1252993"/>
+              <a:off x="3827475" y="1296955"/>
               <a:ext cx="130548" cy="141531"/>
             </a:xfrm>
             <a:prstGeom prst="rect">
@@ -21897,9 +21811,7 @@
               <a:srgbClr val="00CCFF"/>
             </a:solidFill>
             <a:ln>
-              <a:solidFill>
-                <a:srgbClr val="00CCFF"/>
-              </a:solidFill>
+              <a:noFill/>
             </a:ln>
           </p:spPr>
           <p:style>
@@ -21935,7 +21847,7 @@
           </p:nvSpPr>
           <p:spPr>
             <a:xfrm>
-              <a:off x="4495690" y="1450074"/>
+              <a:off x="3827475" y="1494036"/>
               <a:ext cx="130548" cy="141531"/>
             </a:xfrm>
             <a:prstGeom prst="rect">
@@ -21945,9 +21857,7 @@
               <a:srgbClr val="00CCFF"/>
             </a:solidFill>
             <a:ln>
-              <a:solidFill>
-                <a:srgbClr val="00CCFF"/>
-              </a:solidFill>
+              <a:noFill/>
             </a:ln>
           </p:spPr>
           <p:style>
@@ -21983,7 +21893,7 @@
           </p:nvSpPr>
           <p:spPr>
             <a:xfrm>
-              <a:off x="4691509" y="1647154"/>
+              <a:off x="4023294" y="1691116"/>
               <a:ext cx="130548" cy="141531"/>
             </a:xfrm>
             <a:prstGeom prst="rect">
@@ -21993,9 +21903,7 @@
               <a:srgbClr val="00CCFF"/>
             </a:solidFill>
             <a:ln>
-              <a:solidFill>
-                <a:srgbClr val="00CCFF"/>
-              </a:solidFill>
+              <a:noFill/>
             </a:ln>
           </p:spPr>
           <p:style>
@@ -22031,7 +21939,7 @@
           </p:nvSpPr>
           <p:spPr>
             <a:xfrm>
-              <a:off x="4691509" y="1844235"/>
+              <a:off x="4023294" y="1888197"/>
               <a:ext cx="130548" cy="141531"/>
             </a:xfrm>
             <a:prstGeom prst="rect">
@@ -22041,9 +21949,7 @@
               <a:srgbClr val="00CCFF"/>
             </a:solidFill>
             <a:ln>
-              <a:solidFill>
-                <a:srgbClr val="00CCFF"/>
-              </a:solidFill>
+              <a:noFill/>
             </a:ln>
           </p:spPr>
           <p:style>
@@ -22079,7 +21985,7 @@
           </p:nvSpPr>
           <p:spPr>
             <a:xfrm>
-              <a:off x="4691509" y="2041315"/>
+              <a:off x="4023294" y="2085277"/>
               <a:ext cx="130548" cy="141531"/>
             </a:xfrm>
             <a:prstGeom prst="rect">
@@ -22089,9 +21995,7 @@
               <a:srgbClr val="00CCFF"/>
             </a:solidFill>
             <a:ln>
-              <a:solidFill>
-                <a:srgbClr val="00CCFF"/>
-              </a:solidFill>
+              <a:noFill/>
             </a:ln>
           </p:spPr>
           <p:style>
@@ -22127,7 +22031,7 @@
           </p:nvSpPr>
           <p:spPr>
             <a:xfrm>
-              <a:off x="4691509" y="2238395"/>
+              <a:off x="4023294" y="2282357"/>
               <a:ext cx="130548" cy="141531"/>
             </a:xfrm>
             <a:prstGeom prst="rect">
@@ -22137,9 +22041,7 @@
               <a:srgbClr val="00CCFF"/>
             </a:solidFill>
             <a:ln>
-              <a:solidFill>
-                <a:srgbClr val="00CCFF"/>
-              </a:solidFill>
+              <a:noFill/>
             </a:ln>
           </p:spPr>
           <p:style>
@@ -22175,7 +22077,7 @@
           </p:nvSpPr>
           <p:spPr>
             <a:xfrm>
-              <a:off x="4691509" y="2435476"/>
+              <a:off x="4023294" y="2479438"/>
               <a:ext cx="130548" cy="141531"/>
             </a:xfrm>
             <a:prstGeom prst="rect">
@@ -22185,9 +22087,7 @@
               <a:srgbClr val="00CCFF"/>
             </a:solidFill>
             <a:ln>
-              <a:solidFill>
-                <a:srgbClr val="00CCFF"/>
-              </a:solidFill>
+              <a:noFill/>
             </a:ln>
           </p:spPr>
           <p:style>
@@ -22223,7 +22123,7 @@
           </p:nvSpPr>
           <p:spPr>
             <a:xfrm>
-              <a:off x="4691509" y="2632558"/>
+              <a:off x="4023294" y="2676520"/>
               <a:ext cx="130548" cy="141531"/>
             </a:xfrm>
             <a:prstGeom prst="rect">
@@ -22233,9 +22133,7 @@
               <a:srgbClr val="00CCFF"/>
             </a:solidFill>
             <a:ln>
-              <a:solidFill>
-                <a:srgbClr val="00CCFF"/>
-              </a:solidFill>
+              <a:noFill/>
             </a:ln>
           </p:spPr>
           <p:style>
@@ -22271,7 +22169,7 @@
           </p:nvSpPr>
           <p:spPr>
             <a:xfrm>
-              <a:off x="4691509" y="1055913"/>
+              <a:off x="4023294" y="1099875"/>
               <a:ext cx="130548" cy="141531"/>
             </a:xfrm>
             <a:prstGeom prst="rect">
@@ -22281,9 +22179,7 @@
               <a:srgbClr val="00CCFF"/>
             </a:solidFill>
             <a:ln>
-              <a:solidFill>
-                <a:srgbClr val="00CCFF"/>
-              </a:solidFill>
+              <a:noFill/>
             </a:ln>
           </p:spPr>
           <p:style>
@@ -22319,7 +22215,7 @@
           </p:nvSpPr>
           <p:spPr>
             <a:xfrm>
-              <a:off x="4691509" y="1252993"/>
+              <a:off x="4023294" y="1296955"/>
               <a:ext cx="130548" cy="141531"/>
             </a:xfrm>
             <a:prstGeom prst="rect">
@@ -22329,9 +22225,7 @@
               <a:srgbClr val="00CCFF"/>
             </a:solidFill>
             <a:ln>
-              <a:solidFill>
-                <a:srgbClr val="00CCFF"/>
-              </a:solidFill>
+              <a:noFill/>
             </a:ln>
           </p:spPr>
           <p:style>
@@ -22367,7 +22261,7 @@
           </p:nvSpPr>
           <p:spPr>
             <a:xfrm>
-              <a:off x="4691509" y="1450074"/>
+              <a:off x="4023294" y="1494036"/>
               <a:ext cx="130548" cy="141531"/>
             </a:xfrm>
             <a:prstGeom prst="rect">
@@ -22377,9 +22271,7 @@
               <a:srgbClr val="00CCFF"/>
             </a:solidFill>
             <a:ln>
-              <a:solidFill>
-                <a:srgbClr val="00CCFF"/>
-              </a:solidFill>
+              <a:noFill/>
             </a:ln>
           </p:spPr>
           <p:style>
@@ -22415,7 +22307,7 @@
           </p:nvSpPr>
           <p:spPr>
             <a:xfrm>
-              <a:off x="4887327" y="1647154"/>
+              <a:off x="4219112" y="1691116"/>
               <a:ext cx="130548" cy="141531"/>
             </a:xfrm>
             <a:prstGeom prst="rect">
@@ -22425,9 +22317,7 @@
               <a:srgbClr val="00CCFF"/>
             </a:solidFill>
             <a:ln>
-              <a:solidFill>
-                <a:srgbClr val="00CCFF"/>
-              </a:solidFill>
+              <a:noFill/>
             </a:ln>
           </p:spPr>
           <p:style>
@@ -22463,7 +22353,7 @@
           </p:nvSpPr>
           <p:spPr>
             <a:xfrm>
-              <a:off x="4887327" y="1844235"/>
+              <a:off x="4219112" y="1888197"/>
               <a:ext cx="130548" cy="141531"/>
             </a:xfrm>
             <a:prstGeom prst="rect">
@@ -22473,9 +22363,7 @@
               <a:srgbClr val="00CCFF"/>
             </a:solidFill>
             <a:ln>
-              <a:solidFill>
-                <a:srgbClr val="00CCFF"/>
-              </a:solidFill>
+              <a:noFill/>
             </a:ln>
           </p:spPr>
           <p:style>
@@ -22511,7 +22399,7 @@
           </p:nvSpPr>
           <p:spPr>
             <a:xfrm>
-              <a:off x="4887327" y="2041315"/>
+              <a:off x="4219112" y="2085277"/>
               <a:ext cx="130548" cy="141531"/>
             </a:xfrm>
             <a:prstGeom prst="rect">
@@ -22521,9 +22409,7 @@
               <a:srgbClr val="00CCFF"/>
             </a:solidFill>
             <a:ln>
-              <a:solidFill>
-                <a:srgbClr val="00CCFF"/>
-              </a:solidFill>
+              <a:noFill/>
             </a:ln>
           </p:spPr>
           <p:style>
@@ -22559,7 +22445,7 @@
           </p:nvSpPr>
           <p:spPr>
             <a:xfrm>
-              <a:off x="4887327" y="2238395"/>
+              <a:off x="4219112" y="2282357"/>
               <a:ext cx="130548" cy="141531"/>
             </a:xfrm>
             <a:prstGeom prst="rect">
@@ -22569,9 +22455,7 @@
               <a:srgbClr val="00CCFF"/>
             </a:solidFill>
             <a:ln>
-              <a:solidFill>
-                <a:srgbClr val="00CCFF"/>
-              </a:solidFill>
+              <a:noFill/>
             </a:ln>
           </p:spPr>
           <p:style>
@@ -22607,7 +22491,7 @@
           </p:nvSpPr>
           <p:spPr>
             <a:xfrm>
-              <a:off x="4887327" y="2435476"/>
+              <a:off x="4219112" y="2479438"/>
               <a:ext cx="130548" cy="141531"/>
             </a:xfrm>
             <a:prstGeom prst="rect">
@@ -22617,9 +22501,7 @@
               <a:srgbClr val="00CCFF"/>
             </a:solidFill>
             <a:ln>
-              <a:solidFill>
-                <a:srgbClr val="00CCFF"/>
-              </a:solidFill>
+              <a:noFill/>
             </a:ln>
           </p:spPr>
           <p:style>
@@ -22655,7 +22537,7 @@
           </p:nvSpPr>
           <p:spPr>
             <a:xfrm>
-              <a:off x="4887327" y="2632558"/>
+              <a:off x="4219112" y="2676520"/>
               <a:ext cx="130548" cy="141531"/>
             </a:xfrm>
             <a:prstGeom prst="rect">
@@ -22665,9 +22547,7 @@
               <a:srgbClr val="00CCFF"/>
             </a:solidFill>
             <a:ln>
-              <a:solidFill>
-                <a:srgbClr val="00CCFF"/>
-              </a:solidFill>
+              <a:noFill/>
             </a:ln>
           </p:spPr>
           <p:style>
@@ -22703,7 +22583,7 @@
           </p:nvSpPr>
           <p:spPr>
             <a:xfrm>
-              <a:off x="4887327" y="1055913"/>
+              <a:off x="4219112" y="1099875"/>
               <a:ext cx="130548" cy="141531"/>
             </a:xfrm>
             <a:prstGeom prst="rect">
@@ -22713,9 +22593,7 @@
               <a:srgbClr val="00CCFF"/>
             </a:solidFill>
             <a:ln>
-              <a:solidFill>
-                <a:srgbClr val="00CCFF"/>
-              </a:solidFill>
+              <a:noFill/>
             </a:ln>
           </p:spPr>
           <p:style>
@@ -22751,7 +22629,7 @@
           </p:nvSpPr>
           <p:spPr>
             <a:xfrm>
-              <a:off x="4887327" y="1252993"/>
+              <a:off x="4219112" y="1296955"/>
               <a:ext cx="130548" cy="141531"/>
             </a:xfrm>
             <a:prstGeom prst="rect">
@@ -22761,9 +22639,7 @@
               <a:srgbClr val="00CCFF"/>
             </a:solidFill>
             <a:ln>
-              <a:solidFill>
-                <a:srgbClr val="00CCFF"/>
-              </a:solidFill>
+              <a:noFill/>
             </a:ln>
           </p:spPr>
           <p:style>
@@ -22799,7 +22675,7 @@
           </p:nvSpPr>
           <p:spPr>
             <a:xfrm>
-              <a:off x="4887327" y="1450074"/>
+              <a:off x="4219112" y="1494036"/>
               <a:ext cx="130548" cy="141531"/>
             </a:xfrm>
             <a:prstGeom prst="rect">
@@ -22809,9 +22685,7 @@
               <a:srgbClr val="00CCFF"/>
             </a:solidFill>
             <a:ln>
-              <a:solidFill>
-                <a:srgbClr val="00CCFF"/>
-              </a:solidFill>
+              <a:noFill/>
             </a:ln>
           </p:spPr>
           <p:style>
@@ -22847,7 +22721,7 @@
           </p:nvSpPr>
           <p:spPr>
             <a:xfrm>
-              <a:off x="5083146" y="1647154"/>
+              <a:off x="4414931" y="1691116"/>
               <a:ext cx="130548" cy="141531"/>
             </a:xfrm>
             <a:prstGeom prst="rect">
@@ -22857,9 +22731,7 @@
               <a:srgbClr val="00CCFF"/>
             </a:solidFill>
             <a:ln>
-              <a:solidFill>
-                <a:srgbClr val="00CCFF"/>
-              </a:solidFill>
+              <a:noFill/>
             </a:ln>
           </p:spPr>
           <p:style>
@@ -22895,7 +22767,7 @@
           </p:nvSpPr>
           <p:spPr>
             <a:xfrm>
-              <a:off x="5083146" y="1844235"/>
+              <a:off x="4414931" y="1888197"/>
               <a:ext cx="130548" cy="141531"/>
             </a:xfrm>
             <a:prstGeom prst="rect">
@@ -22905,9 +22777,7 @@
               <a:srgbClr val="00CCFF"/>
             </a:solidFill>
             <a:ln>
-              <a:solidFill>
-                <a:srgbClr val="00CCFF"/>
-              </a:solidFill>
+              <a:noFill/>
             </a:ln>
           </p:spPr>
           <p:style>
@@ -22943,7 +22813,7 @@
           </p:nvSpPr>
           <p:spPr>
             <a:xfrm>
-              <a:off x="5083146" y="2041315"/>
+              <a:off x="4414931" y="2085277"/>
               <a:ext cx="130548" cy="141531"/>
             </a:xfrm>
             <a:prstGeom prst="rect">
@@ -22953,9 +22823,7 @@
               <a:srgbClr val="00CCFF"/>
             </a:solidFill>
             <a:ln>
-              <a:solidFill>
-                <a:srgbClr val="00CCFF"/>
-              </a:solidFill>
+              <a:noFill/>
             </a:ln>
           </p:spPr>
           <p:style>
@@ -22991,7 +22859,7 @@
           </p:nvSpPr>
           <p:spPr>
             <a:xfrm>
-              <a:off x="5083146" y="2238395"/>
+              <a:off x="4414931" y="2282357"/>
               <a:ext cx="130548" cy="141531"/>
             </a:xfrm>
             <a:prstGeom prst="rect">
@@ -23001,9 +22869,7 @@
               <a:srgbClr val="00CCFF"/>
             </a:solidFill>
             <a:ln>
-              <a:solidFill>
-                <a:srgbClr val="00CCFF"/>
-              </a:solidFill>
+              <a:noFill/>
             </a:ln>
           </p:spPr>
           <p:style>
@@ -23039,7 +22905,7 @@
           </p:nvSpPr>
           <p:spPr>
             <a:xfrm>
-              <a:off x="5083146" y="2435476"/>
+              <a:off x="4414931" y="2479438"/>
               <a:ext cx="130548" cy="141531"/>
             </a:xfrm>
             <a:prstGeom prst="rect">
@@ -23049,9 +22915,7 @@
               <a:srgbClr val="00CCFF"/>
             </a:solidFill>
             <a:ln>
-              <a:solidFill>
-                <a:srgbClr val="00CCFF"/>
-              </a:solidFill>
+              <a:noFill/>
             </a:ln>
           </p:spPr>
           <p:style>
@@ -23087,7 +22951,7 @@
           </p:nvSpPr>
           <p:spPr>
             <a:xfrm>
-              <a:off x="5083146" y="2632558"/>
+              <a:off x="4414931" y="2676520"/>
               <a:ext cx="130548" cy="141531"/>
             </a:xfrm>
             <a:prstGeom prst="rect">
@@ -23097,9 +22961,7 @@
               <a:srgbClr val="00CCFF"/>
             </a:solidFill>
             <a:ln>
-              <a:solidFill>
-                <a:srgbClr val="00CCFF"/>
-              </a:solidFill>
+              <a:noFill/>
             </a:ln>
           </p:spPr>
           <p:style>
@@ -23135,7 +22997,7 @@
           </p:nvSpPr>
           <p:spPr>
             <a:xfrm>
-              <a:off x="5083146" y="1055913"/>
+              <a:off x="4414931" y="1099875"/>
               <a:ext cx="130548" cy="141531"/>
             </a:xfrm>
             <a:prstGeom prst="rect">
@@ -23145,9 +23007,7 @@
               <a:srgbClr val="00CCFF"/>
             </a:solidFill>
             <a:ln>
-              <a:solidFill>
-                <a:srgbClr val="00CCFF"/>
-              </a:solidFill>
+              <a:noFill/>
             </a:ln>
           </p:spPr>
           <p:style>
@@ -23183,7 +23043,7 @@
           </p:nvSpPr>
           <p:spPr>
             <a:xfrm>
-              <a:off x="5083146" y="1252993"/>
+              <a:off x="4414931" y="1296955"/>
               <a:ext cx="130548" cy="141531"/>
             </a:xfrm>
             <a:prstGeom prst="rect">
@@ -23193,9 +23053,7 @@
               <a:srgbClr val="00CCFF"/>
             </a:solidFill>
             <a:ln>
-              <a:solidFill>
-                <a:srgbClr val="00CCFF"/>
-              </a:solidFill>
+              <a:noFill/>
             </a:ln>
           </p:spPr>
           <p:style>
@@ -23231,7 +23089,7 @@
           </p:nvSpPr>
           <p:spPr>
             <a:xfrm>
-              <a:off x="5083146" y="1450074"/>
+              <a:off x="4414931" y="1494036"/>
               <a:ext cx="130548" cy="141531"/>
             </a:xfrm>
             <a:prstGeom prst="rect">
@@ -23241,9 +23099,7 @@
               <a:srgbClr val="00CCFF"/>
             </a:solidFill>
             <a:ln>
-              <a:solidFill>
-                <a:srgbClr val="00CCFF"/>
-              </a:solidFill>
+              <a:noFill/>
             </a:ln>
           </p:spPr>
           <p:style>
@@ -23279,7 +23135,7 @@
           </p:nvSpPr>
           <p:spPr>
             <a:xfrm>
-              <a:off x="5278965" y="1647154"/>
+              <a:off x="4610750" y="1691116"/>
               <a:ext cx="130548" cy="141531"/>
             </a:xfrm>
             <a:prstGeom prst="rect">
@@ -23289,9 +23145,7 @@
               <a:srgbClr val="00CCFF"/>
             </a:solidFill>
             <a:ln>
-              <a:solidFill>
-                <a:srgbClr val="00CCFF"/>
-              </a:solidFill>
+              <a:noFill/>
             </a:ln>
           </p:spPr>
           <p:style>
@@ -23327,7 +23181,7 @@
           </p:nvSpPr>
           <p:spPr>
             <a:xfrm>
-              <a:off x="5278965" y="1844235"/>
+              <a:off x="4610750" y="1888197"/>
               <a:ext cx="130548" cy="141531"/>
             </a:xfrm>
             <a:prstGeom prst="rect">
@@ -23337,9 +23191,7 @@
               <a:srgbClr val="00CCFF"/>
             </a:solidFill>
             <a:ln>
-              <a:solidFill>
-                <a:srgbClr val="00CCFF"/>
-              </a:solidFill>
+              <a:noFill/>
             </a:ln>
           </p:spPr>
           <p:style>
@@ -23375,7 +23227,7 @@
           </p:nvSpPr>
           <p:spPr>
             <a:xfrm>
-              <a:off x="5278965" y="2041315"/>
+              <a:off x="4610750" y="2085277"/>
               <a:ext cx="130548" cy="141531"/>
             </a:xfrm>
             <a:prstGeom prst="rect">
@@ -23385,9 +23237,7 @@
               <a:srgbClr val="00CCFF"/>
             </a:solidFill>
             <a:ln>
-              <a:solidFill>
-                <a:srgbClr val="00CCFF"/>
-              </a:solidFill>
+              <a:noFill/>
             </a:ln>
           </p:spPr>
           <p:style>
@@ -23423,7 +23273,7 @@
           </p:nvSpPr>
           <p:spPr>
             <a:xfrm>
-              <a:off x="5278965" y="2238395"/>
+              <a:off x="4610750" y="2282357"/>
               <a:ext cx="130548" cy="141531"/>
             </a:xfrm>
             <a:prstGeom prst="rect">
@@ -23433,9 +23283,7 @@
               <a:srgbClr val="00CCFF"/>
             </a:solidFill>
             <a:ln>
-              <a:solidFill>
-                <a:srgbClr val="00CCFF"/>
-              </a:solidFill>
+              <a:noFill/>
             </a:ln>
           </p:spPr>
           <p:style>
@@ -23471,7 +23319,7 @@
           </p:nvSpPr>
           <p:spPr>
             <a:xfrm>
-              <a:off x="5278965" y="2435476"/>
+              <a:off x="4610750" y="2479438"/>
               <a:ext cx="130548" cy="141531"/>
             </a:xfrm>
             <a:prstGeom prst="rect">
@@ -23481,9 +23329,7 @@
               <a:srgbClr val="00CCFF"/>
             </a:solidFill>
             <a:ln>
-              <a:solidFill>
-                <a:srgbClr val="00CCFF"/>
-              </a:solidFill>
+              <a:noFill/>
             </a:ln>
           </p:spPr>
           <p:style>
@@ -23519,7 +23365,7 @@
           </p:nvSpPr>
           <p:spPr>
             <a:xfrm>
-              <a:off x="5278965" y="2632558"/>
+              <a:off x="4610750" y="2676520"/>
               <a:ext cx="130548" cy="141531"/>
             </a:xfrm>
             <a:prstGeom prst="rect">
@@ -23529,9 +23375,7 @@
               <a:srgbClr val="00CCFF"/>
             </a:solidFill>
             <a:ln>
-              <a:solidFill>
-                <a:srgbClr val="00CCFF"/>
-              </a:solidFill>
+              <a:noFill/>
             </a:ln>
           </p:spPr>
           <p:style>
@@ -23567,7 +23411,7 @@
           </p:nvSpPr>
           <p:spPr>
             <a:xfrm>
-              <a:off x="5278965" y="1055913"/>
+              <a:off x="4610750" y="1099875"/>
               <a:ext cx="130548" cy="141531"/>
             </a:xfrm>
             <a:prstGeom prst="rect">
@@ -23577,9 +23421,7 @@
               <a:srgbClr val="00CCFF"/>
             </a:solidFill>
             <a:ln>
-              <a:solidFill>
-                <a:srgbClr val="00CCFF"/>
-              </a:solidFill>
+              <a:noFill/>
             </a:ln>
           </p:spPr>
           <p:style>
@@ -23615,7 +23457,7 @@
           </p:nvSpPr>
           <p:spPr>
             <a:xfrm>
-              <a:off x="5278965" y="1252993"/>
+              <a:off x="4610750" y="1296955"/>
               <a:ext cx="130548" cy="141531"/>
             </a:xfrm>
             <a:prstGeom prst="rect">
@@ -23625,9 +23467,7 @@
               <a:srgbClr val="00CCFF"/>
             </a:solidFill>
             <a:ln>
-              <a:solidFill>
-                <a:srgbClr val="00CCFF"/>
-              </a:solidFill>
+              <a:noFill/>
             </a:ln>
           </p:spPr>
           <p:style>
@@ -23663,7 +23503,7 @@
           </p:nvSpPr>
           <p:spPr>
             <a:xfrm>
-              <a:off x="5278965" y="1450074"/>
+              <a:off x="4610750" y="1494036"/>
               <a:ext cx="130548" cy="141531"/>
             </a:xfrm>
             <a:prstGeom prst="rect">
@@ -23673,9 +23513,7 @@
               <a:srgbClr val="00CCFF"/>
             </a:solidFill>
             <a:ln>
-              <a:solidFill>
-                <a:srgbClr val="00CCFF"/>
-              </a:solidFill>
+              <a:noFill/>
             </a:ln>
           </p:spPr>
           <p:style>
@@ -23711,7 +23549,7 @@
           </p:nvSpPr>
           <p:spPr>
             <a:xfrm>
-              <a:off x="5467532" y="1647154"/>
+              <a:off x="4799317" y="1691116"/>
               <a:ext cx="130548" cy="141531"/>
             </a:xfrm>
             <a:prstGeom prst="rect">
@@ -23721,9 +23559,7 @@
               <a:srgbClr val="00CCFF"/>
             </a:solidFill>
             <a:ln>
-              <a:solidFill>
-                <a:srgbClr val="00CCFF"/>
-              </a:solidFill>
+              <a:noFill/>
             </a:ln>
           </p:spPr>
           <p:style>
@@ -23759,7 +23595,7 @@
           </p:nvSpPr>
           <p:spPr>
             <a:xfrm>
-              <a:off x="5467532" y="1844235"/>
+              <a:off x="4799317" y="1888197"/>
               <a:ext cx="130548" cy="141531"/>
             </a:xfrm>
             <a:prstGeom prst="rect">
@@ -23769,9 +23605,7 @@
               <a:srgbClr val="00CCFF"/>
             </a:solidFill>
             <a:ln>
-              <a:solidFill>
-                <a:srgbClr val="00CCFF"/>
-              </a:solidFill>
+              <a:noFill/>
             </a:ln>
           </p:spPr>
           <p:style>
@@ -23807,7 +23641,7 @@
           </p:nvSpPr>
           <p:spPr>
             <a:xfrm>
-              <a:off x="5467532" y="2041315"/>
+              <a:off x="4799317" y="2085277"/>
               <a:ext cx="130548" cy="141531"/>
             </a:xfrm>
             <a:prstGeom prst="rect">
@@ -23817,9 +23651,7 @@
               <a:srgbClr val="00CCFF"/>
             </a:solidFill>
             <a:ln>
-              <a:solidFill>
-                <a:srgbClr val="00CCFF"/>
-              </a:solidFill>
+              <a:noFill/>
             </a:ln>
           </p:spPr>
           <p:style>
@@ -23855,7 +23687,7 @@
           </p:nvSpPr>
           <p:spPr>
             <a:xfrm>
-              <a:off x="5467532" y="2238395"/>
+              <a:off x="4799317" y="2282357"/>
               <a:ext cx="130548" cy="141531"/>
             </a:xfrm>
             <a:prstGeom prst="rect">
@@ -23865,9 +23697,7 @@
               <a:srgbClr val="00CCFF"/>
             </a:solidFill>
             <a:ln>
-              <a:solidFill>
-                <a:srgbClr val="00CCFF"/>
-              </a:solidFill>
+              <a:noFill/>
             </a:ln>
           </p:spPr>
           <p:style>
@@ -23903,7 +23733,7 @@
           </p:nvSpPr>
           <p:spPr>
             <a:xfrm>
-              <a:off x="5467532" y="2435476"/>
+              <a:off x="4799317" y="2479438"/>
               <a:ext cx="130548" cy="141531"/>
             </a:xfrm>
             <a:prstGeom prst="rect">
@@ -23913,9 +23743,7 @@
               <a:srgbClr val="00CCFF"/>
             </a:solidFill>
             <a:ln>
-              <a:solidFill>
-                <a:srgbClr val="00CCFF"/>
-              </a:solidFill>
+              <a:noFill/>
             </a:ln>
           </p:spPr>
           <p:style>
@@ -23951,7 +23779,7 @@
           </p:nvSpPr>
           <p:spPr>
             <a:xfrm>
-              <a:off x="5467532" y="2632558"/>
+              <a:off x="4799317" y="2676520"/>
               <a:ext cx="130548" cy="141531"/>
             </a:xfrm>
             <a:prstGeom prst="rect">
@@ -23961,9 +23789,7 @@
               <a:srgbClr val="00CCFF"/>
             </a:solidFill>
             <a:ln>
-              <a:solidFill>
-                <a:srgbClr val="00CCFF"/>
-              </a:solidFill>
+              <a:noFill/>
             </a:ln>
           </p:spPr>
           <p:style>
@@ -23999,7 +23825,7 @@
           </p:nvSpPr>
           <p:spPr>
             <a:xfrm>
-              <a:off x="5467532" y="1055913"/>
+              <a:off x="4799317" y="1099875"/>
               <a:ext cx="130548" cy="141531"/>
             </a:xfrm>
             <a:prstGeom prst="rect">
@@ -24009,9 +23835,7 @@
               <a:srgbClr val="00CCFF"/>
             </a:solidFill>
             <a:ln>
-              <a:solidFill>
-                <a:srgbClr val="00CCFF"/>
-              </a:solidFill>
+              <a:noFill/>
             </a:ln>
           </p:spPr>
           <p:style>
@@ -24047,7 +23871,7 @@
           </p:nvSpPr>
           <p:spPr>
             <a:xfrm>
-              <a:off x="5467532" y="1252993"/>
+              <a:off x="4799317" y="1296955"/>
               <a:ext cx="130548" cy="141531"/>
             </a:xfrm>
             <a:prstGeom prst="rect">
@@ -24057,9 +23881,7 @@
               <a:srgbClr val="00CCFF"/>
             </a:solidFill>
             <a:ln>
-              <a:solidFill>
-                <a:srgbClr val="00CCFF"/>
-              </a:solidFill>
+              <a:noFill/>
             </a:ln>
           </p:spPr>
           <p:style>
@@ -24095,7 +23917,7 @@
           </p:nvSpPr>
           <p:spPr>
             <a:xfrm>
-              <a:off x="5467532" y="1450074"/>
+              <a:off x="4799317" y="1494036"/>
               <a:ext cx="130548" cy="141531"/>
             </a:xfrm>
             <a:prstGeom prst="rect">
@@ -24105,9 +23927,7 @@
               <a:srgbClr val="00CCFF"/>
             </a:solidFill>
             <a:ln>
-              <a:solidFill>
-                <a:srgbClr val="00CCFF"/>
-              </a:solidFill>
+              <a:noFill/>
             </a:ln>
           </p:spPr>
           <p:style>
@@ -24143,7 +23963,7 @@
           </p:nvSpPr>
           <p:spPr>
             <a:xfrm>
-              <a:off x="5663350" y="1647154"/>
+              <a:off x="4995135" y="1691116"/>
               <a:ext cx="130548" cy="141531"/>
             </a:xfrm>
             <a:prstGeom prst="rect">
@@ -24153,9 +23973,7 @@
               <a:srgbClr val="00CCFF"/>
             </a:solidFill>
             <a:ln>
-              <a:solidFill>
-                <a:srgbClr val="00CCFF"/>
-              </a:solidFill>
+              <a:noFill/>
             </a:ln>
           </p:spPr>
           <p:style>
@@ -24191,7 +24009,7 @@
           </p:nvSpPr>
           <p:spPr>
             <a:xfrm>
-              <a:off x="5663350" y="1844235"/>
+              <a:off x="4995135" y="1888197"/>
               <a:ext cx="130548" cy="141531"/>
             </a:xfrm>
             <a:prstGeom prst="rect">
@@ -24201,9 +24019,7 @@
               <a:srgbClr val="00CCFF"/>
             </a:solidFill>
             <a:ln>
-              <a:solidFill>
-                <a:srgbClr val="00CCFF"/>
-              </a:solidFill>
+              <a:noFill/>
             </a:ln>
           </p:spPr>
           <p:style>
@@ -24239,7 +24055,7 @@
           </p:nvSpPr>
           <p:spPr>
             <a:xfrm>
-              <a:off x="5663350" y="2041315"/>
+              <a:off x="4995135" y="2085277"/>
               <a:ext cx="130548" cy="141531"/>
             </a:xfrm>
             <a:prstGeom prst="rect">
@@ -24249,9 +24065,7 @@
               <a:srgbClr val="00CCFF"/>
             </a:solidFill>
             <a:ln>
-              <a:solidFill>
-                <a:srgbClr val="00CCFF"/>
-              </a:solidFill>
+              <a:noFill/>
             </a:ln>
           </p:spPr>
           <p:style>
@@ -24287,7 +24101,7 @@
           </p:nvSpPr>
           <p:spPr>
             <a:xfrm>
-              <a:off x="5663350" y="2238395"/>
+              <a:off x="4995135" y="2282357"/>
               <a:ext cx="130548" cy="141531"/>
             </a:xfrm>
             <a:prstGeom prst="rect">
@@ -24297,9 +24111,7 @@
               <a:srgbClr val="00CCFF"/>
             </a:solidFill>
             <a:ln>
-              <a:solidFill>
-                <a:srgbClr val="00CCFF"/>
-              </a:solidFill>
+              <a:noFill/>
             </a:ln>
           </p:spPr>
           <p:style>
@@ -24335,7 +24147,7 @@
           </p:nvSpPr>
           <p:spPr>
             <a:xfrm>
-              <a:off x="5663350" y="2435476"/>
+              <a:off x="4995135" y="2479438"/>
               <a:ext cx="130548" cy="141531"/>
             </a:xfrm>
             <a:prstGeom prst="rect">
@@ -24345,9 +24157,7 @@
               <a:srgbClr val="00CCFF"/>
             </a:solidFill>
             <a:ln>
-              <a:solidFill>
-                <a:srgbClr val="00CCFF"/>
-              </a:solidFill>
+              <a:noFill/>
             </a:ln>
           </p:spPr>
           <p:style>
@@ -24383,7 +24193,7 @@
           </p:nvSpPr>
           <p:spPr>
             <a:xfrm>
-              <a:off x="5663350" y="2632558"/>
+              <a:off x="4995135" y="2676520"/>
               <a:ext cx="130548" cy="141531"/>
             </a:xfrm>
             <a:prstGeom prst="rect">
@@ -24393,9 +24203,7 @@
               <a:srgbClr val="00CCFF"/>
             </a:solidFill>
             <a:ln>
-              <a:solidFill>
-                <a:srgbClr val="00CCFF"/>
-              </a:solidFill>
+              <a:noFill/>
             </a:ln>
           </p:spPr>
           <p:style>
@@ -24431,7 +24239,7 @@
           </p:nvSpPr>
           <p:spPr>
             <a:xfrm>
-              <a:off x="5663350" y="1055913"/>
+              <a:off x="4995135" y="1099875"/>
               <a:ext cx="130548" cy="141531"/>
             </a:xfrm>
             <a:prstGeom prst="rect">
@@ -24441,9 +24249,7 @@
               <a:srgbClr val="00CCFF"/>
             </a:solidFill>
             <a:ln>
-              <a:solidFill>
-                <a:srgbClr val="00CCFF"/>
-              </a:solidFill>
+              <a:noFill/>
             </a:ln>
           </p:spPr>
           <p:style>
@@ -24479,7 +24285,7 @@
           </p:nvSpPr>
           <p:spPr>
             <a:xfrm>
-              <a:off x="5663350" y="1252993"/>
+              <a:off x="4995135" y="1296955"/>
               <a:ext cx="130548" cy="141531"/>
             </a:xfrm>
             <a:prstGeom prst="rect">
@@ -24489,9 +24295,7 @@
               <a:srgbClr val="00CCFF"/>
             </a:solidFill>
             <a:ln>
-              <a:solidFill>
-                <a:srgbClr val="00CCFF"/>
-              </a:solidFill>
+              <a:noFill/>
             </a:ln>
           </p:spPr>
           <p:style>
@@ -24527,7 +24331,7 @@
           </p:nvSpPr>
           <p:spPr>
             <a:xfrm>
-              <a:off x="5663350" y="1450074"/>
+              <a:off x="4995135" y="1494036"/>
               <a:ext cx="130548" cy="141531"/>
             </a:xfrm>
             <a:prstGeom prst="rect">
@@ -24537,9 +24341,7 @@
               <a:srgbClr val="00CCFF"/>
             </a:solidFill>
             <a:ln>
-              <a:solidFill>
-                <a:srgbClr val="00CCFF"/>
-              </a:solidFill>
+              <a:noFill/>
             </a:ln>
           </p:spPr>
           <p:style>
@@ -24575,7 +24377,7 @@
           </p:nvSpPr>
           <p:spPr>
             <a:xfrm>
-              <a:off x="5859169" y="1647154"/>
+              <a:off x="5190954" y="1691116"/>
               <a:ext cx="130548" cy="141531"/>
             </a:xfrm>
             <a:prstGeom prst="rect">
@@ -24585,9 +24387,7 @@
               <a:srgbClr val="00CCFF"/>
             </a:solidFill>
             <a:ln>
-              <a:solidFill>
-                <a:srgbClr val="00CCFF"/>
-              </a:solidFill>
+              <a:noFill/>
             </a:ln>
           </p:spPr>
           <p:style>
@@ -24623,7 +24423,7 @@
           </p:nvSpPr>
           <p:spPr>
             <a:xfrm>
-              <a:off x="5859169" y="1844235"/>
+              <a:off x="5190954" y="1888197"/>
               <a:ext cx="130548" cy="141531"/>
             </a:xfrm>
             <a:prstGeom prst="rect">
@@ -24633,9 +24433,7 @@
               <a:srgbClr val="00CCFF"/>
             </a:solidFill>
             <a:ln>
-              <a:solidFill>
-                <a:srgbClr val="00CCFF"/>
-              </a:solidFill>
+              <a:noFill/>
             </a:ln>
           </p:spPr>
           <p:style>
@@ -24671,7 +24469,7 @@
           </p:nvSpPr>
           <p:spPr>
             <a:xfrm>
-              <a:off x="5859169" y="2041315"/>
+              <a:off x="5190954" y="2085277"/>
               <a:ext cx="130548" cy="141531"/>
             </a:xfrm>
             <a:prstGeom prst="rect">
@@ -24681,9 +24479,7 @@
               <a:srgbClr val="00CCFF"/>
             </a:solidFill>
             <a:ln>
-              <a:solidFill>
-                <a:srgbClr val="00CCFF"/>
-              </a:solidFill>
+              <a:noFill/>
             </a:ln>
           </p:spPr>
           <p:style>
@@ -24719,7 +24515,7 @@
           </p:nvSpPr>
           <p:spPr>
             <a:xfrm>
-              <a:off x="5859169" y="2238395"/>
+              <a:off x="5190954" y="2282357"/>
               <a:ext cx="130548" cy="141531"/>
             </a:xfrm>
             <a:prstGeom prst="rect">
@@ -24729,9 +24525,7 @@
               <a:srgbClr val="00CCFF"/>
             </a:solidFill>
             <a:ln>
-              <a:solidFill>
-                <a:srgbClr val="00CCFF"/>
-              </a:solidFill>
+              <a:noFill/>
             </a:ln>
           </p:spPr>
           <p:style>
@@ -24767,7 +24561,7 @@
           </p:nvSpPr>
           <p:spPr>
             <a:xfrm>
-              <a:off x="5859169" y="2435476"/>
+              <a:off x="5190954" y="2479438"/>
               <a:ext cx="130548" cy="141531"/>
             </a:xfrm>
             <a:prstGeom prst="rect">
@@ -24777,9 +24571,7 @@
               <a:srgbClr val="00CCFF"/>
             </a:solidFill>
             <a:ln>
-              <a:solidFill>
-                <a:srgbClr val="00CCFF"/>
-              </a:solidFill>
+              <a:noFill/>
             </a:ln>
           </p:spPr>
           <p:style>
@@ -24815,7 +24607,7 @@
           </p:nvSpPr>
           <p:spPr>
             <a:xfrm>
-              <a:off x="5859169" y="2632558"/>
+              <a:off x="5190954" y="2676520"/>
               <a:ext cx="130548" cy="141531"/>
             </a:xfrm>
             <a:prstGeom prst="rect">
@@ -24825,9 +24617,7 @@
               <a:srgbClr val="00CCFF"/>
             </a:solidFill>
             <a:ln>
-              <a:solidFill>
-                <a:srgbClr val="00CCFF"/>
-              </a:solidFill>
+              <a:noFill/>
             </a:ln>
           </p:spPr>
           <p:style>
@@ -24863,7 +24653,7 @@
           </p:nvSpPr>
           <p:spPr>
             <a:xfrm>
-              <a:off x="5859169" y="1055913"/>
+              <a:off x="5190954" y="1099875"/>
               <a:ext cx="130548" cy="141531"/>
             </a:xfrm>
             <a:prstGeom prst="rect">
@@ -24873,9 +24663,7 @@
               <a:srgbClr val="00CCFF"/>
             </a:solidFill>
             <a:ln>
-              <a:solidFill>
-                <a:srgbClr val="00CCFF"/>
-              </a:solidFill>
+              <a:noFill/>
             </a:ln>
           </p:spPr>
           <p:style>
@@ -24911,7 +24699,7 @@
           </p:nvSpPr>
           <p:spPr>
             <a:xfrm>
-              <a:off x="5859169" y="1252993"/>
+              <a:off x="5190954" y="1296955"/>
               <a:ext cx="130548" cy="141531"/>
             </a:xfrm>
             <a:prstGeom prst="rect">
@@ -24921,9 +24709,7 @@
               <a:srgbClr val="00CCFF"/>
             </a:solidFill>
             <a:ln>
-              <a:solidFill>
-                <a:srgbClr val="00CCFF"/>
-              </a:solidFill>
+              <a:noFill/>
             </a:ln>
           </p:spPr>
           <p:style>
@@ -24959,7 +24745,7 @@
           </p:nvSpPr>
           <p:spPr>
             <a:xfrm>
-              <a:off x="5859169" y="1450074"/>
+              <a:off x="5190954" y="1494036"/>
               <a:ext cx="130548" cy="141531"/>
             </a:xfrm>
             <a:prstGeom prst="rect">
@@ -24969,9 +24755,7 @@
               <a:srgbClr val="00CCFF"/>
             </a:solidFill>
             <a:ln>
-              <a:solidFill>
-                <a:srgbClr val="00CCFF"/>
-              </a:solidFill>
+              <a:noFill/>
             </a:ln>
           </p:spPr>
           <p:style>
@@ -25007,7 +24791,7 @@
           </p:nvSpPr>
           <p:spPr>
             <a:xfrm>
-              <a:off x="6054988" y="1647154"/>
+              <a:off x="5386773" y="1691116"/>
               <a:ext cx="130548" cy="141531"/>
             </a:xfrm>
             <a:prstGeom prst="rect">
@@ -25017,9 +24801,7 @@
               <a:srgbClr val="00CCFF"/>
             </a:solidFill>
             <a:ln>
-              <a:solidFill>
-                <a:srgbClr val="00CCFF"/>
-              </a:solidFill>
+              <a:noFill/>
             </a:ln>
           </p:spPr>
           <p:style>
@@ -25055,7 +24837,7 @@
           </p:nvSpPr>
           <p:spPr>
             <a:xfrm>
-              <a:off x="6054988" y="1844235"/>
+              <a:off x="5386773" y="1888197"/>
               <a:ext cx="130548" cy="141531"/>
             </a:xfrm>
             <a:prstGeom prst="rect">
@@ -25065,9 +24847,7 @@
               <a:srgbClr val="00CCFF"/>
             </a:solidFill>
             <a:ln>
-              <a:solidFill>
-                <a:srgbClr val="00CCFF"/>
-              </a:solidFill>
+              <a:noFill/>
             </a:ln>
           </p:spPr>
           <p:style>
@@ -25103,7 +24883,7 @@
           </p:nvSpPr>
           <p:spPr>
             <a:xfrm>
-              <a:off x="6054988" y="2041315"/>
+              <a:off x="5386773" y="2085277"/>
               <a:ext cx="130548" cy="141531"/>
             </a:xfrm>
             <a:prstGeom prst="rect">
@@ -25113,9 +24893,7 @@
               <a:srgbClr val="00CCFF"/>
             </a:solidFill>
             <a:ln>
-              <a:solidFill>
-                <a:srgbClr val="00CCFF"/>
-              </a:solidFill>
+              <a:noFill/>
             </a:ln>
           </p:spPr>
           <p:style>
@@ -25151,7 +24929,7 @@
           </p:nvSpPr>
           <p:spPr>
             <a:xfrm>
-              <a:off x="6054988" y="2238395"/>
+              <a:off x="5386773" y="2282357"/>
               <a:ext cx="130548" cy="141531"/>
             </a:xfrm>
             <a:prstGeom prst="rect">
@@ -25161,9 +24939,7 @@
               <a:srgbClr val="00CCFF"/>
             </a:solidFill>
             <a:ln>
-              <a:solidFill>
-                <a:srgbClr val="00CCFF"/>
-              </a:solidFill>
+              <a:noFill/>
             </a:ln>
           </p:spPr>
           <p:style>
@@ -25199,7 +24975,7 @@
           </p:nvSpPr>
           <p:spPr>
             <a:xfrm>
-              <a:off x="6054988" y="2435476"/>
+              <a:off x="5386773" y="2479438"/>
               <a:ext cx="130548" cy="141531"/>
             </a:xfrm>
             <a:prstGeom prst="rect">
@@ -25209,9 +24985,7 @@
               <a:srgbClr val="00CCFF"/>
             </a:solidFill>
             <a:ln>
-              <a:solidFill>
-                <a:srgbClr val="00CCFF"/>
-              </a:solidFill>
+              <a:noFill/>
             </a:ln>
           </p:spPr>
           <p:style>
@@ -25247,7 +25021,7 @@
           </p:nvSpPr>
           <p:spPr>
             <a:xfrm>
-              <a:off x="6054988" y="2632558"/>
+              <a:off x="5386773" y="2676520"/>
               <a:ext cx="130548" cy="141531"/>
             </a:xfrm>
             <a:prstGeom prst="rect">
@@ -25257,9 +25031,7 @@
               <a:srgbClr val="00CCFF"/>
             </a:solidFill>
             <a:ln>
-              <a:solidFill>
-                <a:srgbClr val="00CCFF"/>
-              </a:solidFill>
+              <a:noFill/>
             </a:ln>
           </p:spPr>
           <p:style>
@@ -25295,7 +25067,7 @@
           </p:nvSpPr>
           <p:spPr>
             <a:xfrm>
-              <a:off x="6054988" y="1055913"/>
+              <a:off x="5386773" y="1099875"/>
               <a:ext cx="130548" cy="141531"/>
             </a:xfrm>
             <a:prstGeom prst="rect">
@@ -25305,9 +25077,7 @@
               <a:srgbClr val="00CCFF"/>
             </a:solidFill>
             <a:ln>
-              <a:solidFill>
-                <a:srgbClr val="00CCFF"/>
-              </a:solidFill>
+              <a:noFill/>
             </a:ln>
           </p:spPr>
           <p:style>
@@ -25343,7 +25113,7 @@
           </p:nvSpPr>
           <p:spPr>
             <a:xfrm>
-              <a:off x="6054988" y="1252993"/>
+              <a:off x="5386773" y="1296955"/>
               <a:ext cx="130548" cy="141531"/>
             </a:xfrm>
             <a:prstGeom prst="rect">
@@ -25353,9 +25123,7 @@
               <a:srgbClr val="00CCFF"/>
             </a:solidFill>
             <a:ln>
-              <a:solidFill>
-                <a:srgbClr val="00CCFF"/>
-              </a:solidFill>
+              <a:noFill/>
             </a:ln>
           </p:spPr>
           <p:style>
@@ -25391,7 +25159,7 @@
           </p:nvSpPr>
           <p:spPr>
             <a:xfrm>
-              <a:off x="6054988" y="1450074"/>
+              <a:off x="5386773" y="1494036"/>
               <a:ext cx="130548" cy="141531"/>
             </a:xfrm>
             <a:prstGeom prst="rect">
@@ -25401,9 +25169,7 @@
               <a:srgbClr val="00CCFF"/>
             </a:solidFill>
             <a:ln>
-              <a:solidFill>
-                <a:srgbClr val="00CCFF"/>
-              </a:solidFill>
+              <a:noFill/>
             </a:ln>
           </p:spPr>
           <p:style>
@@ -25439,7 +25205,7 @@
           </p:nvSpPr>
           <p:spPr>
             <a:xfrm>
-              <a:off x="6250807" y="1647154"/>
+              <a:off x="5582592" y="1691116"/>
               <a:ext cx="130548" cy="141531"/>
             </a:xfrm>
             <a:prstGeom prst="rect">
@@ -25449,9 +25215,7 @@
               <a:srgbClr val="00CCFF"/>
             </a:solidFill>
             <a:ln>
-              <a:solidFill>
-                <a:srgbClr val="00CCFF"/>
-              </a:solidFill>
+              <a:noFill/>
             </a:ln>
           </p:spPr>
           <p:style>
@@ -25487,7 +25251,7 @@
           </p:nvSpPr>
           <p:spPr>
             <a:xfrm>
-              <a:off x="6250807" y="1844235"/>
+              <a:off x="5582592" y="1888197"/>
               <a:ext cx="130548" cy="141531"/>
             </a:xfrm>
             <a:prstGeom prst="rect">
@@ -25497,9 +25261,7 @@
               <a:srgbClr val="00CCFF"/>
             </a:solidFill>
             <a:ln>
-              <a:solidFill>
-                <a:srgbClr val="00CCFF"/>
-              </a:solidFill>
+              <a:noFill/>
             </a:ln>
           </p:spPr>
           <p:style>
@@ -25535,7 +25297,7 @@
           </p:nvSpPr>
           <p:spPr>
             <a:xfrm>
-              <a:off x="6250807" y="2041315"/>
+              <a:off x="5582592" y="2085277"/>
               <a:ext cx="130548" cy="141531"/>
             </a:xfrm>
             <a:prstGeom prst="rect">
@@ -25545,9 +25307,7 @@
               <a:srgbClr val="00CCFF"/>
             </a:solidFill>
             <a:ln>
-              <a:solidFill>
-                <a:srgbClr val="00CCFF"/>
-              </a:solidFill>
+              <a:noFill/>
             </a:ln>
           </p:spPr>
           <p:style>
@@ -25583,7 +25343,7 @@
           </p:nvSpPr>
           <p:spPr>
             <a:xfrm>
-              <a:off x="6250807" y="2238395"/>
+              <a:off x="5582592" y="2282357"/>
               <a:ext cx="130548" cy="141531"/>
             </a:xfrm>
             <a:prstGeom prst="rect">
@@ -25593,9 +25353,7 @@
               <a:srgbClr val="00CCFF"/>
             </a:solidFill>
             <a:ln>
-              <a:solidFill>
-                <a:srgbClr val="00CCFF"/>
-              </a:solidFill>
+              <a:noFill/>
             </a:ln>
           </p:spPr>
           <p:style>
@@ -25631,7 +25389,7 @@
           </p:nvSpPr>
           <p:spPr>
             <a:xfrm>
-              <a:off x="6250807" y="2435476"/>
+              <a:off x="5582592" y="2479438"/>
               <a:ext cx="130548" cy="141531"/>
             </a:xfrm>
             <a:prstGeom prst="rect">
@@ -25641,9 +25399,7 @@
               <a:srgbClr val="00CCFF"/>
             </a:solidFill>
             <a:ln>
-              <a:solidFill>
-                <a:srgbClr val="00CCFF"/>
-              </a:solidFill>
+              <a:noFill/>
             </a:ln>
           </p:spPr>
           <p:style>
@@ -25679,7 +25435,7 @@
           </p:nvSpPr>
           <p:spPr>
             <a:xfrm>
-              <a:off x="6250807" y="2632558"/>
+              <a:off x="5582592" y="2676520"/>
               <a:ext cx="130548" cy="141531"/>
             </a:xfrm>
             <a:prstGeom prst="rect">
@@ -25689,9 +25445,7 @@
               <a:srgbClr val="00CCFF"/>
             </a:solidFill>
             <a:ln>
-              <a:solidFill>
-                <a:srgbClr val="00CCFF"/>
-              </a:solidFill>
+              <a:noFill/>
             </a:ln>
           </p:spPr>
           <p:style>
@@ -25727,7 +25481,7 @@
           </p:nvSpPr>
           <p:spPr>
             <a:xfrm>
-              <a:off x="6250807" y="1055913"/>
+              <a:off x="5582592" y="1099875"/>
               <a:ext cx="130548" cy="141531"/>
             </a:xfrm>
             <a:prstGeom prst="rect">
@@ -25737,9 +25491,7 @@
               <a:srgbClr val="00CCFF"/>
             </a:solidFill>
             <a:ln>
-              <a:solidFill>
-                <a:srgbClr val="00CCFF"/>
-              </a:solidFill>
+              <a:noFill/>
             </a:ln>
           </p:spPr>
           <p:style>
@@ -25775,7 +25527,7 @@
           </p:nvSpPr>
           <p:spPr>
             <a:xfrm>
-              <a:off x="6250807" y="1252993"/>
+              <a:off x="5582592" y="1296955"/>
               <a:ext cx="130548" cy="141531"/>
             </a:xfrm>
             <a:prstGeom prst="rect">
@@ -25785,9 +25537,7 @@
               <a:srgbClr val="00CCFF"/>
             </a:solidFill>
             <a:ln>
-              <a:solidFill>
-                <a:srgbClr val="00CCFF"/>
-              </a:solidFill>
+              <a:noFill/>
             </a:ln>
           </p:spPr>
           <p:style>
@@ -25823,7 +25573,7 @@
           </p:nvSpPr>
           <p:spPr>
             <a:xfrm>
-              <a:off x="6250807" y="1450074"/>
+              <a:off x="5582592" y="1494036"/>
               <a:ext cx="130548" cy="141531"/>
             </a:xfrm>
             <a:prstGeom prst="rect">
@@ -25833,9 +25583,7 @@
               <a:srgbClr val="00CCFF"/>
             </a:solidFill>
             <a:ln>
-              <a:solidFill>
-                <a:srgbClr val="00CCFF"/>
-              </a:solidFill>
+              <a:noFill/>
             </a:ln>
           </p:spPr>
           <p:style>
@@ -26163,9 +25911,7 @@
             <a:srgbClr val="00CCFF"/>
           </a:solidFill>
           <a:ln>
-            <a:solidFill>
-              <a:srgbClr val="00CCFF"/>
-            </a:solidFill>
+            <a:noFill/>
           </a:ln>
         </p:spPr>
         <p:style>
@@ -26282,9 +26028,9 @@
           <p:nvPr/>
         </p:nvCxnSpPr>
         <p:spPr>
-          <a:xfrm flipH="1" flipV="1">
-            <a:off x="3532108" y="3475294"/>
-            <a:ext cx="3531442" cy="1"/>
+          <a:xfrm flipH="1">
+            <a:off x="3532109" y="3466348"/>
+            <a:ext cx="2379649" cy="8946"/>
           </a:xfrm>
           <a:prstGeom prst="straightConnector1">
             <a:avLst/>
@@ -26617,7 +26363,7 @@
       </p:cxnSp>
       <p:grpSp>
         <p:nvGrpSpPr>
-          <p:cNvPr id="389" name="Group 388"/>
+          <p:cNvPr id="4" name="Group 3"/>
           <p:cNvGrpSpPr/>
           <p:nvPr/>
         </p:nvGrpSpPr>
@@ -26625,7 +26371,7 @@
           <a:xfrm>
             <a:off x="6868085" y="3214297"/>
             <a:ext cx="2668937" cy="1718176"/>
-            <a:chOff x="3712418" y="1055913"/>
+            <a:chOff x="6868085" y="3214297"/>
             <a:chExt cx="2668937" cy="1718176"/>
           </a:xfrm>
         </p:grpSpPr>
@@ -26637,7 +26383,7 @@
           </p:nvSpPr>
           <p:spPr>
             <a:xfrm>
-              <a:off x="3712418" y="1647154"/>
+              <a:off x="6868085" y="3805538"/>
               <a:ext cx="130548" cy="141531"/>
             </a:xfrm>
             <a:prstGeom prst="rect">
@@ -26647,9 +26393,7 @@
               <a:srgbClr val="00CCFF"/>
             </a:solidFill>
             <a:ln>
-              <a:solidFill>
-                <a:srgbClr val="00CCFF"/>
-              </a:solidFill>
+              <a:noFill/>
             </a:ln>
           </p:spPr>
           <p:style>
@@ -26685,7 +26429,7 @@
           </p:nvSpPr>
           <p:spPr>
             <a:xfrm>
-              <a:off x="3712418" y="1844235"/>
+              <a:off x="6868085" y="4002619"/>
               <a:ext cx="130548" cy="141531"/>
             </a:xfrm>
             <a:prstGeom prst="rect">
@@ -26695,9 +26439,7 @@
               <a:srgbClr val="00CCFF"/>
             </a:solidFill>
             <a:ln>
-              <a:solidFill>
-                <a:srgbClr val="00CCFF"/>
-              </a:solidFill>
+              <a:noFill/>
             </a:ln>
           </p:spPr>
           <p:style>
@@ -26733,7 +26475,7 @@
           </p:nvSpPr>
           <p:spPr>
             <a:xfrm>
-              <a:off x="3712418" y="2041315"/>
+              <a:off x="6868085" y="4199699"/>
               <a:ext cx="130548" cy="141531"/>
             </a:xfrm>
             <a:prstGeom prst="rect">
@@ -26743,9 +26485,7 @@
               <a:srgbClr val="00CCFF"/>
             </a:solidFill>
             <a:ln>
-              <a:solidFill>
-                <a:srgbClr val="00CCFF"/>
-              </a:solidFill>
+              <a:noFill/>
             </a:ln>
           </p:spPr>
           <p:style>
@@ -26781,7 +26521,7 @@
           </p:nvSpPr>
           <p:spPr>
             <a:xfrm>
-              <a:off x="3712418" y="2238395"/>
+              <a:off x="6868085" y="4396779"/>
               <a:ext cx="130548" cy="141531"/>
             </a:xfrm>
             <a:prstGeom prst="rect">
@@ -26791,9 +26531,7 @@
               <a:srgbClr val="00CCFF"/>
             </a:solidFill>
             <a:ln>
-              <a:solidFill>
-                <a:srgbClr val="00CCFF"/>
-              </a:solidFill>
+              <a:noFill/>
             </a:ln>
           </p:spPr>
           <p:style>
@@ -26829,7 +26567,7 @@
           </p:nvSpPr>
           <p:spPr>
             <a:xfrm>
-              <a:off x="3712418" y="2435476"/>
+              <a:off x="6868085" y="4593860"/>
               <a:ext cx="130548" cy="141531"/>
             </a:xfrm>
             <a:prstGeom prst="rect">
@@ -26839,9 +26577,7 @@
               <a:srgbClr val="00CCFF"/>
             </a:solidFill>
             <a:ln>
-              <a:solidFill>
-                <a:srgbClr val="00CCFF"/>
-              </a:solidFill>
+              <a:noFill/>
             </a:ln>
           </p:spPr>
           <p:style>
@@ -26877,7 +26613,7 @@
           </p:nvSpPr>
           <p:spPr>
             <a:xfrm>
-              <a:off x="3712418" y="2632558"/>
+              <a:off x="6868085" y="4790942"/>
               <a:ext cx="130548" cy="141531"/>
             </a:xfrm>
             <a:prstGeom prst="rect">
@@ -26887,9 +26623,7 @@
               <a:srgbClr val="00CCFF"/>
             </a:solidFill>
             <a:ln>
-              <a:solidFill>
-                <a:srgbClr val="00CCFF"/>
-              </a:solidFill>
+              <a:noFill/>
             </a:ln>
           </p:spPr>
           <p:style>
@@ -26925,7 +26659,7 @@
           </p:nvSpPr>
           <p:spPr>
             <a:xfrm>
-              <a:off x="3712418" y="1055913"/>
+              <a:off x="6868085" y="3214297"/>
               <a:ext cx="130548" cy="141531"/>
             </a:xfrm>
             <a:prstGeom prst="rect">
@@ -26935,9 +26669,7 @@
               <a:srgbClr val="00CCFF"/>
             </a:solidFill>
             <a:ln>
-              <a:solidFill>
-                <a:srgbClr val="00CCFF"/>
-              </a:solidFill>
+              <a:noFill/>
             </a:ln>
           </p:spPr>
           <p:style>
@@ -26973,7 +26705,7 @@
           </p:nvSpPr>
           <p:spPr>
             <a:xfrm>
-              <a:off x="3712418" y="1252993"/>
+              <a:off x="6868085" y="3411377"/>
               <a:ext cx="130548" cy="141531"/>
             </a:xfrm>
             <a:prstGeom prst="rect">
@@ -26983,9 +26715,7 @@
               <a:srgbClr val="00CCFF"/>
             </a:solidFill>
             <a:ln>
-              <a:solidFill>
-                <a:srgbClr val="00CCFF"/>
-              </a:solidFill>
+              <a:noFill/>
             </a:ln>
           </p:spPr>
           <p:style>
@@ -27021,7 +26751,7 @@
           </p:nvSpPr>
           <p:spPr>
             <a:xfrm>
-              <a:off x="3712418" y="1450074"/>
+              <a:off x="6868085" y="3608458"/>
               <a:ext cx="130548" cy="141531"/>
             </a:xfrm>
             <a:prstGeom prst="rect">
@@ -27031,9 +26761,7 @@
               <a:srgbClr val="00CCFF"/>
             </a:solidFill>
             <a:ln>
-              <a:solidFill>
-                <a:srgbClr val="00CCFF"/>
-              </a:solidFill>
+              <a:noFill/>
             </a:ln>
           </p:spPr>
           <p:style>
@@ -27069,7 +26797,7 @@
           </p:nvSpPr>
           <p:spPr>
             <a:xfrm>
-              <a:off x="3908237" y="1647154"/>
+              <a:off x="7063904" y="3805538"/>
               <a:ext cx="130548" cy="141531"/>
             </a:xfrm>
             <a:prstGeom prst="rect">
@@ -27079,9 +26807,7 @@
               <a:srgbClr val="00CCFF"/>
             </a:solidFill>
             <a:ln>
-              <a:solidFill>
-                <a:srgbClr val="00CCFF"/>
-              </a:solidFill>
+              <a:noFill/>
             </a:ln>
           </p:spPr>
           <p:style>
@@ -27117,7 +26843,7 @@
           </p:nvSpPr>
           <p:spPr>
             <a:xfrm>
-              <a:off x="3908237" y="1844235"/>
+              <a:off x="7063904" y="4002619"/>
               <a:ext cx="130548" cy="141531"/>
             </a:xfrm>
             <a:prstGeom prst="rect">
@@ -27127,9 +26853,7 @@
               <a:srgbClr val="00CCFF"/>
             </a:solidFill>
             <a:ln>
-              <a:solidFill>
-                <a:srgbClr val="00CCFF"/>
-              </a:solidFill>
+              <a:noFill/>
             </a:ln>
           </p:spPr>
           <p:style>
@@ -27165,7 +26889,7 @@
           </p:nvSpPr>
           <p:spPr>
             <a:xfrm>
-              <a:off x="3908237" y="2041315"/>
+              <a:off x="7063904" y="4199699"/>
               <a:ext cx="130548" cy="141531"/>
             </a:xfrm>
             <a:prstGeom prst="rect">
@@ -27175,9 +26899,7 @@
               <a:srgbClr val="00CCFF"/>
             </a:solidFill>
             <a:ln>
-              <a:solidFill>
-                <a:srgbClr val="00CCFF"/>
-              </a:solidFill>
+              <a:noFill/>
             </a:ln>
           </p:spPr>
           <p:style>
@@ -27213,7 +26935,7 @@
           </p:nvSpPr>
           <p:spPr>
             <a:xfrm>
-              <a:off x="3908237" y="2238395"/>
+              <a:off x="7063904" y="4396779"/>
               <a:ext cx="130548" cy="141531"/>
             </a:xfrm>
             <a:prstGeom prst="rect">
@@ -27223,9 +26945,7 @@
               <a:srgbClr val="00CCFF"/>
             </a:solidFill>
             <a:ln>
-              <a:solidFill>
-                <a:srgbClr val="00CCFF"/>
-              </a:solidFill>
+              <a:noFill/>
             </a:ln>
           </p:spPr>
           <p:style>
@@ -27261,7 +26981,7 @@
           </p:nvSpPr>
           <p:spPr>
             <a:xfrm>
-              <a:off x="3908237" y="2435476"/>
+              <a:off x="7063904" y="4593860"/>
               <a:ext cx="130548" cy="141531"/>
             </a:xfrm>
             <a:prstGeom prst="rect">
@@ -27271,9 +26991,7 @@
               <a:srgbClr val="00CCFF"/>
             </a:solidFill>
             <a:ln>
-              <a:solidFill>
-                <a:srgbClr val="00CCFF"/>
-              </a:solidFill>
+              <a:noFill/>
             </a:ln>
           </p:spPr>
           <p:style>
@@ -27309,7 +27027,7 @@
           </p:nvSpPr>
           <p:spPr>
             <a:xfrm>
-              <a:off x="3908237" y="2632558"/>
+              <a:off x="7063904" y="4790942"/>
               <a:ext cx="130548" cy="141531"/>
             </a:xfrm>
             <a:prstGeom prst="rect">
@@ -27319,9 +27037,7 @@
               <a:srgbClr val="00CCFF"/>
             </a:solidFill>
             <a:ln>
-              <a:solidFill>
-                <a:srgbClr val="00CCFF"/>
-              </a:solidFill>
+              <a:noFill/>
             </a:ln>
           </p:spPr>
           <p:style>
@@ -27357,7 +27073,7 @@
           </p:nvSpPr>
           <p:spPr>
             <a:xfrm>
-              <a:off x="3908237" y="1055913"/>
+              <a:off x="7063904" y="3214297"/>
               <a:ext cx="130548" cy="141531"/>
             </a:xfrm>
             <a:prstGeom prst="rect">
@@ -27367,9 +27083,7 @@
               <a:srgbClr val="00CCFF"/>
             </a:solidFill>
             <a:ln>
-              <a:solidFill>
-                <a:srgbClr val="00CCFF"/>
-              </a:solidFill>
+              <a:noFill/>
             </a:ln>
           </p:spPr>
           <p:style>
@@ -27405,7 +27119,7 @@
           </p:nvSpPr>
           <p:spPr>
             <a:xfrm>
-              <a:off x="3908237" y="1252993"/>
+              <a:off x="7063904" y="3411377"/>
               <a:ext cx="130548" cy="141531"/>
             </a:xfrm>
             <a:prstGeom prst="rect">
@@ -27415,9 +27129,7 @@
               <a:srgbClr val="00CCFF"/>
             </a:solidFill>
             <a:ln>
-              <a:solidFill>
-                <a:srgbClr val="00CCFF"/>
-              </a:solidFill>
+              <a:noFill/>
             </a:ln>
           </p:spPr>
           <p:style>
@@ -27453,7 +27165,7 @@
           </p:nvSpPr>
           <p:spPr>
             <a:xfrm>
-              <a:off x="3908237" y="1450074"/>
+              <a:off x="7063904" y="3608458"/>
               <a:ext cx="130548" cy="141531"/>
             </a:xfrm>
             <a:prstGeom prst="rect">
@@ -27463,9 +27175,7 @@
               <a:srgbClr val="00CCFF"/>
             </a:solidFill>
             <a:ln>
-              <a:solidFill>
-                <a:srgbClr val="00CCFF"/>
-              </a:solidFill>
+              <a:noFill/>
             </a:ln>
           </p:spPr>
           <p:style>
@@ -27501,7 +27211,7 @@
           </p:nvSpPr>
           <p:spPr>
             <a:xfrm>
-              <a:off x="4104055" y="1647154"/>
+              <a:off x="7259722" y="3805538"/>
               <a:ext cx="130548" cy="141531"/>
             </a:xfrm>
             <a:prstGeom prst="rect">
@@ -27511,9 +27221,7 @@
               <a:srgbClr val="00CCFF"/>
             </a:solidFill>
             <a:ln>
-              <a:solidFill>
-                <a:srgbClr val="00CCFF"/>
-              </a:solidFill>
+              <a:noFill/>
             </a:ln>
           </p:spPr>
           <p:style>
@@ -27549,7 +27257,7 @@
           </p:nvSpPr>
           <p:spPr>
             <a:xfrm>
-              <a:off x="4104055" y="1844235"/>
+              <a:off x="7259722" y="4002619"/>
               <a:ext cx="130548" cy="141531"/>
             </a:xfrm>
             <a:prstGeom prst="rect">
@@ -27559,9 +27267,7 @@
               <a:srgbClr val="00CCFF"/>
             </a:solidFill>
             <a:ln>
-              <a:solidFill>
-                <a:srgbClr val="00CCFF"/>
-              </a:solidFill>
+              <a:noFill/>
             </a:ln>
           </p:spPr>
           <p:style>
@@ -27597,7 +27303,7 @@
           </p:nvSpPr>
           <p:spPr>
             <a:xfrm>
-              <a:off x="4104055" y="2041315"/>
+              <a:off x="7259722" y="4199699"/>
               <a:ext cx="130548" cy="141531"/>
             </a:xfrm>
             <a:prstGeom prst="rect">
@@ -27607,9 +27313,7 @@
               <a:srgbClr val="00CCFF"/>
             </a:solidFill>
             <a:ln>
-              <a:solidFill>
-                <a:srgbClr val="00CCFF"/>
-              </a:solidFill>
+              <a:noFill/>
             </a:ln>
           </p:spPr>
           <p:style>
@@ -27645,7 +27349,7 @@
           </p:nvSpPr>
           <p:spPr>
             <a:xfrm>
-              <a:off x="4104055" y="2238395"/>
+              <a:off x="7259722" y="4396779"/>
               <a:ext cx="130548" cy="141531"/>
             </a:xfrm>
             <a:prstGeom prst="rect">
@@ -27655,9 +27359,7 @@
               <a:srgbClr val="00CCFF"/>
             </a:solidFill>
             <a:ln>
-              <a:solidFill>
-                <a:srgbClr val="00CCFF"/>
-              </a:solidFill>
+              <a:noFill/>
             </a:ln>
           </p:spPr>
           <p:style>
@@ -27693,7 +27395,7 @@
           </p:nvSpPr>
           <p:spPr>
             <a:xfrm>
-              <a:off x="4104055" y="2435476"/>
+              <a:off x="7259722" y="4593860"/>
               <a:ext cx="130548" cy="141531"/>
             </a:xfrm>
             <a:prstGeom prst="rect">
@@ -27703,9 +27405,7 @@
               <a:srgbClr val="00CCFF"/>
             </a:solidFill>
             <a:ln>
-              <a:solidFill>
-                <a:srgbClr val="00CCFF"/>
-              </a:solidFill>
+              <a:noFill/>
             </a:ln>
           </p:spPr>
           <p:style>
@@ -27741,7 +27441,7 @@
           </p:nvSpPr>
           <p:spPr>
             <a:xfrm>
-              <a:off x="4104055" y="2632558"/>
+              <a:off x="7259722" y="4790942"/>
               <a:ext cx="130548" cy="141531"/>
             </a:xfrm>
             <a:prstGeom prst="rect">
@@ -27751,9 +27451,7 @@
               <a:srgbClr val="00CCFF"/>
             </a:solidFill>
             <a:ln>
-              <a:solidFill>
-                <a:srgbClr val="00CCFF"/>
-              </a:solidFill>
+              <a:noFill/>
             </a:ln>
           </p:spPr>
           <p:style>
@@ -27789,7 +27487,7 @@
           </p:nvSpPr>
           <p:spPr>
             <a:xfrm>
-              <a:off x="4104055" y="1055913"/>
+              <a:off x="7259722" y="3214297"/>
               <a:ext cx="130548" cy="141531"/>
             </a:xfrm>
             <a:prstGeom prst="rect">
@@ -27799,9 +27497,7 @@
               <a:srgbClr val="00CCFF"/>
             </a:solidFill>
             <a:ln>
-              <a:solidFill>
-                <a:srgbClr val="00CCFF"/>
-              </a:solidFill>
+              <a:noFill/>
             </a:ln>
           </p:spPr>
           <p:style>
@@ -27837,7 +27533,7 @@
           </p:nvSpPr>
           <p:spPr>
             <a:xfrm>
-              <a:off x="4104055" y="1252993"/>
+              <a:off x="7259722" y="3411377"/>
               <a:ext cx="130548" cy="141531"/>
             </a:xfrm>
             <a:prstGeom prst="rect">
@@ -27847,9 +27543,7 @@
               <a:srgbClr val="00CCFF"/>
             </a:solidFill>
             <a:ln>
-              <a:solidFill>
-                <a:srgbClr val="00CCFF"/>
-              </a:solidFill>
+              <a:noFill/>
             </a:ln>
           </p:spPr>
           <p:style>
@@ -27885,7 +27579,7 @@
           </p:nvSpPr>
           <p:spPr>
             <a:xfrm>
-              <a:off x="4104055" y="1450074"/>
+              <a:off x="7259722" y="3608458"/>
               <a:ext cx="130548" cy="141531"/>
             </a:xfrm>
             <a:prstGeom prst="rect">
@@ -27895,9 +27589,7 @@
               <a:srgbClr val="00CCFF"/>
             </a:solidFill>
             <a:ln>
-              <a:solidFill>
-                <a:srgbClr val="00CCFF"/>
-              </a:solidFill>
+              <a:noFill/>
             </a:ln>
           </p:spPr>
           <p:style>
@@ -27933,7 +27625,7 @@
           </p:nvSpPr>
           <p:spPr>
             <a:xfrm>
-              <a:off x="4299874" y="1647154"/>
+              <a:off x="7455541" y="3805538"/>
               <a:ext cx="130548" cy="141531"/>
             </a:xfrm>
             <a:prstGeom prst="rect">
@@ -27943,9 +27635,7 @@
               <a:srgbClr val="00CCFF"/>
             </a:solidFill>
             <a:ln>
-              <a:solidFill>
-                <a:srgbClr val="00CCFF"/>
-              </a:solidFill>
+              <a:noFill/>
             </a:ln>
           </p:spPr>
           <p:style>
@@ -27981,7 +27671,7 @@
           </p:nvSpPr>
           <p:spPr>
             <a:xfrm>
-              <a:off x="4299874" y="1844235"/>
+              <a:off x="7455541" y="4002619"/>
               <a:ext cx="130548" cy="141531"/>
             </a:xfrm>
             <a:prstGeom prst="rect">
@@ -27991,9 +27681,7 @@
               <a:srgbClr val="00CCFF"/>
             </a:solidFill>
             <a:ln>
-              <a:solidFill>
-                <a:srgbClr val="00CCFF"/>
-              </a:solidFill>
+              <a:noFill/>
             </a:ln>
           </p:spPr>
           <p:style>
@@ -28029,7 +27717,7 @@
           </p:nvSpPr>
           <p:spPr>
             <a:xfrm>
-              <a:off x="4299874" y="2041315"/>
+              <a:off x="7455541" y="4199699"/>
               <a:ext cx="130548" cy="141531"/>
             </a:xfrm>
             <a:prstGeom prst="rect">
@@ -28039,9 +27727,7 @@
               <a:srgbClr val="00CCFF"/>
             </a:solidFill>
             <a:ln>
-              <a:solidFill>
-                <a:srgbClr val="00CCFF"/>
-              </a:solidFill>
+              <a:noFill/>
             </a:ln>
           </p:spPr>
           <p:style>
@@ -28077,7 +27763,7 @@
           </p:nvSpPr>
           <p:spPr>
             <a:xfrm>
-              <a:off x="4299874" y="2238395"/>
+              <a:off x="7455541" y="4396779"/>
               <a:ext cx="130548" cy="141531"/>
             </a:xfrm>
             <a:prstGeom prst="rect">
@@ -28087,9 +27773,7 @@
               <a:srgbClr val="00CCFF"/>
             </a:solidFill>
             <a:ln>
-              <a:solidFill>
-                <a:srgbClr val="00CCFF"/>
-              </a:solidFill>
+              <a:noFill/>
             </a:ln>
           </p:spPr>
           <p:style>
@@ -28125,7 +27809,7 @@
           </p:nvSpPr>
           <p:spPr>
             <a:xfrm>
-              <a:off x="4299874" y="2435476"/>
+              <a:off x="7455541" y="4593860"/>
               <a:ext cx="130548" cy="141531"/>
             </a:xfrm>
             <a:prstGeom prst="rect">
@@ -28135,9 +27819,7 @@
               <a:srgbClr val="00CCFF"/>
             </a:solidFill>
             <a:ln>
-              <a:solidFill>
-                <a:srgbClr val="00CCFF"/>
-              </a:solidFill>
+              <a:noFill/>
             </a:ln>
           </p:spPr>
           <p:style>
@@ -28173,7 +27855,7 @@
           </p:nvSpPr>
           <p:spPr>
             <a:xfrm>
-              <a:off x="4299874" y="2632558"/>
+              <a:off x="7455541" y="4790942"/>
               <a:ext cx="130548" cy="141531"/>
             </a:xfrm>
             <a:prstGeom prst="rect">
@@ -28183,9 +27865,7 @@
               <a:srgbClr val="00CCFF"/>
             </a:solidFill>
             <a:ln>
-              <a:solidFill>
-                <a:srgbClr val="00CCFF"/>
-              </a:solidFill>
+              <a:noFill/>
             </a:ln>
           </p:spPr>
           <p:style>
@@ -28221,7 +27901,7 @@
           </p:nvSpPr>
           <p:spPr>
             <a:xfrm>
-              <a:off x="4299874" y="1055913"/>
+              <a:off x="7455541" y="3214297"/>
               <a:ext cx="130548" cy="141531"/>
             </a:xfrm>
             <a:prstGeom prst="rect">
@@ -28231,9 +27911,7 @@
               <a:srgbClr val="00CCFF"/>
             </a:solidFill>
             <a:ln>
-              <a:solidFill>
-                <a:srgbClr val="00CCFF"/>
-              </a:solidFill>
+              <a:noFill/>
             </a:ln>
           </p:spPr>
           <p:style>
@@ -28269,7 +27947,7 @@
           </p:nvSpPr>
           <p:spPr>
             <a:xfrm>
-              <a:off x="4299874" y="1252993"/>
+              <a:off x="7455541" y="3411377"/>
               <a:ext cx="130548" cy="141531"/>
             </a:xfrm>
             <a:prstGeom prst="rect">
@@ -28279,9 +27957,7 @@
               <a:srgbClr val="00CCFF"/>
             </a:solidFill>
             <a:ln>
-              <a:solidFill>
-                <a:srgbClr val="00CCFF"/>
-              </a:solidFill>
+              <a:noFill/>
             </a:ln>
           </p:spPr>
           <p:style>
@@ -28317,7 +27993,7 @@
           </p:nvSpPr>
           <p:spPr>
             <a:xfrm>
-              <a:off x="4299874" y="1450074"/>
+              <a:off x="7455541" y="3608458"/>
               <a:ext cx="130548" cy="141531"/>
             </a:xfrm>
             <a:prstGeom prst="rect">
@@ -28327,9 +28003,7 @@
               <a:srgbClr val="00CCFF"/>
             </a:solidFill>
             <a:ln>
-              <a:solidFill>
-                <a:srgbClr val="00CCFF"/>
-              </a:solidFill>
+              <a:noFill/>
             </a:ln>
           </p:spPr>
           <p:style>
@@ -28365,7 +28039,7 @@
           </p:nvSpPr>
           <p:spPr>
             <a:xfrm>
-              <a:off x="4495690" y="1647154"/>
+              <a:off x="7651357" y="3805538"/>
               <a:ext cx="130548" cy="141531"/>
             </a:xfrm>
             <a:prstGeom prst="rect">
@@ -28375,9 +28049,7 @@
               <a:srgbClr val="00CCFF"/>
             </a:solidFill>
             <a:ln>
-              <a:solidFill>
-                <a:srgbClr val="00CCFF"/>
-              </a:solidFill>
+              <a:noFill/>
             </a:ln>
           </p:spPr>
           <p:style>
@@ -28413,7 +28085,7 @@
           </p:nvSpPr>
           <p:spPr>
             <a:xfrm>
-              <a:off x="4495690" y="1844235"/>
+              <a:off x="7651357" y="4002619"/>
               <a:ext cx="130548" cy="141531"/>
             </a:xfrm>
             <a:prstGeom prst="rect">
@@ -28423,9 +28095,7 @@
               <a:srgbClr val="00CCFF"/>
             </a:solidFill>
             <a:ln>
-              <a:solidFill>
-                <a:srgbClr val="00CCFF"/>
-              </a:solidFill>
+              <a:noFill/>
             </a:ln>
           </p:spPr>
           <p:style>
@@ -28461,7 +28131,7 @@
           </p:nvSpPr>
           <p:spPr>
             <a:xfrm>
-              <a:off x="4495690" y="2041315"/>
+              <a:off x="7651357" y="4199699"/>
               <a:ext cx="130548" cy="141531"/>
             </a:xfrm>
             <a:prstGeom prst="rect">
@@ -28471,9 +28141,7 @@
               <a:srgbClr val="00CCFF"/>
             </a:solidFill>
             <a:ln>
-              <a:solidFill>
-                <a:srgbClr val="00CCFF"/>
-              </a:solidFill>
+              <a:noFill/>
             </a:ln>
           </p:spPr>
           <p:style>
@@ -28509,7 +28177,7 @@
           </p:nvSpPr>
           <p:spPr>
             <a:xfrm>
-              <a:off x="4495690" y="2238395"/>
+              <a:off x="7651357" y="4396779"/>
               <a:ext cx="130548" cy="141531"/>
             </a:xfrm>
             <a:prstGeom prst="rect">
@@ -28519,9 +28187,7 @@
               <a:srgbClr val="00CCFF"/>
             </a:solidFill>
             <a:ln>
-              <a:solidFill>
-                <a:srgbClr val="00CCFF"/>
-              </a:solidFill>
+              <a:noFill/>
             </a:ln>
           </p:spPr>
           <p:style>
@@ -28557,7 +28223,7 @@
           </p:nvSpPr>
           <p:spPr>
             <a:xfrm>
-              <a:off x="4495690" y="2435476"/>
+              <a:off x="7651357" y="4593860"/>
               <a:ext cx="130548" cy="141531"/>
             </a:xfrm>
             <a:prstGeom prst="rect">
@@ -28567,9 +28233,7 @@
               <a:srgbClr val="00CCFF"/>
             </a:solidFill>
             <a:ln>
-              <a:solidFill>
-                <a:srgbClr val="00CCFF"/>
-              </a:solidFill>
+              <a:noFill/>
             </a:ln>
           </p:spPr>
           <p:style>
@@ -28605,7 +28269,7 @@
           </p:nvSpPr>
           <p:spPr>
             <a:xfrm>
-              <a:off x="4495690" y="2632558"/>
+              <a:off x="7651357" y="4790942"/>
               <a:ext cx="130548" cy="141531"/>
             </a:xfrm>
             <a:prstGeom prst="rect">
@@ -28615,9 +28279,7 @@
               <a:srgbClr val="00CCFF"/>
             </a:solidFill>
             <a:ln>
-              <a:solidFill>
-                <a:srgbClr val="00CCFF"/>
-              </a:solidFill>
+              <a:noFill/>
             </a:ln>
           </p:spPr>
           <p:style>
@@ -28653,7 +28315,7 @@
           </p:nvSpPr>
           <p:spPr>
             <a:xfrm>
-              <a:off x="4495690" y="1055913"/>
+              <a:off x="7651357" y="3214297"/>
               <a:ext cx="130548" cy="141531"/>
             </a:xfrm>
             <a:prstGeom prst="rect">
@@ -28663,9 +28325,7 @@
               <a:srgbClr val="00CCFF"/>
             </a:solidFill>
             <a:ln>
-              <a:solidFill>
-                <a:srgbClr val="00CCFF"/>
-              </a:solidFill>
+              <a:noFill/>
             </a:ln>
           </p:spPr>
           <p:style>
@@ -28701,7 +28361,7 @@
           </p:nvSpPr>
           <p:spPr>
             <a:xfrm>
-              <a:off x="4495690" y="1252993"/>
+              <a:off x="7651357" y="3411377"/>
               <a:ext cx="130548" cy="141531"/>
             </a:xfrm>
             <a:prstGeom prst="rect">
@@ -28711,9 +28371,7 @@
               <a:srgbClr val="00CCFF"/>
             </a:solidFill>
             <a:ln>
-              <a:solidFill>
-                <a:srgbClr val="00CCFF"/>
-              </a:solidFill>
+              <a:noFill/>
             </a:ln>
           </p:spPr>
           <p:style>
@@ -28749,7 +28407,7 @@
           </p:nvSpPr>
           <p:spPr>
             <a:xfrm>
-              <a:off x="4495690" y="1450074"/>
+              <a:off x="7651357" y="3608458"/>
               <a:ext cx="130548" cy="141531"/>
             </a:xfrm>
             <a:prstGeom prst="rect">
@@ -28759,9 +28417,7 @@
               <a:srgbClr val="00CCFF"/>
             </a:solidFill>
             <a:ln>
-              <a:solidFill>
-                <a:srgbClr val="00CCFF"/>
-              </a:solidFill>
+              <a:noFill/>
             </a:ln>
           </p:spPr>
           <p:style>
@@ -28797,7 +28453,7 @@
           </p:nvSpPr>
           <p:spPr>
             <a:xfrm>
-              <a:off x="4691509" y="1647154"/>
+              <a:off x="7847176" y="3805538"/>
               <a:ext cx="130548" cy="141531"/>
             </a:xfrm>
             <a:prstGeom prst="rect">
@@ -28807,9 +28463,7 @@
               <a:srgbClr val="00CCFF"/>
             </a:solidFill>
             <a:ln>
-              <a:solidFill>
-                <a:srgbClr val="00CCFF"/>
-              </a:solidFill>
+              <a:noFill/>
             </a:ln>
           </p:spPr>
           <p:style>
@@ -28845,7 +28499,7 @@
           </p:nvSpPr>
           <p:spPr>
             <a:xfrm>
-              <a:off x="4691509" y="1844235"/>
+              <a:off x="7847176" y="4002619"/>
               <a:ext cx="130548" cy="141531"/>
             </a:xfrm>
             <a:prstGeom prst="rect">
@@ -28855,9 +28509,7 @@
               <a:srgbClr val="00CCFF"/>
             </a:solidFill>
             <a:ln>
-              <a:solidFill>
-                <a:srgbClr val="00CCFF"/>
-              </a:solidFill>
+              <a:noFill/>
             </a:ln>
           </p:spPr>
           <p:style>
@@ -28893,7 +28545,7 @@
           </p:nvSpPr>
           <p:spPr>
             <a:xfrm>
-              <a:off x="4691509" y="2041315"/>
+              <a:off x="7847176" y="4199699"/>
               <a:ext cx="130548" cy="141531"/>
             </a:xfrm>
             <a:prstGeom prst="rect">
@@ -28903,9 +28555,7 @@
               <a:srgbClr val="00CCFF"/>
             </a:solidFill>
             <a:ln>
-              <a:solidFill>
-                <a:srgbClr val="00CCFF"/>
-              </a:solidFill>
+              <a:noFill/>
             </a:ln>
           </p:spPr>
           <p:style>
@@ -28941,7 +28591,7 @@
           </p:nvSpPr>
           <p:spPr>
             <a:xfrm>
-              <a:off x="4691509" y="2238395"/>
+              <a:off x="7847176" y="4396779"/>
               <a:ext cx="130548" cy="141531"/>
             </a:xfrm>
             <a:prstGeom prst="rect">
@@ -28951,9 +28601,7 @@
               <a:srgbClr val="00CCFF"/>
             </a:solidFill>
             <a:ln>
-              <a:solidFill>
-                <a:srgbClr val="00CCFF"/>
-              </a:solidFill>
+              <a:noFill/>
             </a:ln>
           </p:spPr>
           <p:style>
@@ -28989,7 +28637,7 @@
           </p:nvSpPr>
           <p:spPr>
             <a:xfrm>
-              <a:off x="4691509" y="2435476"/>
+              <a:off x="7847176" y="4593860"/>
               <a:ext cx="130548" cy="141531"/>
             </a:xfrm>
             <a:prstGeom prst="rect">
@@ -28999,9 +28647,7 @@
               <a:srgbClr val="00CCFF"/>
             </a:solidFill>
             <a:ln>
-              <a:solidFill>
-                <a:srgbClr val="00CCFF"/>
-              </a:solidFill>
+              <a:noFill/>
             </a:ln>
           </p:spPr>
           <p:style>
@@ -29037,7 +28683,7 @@
           </p:nvSpPr>
           <p:spPr>
             <a:xfrm>
-              <a:off x="4691509" y="2632558"/>
+              <a:off x="7847176" y="4790942"/>
               <a:ext cx="130548" cy="141531"/>
             </a:xfrm>
             <a:prstGeom prst="rect">
@@ -29047,9 +28693,7 @@
               <a:srgbClr val="00CCFF"/>
             </a:solidFill>
             <a:ln>
-              <a:solidFill>
-                <a:srgbClr val="00CCFF"/>
-              </a:solidFill>
+              <a:noFill/>
             </a:ln>
           </p:spPr>
           <p:style>
@@ -29085,7 +28729,7 @@
           </p:nvSpPr>
           <p:spPr>
             <a:xfrm>
-              <a:off x="4691509" y="1055913"/>
+              <a:off x="7847176" y="3214297"/>
               <a:ext cx="130548" cy="141531"/>
             </a:xfrm>
             <a:prstGeom prst="rect">
@@ -29095,9 +28739,7 @@
               <a:srgbClr val="00CCFF"/>
             </a:solidFill>
             <a:ln>
-              <a:solidFill>
-                <a:srgbClr val="00CCFF"/>
-              </a:solidFill>
+              <a:noFill/>
             </a:ln>
           </p:spPr>
           <p:style>
@@ -29133,7 +28775,7 @@
           </p:nvSpPr>
           <p:spPr>
             <a:xfrm>
-              <a:off x="4691509" y="1252993"/>
+              <a:off x="7847176" y="3411377"/>
               <a:ext cx="130548" cy="141531"/>
             </a:xfrm>
             <a:prstGeom prst="rect">
@@ -29143,9 +28785,7 @@
               <a:srgbClr val="00CCFF"/>
             </a:solidFill>
             <a:ln>
-              <a:solidFill>
-                <a:srgbClr val="00CCFF"/>
-              </a:solidFill>
+              <a:noFill/>
             </a:ln>
           </p:spPr>
           <p:style>
@@ -29181,7 +28821,7 @@
           </p:nvSpPr>
           <p:spPr>
             <a:xfrm>
-              <a:off x="4691509" y="1450074"/>
+              <a:off x="7847176" y="3608458"/>
               <a:ext cx="130548" cy="141531"/>
             </a:xfrm>
             <a:prstGeom prst="rect">
@@ -29191,9 +28831,7 @@
               <a:srgbClr val="00CCFF"/>
             </a:solidFill>
             <a:ln>
-              <a:solidFill>
-                <a:srgbClr val="00CCFF"/>
-              </a:solidFill>
+              <a:noFill/>
             </a:ln>
           </p:spPr>
           <p:style>
@@ -29229,7 +28867,7 @@
           </p:nvSpPr>
           <p:spPr>
             <a:xfrm>
-              <a:off x="4887327" y="1647154"/>
+              <a:off x="8042994" y="3805538"/>
               <a:ext cx="130548" cy="141531"/>
             </a:xfrm>
             <a:prstGeom prst="rect">
@@ -29239,9 +28877,7 @@
               <a:srgbClr val="00CCFF"/>
             </a:solidFill>
             <a:ln>
-              <a:solidFill>
-                <a:srgbClr val="00CCFF"/>
-              </a:solidFill>
+              <a:noFill/>
             </a:ln>
           </p:spPr>
           <p:style>
@@ -29277,7 +28913,7 @@
           </p:nvSpPr>
           <p:spPr>
             <a:xfrm>
-              <a:off x="4887327" y="1844235"/>
+              <a:off x="8042994" y="4002619"/>
               <a:ext cx="130548" cy="141531"/>
             </a:xfrm>
             <a:prstGeom prst="rect">
@@ -29287,9 +28923,7 @@
               <a:srgbClr val="00CCFF"/>
             </a:solidFill>
             <a:ln>
-              <a:solidFill>
-                <a:srgbClr val="00CCFF"/>
-              </a:solidFill>
+              <a:noFill/>
             </a:ln>
           </p:spPr>
           <p:style>
@@ -29325,7 +28959,7 @@
           </p:nvSpPr>
           <p:spPr>
             <a:xfrm>
-              <a:off x="4887327" y="2041315"/>
+              <a:off x="8042994" y="4199699"/>
               <a:ext cx="130548" cy="141531"/>
             </a:xfrm>
             <a:prstGeom prst="rect">
@@ -29335,9 +28969,7 @@
               <a:srgbClr val="00CCFF"/>
             </a:solidFill>
             <a:ln>
-              <a:solidFill>
-                <a:srgbClr val="00CCFF"/>
-              </a:solidFill>
+              <a:noFill/>
             </a:ln>
           </p:spPr>
           <p:style>
@@ -29373,7 +29005,7 @@
           </p:nvSpPr>
           <p:spPr>
             <a:xfrm>
-              <a:off x="4887327" y="2238395"/>
+              <a:off x="8042994" y="4396779"/>
               <a:ext cx="130548" cy="141531"/>
             </a:xfrm>
             <a:prstGeom prst="rect">
@@ -29383,9 +29015,7 @@
               <a:srgbClr val="00CCFF"/>
             </a:solidFill>
             <a:ln>
-              <a:solidFill>
-                <a:srgbClr val="00CCFF"/>
-              </a:solidFill>
+              <a:noFill/>
             </a:ln>
           </p:spPr>
           <p:style>
@@ -29421,7 +29051,7 @@
           </p:nvSpPr>
           <p:spPr>
             <a:xfrm>
-              <a:off x="4887327" y="2435476"/>
+              <a:off x="8042994" y="4593860"/>
               <a:ext cx="130548" cy="141531"/>
             </a:xfrm>
             <a:prstGeom prst="rect">
@@ -29431,9 +29061,7 @@
               <a:srgbClr val="00CCFF"/>
             </a:solidFill>
             <a:ln>
-              <a:solidFill>
-                <a:srgbClr val="00CCFF"/>
-              </a:solidFill>
+              <a:noFill/>
             </a:ln>
           </p:spPr>
           <p:style>
@@ -29469,7 +29097,7 @@
           </p:nvSpPr>
           <p:spPr>
             <a:xfrm>
-              <a:off x="4887327" y="2632558"/>
+              <a:off x="8042994" y="4790942"/>
               <a:ext cx="130548" cy="141531"/>
             </a:xfrm>
             <a:prstGeom prst="rect">
@@ -29479,9 +29107,7 @@
               <a:srgbClr val="00CCFF"/>
             </a:solidFill>
             <a:ln>
-              <a:solidFill>
-                <a:srgbClr val="00CCFF"/>
-              </a:solidFill>
+              <a:noFill/>
             </a:ln>
           </p:spPr>
           <p:style>
@@ -29517,7 +29143,7 @@
           </p:nvSpPr>
           <p:spPr>
             <a:xfrm>
-              <a:off x="4887327" y="1055913"/>
+              <a:off x="8042994" y="3214297"/>
               <a:ext cx="130548" cy="141531"/>
             </a:xfrm>
             <a:prstGeom prst="rect">
@@ -29527,9 +29153,7 @@
               <a:srgbClr val="00CCFF"/>
             </a:solidFill>
             <a:ln>
-              <a:solidFill>
-                <a:srgbClr val="00CCFF"/>
-              </a:solidFill>
+              <a:noFill/>
             </a:ln>
           </p:spPr>
           <p:style>
@@ -29565,7 +29189,7 @@
           </p:nvSpPr>
           <p:spPr>
             <a:xfrm>
-              <a:off x="4887327" y="1252993"/>
+              <a:off x="8042994" y="3411377"/>
               <a:ext cx="130548" cy="141531"/>
             </a:xfrm>
             <a:prstGeom prst="rect">
@@ -29575,9 +29199,7 @@
               <a:srgbClr val="00CCFF"/>
             </a:solidFill>
             <a:ln>
-              <a:solidFill>
-                <a:srgbClr val="00CCFF"/>
-              </a:solidFill>
+              <a:noFill/>
             </a:ln>
           </p:spPr>
           <p:style>
@@ -29613,7 +29235,7 @@
           </p:nvSpPr>
           <p:spPr>
             <a:xfrm>
-              <a:off x="4887327" y="1450074"/>
+              <a:off x="8042994" y="3608458"/>
               <a:ext cx="130548" cy="141531"/>
             </a:xfrm>
             <a:prstGeom prst="rect">
@@ -29623,9 +29245,7 @@
               <a:srgbClr val="00CCFF"/>
             </a:solidFill>
             <a:ln>
-              <a:solidFill>
-                <a:srgbClr val="00CCFF"/>
-              </a:solidFill>
+              <a:noFill/>
             </a:ln>
           </p:spPr>
           <p:style>
@@ -29661,7 +29281,7 @@
           </p:nvSpPr>
           <p:spPr>
             <a:xfrm>
-              <a:off x="5083146" y="1647154"/>
+              <a:off x="8238813" y="3805538"/>
               <a:ext cx="130548" cy="141531"/>
             </a:xfrm>
             <a:prstGeom prst="rect">
@@ -29671,9 +29291,7 @@
               <a:srgbClr val="00CCFF"/>
             </a:solidFill>
             <a:ln>
-              <a:solidFill>
-                <a:srgbClr val="00CCFF"/>
-              </a:solidFill>
+              <a:noFill/>
             </a:ln>
           </p:spPr>
           <p:style>
@@ -29709,7 +29327,7 @@
           </p:nvSpPr>
           <p:spPr>
             <a:xfrm>
-              <a:off x="5083146" y="1844235"/>
+              <a:off x="8238813" y="4002619"/>
               <a:ext cx="130548" cy="141531"/>
             </a:xfrm>
             <a:prstGeom prst="rect">
@@ -29719,9 +29337,7 @@
               <a:srgbClr val="00CCFF"/>
             </a:solidFill>
             <a:ln>
-              <a:solidFill>
-                <a:srgbClr val="00CCFF"/>
-              </a:solidFill>
+              <a:noFill/>
             </a:ln>
           </p:spPr>
           <p:style>
@@ -29757,7 +29373,7 @@
           </p:nvSpPr>
           <p:spPr>
             <a:xfrm>
-              <a:off x="5083146" y="2041315"/>
+              <a:off x="8238813" y="4199699"/>
               <a:ext cx="130548" cy="141531"/>
             </a:xfrm>
             <a:prstGeom prst="rect">
@@ -29767,9 +29383,7 @@
               <a:srgbClr val="00CCFF"/>
             </a:solidFill>
             <a:ln>
-              <a:solidFill>
-                <a:srgbClr val="00CCFF"/>
-              </a:solidFill>
+              <a:noFill/>
             </a:ln>
           </p:spPr>
           <p:style>
@@ -29805,7 +29419,7 @@
           </p:nvSpPr>
           <p:spPr>
             <a:xfrm>
-              <a:off x="5083146" y="2238395"/>
+              <a:off x="8238813" y="4396779"/>
               <a:ext cx="130548" cy="141531"/>
             </a:xfrm>
             <a:prstGeom prst="rect">
@@ -29815,9 +29429,7 @@
               <a:srgbClr val="00CCFF"/>
             </a:solidFill>
             <a:ln>
-              <a:solidFill>
-                <a:srgbClr val="00CCFF"/>
-              </a:solidFill>
+              <a:noFill/>
             </a:ln>
           </p:spPr>
           <p:style>
@@ -29853,7 +29465,7 @@
           </p:nvSpPr>
           <p:spPr>
             <a:xfrm>
-              <a:off x="5083146" y="2435476"/>
+              <a:off x="8238813" y="4593860"/>
               <a:ext cx="130548" cy="141531"/>
             </a:xfrm>
             <a:prstGeom prst="rect">
@@ -29863,9 +29475,7 @@
               <a:srgbClr val="00CCFF"/>
             </a:solidFill>
             <a:ln>
-              <a:solidFill>
-                <a:srgbClr val="00CCFF"/>
-              </a:solidFill>
+              <a:noFill/>
             </a:ln>
           </p:spPr>
           <p:style>
@@ -29901,7 +29511,7 @@
           </p:nvSpPr>
           <p:spPr>
             <a:xfrm>
-              <a:off x="5083146" y="2632558"/>
+              <a:off x="8238813" y="4790942"/>
               <a:ext cx="130548" cy="141531"/>
             </a:xfrm>
             <a:prstGeom prst="rect">
@@ -29911,9 +29521,7 @@
               <a:srgbClr val="00CCFF"/>
             </a:solidFill>
             <a:ln>
-              <a:solidFill>
-                <a:srgbClr val="00CCFF"/>
-              </a:solidFill>
+              <a:noFill/>
             </a:ln>
           </p:spPr>
           <p:style>
@@ -29949,7 +29557,7 @@
           </p:nvSpPr>
           <p:spPr>
             <a:xfrm>
-              <a:off x="5083146" y="1055913"/>
+              <a:off x="8238813" y="3214297"/>
               <a:ext cx="130548" cy="141531"/>
             </a:xfrm>
             <a:prstGeom prst="rect">
@@ -29959,9 +29567,7 @@
               <a:srgbClr val="00CCFF"/>
             </a:solidFill>
             <a:ln>
-              <a:solidFill>
-                <a:srgbClr val="00CCFF"/>
-              </a:solidFill>
+              <a:noFill/>
             </a:ln>
           </p:spPr>
           <p:style>
@@ -29997,7 +29603,7 @@
           </p:nvSpPr>
           <p:spPr>
             <a:xfrm>
-              <a:off x="5083146" y="1252993"/>
+              <a:off x="8238813" y="3411377"/>
               <a:ext cx="130548" cy="141531"/>
             </a:xfrm>
             <a:prstGeom prst="rect">
@@ -30007,9 +29613,7 @@
               <a:srgbClr val="00CCFF"/>
             </a:solidFill>
             <a:ln>
-              <a:solidFill>
-                <a:srgbClr val="00CCFF"/>
-              </a:solidFill>
+              <a:noFill/>
             </a:ln>
           </p:spPr>
           <p:style>
@@ -30045,7 +29649,7 @@
           </p:nvSpPr>
           <p:spPr>
             <a:xfrm>
-              <a:off x="5083146" y="1450074"/>
+              <a:off x="8238813" y="3608458"/>
               <a:ext cx="130548" cy="141531"/>
             </a:xfrm>
             <a:prstGeom prst="rect">
@@ -30055,9 +29659,7 @@
               <a:srgbClr val="00CCFF"/>
             </a:solidFill>
             <a:ln>
-              <a:solidFill>
-                <a:srgbClr val="00CCFF"/>
-              </a:solidFill>
+              <a:noFill/>
             </a:ln>
           </p:spPr>
           <p:style>
@@ -30093,7 +29695,7 @@
           </p:nvSpPr>
           <p:spPr>
             <a:xfrm>
-              <a:off x="5278965" y="1647154"/>
+              <a:off x="8434632" y="3805538"/>
               <a:ext cx="130548" cy="141531"/>
             </a:xfrm>
             <a:prstGeom prst="rect">
@@ -30103,9 +29705,7 @@
               <a:srgbClr val="00CCFF"/>
             </a:solidFill>
             <a:ln>
-              <a:solidFill>
-                <a:srgbClr val="00CCFF"/>
-              </a:solidFill>
+              <a:noFill/>
             </a:ln>
           </p:spPr>
           <p:style>
@@ -30141,7 +29741,7 @@
           </p:nvSpPr>
           <p:spPr>
             <a:xfrm>
-              <a:off x="5278965" y="1844235"/>
+              <a:off x="8434632" y="4002619"/>
               <a:ext cx="130548" cy="141531"/>
             </a:xfrm>
             <a:prstGeom prst="rect">
@@ -30151,9 +29751,7 @@
               <a:srgbClr val="00CCFF"/>
             </a:solidFill>
             <a:ln>
-              <a:solidFill>
-                <a:srgbClr val="00CCFF"/>
-              </a:solidFill>
+              <a:noFill/>
             </a:ln>
           </p:spPr>
           <p:style>
@@ -30189,7 +29787,7 @@
           </p:nvSpPr>
           <p:spPr>
             <a:xfrm>
-              <a:off x="5278965" y="2041315"/>
+              <a:off x="8434632" y="4199699"/>
               <a:ext cx="130548" cy="141531"/>
             </a:xfrm>
             <a:prstGeom prst="rect">
@@ -30199,9 +29797,7 @@
               <a:srgbClr val="00CCFF"/>
             </a:solidFill>
             <a:ln>
-              <a:solidFill>
-                <a:srgbClr val="00CCFF"/>
-              </a:solidFill>
+              <a:noFill/>
             </a:ln>
           </p:spPr>
           <p:style>
@@ -30237,7 +29833,7 @@
           </p:nvSpPr>
           <p:spPr>
             <a:xfrm>
-              <a:off x="5278965" y="2238395"/>
+              <a:off x="8434632" y="4396779"/>
               <a:ext cx="130548" cy="141531"/>
             </a:xfrm>
             <a:prstGeom prst="rect">
@@ -30247,9 +29843,7 @@
               <a:srgbClr val="00CCFF"/>
             </a:solidFill>
             <a:ln>
-              <a:solidFill>
-                <a:srgbClr val="00CCFF"/>
-              </a:solidFill>
+              <a:noFill/>
             </a:ln>
           </p:spPr>
           <p:style>
@@ -30285,7 +29879,7 @@
           </p:nvSpPr>
           <p:spPr>
             <a:xfrm>
-              <a:off x="5278965" y="2435476"/>
+              <a:off x="8434632" y="4593860"/>
               <a:ext cx="130548" cy="141531"/>
             </a:xfrm>
             <a:prstGeom prst="rect">
@@ -30295,9 +29889,7 @@
               <a:srgbClr val="00CCFF"/>
             </a:solidFill>
             <a:ln>
-              <a:solidFill>
-                <a:srgbClr val="00CCFF"/>
-              </a:solidFill>
+              <a:noFill/>
             </a:ln>
           </p:spPr>
           <p:style>
@@ -30333,7 +29925,7 @@
           </p:nvSpPr>
           <p:spPr>
             <a:xfrm>
-              <a:off x="5278965" y="2632558"/>
+              <a:off x="8434632" y="4790942"/>
               <a:ext cx="130548" cy="141531"/>
             </a:xfrm>
             <a:prstGeom prst="rect">
@@ -30343,9 +29935,7 @@
               <a:srgbClr val="00CCFF"/>
             </a:solidFill>
             <a:ln>
-              <a:solidFill>
-                <a:srgbClr val="00CCFF"/>
-              </a:solidFill>
+              <a:noFill/>
             </a:ln>
           </p:spPr>
           <p:style>
@@ -30381,7 +29971,7 @@
           </p:nvSpPr>
           <p:spPr>
             <a:xfrm>
-              <a:off x="5278965" y="1055913"/>
+              <a:off x="8434632" y="3214297"/>
               <a:ext cx="130548" cy="141531"/>
             </a:xfrm>
             <a:prstGeom prst="rect">
@@ -30391,9 +29981,7 @@
               <a:srgbClr val="00CCFF"/>
             </a:solidFill>
             <a:ln>
-              <a:solidFill>
-                <a:srgbClr val="00CCFF"/>
-              </a:solidFill>
+              <a:noFill/>
             </a:ln>
           </p:spPr>
           <p:style>
@@ -30429,7 +30017,7 @@
           </p:nvSpPr>
           <p:spPr>
             <a:xfrm>
-              <a:off x="5278965" y="1252993"/>
+              <a:off x="8434632" y="3411377"/>
               <a:ext cx="130548" cy="141531"/>
             </a:xfrm>
             <a:prstGeom prst="rect">
@@ -30439,9 +30027,7 @@
               <a:srgbClr val="00CCFF"/>
             </a:solidFill>
             <a:ln>
-              <a:solidFill>
-                <a:srgbClr val="00CCFF"/>
-              </a:solidFill>
+              <a:noFill/>
             </a:ln>
           </p:spPr>
           <p:style>
@@ -30477,7 +30063,7 @@
           </p:nvSpPr>
           <p:spPr>
             <a:xfrm>
-              <a:off x="5278965" y="1450074"/>
+              <a:off x="8434632" y="3608458"/>
               <a:ext cx="130548" cy="141531"/>
             </a:xfrm>
             <a:prstGeom prst="rect">
@@ -30487,9 +30073,7 @@
               <a:srgbClr val="00CCFF"/>
             </a:solidFill>
             <a:ln>
-              <a:solidFill>
-                <a:srgbClr val="00CCFF"/>
-              </a:solidFill>
+              <a:noFill/>
             </a:ln>
           </p:spPr>
           <p:style>
@@ -30525,7 +30109,7 @@
           </p:nvSpPr>
           <p:spPr>
             <a:xfrm>
-              <a:off x="5467532" y="1647154"/>
+              <a:off x="8623199" y="3805538"/>
               <a:ext cx="130548" cy="141531"/>
             </a:xfrm>
             <a:prstGeom prst="rect">
@@ -30535,9 +30119,7 @@
               <a:srgbClr val="00CCFF"/>
             </a:solidFill>
             <a:ln>
-              <a:solidFill>
-                <a:srgbClr val="00CCFF"/>
-              </a:solidFill>
+              <a:noFill/>
             </a:ln>
           </p:spPr>
           <p:style>
@@ -30573,7 +30155,7 @@
           </p:nvSpPr>
           <p:spPr>
             <a:xfrm>
-              <a:off x="5467532" y="1844235"/>
+              <a:off x="8623199" y="4002619"/>
               <a:ext cx="130548" cy="141531"/>
             </a:xfrm>
             <a:prstGeom prst="rect">
@@ -30583,9 +30165,7 @@
               <a:srgbClr val="00CCFF"/>
             </a:solidFill>
             <a:ln>
-              <a:solidFill>
-                <a:srgbClr val="00CCFF"/>
-              </a:solidFill>
+              <a:noFill/>
             </a:ln>
           </p:spPr>
           <p:style>
@@ -30621,7 +30201,7 @@
           </p:nvSpPr>
           <p:spPr>
             <a:xfrm>
-              <a:off x="5467532" y="2041315"/>
+              <a:off x="8623199" y="4199699"/>
               <a:ext cx="130548" cy="141531"/>
             </a:xfrm>
             <a:prstGeom prst="rect">
@@ -30631,9 +30211,7 @@
               <a:srgbClr val="00CCFF"/>
             </a:solidFill>
             <a:ln>
-              <a:solidFill>
-                <a:srgbClr val="00CCFF"/>
-              </a:solidFill>
+              <a:noFill/>
             </a:ln>
           </p:spPr>
           <p:style>
@@ -30669,7 +30247,7 @@
           </p:nvSpPr>
           <p:spPr>
             <a:xfrm>
-              <a:off x="5467532" y="2238395"/>
+              <a:off x="8623199" y="4396779"/>
               <a:ext cx="130548" cy="141531"/>
             </a:xfrm>
             <a:prstGeom prst="rect">
@@ -30679,9 +30257,7 @@
               <a:srgbClr val="00CCFF"/>
             </a:solidFill>
             <a:ln>
-              <a:solidFill>
-                <a:srgbClr val="00CCFF"/>
-              </a:solidFill>
+              <a:noFill/>
             </a:ln>
           </p:spPr>
           <p:style>
@@ -30717,7 +30293,7 @@
           </p:nvSpPr>
           <p:spPr>
             <a:xfrm>
-              <a:off x="5467532" y="2435476"/>
+              <a:off x="8623199" y="4593860"/>
               <a:ext cx="130548" cy="141531"/>
             </a:xfrm>
             <a:prstGeom prst="rect">
@@ -30727,9 +30303,7 @@
               <a:srgbClr val="00CCFF"/>
             </a:solidFill>
             <a:ln>
-              <a:solidFill>
-                <a:srgbClr val="00CCFF"/>
-              </a:solidFill>
+              <a:noFill/>
             </a:ln>
           </p:spPr>
           <p:style>
@@ -30765,7 +30339,7 @@
           </p:nvSpPr>
           <p:spPr>
             <a:xfrm>
-              <a:off x="5467532" y="2632558"/>
+              <a:off x="8623199" y="4790942"/>
               <a:ext cx="130548" cy="141531"/>
             </a:xfrm>
             <a:prstGeom prst="rect">
@@ -30775,9 +30349,7 @@
               <a:srgbClr val="00CCFF"/>
             </a:solidFill>
             <a:ln>
-              <a:solidFill>
-                <a:srgbClr val="00CCFF"/>
-              </a:solidFill>
+              <a:noFill/>
             </a:ln>
           </p:spPr>
           <p:style>
@@ -30813,7 +30385,7 @@
           </p:nvSpPr>
           <p:spPr>
             <a:xfrm>
-              <a:off x="5467532" y="1055913"/>
+              <a:off x="8623199" y="3214297"/>
               <a:ext cx="130548" cy="141531"/>
             </a:xfrm>
             <a:prstGeom prst="rect">
@@ -30823,9 +30395,7 @@
               <a:srgbClr val="00CCFF"/>
             </a:solidFill>
             <a:ln>
-              <a:solidFill>
-                <a:srgbClr val="00CCFF"/>
-              </a:solidFill>
+              <a:noFill/>
             </a:ln>
           </p:spPr>
           <p:style>
@@ -30861,7 +30431,7 @@
           </p:nvSpPr>
           <p:spPr>
             <a:xfrm>
-              <a:off x="5467532" y="1252993"/>
+              <a:off x="8623199" y="3411377"/>
               <a:ext cx="130548" cy="141531"/>
             </a:xfrm>
             <a:prstGeom prst="rect">
@@ -30871,9 +30441,7 @@
               <a:srgbClr val="00CCFF"/>
             </a:solidFill>
             <a:ln>
-              <a:solidFill>
-                <a:srgbClr val="00CCFF"/>
-              </a:solidFill>
+              <a:noFill/>
             </a:ln>
           </p:spPr>
           <p:style>
@@ -30909,7 +30477,7 @@
           </p:nvSpPr>
           <p:spPr>
             <a:xfrm>
-              <a:off x="5467532" y="1450074"/>
+              <a:off x="8623199" y="3608458"/>
               <a:ext cx="130548" cy="141531"/>
             </a:xfrm>
             <a:prstGeom prst="rect">
@@ -30919,9 +30487,7 @@
               <a:srgbClr val="00CCFF"/>
             </a:solidFill>
             <a:ln>
-              <a:solidFill>
-                <a:srgbClr val="00CCFF"/>
-              </a:solidFill>
+              <a:noFill/>
             </a:ln>
           </p:spPr>
           <p:style>
@@ -30957,7 +30523,7 @@
           </p:nvSpPr>
           <p:spPr>
             <a:xfrm>
-              <a:off x="5663350" y="1647154"/>
+              <a:off x="8819017" y="3805538"/>
               <a:ext cx="130548" cy="141531"/>
             </a:xfrm>
             <a:prstGeom prst="rect">
@@ -30967,9 +30533,7 @@
               <a:srgbClr val="00CCFF"/>
             </a:solidFill>
             <a:ln>
-              <a:solidFill>
-                <a:srgbClr val="00CCFF"/>
-              </a:solidFill>
+              <a:noFill/>
             </a:ln>
           </p:spPr>
           <p:style>
@@ -31005,7 +30569,7 @@
           </p:nvSpPr>
           <p:spPr>
             <a:xfrm>
-              <a:off x="5663350" y="1844235"/>
+              <a:off x="8819017" y="4002619"/>
               <a:ext cx="130548" cy="141531"/>
             </a:xfrm>
             <a:prstGeom prst="rect">
@@ -31015,9 +30579,7 @@
               <a:srgbClr val="00CCFF"/>
             </a:solidFill>
             <a:ln>
-              <a:solidFill>
-                <a:srgbClr val="00CCFF"/>
-              </a:solidFill>
+              <a:noFill/>
             </a:ln>
           </p:spPr>
           <p:style>
@@ -31053,7 +30615,7 @@
           </p:nvSpPr>
           <p:spPr>
             <a:xfrm>
-              <a:off x="5663350" y="2041315"/>
+              <a:off x="8819017" y="4199699"/>
               <a:ext cx="130548" cy="141531"/>
             </a:xfrm>
             <a:prstGeom prst="rect">
@@ -31063,9 +30625,7 @@
               <a:srgbClr val="00CCFF"/>
             </a:solidFill>
             <a:ln>
-              <a:solidFill>
-                <a:srgbClr val="00CCFF"/>
-              </a:solidFill>
+              <a:noFill/>
             </a:ln>
           </p:spPr>
           <p:style>
@@ -31101,7 +30661,7 @@
           </p:nvSpPr>
           <p:spPr>
             <a:xfrm>
-              <a:off x="5663350" y="2238395"/>
+              <a:off x="8819017" y="4396779"/>
               <a:ext cx="130548" cy="141531"/>
             </a:xfrm>
             <a:prstGeom prst="rect">
@@ -31111,9 +30671,7 @@
               <a:srgbClr val="00CCFF"/>
             </a:solidFill>
             <a:ln>
-              <a:solidFill>
-                <a:srgbClr val="00CCFF"/>
-              </a:solidFill>
+              <a:noFill/>
             </a:ln>
           </p:spPr>
           <p:style>
@@ -31149,7 +30707,7 @@
           </p:nvSpPr>
           <p:spPr>
             <a:xfrm>
-              <a:off x="5663350" y="2435476"/>
+              <a:off x="8819017" y="4593860"/>
               <a:ext cx="130548" cy="141531"/>
             </a:xfrm>
             <a:prstGeom prst="rect">
@@ -31159,9 +30717,7 @@
               <a:srgbClr val="00CCFF"/>
             </a:solidFill>
             <a:ln>
-              <a:solidFill>
-                <a:srgbClr val="00CCFF"/>
-              </a:solidFill>
+              <a:noFill/>
             </a:ln>
           </p:spPr>
           <p:style>
@@ -31197,7 +30753,7 @@
           </p:nvSpPr>
           <p:spPr>
             <a:xfrm>
-              <a:off x="5663350" y="2632558"/>
+              <a:off x="8819017" y="4790942"/>
               <a:ext cx="130548" cy="141531"/>
             </a:xfrm>
             <a:prstGeom prst="rect">
@@ -31207,9 +30763,7 @@
               <a:srgbClr val="00CCFF"/>
             </a:solidFill>
             <a:ln>
-              <a:solidFill>
-                <a:srgbClr val="00CCFF"/>
-              </a:solidFill>
+              <a:noFill/>
             </a:ln>
           </p:spPr>
           <p:style>
@@ -31245,7 +30799,7 @@
           </p:nvSpPr>
           <p:spPr>
             <a:xfrm>
-              <a:off x="5663350" y="1055913"/>
+              <a:off x="8819017" y="3214297"/>
               <a:ext cx="130548" cy="141531"/>
             </a:xfrm>
             <a:prstGeom prst="rect">
@@ -31255,9 +30809,7 @@
               <a:srgbClr val="00CCFF"/>
             </a:solidFill>
             <a:ln>
-              <a:solidFill>
-                <a:srgbClr val="00CCFF"/>
-              </a:solidFill>
+              <a:noFill/>
             </a:ln>
           </p:spPr>
           <p:style>
@@ -31293,7 +30845,7 @@
           </p:nvSpPr>
           <p:spPr>
             <a:xfrm>
-              <a:off x="5663350" y="1252993"/>
+              <a:off x="8819017" y="3411377"/>
               <a:ext cx="130548" cy="141531"/>
             </a:xfrm>
             <a:prstGeom prst="rect">
@@ -31303,9 +30855,7 @@
               <a:srgbClr val="00CCFF"/>
             </a:solidFill>
             <a:ln>
-              <a:solidFill>
-                <a:srgbClr val="00CCFF"/>
-              </a:solidFill>
+              <a:noFill/>
             </a:ln>
           </p:spPr>
           <p:style>
@@ -31341,7 +30891,7 @@
           </p:nvSpPr>
           <p:spPr>
             <a:xfrm>
-              <a:off x="5663350" y="1450074"/>
+              <a:off x="8819017" y="3608458"/>
               <a:ext cx="130548" cy="141531"/>
             </a:xfrm>
             <a:prstGeom prst="rect">
@@ -31351,9 +30901,7 @@
               <a:srgbClr val="00CCFF"/>
             </a:solidFill>
             <a:ln>
-              <a:solidFill>
-                <a:srgbClr val="00CCFF"/>
-              </a:solidFill>
+              <a:noFill/>
             </a:ln>
           </p:spPr>
           <p:style>
@@ -31389,7 +30937,7 @@
           </p:nvSpPr>
           <p:spPr>
             <a:xfrm>
-              <a:off x="5859169" y="1647154"/>
+              <a:off x="9014836" y="3805538"/>
               <a:ext cx="130548" cy="141531"/>
             </a:xfrm>
             <a:prstGeom prst="rect">
@@ -31399,9 +30947,7 @@
               <a:srgbClr val="00CCFF"/>
             </a:solidFill>
             <a:ln>
-              <a:solidFill>
-                <a:srgbClr val="00CCFF"/>
-              </a:solidFill>
+              <a:noFill/>
             </a:ln>
           </p:spPr>
           <p:style>
@@ -31437,7 +30983,7 @@
           </p:nvSpPr>
           <p:spPr>
             <a:xfrm>
-              <a:off x="5859169" y="1844235"/>
+              <a:off x="9014836" y="4002619"/>
               <a:ext cx="130548" cy="141531"/>
             </a:xfrm>
             <a:prstGeom prst="rect">
@@ -31447,9 +30993,7 @@
               <a:srgbClr val="00CCFF"/>
             </a:solidFill>
             <a:ln>
-              <a:solidFill>
-                <a:srgbClr val="00CCFF"/>
-              </a:solidFill>
+              <a:noFill/>
             </a:ln>
           </p:spPr>
           <p:style>
@@ -31485,7 +31029,7 @@
           </p:nvSpPr>
           <p:spPr>
             <a:xfrm>
-              <a:off x="5859169" y="2041315"/>
+              <a:off x="9014836" y="4199699"/>
               <a:ext cx="130548" cy="141531"/>
             </a:xfrm>
             <a:prstGeom prst="rect">
@@ -31495,9 +31039,7 @@
               <a:srgbClr val="00CCFF"/>
             </a:solidFill>
             <a:ln>
-              <a:solidFill>
-                <a:srgbClr val="00CCFF"/>
-              </a:solidFill>
+              <a:noFill/>
             </a:ln>
           </p:spPr>
           <p:style>
@@ -31533,7 +31075,7 @@
           </p:nvSpPr>
           <p:spPr>
             <a:xfrm>
-              <a:off x="5859169" y="2238395"/>
+              <a:off x="9014836" y="4396779"/>
               <a:ext cx="130548" cy="141531"/>
             </a:xfrm>
             <a:prstGeom prst="rect">
@@ -31543,9 +31085,7 @@
               <a:srgbClr val="00CCFF"/>
             </a:solidFill>
             <a:ln>
-              <a:solidFill>
-                <a:srgbClr val="00CCFF"/>
-              </a:solidFill>
+              <a:noFill/>
             </a:ln>
           </p:spPr>
           <p:style>
@@ -31581,7 +31121,7 @@
           </p:nvSpPr>
           <p:spPr>
             <a:xfrm>
-              <a:off x="5859169" y="2435476"/>
+              <a:off x="9014836" y="4593860"/>
               <a:ext cx="130548" cy="141531"/>
             </a:xfrm>
             <a:prstGeom prst="rect">
@@ -31591,9 +31131,7 @@
               <a:srgbClr val="00CCFF"/>
             </a:solidFill>
             <a:ln>
-              <a:solidFill>
-                <a:srgbClr val="00CCFF"/>
-              </a:solidFill>
+              <a:noFill/>
             </a:ln>
           </p:spPr>
           <p:style>
@@ -31629,7 +31167,7 @@
           </p:nvSpPr>
           <p:spPr>
             <a:xfrm>
-              <a:off x="5859169" y="2632558"/>
+              <a:off x="9014836" y="4790942"/>
               <a:ext cx="130548" cy="141531"/>
             </a:xfrm>
             <a:prstGeom prst="rect">
@@ -31639,9 +31177,7 @@
               <a:srgbClr val="00CCFF"/>
             </a:solidFill>
             <a:ln>
-              <a:solidFill>
-                <a:srgbClr val="00CCFF"/>
-              </a:solidFill>
+              <a:noFill/>
             </a:ln>
           </p:spPr>
           <p:style>
@@ -31677,7 +31213,7 @@
           </p:nvSpPr>
           <p:spPr>
             <a:xfrm>
-              <a:off x="5859169" y="1055913"/>
+              <a:off x="9014836" y="3214297"/>
               <a:ext cx="130548" cy="141531"/>
             </a:xfrm>
             <a:prstGeom prst="rect">
@@ -31687,9 +31223,7 @@
               <a:srgbClr val="00CCFF"/>
             </a:solidFill>
             <a:ln>
-              <a:solidFill>
-                <a:srgbClr val="00CCFF"/>
-              </a:solidFill>
+              <a:noFill/>
             </a:ln>
           </p:spPr>
           <p:style>
@@ -31725,7 +31259,7 @@
           </p:nvSpPr>
           <p:spPr>
             <a:xfrm>
-              <a:off x="5859169" y="1252993"/>
+              <a:off x="9014836" y="3411377"/>
               <a:ext cx="130548" cy="141531"/>
             </a:xfrm>
             <a:prstGeom prst="rect">
@@ -31735,9 +31269,7 @@
               <a:srgbClr val="00CCFF"/>
             </a:solidFill>
             <a:ln>
-              <a:solidFill>
-                <a:srgbClr val="00CCFF"/>
-              </a:solidFill>
+              <a:noFill/>
             </a:ln>
           </p:spPr>
           <p:style>
@@ -31773,7 +31305,7 @@
           </p:nvSpPr>
           <p:spPr>
             <a:xfrm>
-              <a:off x="5859169" y="1450074"/>
+              <a:off x="9014836" y="3608458"/>
               <a:ext cx="130548" cy="141531"/>
             </a:xfrm>
             <a:prstGeom prst="rect">
@@ -31783,9 +31315,7 @@
               <a:srgbClr val="00CCFF"/>
             </a:solidFill>
             <a:ln>
-              <a:solidFill>
-                <a:srgbClr val="00CCFF"/>
-              </a:solidFill>
+              <a:noFill/>
             </a:ln>
           </p:spPr>
           <p:style>
@@ -31821,7 +31351,7 @@
           </p:nvSpPr>
           <p:spPr>
             <a:xfrm>
-              <a:off x="6054988" y="1647154"/>
+              <a:off x="9210655" y="3805538"/>
               <a:ext cx="130548" cy="141531"/>
             </a:xfrm>
             <a:prstGeom prst="rect">
@@ -31831,9 +31361,7 @@
               <a:srgbClr val="00CCFF"/>
             </a:solidFill>
             <a:ln>
-              <a:solidFill>
-                <a:srgbClr val="00CCFF"/>
-              </a:solidFill>
+              <a:noFill/>
             </a:ln>
           </p:spPr>
           <p:style>
@@ -31869,7 +31397,7 @@
           </p:nvSpPr>
           <p:spPr>
             <a:xfrm>
-              <a:off x="6054988" y="1844235"/>
+              <a:off x="9210655" y="4002619"/>
               <a:ext cx="130548" cy="141531"/>
             </a:xfrm>
             <a:prstGeom prst="rect">
@@ -31879,9 +31407,7 @@
               <a:srgbClr val="00CCFF"/>
             </a:solidFill>
             <a:ln>
-              <a:solidFill>
-                <a:srgbClr val="00CCFF"/>
-              </a:solidFill>
+              <a:noFill/>
             </a:ln>
           </p:spPr>
           <p:style>
@@ -31917,7 +31443,7 @@
           </p:nvSpPr>
           <p:spPr>
             <a:xfrm>
-              <a:off x="6054988" y="2041315"/>
+              <a:off x="9210655" y="4199699"/>
               <a:ext cx="130548" cy="141531"/>
             </a:xfrm>
             <a:prstGeom prst="rect">
@@ -31927,9 +31453,7 @@
               <a:srgbClr val="00CCFF"/>
             </a:solidFill>
             <a:ln>
-              <a:solidFill>
-                <a:srgbClr val="00CCFF"/>
-              </a:solidFill>
+              <a:noFill/>
             </a:ln>
           </p:spPr>
           <p:style>
@@ -31965,7 +31489,7 @@
           </p:nvSpPr>
           <p:spPr>
             <a:xfrm>
-              <a:off x="6054988" y="2238395"/>
+              <a:off x="9210655" y="4396779"/>
               <a:ext cx="130548" cy="141531"/>
             </a:xfrm>
             <a:prstGeom prst="rect">
@@ -31975,9 +31499,7 @@
               <a:srgbClr val="00CCFF"/>
             </a:solidFill>
             <a:ln>
-              <a:solidFill>
-                <a:srgbClr val="00CCFF"/>
-              </a:solidFill>
+              <a:noFill/>
             </a:ln>
           </p:spPr>
           <p:style>
@@ -32013,7 +31535,7 @@
           </p:nvSpPr>
           <p:spPr>
             <a:xfrm>
-              <a:off x="6054988" y="2435476"/>
+              <a:off x="9210655" y="4593860"/>
               <a:ext cx="130548" cy="141531"/>
             </a:xfrm>
             <a:prstGeom prst="rect">
@@ -32023,9 +31545,7 @@
               <a:srgbClr val="00CCFF"/>
             </a:solidFill>
             <a:ln>
-              <a:solidFill>
-                <a:srgbClr val="00CCFF"/>
-              </a:solidFill>
+              <a:noFill/>
             </a:ln>
           </p:spPr>
           <p:style>
@@ -32061,7 +31581,7 @@
           </p:nvSpPr>
           <p:spPr>
             <a:xfrm>
-              <a:off x="6054988" y="2632558"/>
+              <a:off x="9210655" y="4790942"/>
               <a:ext cx="130548" cy="141531"/>
             </a:xfrm>
             <a:prstGeom prst="rect">
@@ -32071,9 +31591,7 @@
               <a:srgbClr val="00CCFF"/>
             </a:solidFill>
             <a:ln>
-              <a:solidFill>
-                <a:srgbClr val="00CCFF"/>
-              </a:solidFill>
+              <a:noFill/>
             </a:ln>
           </p:spPr>
           <p:style>
@@ -32109,7 +31627,7 @@
           </p:nvSpPr>
           <p:spPr>
             <a:xfrm>
-              <a:off x="6054988" y="1055913"/>
+              <a:off x="9210655" y="3214297"/>
               <a:ext cx="130548" cy="141531"/>
             </a:xfrm>
             <a:prstGeom prst="rect">
@@ -32119,9 +31637,7 @@
               <a:srgbClr val="00CCFF"/>
             </a:solidFill>
             <a:ln>
-              <a:solidFill>
-                <a:srgbClr val="00CCFF"/>
-              </a:solidFill>
+              <a:noFill/>
             </a:ln>
           </p:spPr>
           <p:style>
@@ -32157,7 +31673,7 @@
           </p:nvSpPr>
           <p:spPr>
             <a:xfrm>
-              <a:off x="6054988" y="1252993"/>
+              <a:off x="9210655" y="3411377"/>
               <a:ext cx="130548" cy="141531"/>
             </a:xfrm>
             <a:prstGeom prst="rect">
@@ -32167,9 +31683,7 @@
               <a:srgbClr val="00CCFF"/>
             </a:solidFill>
             <a:ln>
-              <a:solidFill>
-                <a:srgbClr val="00CCFF"/>
-              </a:solidFill>
+              <a:noFill/>
             </a:ln>
           </p:spPr>
           <p:style>
@@ -32205,7 +31719,7 @@
           </p:nvSpPr>
           <p:spPr>
             <a:xfrm>
-              <a:off x="6054988" y="1450074"/>
+              <a:off x="9210655" y="3608458"/>
               <a:ext cx="130548" cy="141531"/>
             </a:xfrm>
             <a:prstGeom prst="rect">
@@ -32215,9 +31729,7 @@
               <a:srgbClr val="00CCFF"/>
             </a:solidFill>
             <a:ln>
-              <a:solidFill>
-                <a:srgbClr val="00CCFF"/>
-              </a:solidFill>
+              <a:noFill/>
             </a:ln>
           </p:spPr>
           <p:style>
@@ -32253,7 +31765,7 @@
           </p:nvSpPr>
           <p:spPr>
             <a:xfrm>
-              <a:off x="6250807" y="1647154"/>
+              <a:off x="9406474" y="3805538"/>
               <a:ext cx="130548" cy="141531"/>
             </a:xfrm>
             <a:prstGeom prst="rect">
@@ -32263,9 +31775,7 @@
               <a:srgbClr val="00CCFF"/>
             </a:solidFill>
             <a:ln>
-              <a:solidFill>
-                <a:srgbClr val="00CCFF"/>
-              </a:solidFill>
+              <a:noFill/>
             </a:ln>
           </p:spPr>
           <p:style>
@@ -32301,7 +31811,7 @@
           </p:nvSpPr>
           <p:spPr>
             <a:xfrm>
-              <a:off x="6250807" y="1844235"/>
+              <a:off x="9406474" y="4002619"/>
               <a:ext cx="130548" cy="141531"/>
             </a:xfrm>
             <a:prstGeom prst="rect">
@@ -32311,9 +31821,7 @@
               <a:srgbClr val="00CCFF"/>
             </a:solidFill>
             <a:ln>
-              <a:solidFill>
-                <a:srgbClr val="00CCFF"/>
-              </a:solidFill>
+              <a:noFill/>
             </a:ln>
           </p:spPr>
           <p:style>
@@ -32349,7 +31857,7 @@
           </p:nvSpPr>
           <p:spPr>
             <a:xfrm>
-              <a:off x="6250807" y="2041315"/>
+              <a:off x="9406474" y="4199699"/>
               <a:ext cx="130548" cy="141531"/>
             </a:xfrm>
             <a:prstGeom prst="rect">
@@ -32359,9 +31867,7 @@
               <a:srgbClr val="00CCFF"/>
             </a:solidFill>
             <a:ln>
-              <a:solidFill>
-                <a:srgbClr val="00CCFF"/>
-              </a:solidFill>
+              <a:noFill/>
             </a:ln>
           </p:spPr>
           <p:style>
@@ -32397,7 +31903,7 @@
           </p:nvSpPr>
           <p:spPr>
             <a:xfrm>
-              <a:off x="6250807" y="2238395"/>
+              <a:off x="9406474" y="4396779"/>
               <a:ext cx="130548" cy="141531"/>
             </a:xfrm>
             <a:prstGeom prst="rect">
@@ -32407,9 +31913,7 @@
               <a:srgbClr val="00CCFF"/>
             </a:solidFill>
             <a:ln>
-              <a:solidFill>
-                <a:srgbClr val="00CCFF"/>
-              </a:solidFill>
+              <a:noFill/>
             </a:ln>
           </p:spPr>
           <p:style>
@@ -32445,7 +31949,7 @@
           </p:nvSpPr>
           <p:spPr>
             <a:xfrm>
-              <a:off x="6250807" y="2435476"/>
+              <a:off x="9406474" y="4593860"/>
               <a:ext cx="130548" cy="141531"/>
             </a:xfrm>
             <a:prstGeom prst="rect">
@@ -32455,9 +31959,7 @@
               <a:srgbClr val="00CCFF"/>
             </a:solidFill>
             <a:ln>
-              <a:solidFill>
-                <a:srgbClr val="00CCFF"/>
-              </a:solidFill>
+              <a:noFill/>
             </a:ln>
           </p:spPr>
           <p:style>
@@ -32493,7 +31995,7 @@
           </p:nvSpPr>
           <p:spPr>
             <a:xfrm>
-              <a:off x="6250807" y="2632558"/>
+              <a:off x="9406474" y="4790942"/>
               <a:ext cx="130548" cy="141531"/>
             </a:xfrm>
             <a:prstGeom prst="rect">
@@ -32503,9 +32005,7 @@
               <a:srgbClr val="00CCFF"/>
             </a:solidFill>
             <a:ln>
-              <a:solidFill>
-                <a:srgbClr val="00CCFF"/>
-              </a:solidFill>
+              <a:noFill/>
             </a:ln>
           </p:spPr>
           <p:style>
@@ -32541,7 +32041,7 @@
           </p:nvSpPr>
           <p:spPr>
             <a:xfrm>
-              <a:off x="6250807" y="1055913"/>
+              <a:off x="9406474" y="3214297"/>
               <a:ext cx="130548" cy="141531"/>
             </a:xfrm>
             <a:prstGeom prst="rect">
@@ -32551,9 +32051,7 @@
               <a:srgbClr val="00CCFF"/>
             </a:solidFill>
             <a:ln>
-              <a:solidFill>
-                <a:srgbClr val="00CCFF"/>
-              </a:solidFill>
+              <a:noFill/>
             </a:ln>
           </p:spPr>
           <p:style>
@@ -32589,7 +32087,7 @@
           </p:nvSpPr>
           <p:spPr>
             <a:xfrm>
-              <a:off x="6250807" y="1252993"/>
+              <a:off x="9406474" y="3411377"/>
               <a:ext cx="130548" cy="141531"/>
             </a:xfrm>
             <a:prstGeom prst="rect">
@@ -32599,9 +32097,7 @@
               <a:srgbClr val="00CCFF"/>
             </a:solidFill>
             <a:ln>
-              <a:solidFill>
-                <a:srgbClr val="00CCFF"/>
-              </a:solidFill>
+              <a:noFill/>
             </a:ln>
           </p:spPr>
           <p:style>
@@ -32637,7 +32133,7 @@
           </p:nvSpPr>
           <p:spPr>
             <a:xfrm>
-              <a:off x="6250807" y="1450074"/>
+              <a:off x="9406474" y="3608458"/>
               <a:ext cx="130548" cy="141531"/>
             </a:xfrm>
             <a:prstGeom prst="rect">
@@ -32647,9 +32143,7 @@
               <a:srgbClr val="00CCFF"/>
             </a:solidFill>
             <a:ln>
-              <a:solidFill>
-                <a:srgbClr val="00CCFF"/>
-              </a:solidFill>
+              <a:noFill/>
             </a:ln>
           </p:spPr>
           <p:style>

--- a/images/architecture drawings.pptx
+++ b/images/architecture drawings.pptx
@@ -12,6 +12,8 @@
     <p:sldId id="261" r:id="rId6"/>
     <p:sldId id="257" r:id="rId7"/>
     <p:sldId id="262" r:id="rId8"/>
+    <p:sldId id="263" r:id="rId9"/>
+    <p:sldId id="264" r:id="rId10"/>
   </p:sldIdLst>
   <p:sldSz cx="12192000" cy="6858000"/>
   <p:notesSz cx="6858000" cy="9144000"/>
@@ -249,7 +251,7 @@
           <a:p>
             <a:fld id="{DC9AA326-EE99-456C-8AE0-599EDAE998F2}" type="datetimeFigureOut">
               <a:rPr lang="en-US" smtClean="0"/>
-              <a:t>14/04/15</a:t>
+              <a:t>16/04/15</a:t>
             </a:fld>
             <a:endParaRPr lang="en-US"/>
           </a:p>
@@ -419,7 +421,7 @@
           <a:p>
             <a:fld id="{DC9AA326-EE99-456C-8AE0-599EDAE998F2}" type="datetimeFigureOut">
               <a:rPr lang="en-US" smtClean="0"/>
-              <a:t>14/04/15</a:t>
+              <a:t>16/04/15</a:t>
             </a:fld>
             <a:endParaRPr lang="en-US"/>
           </a:p>
@@ -599,7 +601,7 @@
           <a:p>
             <a:fld id="{DC9AA326-EE99-456C-8AE0-599EDAE998F2}" type="datetimeFigureOut">
               <a:rPr lang="en-US" smtClean="0"/>
-              <a:t>14/04/15</a:t>
+              <a:t>16/04/15</a:t>
             </a:fld>
             <a:endParaRPr lang="en-US"/>
           </a:p>
@@ -769,7 +771,7 @@
           <a:p>
             <a:fld id="{DC9AA326-EE99-456C-8AE0-599EDAE998F2}" type="datetimeFigureOut">
               <a:rPr lang="en-US" smtClean="0"/>
-              <a:t>14/04/15</a:t>
+              <a:t>16/04/15</a:t>
             </a:fld>
             <a:endParaRPr lang="en-US"/>
           </a:p>
@@ -1015,7 +1017,7 @@
           <a:p>
             <a:fld id="{DC9AA326-EE99-456C-8AE0-599EDAE998F2}" type="datetimeFigureOut">
               <a:rPr lang="en-US" smtClean="0"/>
-              <a:t>14/04/15</a:t>
+              <a:t>16/04/15</a:t>
             </a:fld>
             <a:endParaRPr lang="en-US"/>
           </a:p>
@@ -1247,7 +1249,7 @@
           <a:p>
             <a:fld id="{DC9AA326-EE99-456C-8AE0-599EDAE998F2}" type="datetimeFigureOut">
               <a:rPr lang="en-US" smtClean="0"/>
-              <a:t>14/04/15</a:t>
+              <a:t>16/04/15</a:t>
             </a:fld>
             <a:endParaRPr lang="en-US"/>
           </a:p>
@@ -1614,7 +1616,7 @@
           <a:p>
             <a:fld id="{DC9AA326-EE99-456C-8AE0-599EDAE998F2}" type="datetimeFigureOut">
               <a:rPr lang="en-US" smtClean="0"/>
-              <a:t>14/04/15</a:t>
+              <a:t>16/04/15</a:t>
             </a:fld>
             <a:endParaRPr lang="en-US"/>
           </a:p>
@@ -1732,7 +1734,7 @@
           <a:p>
             <a:fld id="{DC9AA326-EE99-456C-8AE0-599EDAE998F2}" type="datetimeFigureOut">
               <a:rPr lang="en-US" smtClean="0"/>
-              <a:t>14/04/15</a:t>
+              <a:t>16/04/15</a:t>
             </a:fld>
             <a:endParaRPr lang="en-US"/>
           </a:p>
@@ -1827,7 +1829,7 @@
           <a:p>
             <a:fld id="{DC9AA326-EE99-456C-8AE0-599EDAE998F2}" type="datetimeFigureOut">
               <a:rPr lang="en-US" smtClean="0"/>
-              <a:t>14/04/15</a:t>
+              <a:t>16/04/15</a:t>
             </a:fld>
             <a:endParaRPr lang="en-US"/>
           </a:p>
@@ -2104,7 +2106,7 @@
           <a:p>
             <a:fld id="{DC9AA326-EE99-456C-8AE0-599EDAE998F2}" type="datetimeFigureOut">
               <a:rPr lang="en-US" smtClean="0"/>
-              <a:t>14/04/15</a:t>
+              <a:t>16/04/15</a:t>
             </a:fld>
             <a:endParaRPr lang="en-US"/>
           </a:p>
@@ -2357,7 +2359,7 @@
           <a:p>
             <a:fld id="{DC9AA326-EE99-456C-8AE0-599EDAE998F2}" type="datetimeFigureOut">
               <a:rPr lang="en-US" smtClean="0"/>
-              <a:t>14/04/15</a:t>
+              <a:t>16/04/15</a:t>
             </a:fld>
             <a:endParaRPr lang="en-US"/>
           </a:p>
@@ -2570,7 +2572,7 @@
           <a:p>
             <a:fld id="{DC9AA326-EE99-456C-8AE0-599EDAE998F2}" type="datetimeFigureOut">
               <a:rPr lang="en-US" smtClean="0"/>
-              <a:t>14/04/15</a:t>
+              <a:t>16/04/15</a:t>
             </a:fld>
             <a:endParaRPr lang="en-US"/>
           </a:p>
@@ -32207,6 +32209,5112 @@
 </p:sld>
 </file>
 
+<file path=ppt/slides/slide8.xml><?xml version="1.0" encoding="utf-8"?>
+<p:sld xmlns:a="http://schemas.openxmlformats.org/drawingml/2006/main" xmlns:r="http://schemas.openxmlformats.org/officeDocument/2006/relationships" xmlns:p="http://schemas.openxmlformats.org/presentationml/2006/main">
+  <p:cSld>
+    <p:spTree>
+      <p:nvGrpSpPr>
+        <p:cNvPr id="1" name=""/>
+        <p:cNvGrpSpPr/>
+        <p:nvPr/>
+      </p:nvGrpSpPr>
+      <p:grpSpPr>
+        <a:xfrm>
+          <a:off x="0" y="0"/>
+          <a:ext cx="0" cy="0"/>
+          <a:chOff x="0" y="0"/>
+          <a:chExt cx="0" cy="0"/>
+        </a:xfrm>
+      </p:grpSpPr>
+      <p:sp>
+        <p:nvSpPr>
+          <p:cNvPr id="4" name="Rectangle 3"/>
+          <p:cNvSpPr/>
+          <p:nvPr/>
+        </p:nvSpPr>
+        <p:spPr>
+          <a:xfrm>
+            <a:off x="2463240" y="2172227"/>
+            <a:ext cx="3227295" cy="869577"/>
+          </a:xfrm>
+          <a:prstGeom prst="rect">
+            <a:avLst/>
+          </a:prstGeom>
+          <a:solidFill>
+            <a:srgbClr val="00CCFF"/>
+          </a:solidFill>
+          <a:ln>
+            <a:solidFill>
+              <a:srgbClr val="00CCFF"/>
+            </a:solidFill>
+          </a:ln>
+        </p:spPr>
+        <p:style>
+          <a:lnRef idx="2">
+            <a:schemeClr val="accent1">
+              <a:shade val="50000"/>
+            </a:schemeClr>
+          </a:lnRef>
+          <a:fillRef idx="1">
+            <a:schemeClr val="accent1"/>
+          </a:fillRef>
+          <a:effectRef idx="0">
+            <a:schemeClr val="accent1"/>
+          </a:effectRef>
+          <a:fontRef idx="minor">
+            <a:schemeClr val="lt1"/>
+          </a:fontRef>
+        </p:style>
+        <p:txBody>
+          <a:bodyPr rtlCol="0" anchor="ctr"/>
+          <a:lstStyle/>
+          <a:p>
+            <a:pPr algn="ctr"/>
+            <a:r>
+              <a:rPr lang="nl-BE" dirty="0" smtClean="0"/>
+              <a:t>Eventhub</a:t>
+            </a:r>
+            <a:endParaRPr lang="en-US" dirty="0"/>
+          </a:p>
+        </p:txBody>
+      </p:sp>
+      <p:sp>
+        <p:nvSpPr>
+          <p:cNvPr id="5" name="Oval 4"/>
+          <p:cNvSpPr/>
+          <p:nvPr/>
+        </p:nvSpPr>
+        <p:spPr>
+          <a:xfrm>
+            <a:off x="1749208" y="2490417"/>
+            <a:ext cx="230909" cy="215496"/>
+          </a:xfrm>
+          <a:prstGeom prst="ellipse">
+            <a:avLst/>
+          </a:prstGeom>
+          <a:solidFill>
+            <a:schemeClr val="bg2">
+              <a:lumMod val="50000"/>
+            </a:schemeClr>
+          </a:solidFill>
+          <a:ln>
+            <a:solidFill>
+              <a:schemeClr val="bg2">
+                <a:lumMod val="50000"/>
+              </a:schemeClr>
+            </a:solidFill>
+          </a:ln>
+        </p:spPr>
+        <p:style>
+          <a:lnRef idx="2">
+            <a:schemeClr val="accent1">
+              <a:shade val="50000"/>
+            </a:schemeClr>
+          </a:lnRef>
+          <a:fillRef idx="1">
+            <a:schemeClr val="accent1"/>
+          </a:fillRef>
+          <a:effectRef idx="0">
+            <a:schemeClr val="accent1"/>
+          </a:effectRef>
+          <a:fontRef idx="minor">
+            <a:schemeClr val="lt1"/>
+          </a:fontRef>
+        </p:style>
+        <p:txBody>
+          <a:bodyPr rtlCol="0" anchor="ctr"/>
+          <a:lstStyle/>
+          <a:p>
+            <a:pPr algn="ctr"/>
+            <a:endParaRPr lang="en-US"/>
+          </a:p>
+        </p:txBody>
+      </p:sp>
+      <p:cxnSp>
+        <p:nvCxnSpPr>
+          <p:cNvPr id="6" name="Straight Connector 5"/>
+          <p:cNvCxnSpPr/>
+          <p:nvPr/>
+        </p:nvCxnSpPr>
+        <p:spPr>
+          <a:xfrm>
+            <a:off x="1977912" y="2606284"/>
+            <a:ext cx="495604" cy="0"/>
+          </a:xfrm>
+          <a:prstGeom prst="line">
+            <a:avLst/>
+          </a:prstGeom>
+          <a:ln>
+            <a:solidFill>
+              <a:schemeClr val="bg2">
+                <a:lumMod val="50000"/>
+              </a:schemeClr>
+            </a:solidFill>
+          </a:ln>
+        </p:spPr>
+        <p:style>
+          <a:lnRef idx="1">
+            <a:schemeClr val="accent1"/>
+          </a:lnRef>
+          <a:fillRef idx="0">
+            <a:schemeClr val="accent1"/>
+          </a:fillRef>
+          <a:effectRef idx="0">
+            <a:schemeClr val="accent1"/>
+          </a:effectRef>
+          <a:fontRef idx="minor">
+            <a:schemeClr val="tx1"/>
+          </a:fontRef>
+        </p:style>
+      </p:cxnSp>
+      <p:sp>
+        <p:nvSpPr>
+          <p:cNvPr id="7" name="Rectangle 6"/>
+          <p:cNvSpPr/>
+          <p:nvPr/>
+        </p:nvSpPr>
+        <p:spPr>
+          <a:xfrm>
+            <a:off x="5829929" y="2181482"/>
+            <a:ext cx="1185395" cy="869577"/>
+          </a:xfrm>
+          <a:prstGeom prst="rect">
+            <a:avLst/>
+          </a:prstGeom>
+          <a:solidFill>
+            <a:srgbClr val="00CCFF"/>
+          </a:solidFill>
+          <a:ln>
+            <a:solidFill>
+              <a:srgbClr val="00CCFF"/>
+            </a:solidFill>
+          </a:ln>
+        </p:spPr>
+        <p:style>
+          <a:lnRef idx="2">
+            <a:schemeClr val="accent1">
+              <a:shade val="50000"/>
+            </a:schemeClr>
+          </a:lnRef>
+          <a:fillRef idx="1">
+            <a:schemeClr val="accent1"/>
+          </a:fillRef>
+          <a:effectRef idx="0">
+            <a:schemeClr val="accent1"/>
+          </a:effectRef>
+          <a:fontRef idx="minor">
+            <a:schemeClr val="lt1"/>
+          </a:fontRef>
+        </p:style>
+        <p:txBody>
+          <a:bodyPr rtlCol="0" anchor="ctr"/>
+          <a:lstStyle/>
+          <a:p>
+            <a:pPr algn="ctr"/>
+            <a:r>
+              <a:rPr lang="nl-BE" dirty="0" smtClean="0"/>
+              <a:t>Event</a:t>
+            </a:r>
+          </a:p>
+          <a:p>
+            <a:pPr algn="ctr"/>
+            <a:r>
+              <a:rPr lang="nl-BE" dirty="0" smtClean="0"/>
+              <a:t>ProcessorHost</a:t>
+            </a:r>
+            <a:endParaRPr lang="en-US" dirty="0"/>
+          </a:p>
+        </p:txBody>
+      </p:sp>
+      <p:cxnSp>
+        <p:nvCxnSpPr>
+          <p:cNvPr id="8" name="Straight Arrow Connector 7"/>
+          <p:cNvCxnSpPr/>
+          <p:nvPr/>
+        </p:nvCxnSpPr>
+        <p:spPr>
+          <a:xfrm>
+            <a:off x="225429" y="2606284"/>
+            <a:ext cx="1407459" cy="0"/>
+          </a:xfrm>
+          <a:prstGeom prst="straightConnector1">
+            <a:avLst/>
+          </a:prstGeom>
+          <a:ln>
+            <a:tailEnd type="triangle"/>
+          </a:ln>
+        </p:spPr>
+        <p:style>
+          <a:lnRef idx="3">
+            <a:schemeClr val="dk1"/>
+          </a:lnRef>
+          <a:fillRef idx="0">
+            <a:schemeClr val="dk1"/>
+          </a:fillRef>
+          <a:effectRef idx="2">
+            <a:schemeClr val="dk1"/>
+          </a:effectRef>
+          <a:fontRef idx="minor">
+            <a:schemeClr val="tx1"/>
+          </a:fontRef>
+        </p:style>
+      </p:cxnSp>
+      <p:sp>
+        <p:nvSpPr>
+          <p:cNvPr id="9" name="Rectangle 8"/>
+          <p:cNvSpPr/>
+          <p:nvPr/>
+        </p:nvSpPr>
+        <p:spPr>
+          <a:xfrm>
+            <a:off x="2463240" y="3323200"/>
+            <a:ext cx="3227295" cy="869577"/>
+          </a:xfrm>
+          <a:prstGeom prst="rect">
+            <a:avLst/>
+          </a:prstGeom>
+          <a:solidFill>
+            <a:srgbClr val="00CCFF"/>
+          </a:solidFill>
+          <a:ln>
+            <a:solidFill>
+              <a:srgbClr val="00CCFF"/>
+            </a:solidFill>
+          </a:ln>
+        </p:spPr>
+        <p:style>
+          <a:lnRef idx="2">
+            <a:schemeClr val="accent1">
+              <a:shade val="50000"/>
+            </a:schemeClr>
+          </a:lnRef>
+          <a:fillRef idx="1">
+            <a:schemeClr val="accent1"/>
+          </a:fillRef>
+          <a:effectRef idx="0">
+            <a:schemeClr val="accent1"/>
+          </a:effectRef>
+          <a:fontRef idx="minor">
+            <a:schemeClr val="lt1"/>
+          </a:fontRef>
+        </p:style>
+        <p:txBody>
+          <a:bodyPr rtlCol="0" anchor="ctr"/>
+          <a:lstStyle/>
+          <a:p>
+            <a:pPr algn="ctr"/>
+            <a:r>
+              <a:rPr lang="nl-BE" dirty="0" smtClean="0"/>
+              <a:t>Signalr Hub</a:t>
+            </a:r>
+            <a:endParaRPr lang="en-US" dirty="0"/>
+          </a:p>
+        </p:txBody>
+      </p:sp>
+      <p:sp>
+        <p:nvSpPr>
+          <p:cNvPr id="10" name="Rectangle 9"/>
+          <p:cNvSpPr/>
+          <p:nvPr/>
+        </p:nvSpPr>
+        <p:spPr>
+          <a:xfrm>
+            <a:off x="5836701" y="3313528"/>
+            <a:ext cx="1185395" cy="1957405"/>
+          </a:xfrm>
+          <a:prstGeom prst="rect">
+            <a:avLst/>
+          </a:prstGeom>
+          <a:solidFill>
+            <a:srgbClr val="00CCFF"/>
+          </a:solidFill>
+          <a:ln>
+            <a:solidFill>
+              <a:srgbClr val="00CCFF"/>
+            </a:solidFill>
+          </a:ln>
+        </p:spPr>
+        <p:style>
+          <a:lnRef idx="2">
+            <a:schemeClr val="accent1">
+              <a:shade val="50000"/>
+            </a:schemeClr>
+          </a:lnRef>
+          <a:fillRef idx="1">
+            <a:schemeClr val="accent1"/>
+          </a:fillRef>
+          <a:effectRef idx="0">
+            <a:schemeClr val="accent1"/>
+          </a:effectRef>
+          <a:fontRef idx="minor">
+            <a:schemeClr val="lt1"/>
+          </a:fontRef>
+        </p:style>
+        <p:txBody>
+          <a:bodyPr rtlCol="0" anchor="ctr"/>
+          <a:lstStyle/>
+          <a:p>
+            <a:pPr algn="ctr"/>
+            <a:r>
+              <a:rPr lang="nl-BE" dirty="0" smtClean="0"/>
+              <a:t>Owin</a:t>
+            </a:r>
+            <a:endParaRPr lang="en-US" dirty="0"/>
+          </a:p>
+        </p:txBody>
+      </p:sp>
+      <p:sp>
+        <p:nvSpPr>
+          <p:cNvPr id="11" name="Oval 10"/>
+          <p:cNvSpPr/>
+          <p:nvPr/>
+        </p:nvSpPr>
+        <p:spPr>
+          <a:xfrm>
+            <a:off x="1736727" y="3610548"/>
+            <a:ext cx="230909" cy="215496"/>
+          </a:xfrm>
+          <a:prstGeom prst="ellipse">
+            <a:avLst/>
+          </a:prstGeom>
+          <a:solidFill>
+            <a:schemeClr val="bg2">
+              <a:lumMod val="50000"/>
+            </a:schemeClr>
+          </a:solidFill>
+          <a:ln>
+            <a:solidFill>
+              <a:schemeClr val="bg2">
+                <a:lumMod val="50000"/>
+              </a:schemeClr>
+            </a:solidFill>
+          </a:ln>
+        </p:spPr>
+        <p:style>
+          <a:lnRef idx="2">
+            <a:schemeClr val="accent1">
+              <a:shade val="50000"/>
+            </a:schemeClr>
+          </a:lnRef>
+          <a:fillRef idx="1">
+            <a:schemeClr val="accent1"/>
+          </a:fillRef>
+          <a:effectRef idx="0">
+            <a:schemeClr val="accent1"/>
+          </a:effectRef>
+          <a:fontRef idx="minor">
+            <a:schemeClr val="lt1"/>
+          </a:fontRef>
+        </p:style>
+        <p:txBody>
+          <a:bodyPr rtlCol="0" anchor="ctr"/>
+          <a:lstStyle/>
+          <a:p>
+            <a:pPr algn="ctr"/>
+            <a:endParaRPr lang="en-US"/>
+          </a:p>
+        </p:txBody>
+      </p:sp>
+      <p:cxnSp>
+        <p:nvCxnSpPr>
+          <p:cNvPr id="12" name="Straight Connector 11"/>
+          <p:cNvCxnSpPr/>
+          <p:nvPr/>
+        </p:nvCxnSpPr>
+        <p:spPr>
+          <a:xfrm>
+            <a:off x="1965431" y="3726415"/>
+            <a:ext cx="495604" cy="0"/>
+          </a:xfrm>
+          <a:prstGeom prst="line">
+            <a:avLst/>
+          </a:prstGeom>
+          <a:ln>
+            <a:solidFill>
+              <a:schemeClr val="bg2">
+                <a:lumMod val="50000"/>
+              </a:schemeClr>
+            </a:solidFill>
+          </a:ln>
+        </p:spPr>
+        <p:style>
+          <a:lnRef idx="1">
+            <a:schemeClr val="accent1"/>
+          </a:lnRef>
+          <a:fillRef idx="0">
+            <a:schemeClr val="accent1"/>
+          </a:fillRef>
+          <a:effectRef idx="0">
+            <a:schemeClr val="accent1"/>
+          </a:effectRef>
+          <a:fontRef idx="minor">
+            <a:schemeClr val="tx1"/>
+          </a:fontRef>
+        </p:style>
+      </p:cxnSp>
+      <p:cxnSp>
+        <p:nvCxnSpPr>
+          <p:cNvPr id="13" name="Straight Arrow Connector 12"/>
+          <p:cNvCxnSpPr/>
+          <p:nvPr/>
+        </p:nvCxnSpPr>
+        <p:spPr>
+          <a:xfrm>
+            <a:off x="212948" y="3726415"/>
+            <a:ext cx="1407459" cy="0"/>
+          </a:xfrm>
+          <a:prstGeom prst="straightConnector1">
+            <a:avLst/>
+          </a:prstGeom>
+          <a:ln>
+            <a:tailEnd type="triangle"/>
+          </a:ln>
+        </p:spPr>
+        <p:style>
+          <a:lnRef idx="3">
+            <a:schemeClr val="dk1"/>
+          </a:lnRef>
+          <a:fillRef idx="0">
+            <a:schemeClr val="dk1"/>
+          </a:fillRef>
+          <a:effectRef idx="2">
+            <a:schemeClr val="dk1"/>
+          </a:effectRef>
+          <a:fontRef idx="minor">
+            <a:schemeClr val="tx1"/>
+          </a:fontRef>
+        </p:style>
+      </p:cxnSp>
+      <p:sp>
+        <p:nvSpPr>
+          <p:cNvPr id="14" name="Rectangle 13"/>
+          <p:cNvSpPr/>
+          <p:nvPr/>
+        </p:nvSpPr>
+        <p:spPr>
+          <a:xfrm>
+            <a:off x="2475721" y="4411027"/>
+            <a:ext cx="3227295" cy="869577"/>
+          </a:xfrm>
+          <a:prstGeom prst="rect">
+            <a:avLst/>
+          </a:prstGeom>
+          <a:solidFill>
+            <a:srgbClr val="00CCFF"/>
+          </a:solidFill>
+          <a:ln>
+            <a:solidFill>
+              <a:srgbClr val="00CCFF"/>
+            </a:solidFill>
+          </a:ln>
+        </p:spPr>
+        <p:style>
+          <a:lnRef idx="2">
+            <a:schemeClr val="accent1">
+              <a:shade val="50000"/>
+            </a:schemeClr>
+          </a:lnRef>
+          <a:fillRef idx="1">
+            <a:schemeClr val="accent1"/>
+          </a:fillRef>
+          <a:effectRef idx="0">
+            <a:schemeClr val="accent1"/>
+          </a:effectRef>
+          <a:fontRef idx="minor">
+            <a:schemeClr val="lt1"/>
+          </a:fontRef>
+        </p:style>
+        <p:txBody>
+          <a:bodyPr rtlCol="0" anchor="ctr"/>
+          <a:lstStyle/>
+          <a:p>
+            <a:pPr algn="ctr"/>
+            <a:r>
+              <a:rPr lang="nl-BE" dirty="0" smtClean="0"/>
+              <a:t>Web API Controller</a:t>
+            </a:r>
+            <a:endParaRPr lang="en-US" dirty="0"/>
+          </a:p>
+        </p:txBody>
+      </p:sp>
+      <p:sp>
+        <p:nvSpPr>
+          <p:cNvPr id="15" name="Oval 14"/>
+          <p:cNvSpPr/>
+          <p:nvPr/>
+        </p:nvSpPr>
+        <p:spPr>
+          <a:xfrm>
+            <a:off x="1749208" y="4698375"/>
+            <a:ext cx="230909" cy="215496"/>
+          </a:xfrm>
+          <a:prstGeom prst="ellipse">
+            <a:avLst/>
+          </a:prstGeom>
+          <a:solidFill>
+            <a:schemeClr val="bg2">
+              <a:lumMod val="50000"/>
+            </a:schemeClr>
+          </a:solidFill>
+          <a:ln>
+            <a:solidFill>
+              <a:schemeClr val="bg2">
+                <a:lumMod val="50000"/>
+              </a:schemeClr>
+            </a:solidFill>
+          </a:ln>
+        </p:spPr>
+        <p:style>
+          <a:lnRef idx="2">
+            <a:schemeClr val="accent1">
+              <a:shade val="50000"/>
+            </a:schemeClr>
+          </a:lnRef>
+          <a:fillRef idx="1">
+            <a:schemeClr val="accent1"/>
+          </a:fillRef>
+          <a:effectRef idx="0">
+            <a:schemeClr val="accent1"/>
+          </a:effectRef>
+          <a:fontRef idx="minor">
+            <a:schemeClr val="lt1"/>
+          </a:fontRef>
+        </p:style>
+        <p:txBody>
+          <a:bodyPr rtlCol="0" anchor="ctr"/>
+          <a:lstStyle/>
+          <a:p>
+            <a:pPr algn="ctr"/>
+            <a:endParaRPr lang="en-US"/>
+          </a:p>
+        </p:txBody>
+      </p:sp>
+      <p:cxnSp>
+        <p:nvCxnSpPr>
+          <p:cNvPr id="16" name="Straight Connector 15"/>
+          <p:cNvCxnSpPr/>
+          <p:nvPr/>
+        </p:nvCxnSpPr>
+        <p:spPr>
+          <a:xfrm>
+            <a:off x="1977912" y="4814242"/>
+            <a:ext cx="495604" cy="0"/>
+          </a:xfrm>
+          <a:prstGeom prst="line">
+            <a:avLst/>
+          </a:prstGeom>
+          <a:ln>
+            <a:solidFill>
+              <a:schemeClr val="bg2">
+                <a:lumMod val="50000"/>
+              </a:schemeClr>
+            </a:solidFill>
+          </a:ln>
+        </p:spPr>
+        <p:style>
+          <a:lnRef idx="1">
+            <a:schemeClr val="accent1"/>
+          </a:lnRef>
+          <a:fillRef idx="0">
+            <a:schemeClr val="accent1"/>
+          </a:fillRef>
+          <a:effectRef idx="0">
+            <a:schemeClr val="accent1"/>
+          </a:effectRef>
+          <a:fontRef idx="minor">
+            <a:schemeClr val="tx1"/>
+          </a:fontRef>
+        </p:style>
+      </p:cxnSp>
+      <p:cxnSp>
+        <p:nvCxnSpPr>
+          <p:cNvPr id="17" name="Straight Arrow Connector 16"/>
+          <p:cNvCxnSpPr/>
+          <p:nvPr/>
+        </p:nvCxnSpPr>
+        <p:spPr>
+          <a:xfrm>
+            <a:off x="225429" y="4814242"/>
+            <a:ext cx="1407459" cy="0"/>
+          </a:xfrm>
+          <a:prstGeom prst="straightConnector1">
+            <a:avLst/>
+          </a:prstGeom>
+          <a:ln>
+            <a:tailEnd type="triangle"/>
+          </a:ln>
+        </p:spPr>
+        <p:style>
+          <a:lnRef idx="3">
+            <a:schemeClr val="dk1"/>
+          </a:lnRef>
+          <a:fillRef idx="0">
+            <a:schemeClr val="dk1"/>
+          </a:fillRef>
+          <a:effectRef idx="2">
+            <a:schemeClr val="dk1"/>
+          </a:effectRef>
+          <a:fontRef idx="minor">
+            <a:schemeClr val="tx1"/>
+          </a:fontRef>
+        </p:style>
+      </p:cxnSp>
+      <p:sp>
+        <p:nvSpPr>
+          <p:cNvPr id="18" name="Rectangle 17"/>
+          <p:cNvSpPr/>
+          <p:nvPr/>
+        </p:nvSpPr>
+        <p:spPr>
+          <a:xfrm>
+            <a:off x="2475721" y="5494674"/>
+            <a:ext cx="3227295" cy="869577"/>
+          </a:xfrm>
+          <a:prstGeom prst="rect">
+            <a:avLst/>
+          </a:prstGeom>
+          <a:ln/>
+        </p:spPr>
+        <p:style>
+          <a:lnRef idx="1">
+            <a:schemeClr val="accent3"/>
+          </a:lnRef>
+          <a:fillRef idx="2">
+            <a:schemeClr val="accent3"/>
+          </a:fillRef>
+          <a:effectRef idx="1">
+            <a:schemeClr val="accent3"/>
+          </a:effectRef>
+          <a:fontRef idx="minor">
+            <a:schemeClr val="dk1"/>
+          </a:fontRef>
+        </p:style>
+        <p:txBody>
+          <a:bodyPr rtlCol="0" anchor="ctr"/>
+          <a:lstStyle/>
+          <a:p>
+            <a:pPr algn="ctr"/>
+            <a:r>
+              <a:rPr lang="nl-BE" dirty="0" smtClean="0"/>
+              <a:t>MQTT </a:t>
+            </a:r>
+            <a:r>
+              <a:rPr lang="nl-BE" sz="1600" dirty="0" smtClean="0"/>
+              <a:t>(Not available yet)</a:t>
+            </a:r>
+            <a:endParaRPr lang="en-US" sz="1600" dirty="0"/>
+          </a:p>
+        </p:txBody>
+      </p:sp>
+      <p:sp>
+        <p:nvSpPr>
+          <p:cNvPr id="19" name="Oval 18"/>
+          <p:cNvSpPr/>
+          <p:nvPr/>
+        </p:nvSpPr>
+        <p:spPr>
+          <a:xfrm>
+            <a:off x="1749208" y="5782022"/>
+            <a:ext cx="230909" cy="215496"/>
+          </a:xfrm>
+          <a:prstGeom prst="ellipse">
+            <a:avLst/>
+          </a:prstGeom>
+          <a:solidFill>
+            <a:schemeClr val="bg2">
+              <a:lumMod val="50000"/>
+            </a:schemeClr>
+          </a:solidFill>
+          <a:ln>
+            <a:solidFill>
+              <a:schemeClr val="bg2">
+                <a:lumMod val="50000"/>
+              </a:schemeClr>
+            </a:solidFill>
+          </a:ln>
+        </p:spPr>
+        <p:style>
+          <a:lnRef idx="2">
+            <a:schemeClr val="accent1">
+              <a:shade val="50000"/>
+            </a:schemeClr>
+          </a:lnRef>
+          <a:fillRef idx="1">
+            <a:schemeClr val="accent1"/>
+          </a:fillRef>
+          <a:effectRef idx="0">
+            <a:schemeClr val="accent1"/>
+          </a:effectRef>
+          <a:fontRef idx="minor">
+            <a:schemeClr val="lt1"/>
+          </a:fontRef>
+        </p:style>
+        <p:txBody>
+          <a:bodyPr rtlCol="0" anchor="ctr"/>
+          <a:lstStyle/>
+          <a:p>
+            <a:pPr algn="ctr"/>
+            <a:endParaRPr lang="en-US"/>
+          </a:p>
+        </p:txBody>
+      </p:sp>
+      <p:cxnSp>
+        <p:nvCxnSpPr>
+          <p:cNvPr id="20" name="Straight Connector 19"/>
+          <p:cNvCxnSpPr/>
+          <p:nvPr/>
+        </p:nvCxnSpPr>
+        <p:spPr>
+          <a:xfrm>
+            <a:off x="1977912" y="5897889"/>
+            <a:ext cx="495604" cy="0"/>
+          </a:xfrm>
+          <a:prstGeom prst="line">
+            <a:avLst/>
+          </a:prstGeom>
+          <a:ln>
+            <a:solidFill>
+              <a:schemeClr val="bg2">
+                <a:lumMod val="50000"/>
+              </a:schemeClr>
+            </a:solidFill>
+          </a:ln>
+        </p:spPr>
+        <p:style>
+          <a:lnRef idx="1">
+            <a:schemeClr val="accent1"/>
+          </a:lnRef>
+          <a:fillRef idx="0">
+            <a:schemeClr val="accent1"/>
+          </a:fillRef>
+          <a:effectRef idx="0">
+            <a:schemeClr val="accent1"/>
+          </a:effectRef>
+          <a:fontRef idx="minor">
+            <a:schemeClr val="tx1"/>
+          </a:fontRef>
+        </p:style>
+      </p:cxnSp>
+      <p:cxnSp>
+        <p:nvCxnSpPr>
+          <p:cNvPr id="21" name="Straight Arrow Connector 20"/>
+          <p:cNvCxnSpPr/>
+          <p:nvPr/>
+        </p:nvCxnSpPr>
+        <p:spPr>
+          <a:xfrm>
+            <a:off x="225429" y="5897889"/>
+            <a:ext cx="1407459" cy="0"/>
+          </a:xfrm>
+          <a:prstGeom prst="straightConnector1">
+            <a:avLst/>
+          </a:prstGeom>
+          <a:ln>
+            <a:tailEnd type="triangle"/>
+          </a:ln>
+        </p:spPr>
+        <p:style>
+          <a:lnRef idx="3">
+            <a:schemeClr val="dk1"/>
+          </a:lnRef>
+          <a:fillRef idx="0">
+            <a:schemeClr val="dk1"/>
+          </a:fillRef>
+          <a:effectRef idx="2">
+            <a:schemeClr val="dk1"/>
+          </a:effectRef>
+          <a:fontRef idx="minor">
+            <a:schemeClr val="tx1"/>
+          </a:fontRef>
+        </p:style>
+      </p:cxnSp>
+      <p:sp>
+        <p:nvSpPr>
+          <p:cNvPr id="22" name="Rectangle 21"/>
+          <p:cNvSpPr/>
+          <p:nvPr/>
+        </p:nvSpPr>
+        <p:spPr>
+          <a:xfrm>
+            <a:off x="5836701" y="5485003"/>
+            <a:ext cx="1185395" cy="869577"/>
+          </a:xfrm>
+          <a:prstGeom prst="rect">
+            <a:avLst/>
+          </a:prstGeom>
+          <a:ln/>
+        </p:spPr>
+        <p:style>
+          <a:lnRef idx="1">
+            <a:schemeClr val="accent3"/>
+          </a:lnRef>
+          <a:fillRef idx="2">
+            <a:schemeClr val="accent3"/>
+          </a:fillRef>
+          <a:effectRef idx="1">
+            <a:schemeClr val="accent3"/>
+          </a:effectRef>
+          <a:fontRef idx="minor">
+            <a:schemeClr val="dk1"/>
+          </a:fontRef>
+        </p:style>
+        <p:txBody>
+          <a:bodyPr rtlCol="0" anchor="ctr"/>
+          <a:lstStyle/>
+          <a:p>
+            <a:pPr algn="ctr"/>
+            <a:r>
+              <a:rPr lang="nl-BE" dirty="0" smtClean="0"/>
+              <a:t>Host</a:t>
+            </a:r>
+            <a:endParaRPr lang="en-US" dirty="0"/>
+          </a:p>
+        </p:txBody>
+      </p:sp>
+      <p:sp>
+        <p:nvSpPr>
+          <p:cNvPr id="23" name="Rectangle 22"/>
+          <p:cNvSpPr/>
+          <p:nvPr/>
+        </p:nvSpPr>
+        <p:spPr>
+          <a:xfrm>
+            <a:off x="7194319" y="2160452"/>
+            <a:ext cx="896470" cy="4192024"/>
+          </a:xfrm>
+          <a:prstGeom prst="rect">
+            <a:avLst/>
+          </a:prstGeom>
+          <a:solidFill>
+            <a:srgbClr val="00CCFF"/>
+          </a:solidFill>
+          <a:ln>
+            <a:solidFill>
+              <a:srgbClr val="00CCFF"/>
+            </a:solidFill>
+          </a:ln>
+        </p:spPr>
+        <p:style>
+          <a:lnRef idx="2">
+            <a:schemeClr val="accent1">
+              <a:shade val="50000"/>
+            </a:schemeClr>
+          </a:lnRef>
+          <a:fillRef idx="1">
+            <a:schemeClr val="accent1"/>
+          </a:fillRef>
+          <a:effectRef idx="0">
+            <a:schemeClr val="accent1"/>
+          </a:effectRef>
+          <a:fontRef idx="minor">
+            <a:schemeClr val="lt1"/>
+          </a:fontRef>
+        </p:style>
+        <p:txBody>
+          <a:bodyPr rtlCol="0" anchor="ctr"/>
+          <a:lstStyle/>
+          <a:p>
+            <a:pPr algn="ctr"/>
+            <a:r>
+              <a:rPr lang="nl-BE" dirty="0" smtClean="0"/>
+              <a:t>Auth</a:t>
+            </a:r>
+            <a:endParaRPr lang="en-US" dirty="0"/>
+          </a:p>
+        </p:txBody>
+      </p:sp>
+      <p:sp>
+        <p:nvSpPr>
+          <p:cNvPr id="24" name="Rectangle 23"/>
+          <p:cNvSpPr/>
+          <p:nvPr/>
+        </p:nvSpPr>
+        <p:spPr>
+          <a:xfrm>
+            <a:off x="8247530" y="2172227"/>
+            <a:ext cx="968188" cy="4192024"/>
+          </a:xfrm>
+          <a:prstGeom prst="rect">
+            <a:avLst/>
+          </a:prstGeom>
+          <a:solidFill>
+            <a:srgbClr val="00CCFF"/>
+          </a:solidFill>
+          <a:ln>
+            <a:solidFill>
+              <a:srgbClr val="00CCFF"/>
+            </a:solidFill>
+          </a:ln>
+        </p:spPr>
+        <p:style>
+          <a:lnRef idx="2">
+            <a:schemeClr val="accent1">
+              <a:shade val="50000"/>
+            </a:schemeClr>
+          </a:lnRef>
+          <a:fillRef idx="1">
+            <a:schemeClr val="accent1"/>
+          </a:fillRef>
+          <a:effectRef idx="0">
+            <a:schemeClr val="accent1"/>
+          </a:effectRef>
+          <a:fontRef idx="minor">
+            <a:schemeClr val="lt1"/>
+          </a:fontRef>
+        </p:style>
+        <p:txBody>
+          <a:bodyPr rtlCol="0" anchor="ctr"/>
+          <a:lstStyle/>
+          <a:p>
+            <a:pPr algn="ctr"/>
+            <a:r>
+              <a:rPr lang="nl-BE" dirty="0" smtClean="0"/>
+              <a:t>Routing</a:t>
+            </a:r>
+            <a:endParaRPr lang="en-US" dirty="0"/>
+          </a:p>
+        </p:txBody>
+      </p:sp>
+      <p:sp>
+        <p:nvSpPr>
+          <p:cNvPr id="25" name="Can 24"/>
+          <p:cNvSpPr/>
+          <p:nvPr/>
+        </p:nvSpPr>
+        <p:spPr>
+          <a:xfrm rot="5400000">
+            <a:off x="10447736" y="1224238"/>
+            <a:ext cx="338328" cy="2203716"/>
+          </a:xfrm>
+          <a:prstGeom prst="can">
+            <a:avLst/>
+          </a:prstGeom>
+        </p:spPr>
+        <p:style>
+          <a:lnRef idx="1">
+            <a:schemeClr val="accent3"/>
+          </a:lnRef>
+          <a:fillRef idx="2">
+            <a:schemeClr val="accent3"/>
+          </a:fillRef>
+          <a:effectRef idx="1">
+            <a:schemeClr val="accent3"/>
+          </a:effectRef>
+          <a:fontRef idx="minor">
+            <a:schemeClr val="dk1"/>
+          </a:fontRef>
+        </p:style>
+        <p:txBody>
+          <a:bodyPr rtlCol="0" anchor="ctr"/>
+          <a:lstStyle/>
+          <a:p>
+            <a:pPr algn="ctr"/>
+            <a:endParaRPr lang="en-US"/>
+          </a:p>
+        </p:txBody>
+      </p:sp>
+      <p:sp>
+        <p:nvSpPr>
+          <p:cNvPr id="26" name="Can 25"/>
+          <p:cNvSpPr/>
+          <p:nvPr/>
+        </p:nvSpPr>
+        <p:spPr>
+          <a:xfrm rot="5400000">
+            <a:off x="10447736" y="1706830"/>
+            <a:ext cx="338328" cy="2203716"/>
+          </a:xfrm>
+          <a:prstGeom prst="can">
+            <a:avLst/>
+          </a:prstGeom>
+        </p:spPr>
+        <p:style>
+          <a:lnRef idx="1">
+            <a:schemeClr val="accent3"/>
+          </a:lnRef>
+          <a:fillRef idx="2">
+            <a:schemeClr val="accent3"/>
+          </a:fillRef>
+          <a:effectRef idx="1">
+            <a:schemeClr val="accent3"/>
+          </a:effectRef>
+          <a:fontRef idx="minor">
+            <a:schemeClr val="dk1"/>
+          </a:fontRef>
+        </p:style>
+        <p:txBody>
+          <a:bodyPr rtlCol="0" anchor="ctr"/>
+          <a:lstStyle/>
+          <a:p>
+            <a:pPr algn="ctr"/>
+            <a:endParaRPr lang="en-US"/>
+          </a:p>
+        </p:txBody>
+      </p:sp>
+      <p:sp>
+        <p:nvSpPr>
+          <p:cNvPr id="27" name="Can 26"/>
+          <p:cNvSpPr/>
+          <p:nvPr/>
+        </p:nvSpPr>
+        <p:spPr>
+          <a:xfrm rot="5400000">
+            <a:off x="10447736" y="2189422"/>
+            <a:ext cx="338328" cy="2203716"/>
+          </a:xfrm>
+          <a:prstGeom prst="can">
+            <a:avLst/>
+          </a:prstGeom>
+        </p:spPr>
+        <p:style>
+          <a:lnRef idx="1">
+            <a:schemeClr val="accent3"/>
+          </a:lnRef>
+          <a:fillRef idx="2">
+            <a:schemeClr val="accent3"/>
+          </a:fillRef>
+          <a:effectRef idx="1">
+            <a:schemeClr val="accent3"/>
+          </a:effectRef>
+          <a:fontRef idx="minor">
+            <a:schemeClr val="dk1"/>
+          </a:fontRef>
+        </p:style>
+        <p:txBody>
+          <a:bodyPr rtlCol="0" anchor="ctr"/>
+          <a:lstStyle/>
+          <a:p>
+            <a:pPr algn="ctr"/>
+            <a:endParaRPr lang="en-US"/>
+          </a:p>
+        </p:txBody>
+      </p:sp>
+      <p:sp>
+        <p:nvSpPr>
+          <p:cNvPr id="28" name="Can 27"/>
+          <p:cNvSpPr/>
+          <p:nvPr/>
+        </p:nvSpPr>
+        <p:spPr>
+          <a:xfrm rot="5400000">
+            <a:off x="10447736" y="2672014"/>
+            <a:ext cx="338328" cy="2203716"/>
+          </a:xfrm>
+          <a:prstGeom prst="can">
+            <a:avLst/>
+          </a:prstGeom>
+        </p:spPr>
+        <p:style>
+          <a:lnRef idx="1">
+            <a:schemeClr val="accent3"/>
+          </a:lnRef>
+          <a:fillRef idx="2">
+            <a:schemeClr val="accent3"/>
+          </a:fillRef>
+          <a:effectRef idx="1">
+            <a:schemeClr val="accent3"/>
+          </a:effectRef>
+          <a:fontRef idx="minor">
+            <a:schemeClr val="dk1"/>
+          </a:fontRef>
+        </p:style>
+        <p:txBody>
+          <a:bodyPr rtlCol="0" anchor="ctr"/>
+          <a:lstStyle/>
+          <a:p>
+            <a:pPr algn="ctr"/>
+            <a:endParaRPr lang="en-US"/>
+          </a:p>
+        </p:txBody>
+      </p:sp>
+      <p:sp>
+        <p:nvSpPr>
+          <p:cNvPr id="29" name="Can 28"/>
+          <p:cNvSpPr/>
+          <p:nvPr/>
+        </p:nvSpPr>
+        <p:spPr>
+          <a:xfrm rot="5400000">
+            <a:off x="10447736" y="3154606"/>
+            <a:ext cx="338328" cy="2203716"/>
+          </a:xfrm>
+          <a:prstGeom prst="can">
+            <a:avLst/>
+          </a:prstGeom>
+        </p:spPr>
+        <p:style>
+          <a:lnRef idx="1">
+            <a:schemeClr val="accent3"/>
+          </a:lnRef>
+          <a:fillRef idx="2">
+            <a:schemeClr val="accent3"/>
+          </a:fillRef>
+          <a:effectRef idx="1">
+            <a:schemeClr val="accent3"/>
+          </a:effectRef>
+          <a:fontRef idx="minor">
+            <a:schemeClr val="dk1"/>
+          </a:fontRef>
+        </p:style>
+        <p:txBody>
+          <a:bodyPr rtlCol="0" anchor="ctr"/>
+          <a:lstStyle/>
+          <a:p>
+            <a:pPr algn="ctr"/>
+            <a:endParaRPr lang="en-US"/>
+          </a:p>
+        </p:txBody>
+      </p:sp>
+      <p:sp>
+        <p:nvSpPr>
+          <p:cNvPr id="30" name="Can 29"/>
+          <p:cNvSpPr/>
+          <p:nvPr/>
+        </p:nvSpPr>
+        <p:spPr>
+          <a:xfrm rot="5400000">
+            <a:off x="10447736" y="3637198"/>
+            <a:ext cx="338328" cy="2203716"/>
+          </a:xfrm>
+          <a:prstGeom prst="can">
+            <a:avLst/>
+          </a:prstGeom>
+        </p:spPr>
+        <p:style>
+          <a:lnRef idx="1">
+            <a:schemeClr val="accent3"/>
+          </a:lnRef>
+          <a:fillRef idx="2">
+            <a:schemeClr val="accent3"/>
+          </a:fillRef>
+          <a:effectRef idx="1">
+            <a:schemeClr val="accent3"/>
+          </a:effectRef>
+          <a:fontRef idx="minor">
+            <a:schemeClr val="dk1"/>
+          </a:fontRef>
+        </p:style>
+        <p:txBody>
+          <a:bodyPr rtlCol="0" anchor="ctr"/>
+          <a:lstStyle/>
+          <a:p>
+            <a:pPr algn="ctr"/>
+            <a:endParaRPr lang="en-US"/>
+          </a:p>
+        </p:txBody>
+      </p:sp>
+      <p:sp>
+        <p:nvSpPr>
+          <p:cNvPr id="31" name="Can 30"/>
+          <p:cNvSpPr/>
+          <p:nvPr/>
+        </p:nvSpPr>
+        <p:spPr>
+          <a:xfrm rot="5400000">
+            <a:off x="10447736" y="4119790"/>
+            <a:ext cx="338328" cy="2203716"/>
+          </a:xfrm>
+          <a:prstGeom prst="can">
+            <a:avLst/>
+          </a:prstGeom>
+        </p:spPr>
+        <p:style>
+          <a:lnRef idx="1">
+            <a:schemeClr val="accent3"/>
+          </a:lnRef>
+          <a:fillRef idx="2">
+            <a:schemeClr val="accent3"/>
+          </a:fillRef>
+          <a:effectRef idx="1">
+            <a:schemeClr val="accent3"/>
+          </a:effectRef>
+          <a:fontRef idx="minor">
+            <a:schemeClr val="dk1"/>
+          </a:fontRef>
+        </p:style>
+        <p:txBody>
+          <a:bodyPr rtlCol="0" anchor="ctr"/>
+          <a:lstStyle/>
+          <a:p>
+            <a:pPr algn="ctr"/>
+            <a:endParaRPr lang="en-US"/>
+          </a:p>
+        </p:txBody>
+      </p:sp>
+      <p:sp>
+        <p:nvSpPr>
+          <p:cNvPr id="32" name="Can 31"/>
+          <p:cNvSpPr/>
+          <p:nvPr/>
+        </p:nvSpPr>
+        <p:spPr>
+          <a:xfrm rot="5400000">
+            <a:off x="10447736" y="4602382"/>
+            <a:ext cx="338328" cy="2203716"/>
+          </a:xfrm>
+          <a:prstGeom prst="can">
+            <a:avLst/>
+          </a:prstGeom>
+        </p:spPr>
+        <p:style>
+          <a:lnRef idx="1">
+            <a:schemeClr val="accent3"/>
+          </a:lnRef>
+          <a:fillRef idx="2">
+            <a:schemeClr val="accent3"/>
+          </a:fillRef>
+          <a:effectRef idx="1">
+            <a:schemeClr val="accent3"/>
+          </a:effectRef>
+          <a:fontRef idx="minor">
+            <a:schemeClr val="dk1"/>
+          </a:fontRef>
+        </p:style>
+        <p:txBody>
+          <a:bodyPr rtlCol="0" anchor="ctr"/>
+          <a:lstStyle/>
+          <a:p>
+            <a:pPr algn="ctr"/>
+            <a:endParaRPr lang="en-US"/>
+          </a:p>
+        </p:txBody>
+      </p:sp>
+      <p:sp>
+        <p:nvSpPr>
+          <p:cNvPr id="33" name="Can 32"/>
+          <p:cNvSpPr/>
+          <p:nvPr/>
+        </p:nvSpPr>
+        <p:spPr>
+          <a:xfrm rot="5400000">
+            <a:off x="10447736" y="5084975"/>
+            <a:ext cx="338328" cy="2203716"/>
+          </a:xfrm>
+          <a:prstGeom prst="can">
+            <a:avLst/>
+          </a:prstGeom>
+        </p:spPr>
+        <p:style>
+          <a:lnRef idx="1">
+            <a:schemeClr val="accent3"/>
+          </a:lnRef>
+          <a:fillRef idx="2">
+            <a:schemeClr val="accent3"/>
+          </a:fillRef>
+          <a:effectRef idx="1">
+            <a:schemeClr val="accent3"/>
+          </a:effectRef>
+          <a:fontRef idx="minor">
+            <a:schemeClr val="dk1"/>
+          </a:fontRef>
+        </p:style>
+        <p:txBody>
+          <a:bodyPr rtlCol="0" anchor="ctr"/>
+          <a:lstStyle/>
+          <a:p>
+            <a:pPr algn="ctr"/>
+            <a:endParaRPr lang="en-US"/>
+          </a:p>
+        </p:txBody>
+      </p:sp>
+      <p:sp>
+        <p:nvSpPr>
+          <p:cNvPr id="34" name="TextBox 33"/>
+          <p:cNvSpPr txBox="1"/>
+          <p:nvPr/>
+        </p:nvSpPr>
+        <p:spPr>
+          <a:xfrm>
+            <a:off x="486458" y="2203178"/>
+            <a:ext cx="788998" cy="369332"/>
+          </a:xfrm>
+          <a:prstGeom prst="rect">
+            <a:avLst/>
+          </a:prstGeom>
+          <a:noFill/>
+        </p:spPr>
+        <p:txBody>
+          <a:bodyPr wrap="none" rtlCol="0">
+            <a:spAutoFit/>
+          </a:bodyPr>
+          <a:lstStyle/>
+          <a:p>
+            <a:pPr algn="ctr"/>
+            <a:r>
+              <a:rPr lang="nl-BE" dirty="0" smtClean="0"/>
+              <a:t>AMQP</a:t>
+            </a:r>
+            <a:endParaRPr lang="en-US" dirty="0"/>
+          </a:p>
+        </p:txBody>
+      </p:sp>
+      <p:sp>
+        <p:nvSpPr>
+          <p:cNvPr id="35" name="TextBox 34"/>
+          <p:cNvSpPr txBox="1"/>
+          <p:nvPr/>
+        </p:nvSpPr>
+        <p:spPr>
+          <a:xfrm>
+            <a:off x="454863" y="3357083"/>
+            <a:ext cx="817853" cy="369332"/>
+          </a:xfrm>
+          <a:prstGeom prst="rect">
+            <a:avLst/>
+          </a:prstGeom>
+          <a:noFill/>
+        </p:spPr>
+        <p:txBody>
+          <a:bodyPr wrap="none" rtlCol="0">
+            <a:spAutoFit/>
+          </a:bodyPr>
+          <a:lstStyle/>
+          <a:p>
+            <a:pPr algn="ctr"/>
+            <a:r>
+              <a:rPr lang="nl-BE" dirty="0" smtClean="0"/>
+              <a:t>Signalr</a:t>
+            </a:r>
+            <a:endParaRPr lang="en-US" dirty="0"/>
+          </a:p>
+        </p:txBody>
+      </p:sp>
+      <p:sp>
+        <p:nvSpPr>
+          <p:cNvPr id="36" name="TextBox 35"/>
+          <p:cNvSpPr txBox="1"/>
+          <p:nvPr/>
+        </p:nvSpPr>
+        <p:spPr>
+          <a:xfrm>
+            <a:off x="502034" y="4385560"/>
+            <a:ext cx="601383" cy="369332"/>
+          </a:xfrm>
+          <a:prstGeom prst="rect">
+            <a:avLst/>
+          </a:prstGeom>
+          <a:noFill/>
+        </p:spPr>
+        <p:txBody>
+          <a:bodyPr wrap="none" rtlCol="0">
+            <a:spAutoFit/>
+          </a:bodyPr>
+          <a:lstStyle/>
+          <a:p>
+            <a:pPr algn="ctr"/>
+            <a:r>
+              <a:rPr lang="nl-BE" dirty="0" smtClean="0"/>
+              <a:t>Http</a:t>
+            </a:r>
+            <a:endParaRPr lang="en-US" dirty="0"/>
+          </a:p>
+        </p:txBody>
+      </p:sp>
+      <p:sp>
+        <p:nvSpPr>
+          <p:cNvPr id="37" name="TextBox 36"/>
+          <p:cNvSpPr txBox="1"/>
+          <p:nvPr/>
+        </p:nvSpPr>
+        <p:spPr>
+          <a:xfrm>
+            <a:off x="479322" y="5469206"/>
+            <a:ext cx="759567" cy="369332"/>
+          </a:xfrm>
+          <a:prstGeom prst="rect">
+            <a:avLst/>
+          </a:prstGeom>
+          <a:noFill/>
+        </p:spPr>
+        <p:txBody>
+          <a:bodyPr wrap="none" rtlCol="0">
+            <a:spAutoFit/>
+          </a:bodyPr>
+          <a:lstStyle/>
+          <a:p>
+            <a:pPr algn="ctr"/>
+            <a:r>
+              <a:rPr lang="nl-BE" dirty="0" smtClean="0"/>
+              <a:t>MQTT</a:t>
+            </a:r>
+            <a:endParaRPr lang="en-US" dirty="0"/>
+          </a:p>
+        </p:txBody>
+      </p:sp>
+    </p:spTree>
+    <p:extLst>
+      <p:ext uri="{BB962C8B-B14F-4D97-AF65-F5344CB8AC3E}">
+        <p14:creationId xmlns:p14="http://schemas.microsoft.com/office/powerpoint/2010/main" val="288399570"/>
+      </p:ext>
+    </p:extLst>
+  </p:cSld>
+  <p:clrMapOvr>
+    <a:masterClrMapping/>
+  </p:clrMapOvr>
+  <p:timing>
+    <p:tnLst>
+      <p:par>
+        <p:cTn id="1" dur="indefinite" restart="never" nodeType="tmRoot">
+          <p:childTnLst>
+            <p:seq concurrent="1" nextAc="seek">
+              <p:cTn id="2" dur="indefinite" nodeType="mainSeq">
+                <p:childTnLst>
+                  <p:par>
+                    <p:cTn id="3" fill="hold">
+                      <p:stCondLst>
+                        <p:cond delay="indefinite"/>
+                      </p:stCondLst>
+                      <p:childTnLst>
+                        <p:par>
+                          <p:cTn id="4" fill="hold">
+                            <p:stCondLst>
+                              <p:cond delay="0"/>
+                            </p:stCondLst>
+                            <p:childTnLst>
+                              <p:par>
+                                <p:cTn id="5" presetID="1" presetClass="entr" presetSubtype="0" fill="hold" grpId="0" nodeType="clickEffect">
+                                  <p:stCondLst>
+                                    <p:cond delay="0"/>
+                                  </p:stCondLst>
+                                  <p:childTnLst>
+                                    <p:set>
+                                      <p:cBhvr>
+                                        <p:cTn id="6" dur="1" fill="hold">
+                                          <p:stCondLst>
+                                            <p:cond delay="0"/>
+                                          </p:stCondLst>
+                                        </p:cTn>
+                                        <p:tgtEl>
+                                          <p:spTgt spid="4"/>
+                                        </p:tgtEl>
+                                        <p:attrNameLst>
+                                          <p:attrName>style.visibility</p:attrName>
+                                        </p:attrNameLst>
+                                      </p:cBhvr>
+                                      <p:to>
+                                        <p:strVal val="visible"/>
+                                      </p:to>
+                                    </p:set>
+                                  </p:childTnLst>
+                                </p:cTn>
+                              </p:par>
+                              <p:par>
+                                <p:cTn id="7" presetID="1" presetClass="entr" presetSubtype="0" fill="hold" grpId="0" nodeType="withEffect">
+                                  <p:stCondLst>
+                                    <p:cond delay="0"/>
+                                  </p:stCondLst>
+                                  <p:childTnLst>
+                                    <p:set>
+                                      <p:cBhvr>
+                                        <p:cTn id="8" dur="1" fill="hold">
+                                          <p:stCondLst>
+                                            <p:cond delay="0"/>
+                                          </p:stCondLst>
+                                        </p:cTn>
+                                        <p:tgtEl>
+                                          <p:spTgt spid="5"/>
+                                        </p:tgtEl>
+                                        <p:attrNameLst>
+                                          <p:attrName>style.visibility</p:attrName>
+                                        </p:attrNameLst>
+                                      </p:cBhvr>
+                                      <p:to>
+                                        <p:strVal val="visible"/>
+                                      </p:to>
+                                    </p:set>
+                                  </p:childTnLst>
+                                </p:cTn>
+                              </p:par>
+                              <p:par>
+                                <p:cTn id="9" presetID="1" presetClass="entr" presetSubtype="0" fill="hold" nodeType="withEffect">
+                                  <p:stCondLst>
+                                    <p:cond delay="0"/>
+                                  </p:stCondLst>
+                                  <p:childTnLst>
+                                    <p:set>
+                                      <p:cBhvr>
+                                        <p:cTn id="10" dur="1" fill="hold">
+                                          <p:stCondLst>
+                                            <p:cond delay="0"/>
+                                          </p:stCondLst>
+                                        </p:cTn>
+                                        <p:tgtEl>
+                                          <p:spTgt spid="6"/>
+                                        </p:tgtEl>
+                                        <p:attrNameLst>
+                                          <p:attrName>style.visibility</p:attrName>
+                                        </p:attrNameLst>
+                                      </p:cBhvr>
+                                      <p:to>
+                                        <p:strVal val="visible"/>
+                                      </p:to>
+                                    </p:set>
+                                  </p:childTnLst>
+                                </p:cTn>
+                              </p:par>
+                              <p:par>
+                                <p:cTn id="11" presetID="1" presetClass="entr" presetSubtype="0" fill="hold" nodeType="withEffect">
+                                  <p:stCondLst>
+                                    <p:cond delay="0"/>
+                                  </p:stCondLst>
+                                  <p:childTnLst>
+                                    <p:set>
+                                      <p:cBhvr>
+                                        <p:cTn id="12" dur="1" fill="hold">
+                                          <p:stCondLst>
+                                            <p:cond delay="0"/>
+                                          </p:stCondLst>
+                                        </p:cTn>
+                                        <p:tgtEl>
+                                          <p:spTgt spid="8"/>
+                                        </p:tgtEl>
+                                        <p:attrNameLst>
+                                          <p:attrName>style.visibility</p:attrName>
+                                        </p:attrNameLst>
+                                      </p:cBhvr>
+                                      <p:to>
+                                        <p:strVal val="visible"/>
+                                      </p:to>
+                                    </p:set>
+                                  </p:childTnLst>
+                                </p:cTn>
+                              </p:par>
+                              <p:par>
+                                <p:cTn id="13" presetID="1" presetClass="entr" presetSubtype="0" fill="hold" grpId="0" nodeType="withEffect">
+                                  <p:stCondLst>
+                                    <p:cond delay="0"/>
+                                  </p:stCondLst>
+                                  <p:childTnLst>
+                                    <p:set>
+                                      <p:cBhvr>
+                                        <p:cTn id="14" dur="1" fill="hold">
+                                          <p:stCondLst>
+                                            <p:cond delay="0"/>
+                                          </p:stCondLst>
+                                        </p:cTn>
+                                        <p:tgtEl>
+                                          <p:spTgt spid="9"/>
+                                        </p:tgtEl>
+                                        <p:attrNameLst>
+                                          <p:attrName>style.visibility</p:attrName>
+                                        </p:attrNameLst>
+                                      </p:cBhvr>
+                                      <p:to>
+                                        <p:strVal val="visible"/>
+                                      </p:to>
+                                    </p:set>
+                                  </p:childTnLst>
+                                </p:cTn>
+                              </p:par>
+                              <p:par>
+                                <p:cTn id="15" presetID="1" presetClass="entr" presetSubtype="0" fill="hold" grpId="0" nodeType="withEffect">
+                                  <p:stCondLst>
+                                    <p:cond delay="0"/>
+                                  </p:stCondLst>
+                                  <p:childTnLst>
+                                    <p:set>
+                                      <p:cBhvr>
+                                        <p:cTn id="16" dur="1" fill="hold">
+                                          <p:stCondLst>
+                                            <p:cond delay="0"/>
+                                          </p:stCondLst>
+                                        </p:cTn>
+                                        <p:tgtEl>
+                                          <p:spTgt spid="11"/>
+                                        </p:tgtEl>
+                                        <p:attrNameLst>
+                                          <p:attrName>style.visibility</p:attrName>
+                                        </p:attrNameLst>
+                                      </p:cBhvr>
+                                      <p:to>
+                                        <p:strVal val="visible"/>
+                                      </p:to>
+                                    </p:set>
+                                  </p:childTnLst>
+                                </p:cTn>
+                              </p:par>
+                              <p:par>
+                                <p:cTn id="17" presetID="1" presetClass="entr" presetSubtype="0" fill="hold" nodeType="withEffect">
+                                  <p:stCondLst>
+                                    <p:cond delay="0"/>
+                                  </p:stCondLst>
+                                  <p:childTnLst>
+                                    <p:set>
+                                      <p:cBhvr>
+                                        <p:cTn id="18" dur="1" fill="hold">
+                                          <p:stCondLst>
+                                            <p:cond delay="0"/>
+                                          </p:stCondLst>
+                                        </p:cTn>
+                                        <p:tgtEl>
+                                          <p:spTgt spid="12"/>
+                                        </p:tgtEl>
+                                        <p:attrNameLst>
+                                          <p:attrName>style.visibility</p:attrName>
+                                        </p:attrNameLst>
+                                      </p:cBhvr>
+                                      <p:to>
+                                        <p:strVal val="visible"/>
+                                      </p:to>
+                                    </p:set>
+                                  </p:childTnLst>
+                                </p:cTn>
+                              </p:par>
+                              <p:par>
+                                <p:cTn id="19" presetID="1" presetClass="entr" presetSubtype="0" fill="hold" nodeType="withEffect">
+                                  <p:stCondLst>
+                                    <p:cond delay="0"/>
+                                  </p:stCondLst>
+                                  <p:childTnLst>
+                                    <p:set>
+                                      <p:cBhvr>
+                                        <p:cTn id="20" dur="1" fill="hold">
+                                          <p:stCondLst>
+                                            <p:cond delay="0"/>
+                                          </p:stCondLst>
+                                        </p:cTn>
+                                        <p:tgtEl>
+                                          <p:spTgt spid="13"/>
+                                        </p:tgtEl>
+                                        <p:attrNameLst>
+                                          <p:attrName>style.visibility</p:attrName>
+                                        </p:attrNameLst>
+                                      </p:cBhvr>
+                                      <p:to>
+                                        <p:strVal val="visible"/>
+                                      </p:to>
+                                    </p:set>
+                                  </p:childTnLst>
+                                </p:cTn>
+                              </p:par>
+                              <p:par>
+                                <p:cTn id="21" presetID="1" presetClass="entr" presetSubtype="0" fill="hold" grpId="0" nodeType="withEffect">
+                                  <p:stCondLst>
+                                    <p:cond delay="0"/>
+                                  </p:stCondLst>
+                                  <p:childTnLst>
+                                    <p:set>
+                                      <p:cBhvr>
+                                        <p:cTn id="22" dur="1" fill="hold">
+                                          <p:stCondLst>
+                                            <p:cond delay="0"/>
+                                          </p:stCondLst>
+                                        </p:cTn>
+                                        <p:tgtEl>
+                                          <p:spTgt spid="14"/>
+                                        </p:tgtEl>
+                                        <p:attrNameLst>
+                                          <p:attrName>style.visibility</p:attrName>
+                                        </p:attrNameLst>
+                                      </p:cBhvr>
+                                      <p:to>
+                                        <p:strVal val="visible"/>
+                                      </p:to>
+                                    </p:set>
+                                  </p:childTnLst>
+                                </p:cTn>
+                              </p:par>
+                              <p:par>
+                                <p:cTn id="23" presetID="1" presetClass="entr" presetSubtype="0" fill="hold" grpId="0" nodeType="withEffect">
+                                  <p:stCondLst>
+                                    <p:cond delay="0"/>
+                                  </p:stCondLst>
+                                  <p:childTnLst>
+                                    <p:set>
+                                      <p:cBhvr>
+                                        <p:cTn id="24" dur="1" fill="hold">
+                                          <p:stCondLst>
+                                            <p:cond delay="0"/>
+                                          </p:stCondLst>
+                                        </p:cTn>
+                                        <p:tgtEl>
+                                          <p:spTgt spid="15"/>
+                                        </p:tgtEl>
+                                        <p:attrNameLst>
+                                          <p:attrName>style.visibility</p:attrName>
+                                        </p:attrNameLst>
+                                      </p:cBhvr>
+                                      <p:to>
+                                        <p:strVal val="visible"/>
+                                      </p:to>
+                                    </p:set>
+                                  </p:childTnLst>
+                                </p:cTn>
+                              </p:par>
+                              <p:par>
+                                <p:cTn id="25" presetID="1" presetClass="entr" presetSubtype="0" fill="hold" nodeType="withEffect">
+                                  <p:stCondLst>
+                                    <p:cond delay="0"/>
+                                  </p:stCondLst>
+                                  <p:childTnLst>
+                                    <p:set>
+                                      <p:cBhvr>
+                                        <p:cTn id="26" dur="1" fill="hold">
+                                          <p:stCondLst>
+                                            <p:cond delay="0"/>
+                                          </p:stCondLst>
+                                        </p:cTn>
+                                        <p:tgtEl>
+                                          <p:spTgt spid="16"/>
+                                        </p:tgtEl>
+                                        <p:attrNameLst>
+                                          <p:attrName>style.visibility</p:attrName>
+                                        </p:attrNameLst>
+                                      </p:cBhvr>
+                                      <p:to>
+                                        <p:strVal val="visible"/>
+                                      </p:to>
+                                    </p:set>
+                                  </p:childTnLst>
+                                </p:cTn>
+                              </p:par>
+                              <p:par>
+                                <p:cTn id="27" presetID="1" presetClass="entr" presetSubtype="0" fill="hold" nodeType="withEffect">
+                                  <p:stCondLst>
+                                    <p:cond delay="0"/>
+                                  </p:stCondLst>
+                                  <p:childTnLst>
+                                    <p:set>
+                                      <p:cBhvr>
+                                        <p:cTn id="28" dur="1" fill="hold">
+                                          <p:stCondLst>
+                                            <p:cond delay="0"/>
+                                          </p:stCondLst>
+                                        </p:cTn>
+                                        <p:tgtEl>
+                                          <p:spTgt spid="17"/>
+                                        </p:tgtEl>
+                                        <p:attrNameLst>
+                                          <p:attrName>style.visibility</p:attrName>
+                                        </p:attrNameLst>
+                                      </p:cBhvr>
+                                      <p:to>
+                                        <p:strVal val="visible"/>
+                                      </p:to>
+                                    </p:set>
+                                  </p:childTnLst>
+                                </p:cTn>
+                              </p:par>
+                              <p:par>
+                                <p:cTn id="29" presetID="1" presetClass="entr" presetSubtype="0" fill="hold" grpId="0" nodeType="withEffect">
+                                  <p:stCondLst>
+                                    <p:cond delay="0"/>
+                                  </p:stCondLst>
+                                  <p:childTnLst>
+                                    <p:set>
+                                      <p:cBhvr>
+                                        <p:cTn id="30" dur="1" fill="hold">
+                                          <p:stCondLst>
+                                            <p:cond delay="0"/>
+                                          </p:stCondLst>
+                                        </p:cTn>
+                                        <p:tgtEl>
+                                          <p:spTgt spid="18"/>
+                                        </p:tgtEl>
+                                        <p:attrNameLst>
+                                          <p:attrName>style.visibility</p:attrName>
+                                        </p:attrNameLst>
+                                      </p:cBhvr>
+                                      <p:to>
+                                        <p:strVal val="visible"/>
+                                      </p:to>
+                                    </p:set>
+                                  </p:childTnLst>
+                                </p:cTn>
+                              </p:par>
+                              <p:par>
+                                <p:cTn id="31" presetID="1" presetClass="entr" presetSubtype="0" fill="hold" grpId="0" nodeType="withEffect">
+                                  <p:stCondLst>
+                                    <p:cond delay="0"/>
+                                  </p:stCondLst>
+                                  <p:childTnLst>
+                                    <p:set>
+                                      <p:cBhvr>
+                                        <p:cTn id="32" dur="1" fill="hold">
+                                          <p:stCondLst>
+                                            <p:cond delay="0"/>
+                                          </p:stCondLst>
+                                        </p:cTn>
+                                        <p:tgtEl>
+                                          <p:spTgt spid="19"/>
+                                        </p:tgtEl>
+                                        <p:attrNameLst>
+                                          <p:attrName>style.visibility</p:attrName>
+                                        </p:attrNameLst>
+                                      </p:cBhvr>
+                                      <p:to>
+                                        <p:strVal val="visible"/>
+                                      </p:to>
+                                    </p:set>
+                                  </p:childTnLst>
+                                </p:cTn>
+                              </p:par>
+                              <p:par>
+                                <p:cTn id="33" presetID="1" presetClass="entr" presetSubtype="0" fill="hold" nodeType="withEffect">
+                                  <p:stCondLst>
+                                    <p:cond delay="0"/>
+                                  </p:stCondLst>
+                                  <p:childTnLst>
+                                    <p:set>
+                                      <p:cBhvr>
+                                        <p:cTn id="34" dur="1" fill="hold">
+                                          <p:stCondLst>
+                                            <p:cond delay="0"/>
+                                          </p:stCondLst>
+                                        </p:cTn>
+                                        <p:tgtEl>
+                                          <p:spTgt spid="20"/>
+                                        </p:tgtEl>
+                                        <p:attrNameLst>
+                                          <p:attrName>style.visibility</p:attrName>
+                                        </p:attrNameLst>
+                                      </p:cBhvr>
+                                      <p:to>
+                                        <p:strVal val="visible"/>
+                                      </p:to>
+                                    </p:set>
+                                  </p:childTnLst>
+                                </p:cTn>
+                              </p:par>
+                              <p:par>
+                                <p:cTn id="35" presetID="1" presetClass="entr" presetSubtype="0" fill="hold" nodeType="withEffect">
+                                  <p:stCondLst>
+                                    <p:cond delay="0"/>
+                                  </p:stCondLst>
+                                  <p:childTnLst>
+                                    <p:set>
+                                      <p:cBhvr>
+                                        <p:cTn id="36" dur="1" fill="hold">
+                                          <p:stCondLst>
+                                            <p:cond delay="0"/>
+                                          </p:stCondLst>
+                                        </p:cTn>
+                                        <p:tgtEl>
+                                          <p:spTgt spid="21"/>
+                                        </p:tgtEl>
+                                        <p:attrNameLst>
+                                          <p:attrName>style.visibility</p:attrName>
+                                        </p:attrNameLst>
+                                      </p:cBhvr>
+                                      <p:to>
+                                        <p:strVal val="visible"/>
+                                      </p:to>
+                                    </p:set>
+                                  </p:childTnLst>
+                                </p:cTn>
+                              </p:par>
+                              <p:par>
+                                <p:cTn id="37" presetID="1" presetClass="entr" presetSubtype="0" fill="hold" grpId="0" nodeType="withEffect">
+                                  <p:stCondLst>
+                                    <p:cond delay="0"/>
+                                  </p:stCondLst>
+                                  <p:childTnLst>
+                                    <p:set>
+                                      <p:cBhvr>
+                                        <p:cTn id="38" dur="1" fill="hold">
+                                          <p:stCondLst>
+                                            <p:cond delay="0"/>
+                                          </p:stCondLst>
+                                        </p:cTn>
+                                        <p:tgtEl>
+                                          <p:spTgt spid="34"/>
+                                        </p:tgtEl>
+                                        <p:attrNameLst>
+                                          <p:attrName>style.visibility</p:attrName>
+                                        </p:attrNameLst>
+                                      </p:cBhvr>
+                                      <p:to>
+                                        <p:strVal val="visible"/>
+                                      </p:to>
+                                    </p:set>
+                                  </p:childTnLst>
+                                </p:cTn>
+                              </p:par>
+                              <p:par>
+                                <p:cTn id="39" presetID="1" presetClass="entr" presetSubtype="0" fill="hold" grpId="0" nodeType="withEffect">
+                                  <p:stCondLst>
+                                    <p:cond delay="0"/>
+                                  </p:stCondLst>
+                                  <p:childTnLst>
+                                    <p:set>
+                                      <p:cBhvr>
+                                        <p:cTn id="40" dur="1" fill="hold">
+                                          <p:stCondLst>
+                                            <p:cond delay="0"/>
+                                          </p:stCondLst>
+                                        </p:cTn>
+                                        <p:tgtEl>
+                                          <p:spTgt spid="35"/>
+                                        </p:tgtEl>
+                                        <p:attrNameLst>
+                                          <p:attrName>style.visibility</p:attrName>
+                                        </p:attrNameLst>
+                                      </p:cBhvr>
+                                      <p:to>
+                                        <p:strVal val="visible"/>
+                                      </p:to>
+                                    </p:set>
+                                  </p:childTnLst>
+                                </p:cTn>
+                              </p:par>
+                              <p:par>
+                                <p:cTn id="41" presetID="1" presetClass="entr" presetSubtype="0" fill="hold" grpId="0" nodeType="withEffect">
+                                  <p:stCondLst>
+                                    <p:cond delay="0"/>
+                                  </p:stCondLst>
+                                  <p:childTnLst>
+                                    <p:set>
+                                      <p:cBhvr>
+                                        <p:cTn id="42" dur="1" fill="hold">
+                                          <p:stCondLst>
+                                            <p:cond delay="0"/>
+                                          </p:stCondLst>
+                                        </p:cTn>
+                                        <p:tgtEl>
+                                          <p:spTgt spid="36"/>
+                                        </p:tgtEl>
+                                        <p:attrNameLst>
+                                          <p:attrName>style.visibility</p:attrName>
+                                        </p:attrNameLst>
+                                      </p:cBhvr>
+                                      <p:to>
+                                        <p:strVal val="visible"/>
+                                      </p:to>
+                                    </p:set>
+                                  </p:childTnLst>
+                                </p:cTn>
+                              </p:par>
+                              <p:par>
+                                <p:cTn id="43" presetID="1" presetClass="entr" presetSubtype="0" fill="hold" grpId="0" nodeType="withEffect">
+                                  <p:stCondLst>
+                                    <p:cond delay="0"/>
+                                  </p:stCondLst>
+                                  <p:childTnLst>
+                                    <p:set>
+                                      <p:cBhvr>
+                                        <p:cTn id="44" dur="1" fill="hold">
+                                          <p:stCondLst>
+                                            <p:cond delay="0"/>
+                                          </p:stCondLst>
+                                        </p:cTn>
+                                        <p:tgtEl>
+                                          <p:spTgt spid="37"/>
+                                        </p:tgtEl>
+                                        <p:attrNameLst>
+                                          <p:attrName>style.visibility</p:attrName>
+                                        </p:attrNameLst>
+                                      </p:cBhvr>
+                                      <p:to>
+                                        <p:strVal val="visible"/>
+                                      </p:to>
+                                    </p:set>
+                                  </p:childTnLst>
+                                </p:cTn>
+                              </p:par>
+                            </p:childTnLst>
+                          </p:cTn>
+                        </p:par>
+                      </p:childTnLst>
+                    </p:cTn>
+                  </p:par>
+                  <p:par>
+                    <p:cTn id="45" fill="hold">
+                      <p:stCondLst>
+                        <p:cond delay="indefinite"/>
+                      </p:stCondLst>
+                      <p:childTnLst>
+                        <p:par>
+                          <p:cTn id="46" fill="hold">
+                            <p:stCondLst>
+                              <p:cond delay="0"/>
+                            </p:stCondLst>
+                            <p:childTnLst>
+                              <p:par>
+                                <p:cTn id="47" presetID="1" presetClass="entr" presetSubtype="0" fill="hold" grpId="0" nodeType="clickEffect">
+                                  <p:stCondLst>
+                                    <p:cond delay="0"/>
+                                  </p:stCondLst>
+                                  <p:childTnLst>
+                                    <p:set>
+                                      <p:cBhvr>
+                                        <p:cTn id="48" dur="1" fill="hold">
+                                          <p:stCondLst>
+                                            <p:cond delay="0"/>
+                                          </p:stCondLst>
+                                        </p:cTn>
+                                        <p:tgtEl>
+                                          <p:spTgt spid="7"/>
+                                        </p:tgtEl>
+                                        <p:attrNameLst>
+                                          <p:attrName>style.visibility</p:attrName>
+                                        </p:attrNameLst>
+                                      </p:cBhvr>
+                                      <p:to>
+                                        <p:strVal val="visible"/>
+                                      </p:to>
+                                    </p:set>
+                                  </p:childTnLst>
+                                </p:cTn>
+                              </p:par>
+                              <p:par>
+                                <p:cTn id="49" presetID="1" presetClass="entr" presetSubtype="0" fill="hold" grpId="0" nodeType="withEffect">
+                                  <p:stCondLst>
+                                    <p:cond delay="0"/>
+                                  </p:stCondLst>
+                                  <p:childTnLst>
+                                    <p:set>
+                                      <p:cBhvr>
+                                        <p:cTn id="50" dur="1" fill="hold">
+                                          <p:stCondLst>
+                                            <p:cond delay="0"/>
+                                          </p:stCondLst>
+                                        </p:cTn>
+                                        <p:tgtEl>
+                                          <p:spTgt spid="10"/>
+                                        </p:tgtEl>
+                                        <p:attrNameLst>
+                                          <p:attrName>style.visibility</p:attrName>
+                                        </p:attrNameLst>
+                                      </p:cBhvr>
+                                      <p:to>
+                                        <p:strVal val="visible"/>
+                                      </p:to>
+                                    </p:set>
+                                  </p:childTnLst>
+                                </p:cTn>
+                              </p:par>
+                              <p:par>
+                                <p:cTn id="51" presetID="1" presetClass="entr" presetSubtype="0" fill="hold" grpId="0" nodeType="withEffect">
+                                  <p:stCondLst>
+                                    <p:cond delay="0"/>
+                                  </p:stCondLst>
+                                  <p:childTnLst>
+                                    <p:set>
+                                      <p:cBhvr>
+                                        <p:cTn id="52" dur="1" fill="hold">
+                                          <p:stCondLst>
+                                            <p:cond delay="0"/>
+                                          </p:stCondLst>
+                                        </p:cTn>
+                                        <p:tgtEl>
+                                          <p:spTgt spid="22"/>
+                                        </p:tgtEl>
+                                        <p:attrNameLst>
+                                          <p:attrName>style.visibility</p:attrName>
+                                        </p:attrNameLst>
+                                      </p:cBhvr>
+                                      <p:to>
+                                        <p:strVal val="visible"/>
+                                      </p:to>
+                                    </p:set>
+                                  </p:childTnLst>
+                                </p:cTn>
+                              </p:par>
+                            </p:childTnLst>
+                          </p:cTn>
+                        </p:par>
+                      </p:childTnLst>
+                    </p:cTn>
+                  </p:par>
+                  <p:par>
+                    <p:cTn id="53" fill="hold">
+                      <p:stCondLst>
+                        <p:cond delay="indefinite"/>
+                      </p:stCondLst>
+                      <p:childTnLst>
+                        <p:par>
+                          <p:cTn id="54" fill="hold">
+                            <p:stCondLst>
+                              <p:cond delay="0"/>
+                            </p:stCondLst>
+                            <p:childTnLst>
+                              <p:par>
+                                <p:cTn id="55" presetID="1" presetClass="entr" presetSubtype="0" fill="hold" grpId="0" nodeType="clickEffect">
+                                  <p:stCondLst>
+                                    <p:cond delay="0"/>
+                                  </p:stCondLst>
+                                  <p:childTnLst>
+                                    <p:set>
+                                      <p:cBhvr>
+                                        <p:cTn id="56" dur="1" fill="hold">
+                                          <p:stCondLst>
+                                            <p:cond delay="0"/>
+                                          </p:stCondLst>
+                                        </p:cTn>
+                                        <p:tgtEl>
+                                          <p:spTgt spid="23"/>
+                                        </p:tgtEl>
+                                        <p:attrNameLst>
+                                          <p:attrName>style.visibility</p:attrName>
+                                        </p:attrNameLst>
+                                      </p:cBhvr>
+                                      <p:to>
+                                        <p:strVal val="visible"/>
+                                      </p:to>
+                                    </p:set>
+                                  </p:childTnLst>
+                                </p:cTn>
+                              </p:par>
+                            </p:childTnLst>
+                          </p:cTn>
+                        </p:par>
+                      </p:childTnLst>
+                    </p:cTn>
+                  </p:par>
+                  <p:par>
+                    <p:cTn id="57" fill="hold">
+                      <p:stCondLst>
+                        <p:cond delay="indefinite"/>
+                      </p:stCondLst>
+                      <p:childTnLst>
+                        <p:par>
+                          <p:cTn id="58" fill="hold">
+                            <p:stCondLst>
+                              <p:cond delay="0"/>
+                            </p:stCondLst>
+                            <p:childTnLst>
+                              <p:par>
+                                <p:cTn id="59" presetID="1" presetClass="entr" presetSubtype="0" fill="hold" grpId="0" nodeType="clickEffect">
+                                  <p:stCondLst>
+                                    <p:cond delay="0"/>
+                                  </p:stCondLst>
+                                  <p:childTnLst>
+                                    <p:set>
+                                      <p:cBhvr>
+                                        <p:cTn id="60" dur="1" fill="hold">
+                                          <p:stCondLst>
+                                            <p:cond delay="0"/>
+                                          </p:stCondLst>
+                                        </p:cTn>
+                                        <p:tgtEl>
+                                          <p:spTgt spid="24"/>
+                                        </p:tgtEl>
+                                        <p:attrNameLst>
+                                          <p:attrName>style.visibility</p:attrName>
+                                        </p:attrNameLst>
+                                      </p:cBhvr>
+                                      <p:to>
+                                        <p:strVal val="visible"/>
+                                      </p:to>
+                                    </p:set>
+                                  </p:childTnLst>
+                                </p:cTn>
+                              </p:par>
+                            </p:childTnLst>
+                          </p:cTn>
+                        </p:par>
+                      </p:childTnLst>
+                    </p:cTn>
+                  </p:par>
+                  <p:par>
+                    <p:cTn id="61" fill="hold">
+                      <p:stCondLst>
+                        <p:cond delay="indefinite"/>
+                      </p:stCondLst>
+                      <p:childTnLst>
+                        <p:par>
+                          <p:cTn id="62" fill="hold">
+                            <p:stCondLst>
+                              <p:cond delay="0"/>
+                            </p:stCondLst>
+                            <p:childTnLst>
+                              <p:par>
+                                <p:cTn id="63" presetID="1" presetClass="entr" presetSubtype="0" fill="hold" grpId="0" nodeType="clickEffect">
+                                  <p:stCondLst>
+                                    <p:cond delay="0"/>
+                                  </p:stCondLst>
+                                  <p:childTnLst>
+                                    <p:set>
+                                      <p:cBhvr>
+                                        <p:cTn id="64" dur="1" fill="hold">
+                                          <p:stCondLst>
+                                            <p:cond delay="0"/>
+                                          </p:stCondLst>
+                                        </p:cTn>
+                                        <p:tgtEl>
+                                          <p:spTgt spid="25"/>
+                                        </p:tgtEl>
+                                        <p:attrNameLst>
+                                          <p:attrName>style.visibility</p:attrName>
+                                        </p:attrNameLst>
+                                      </p:cBhvr>
+                                      <p:to>
+                                        <p:strVal val="visible"/>
+                                      </p:to>
+                                    </p:set>
+                                  </p:childTnLst>
+                                </p:cTn>
+                              </p:par>
+                              <p:par>
+                                <p:cTn id="65" presetID="1" presetClass="entr" presetSubtype="0" fill="hold" grpId="0" nodeType="withEffect">
+                                  <p:stCondLst>
+                                    <p:cond delay="0"/>
+                                  </p:stCondLst>
+                                  <p:childTnLst>
+                                    <p:set>
+                                      <p:cBhvr>
+                                        <p:cTn id="66" dur="1" fill="hold">
+                                          <p:stCondLst>
+                                            <p:cond delay="0"/>
+                                          </p:stCondLst>
+                                        </p:cTn>
+                                        <p:tgtEl>
+                                          <p:spTgt spid="26"/>
+                                        </p:tgtEl>
+                                        <p:attrNameLst>
+                                          <p:attrName>style.visibility</p:attrName>
+                                        </p:attrNameLst>
+                                      </p:cBhvr>
+                                      <p:to>
+                                        <p:strVal val="visible"/>
+                                      </p:to>
+                                    </p:set>
+                                  </p:childTnLst>
+                                </p:cTn>
+                              </p:par>
+                              <p:par>
+                                <p:cTn id="67" presetID="1" presetClass="entr" presetSubtype="0" fill="hold" grpId="0" nodeType="withEffect">
+                                  <p:stCondLst>
+                                    <p:cond delay="0"/>
+                                  </p:stCondLst>
+                                  <p:childTnLst>
+                                    <p:set>
+                                      <p:cBhvr>
+                                        <p:cTn id="68" dur="1" fill="hold">
+                                          <p:stCondLst>
+                                            <p:cond delay="0"/>
+                                          </p:stCondLst>
+                                        </p:cTn>
+                                        <p:tgtEl>
+                                          <p:spTgt spid="27"/>
+                                        </p:tgtEl>
+                                        <p:attrNameLst>
+                                          <p:attrName>style.visibility</p:attrName>
+                                        </p:attrNameLst>
+                                      </p:cBhvr>
+                                      <p:to>
+                                        <p:strVal val="visible"/>
+                                      </p:to>
+                                    </p:set>
+                                  </p:childTnLst>
+                                </p:cTn>
+                              </p:par>
+                              <p:par>
+                                <p:cTn id="69" presetID="1" presetClass="entr" presetSubtype="0" fill="hold" grpId="0" nodeType="withEffect">
+                                  <p:stCondLst>
+                                    <p:cond delay="0"/>
+                                  </p:stCondLst>
+                                  <p:childTnLst>
+                                    <p:set>
+                                      <p:cBhvr>
+                                        <p:cTn id="70" dur="1" fill="hold">
+                                          <p:stCondLst>
+                                            <p:cond delay="0"/>
+                                          </p:stCondLst>
+                                        </p:cTn>
+                                        <p:tgtEl>
+                                          <p:spTgt spid="28"/>
+                                        </p:tgtEl>
+                                        <p:attrNameLst>
+                                          <p:attrName>style.visibility</p:attrName>
+                                        </p:attrNameLst>
+                                      </p:cBhvr>
+                                      <p:to>
+                                        <p:strVal val="visible"/>
+                                      </p:to>
+                                    </p:set>
+                                  </p:childTnLst>
+                                </p:cTn>
+                              </p:par>
+                              <p:par>
+                                <p:cTn id="71" presetID="1" presetClass="entr" presetSubtype="0" fill="hold" grpId="0" nodeType="withEffect">
+                                  <p:stCondLst>
+                                    <p:cond delay="0"/>
+                                  </p:stCondLst>
+                                  <p:childTnLst>
+                                    <p:set>
+                                      <p:cBhvr>
+                                        <p:cTn id="72" dur="1" fill="hold">
+                                          <p:stCondLst>
+                                            <p:cond delay="0"/>
+                                          </p:stCondLst>
+                                        </p:cTn>
+                                        <p:tgtEl>
+                                          <p:spTgt spid="29"/>
+                                        </p:tgtEl>
+                                        <p:attrNameLst>
+                                          <p:attrName>style.visibility</p:attrName>
+                                        </p:attrNameLst>
+                                      </p:cBhvr>
+                                      <p:to>
+                                        <p:strVal val="visible"/>
+                                      </p:to>
+                                    </p:set>
+                                  </p:childTnLst>
+                                </p:cTn>
+                              </p:par>
+                              <p:par>
+                                <p:cTn id="73" presetID="1" presetClass="entr" presetSubtype="0" fill="hold" grpId="0" nodeType="withEffect">
+                                  <p:stCondLst>
+                                    <p:cond delay="0"/>
+                                  </p:stCondLst>
+                                  <p:childTnLst>
+                                    <p:set>
+                                      <p:cBhvr>
+                                        <p:cTn id="74" dur="1" fill="hold">
+                                          <p:stCondLst>
+                                            <p:cond delay="0"/>
+                                          </p:stCondLst>
+                                        </p:cTn>
+                                        <p:tgtEl>
+                                          <p:spTgt spid="30"/>
+                                        </p:tgtEl>
+                                        <p:attrNameLst>
+                                          <p:attrName>style.visibility</p:attrName>
+                                        </p:attrNameLst>
+                                      </p:cBhvr>
+                                      <p:to>
+                                        <p:strVal val="visible"/>
+                                      </p:to>
+                                    </p:set>
+                                  </p:childTnLst>
+                                </p:cTn>
+                              </p:par>
+                              <p:par>
+                                <p:cTn id="75" presetID="1" presetClass="entr" presetSubtype="0" fill="hold" grpId="0" nodeType="withEffect">
+                                  <p:stCondLst>
+                                    <p:cond delay="0"/>
+                                  </p:stCondLst>
+                                  <p:childTnLst>
+                                    <p:set>
+                                      <p:cBhvr>
+                                        <p:cTn id="76" dur="1" fill="hold">
+                                          <p:stCondLst>
+                                            <p:cond delay="0"/>
+                                          </p:stCondLst>
+                                        </p:cTn>
+                                        <p:tgtEl>
+                                          <p:spTgt spid="31"/>
+                                        </p:tgtEl>
+                                        <p:attrNameLst>
+                                          <p:attrName>style.visibility</p:attrName>
+                                        </p:attrNameLst>
+                                      </p:cBhvr>
+                                      <p:to>
+                                        <p:strVal val="visible"/>
+                                      </p:to>
+                                    </p:set>
+                                  </p:childTnLst>
+                                </p:cTn>
+                              </p:par>
+                              <p:par>
+                                <p:cTn id="77" presetID="1" presetClass="entr" presetSubtype="0" fill="hold" grpId="0" nodeType="withEffect">
+                                  <p:stCondLst>
+                                    <p:cond delay="0"/>
+                                  </p:stCondLst>
+                                  <p:childTnLst>
+                                    <p:set>
+                                      <p:cBhvr>
+                                        <p:cTn id="78" dur="1" fill="hold">
+                                          <p:stCondLst>
+                                            <p:cond delay="0"/>
+                                          </p:stCondLst>
+                                        </p:cTn>
+                                        <p:tgtEl>
+                                          <p:spTgt spid="32"/>
+                                        </p:tgtEl>
+                                        <p:attrNameLst>
+                                          <p:attrName>style.visibility</p:attrName>
+                                        </p:attrNameLst>
+                                      </p:cBhvr>
+                                      <p:to>
+                                        <p:strVal val="visible"/>
+                                      </p:to>
+                                    </p:set>
+                                  </p:childTnLst>
+                                </p:cTn>
+                              </p:par>
+                              <p:par>
+                                <p:cTn id="79" presetID="1" presetClass="entr" presetSubtype="0" fill="hold" grpId="0" nodeType="withEffect">
+                                  <p:stCondLst>
+                                    <p:cond delay="0"/>
+                                  </p:stCondLst>
+                                  <p:childTnLst>
+                                    <p:set>
+                                      <p:cBhvr>
+                                        <p:cTn id="80" dur="1" fill="hold">
+                                          <p:stCondLst>
+                                            <p:cond delay="0"/>
+                                          </p:stCondLst>
+                                        </p:cTn>
+                                        <p:tgtEl>
+                                          <p:spTgt spid="33"/>
+                                        </p:tgtEl>
+                                        <p:attrNameLst>
+                                          <p:attrName>style.visibility</p:attrName>
+                                        </p:attrNameLst>
+                                      </p:cBhvr>
+                                      <p:to>
+                                        <p:strVal val="visible"/>
+                                      </p:to>
+                                    </p:set>
+                                  </p:childTnLst>
+                                </p:cTn>
+                              </p:par>
+                            </p:childTnLst>
+                          </p:cTn>
+                        </p:par>
+                      </p:childTnLst>
+                    </p:cTn>
+                  </p:par>
+                </p:childTnLst>
+              </p:cTn>
+              <p:prevCondLst>
+                <p:cond evt="onPrev" delay="0">
+                  <p:tgtEl>
+                    <p:sldTgt/>
+                  </p:tgtEl>
+                </p:cond>
+              </p:prevCondLst>
+              <p:nextCondLst>
+                <p:cond evt="onNext" delay="0">
+                  <p:tgtEl>
+                    <p:sldTgt/>
+                  </p:tgtEl>
+                </p:cond>
+              </p:nextCondLst>
+            </p:seq>
+          </p:childTnLst>
+        </p:cTn>
+      </p:par>
+    </p:tnLst>
+    <p:bldLst>
+      <p:bldP spid="4" grpId="0" animBg="1"/>
+      <p:bldP spid="5" grpId="0" animBg="1"/>
+      <p:bldP spid="7" grpId="0" animBg="1"/>
+      <p:bldP spid="9" grpId="0" animBg="1"/>
+      <p:bldP spid="10" grpId="0" animBg="1"/>
+      <p:bldP spid="11" grpId="0" animBg="1"/>
+      <p:bldP spid="14" grpId="0" animBg="1"/>
+      <p:bldP spid="15" grpId="0" animBg="1"/>
+      <p:bldP spid="18" grpId="0" animBg="1"/>
+      <p:bldP spid="19" grpId="0" animBg="1"/>
+      <p:bldP spid="22" grpId="0" animBg="1"/>
+      <p:bldP spid="23" grpId="0" animBg="1"/>
+      <p:bldP spid="24" grpId="0" animBg="1"/>
+      <p:bldP spid="25" grpId="0" animBg="1"/>
+      <p:bldP spid="26" grpId="0" animBg="1"/>
+      <p:bldP spid="27" grpId="0" animBg="1"/>
+      <p:bldP spid="28" grpId="0" animBg="1"/>
+      <p:bldP spid="29" grpId="0" animBg="1"/>
+      <p:bldP spid="30" grpId="0" animBg="1"/>
+      <p:bldP spid="31" grpId="0" animBg="1"/>
+      <p:bldP spid="32" grpId="0" animBg="1"/>
+      <p:bldP spid="33" grpId="0" animBg="1"/>
+      <p:bldP spid="34" grpId="0"/>
+      <p:bldP spid="35" grpId="0"/>
+      <p:bldP spid="36" grpId="0"/>
+      <p:bldP spid="37" grpId="0"/>
+    </p:bldLst>
+  </p:timing>
+</p:sld>
+</file>
+
+<file path=ppt/slides/slide9.xml><?xml version="1.0" encoding="utf-8"?>
+<p:sld xmlns:a="http://schemas.openxmlformats.org/drawingml/2006/main" xmlns:r="http://schemas.openxmlformats.org/officeDocument/2006/relationships" xmlns:p="http://schemas.openxmlformats.org/presentationml/2006/main">
+  <p:cSld>
+    <p:spTree>
+      <p:nvGrpSpPr>
+        <p:cNvPr id="1" name=""/>
+        <p:cNvGrpSpPr/>
+        <p:nvPr/>
+      </p:nvGrpSpPr>
+      <p:grpSpPr>
+        <a:xfrm>
+          <a:off x="0" y="0"/>
+          <a:ext cx="0" cy="0"/>
+          <a:chOff x="0" y="0"/>
+          <a:chExt cx="0" cy="0"/>
+        </a:xfrm>
+      </p:grpSpPr>
+      <p:sp>
+        <p:nvSpPr>
+          <p:cNvPr id="4" name="Rectangle 3"/>
+          <p:cNvSpPr/>
+          <p:nvPr/>
+        </p:nvSpPr>
+        <p:spPr>
+          <a:xfrm>
+            <a:off x="8117110" y="3165814"/>
+            <a:ext cx="521002" cy="2967017"/>
+          </a:xfrm>
+          <a:prstGeom prst="rect">
+            <a:avLst/>
+          </a:prstGeom>
+          <a:solidFill>
+            <a:srgbClr val="00CCFF"/>
+          </a:solidFill>
+          <a:ln>
+            <a:solidFill>
+              <a:srgbClr val="00CCFF"/>
+            </a:solidFill>
+          </a:ln>
+        </p:spPr>
+        <p:style>
+          <a:lnRef idx="2">
+            <a:schemeClr val="accent1">
+              <a:shade val="50000"/>
+            </a:schemeClr>
+          </a:lnRef>
+          <a:fillRef idx="1">
+            <a:schemeClr val="accent1"/>
+          </a:fillRef>
+          <a:effectRef idx="0">
+            <a:schemeClr val="accent1"/>
+          </a:effectRef>
+          <a:fontRef idx="minor">
+            <a:schemeClr val="lt1"/>
+          </a:fontRef>
+        </p:style>
+        <p:txBody>
+          <a:bodyPr rtlCol="0" anchor="ctr"/>
+          <a:lstStyle/>
+          <a:p>
+            <a:pPr algn="ctr"/>
+            <a:r>
+              <a:rPr lang="nl-BE" sz="1200" dirty="0" smtClean="0"/>
+              <a:t>Auth</a:t>
+            </a:r>
+            <a:endParaRPr lang="en-US" sz="1200" dirty="0"/>
+          </a:p>
+        </p:txBody>
+      </p:sp>
+      <p:sp>
+        <p:nvSpPr>
+          <p:cNvPr id="5" name="Rectangle 4"/>
+          <p:cNvSpPr/>
+          <p:nvPr/>
+        </p:nvSpPr>
+        <p:spPr>
+          <a:xfrm>
+            <a:off x="6839100" y="4724362"/>
+            <a:ext cx="1185395" cy="1397193"/>
+          </a:xfrm>
+          <a:prstGeom prst="rect">
+            <a:avLst/>
+          </a:prstGeom>
+          <a:solidFill>
+            <a:srgbClr val="00CCFF"/>
+          </a:solidFill>
+          <a:ln>
+            <a:solidFill>
+              <a:srgbClr val="00CCFF"/>
+            </a:solidFill>
+          </a:ln>
+        </p:spPr>
+        <p:style>
+          <a:lnRef idx="2">
+            <a:schemeClr val="accent1">
+              <a:shade val="50000"/>
+            </a:schemeClr>
+          </a:lnRef>
+          <a:fillRef idx="1">
+            <a:schemeClr val="accent1"/>
+          </a:fillRef>
+          <a:effectRef idx="0">
+            <a:schemeClr val="accent1"/>
+          </a:effectRef>
+          <a:fontRef idx="minor">
+            <a:schemeClr val="lt1"/>
+          </a:fontRef>
+        </p:style>
+        <p:txBody>
+          <a:bodyPr rtlCol="0" anchor="ctr"/>
+          <a:lstStyle/>
+          <a:p>
+            <a:pPr algn="ctr"/>
+            <a:r>
+              <a:rPr lang="nl-BE" sz="1400" dirty="0" smtClean="0"/>
+              <a:t>Queue Processor</a:t>
+            </a:r>
+            <a:endParaRPr lang="en-US" sz="1400" dirty="0"/>
+          </a:p>
+        </p:txBody>
+      </p:sp>
+      <p:sp>
+        <p:nvSpPr>
+          <p:cNvPr id="6" name="Rectangle 5"/>
+          <p:cNvSpPr/>
+          <p:nvPr/>
+        </p:nvSpPr>
+        <p:spPr>
+          <a:xfrm>
+            <a:off x="1714331" y="3470674"/>
+            <a:ext cx="1275757" cy="869577"/>
+          </a:xfrm>
+          <a:prstGeom prst="rect">
+            <a:avLst/>
+          </a:prstGeom>
+          <a:solidFill>
+            <a:srgbClr val="00CCFF"/>
+          </a:solidFill>
+          <a:ln>
+            <a:solidFill>
+              <a:srgbClr val="00CCFF"/>
+            </a:solidFill>
+          </a:ln>
+        </p:spPr>
+        <p:style>
+          <a:lnRef idx="2">
+            <a:schemeClr val="accent1">
+              <a:shade val="50000"/>
+            </a:schemeClr>
+          </a:lnRef>
+          <a:fillRef idx="1">
+            <a:schemeClr val="accent1"/>
+          </a:fillRef>
+          <a:effectRef idx="0">
+            <a:schemeClr val="accent1"/>
+          </a:effectRef>
+          <a:fontRef idx="minor">
+            <a:schemeClr val="lt1"/>
+          </a:fontRef>
+        </p:style>
+        <p:txBody>
+          <a:bodyPr rtlCol="0" anchor="ctr"/>
+          <a:lstStyle/>
+          <a:p>
+            <a:pPr algn="ctr"/>
+            <a:r>
+              <a:rPr lang="nl-BE" dirty="0" smtClean="0"/>
+              <a:t>Eventhub</a:t>
+            </a:r>
+            <a:endParaRPr lang="en-US" dirty="0"/>
+          </a:p>
+        </p:txBody>
+      </p:sp>
+      <p:sp>
+        <p:nvSpPr>
+          <p:cNvPr id="7" name="Rectangle 6"/>
+          <p:cNvSpPr/>
+          <p:nvPr/>
+        </p:nvSpPr>
+        <p:spPr>
+          <a:xfrm>
+            <a:off x="3041110" y="3479638"/>
+            <a:ext cx="1185395" cy="869577"/>
+          </a:xfrm>
+          <a:prstGeom prst="rect">
+            <a:avLst/>
+          </a:prstGeom>
+          <a:solidFill>
+            <a:srgbClr val="00CCFF"/>
+          </a:solidFill>
+          <a:ln>
+            <a:solidFill>
+              <a:srgbClr val="00CCFF"/>
+            </a:solidFill>
+          </a:ln>
+        </p:spPr>
+        <p:style>
+          <a:lnRef idx="2">
+            <a:schemeClr val="accent1">
+              <a:shade val="50000"/>
+            </a:schemeClr>
+          </a:lnRef>
+          <a:fillRef idx="1">
+            <a:schemeClr val="accent1"/>
+          </a:fillRef>
+          <a:effectRef idx="0">
+            <a:schemeClr val="accent1"/>
+          </a:effectRef>
+          <a:fontRef idx="minor">
+            <a:schemeClr val="lt1"/>
+          </a:fontRef>
+        </p:style>
+        <p:txBody>
+          <a:bodyPr rtlCol="0" anchor="ctr"/>
+          <a:lstStyle/>
+          <a:p>
+            <a:pPr algn="ctr"/>
+            <a:r>
+              <a:rPr lang="nl-BE" dirty="0" smtClean="0"/>
+              <a:t>Event</a:t>
+            </a:r>
+          </a:p>
+          <a:p>
+            <a:pPr algn="ctr"/>
+            <a:r>
+              <a:rPr lang="nl-BE" dirty="0" smtClean="0"/>
+              <a:t>ProcessorHost</a:t>
+            </a:r>
+            <a:endParaRPr lang="en-US" dirty="0"/>
+          </a:p>
+        </p:txBody>
+      </p:sp>
+      <p:sp>
+        <p:nvSpPr>
+          <p:cNvPr id="8" name="Rectangle 7"/>
+          <p:cNvSpPr/>
+          <p:nvPr/>
+        </p:nvSpPr>
+        <p:spPr>
+          <a:xfrm>
+            <a:off x="4307183" y="1916195"/>
+            <a:ext cx="968188" cy="4192024"/>
+          </a:xfrm>
+          <a:prstGeom prst="rect">
+            <a:avLst/>
+          </a:prstGeom>
+          <a:solidFill>
+            <a:srgbClr val="00CCFF"/>
+          </a:solidFill>
+          <a:ln>
+            <a:solidFill>
+              <a:srgbClr val="00CCFF"/>
+            </a:solidFill>
+          </a:ln>
+        </p:spPr>
+        <p:style>
+          <a:lnRef idx="2">
+            <a:schemeClr val="accent1">
+              <a:shade val="50000"/>
+            </a:schemeClr>
+          </a:lnRef>
+          <a:fillRef idx="1">
+            <a:schemeClr val="accent1"/>
+          </a:fillRef>
+          <a:effectRef idx="0">
+            <a:schemeClr val="accent1"/>
+          </a:effectRef>
+          <a:fontRef idx="minor">
+            <a:schemeClr val="lt1"/>
+          </a:fontRef>
+        </p:style>
+        <p:txBody>
+          <a:bodyPr rtlCol="0" anchor="ctr"/>
+          <a:lstStyle/>
+          <a:p>
+            <a:pPr algn="ctr"/>
+            <a:r>
+              <a:rPr lang="nl-BE" dirty="0" smtClean="0"/>
+              <a:t>Routing</a:t>
+            </a:r>
+            <a:endParaRPr lang="en-US" dirty="0"/>
+          </a:p>
+        </p:txBody>
+      </p:sp>
+      <p:cxnSp>
+        <p:nvCxnSpPr>
+          <p:cNvPr id="9" name="Straight Arrow Connector 8"/>
+          <p:cNvCxnSpPr/>
+          <p:nvPr/>
+        </p:nvCxnSpPr>
+        <p:spPr>
+          <a:xfrm flipV="1">
+            <a:off x="1220686" y="3922776"/>
+            <a:ext cx="415732" cy="4807"/>
+          </a:xfrm>
+          <a:prstGeom prst="straightConnector1">
+            <a:avLst/>
+          </a:prstGeom>
+          <a:ln>
+            <a:tailEnd type="triangle"/>
+          </a:ln>
+        </p:spPr>
+        <p:style>
+          <a:lnRef idx="3">
+            <a:schemeClr val="dk1"/>
+          </a:lnRef>
+          <a:fillRef idx="0">
+            <a:schemeClr val="dk1"/>
+          </a:fillRef>
+          <a:effectRef idx="2">
+            <a:schemeClr val="dk1"/>
+          </a:effectRef>
+          <a:fontRef idx="minor">
+            <a:schemeClr val="tx1"/>
+          </a:fontRef>
+        </p:style>
+      </p:cxnSp>
+      <p:sp>
+        <p:nvSpPr>
+          <p:cNvPr id="10" name="Rectangle 9"/>
+          <p:cNvSpPr/>
+          <p:nvPr/>
+        </p:nvSpPr>
+        <p:spPr>
+          <a:xfrm>
+            <a:off x="6842053" y="3165815"/>
+            <a:ext cx="1185395" cy="1513922"/>
+          </a:xfrm>
+          <a:prstGeom prst="rect">
+            <a:avLst/>
+          </a:prstGeom>
+          <a:solidFill>
+            <a:srgbClr val="00CCFF"/>
+          </a:solidFill>
+          <a:ln>
+            <a:solidFill>
+              <a:srgbClr val="00CCFF"/>
+            </a:solidFill>
+          </a:ln>
+        </p:spPr>
+        <p:style>
+          <a:lnRef idx="2">
+            <a:schemeClr val="accent1">
+              <a:shade val="50000"/>
+            </a:schemeClr>
+          </a:lnRef>
+          <a:fillRef idx="1">
+            <a:schemeClr val="accent1"/>
+          </a:fillRef>
+          <a:effectRef idx="0">
+            <a:schemeClr val="accent1"/>
+          </a:effectRef>
+          <a:fontRef idx="minor">
+            <a:schemeClr val="lt1"/>
+          </a:fontRef>
+        </p:style>
+        <p:txBody>
+          <a:bodyPr rtlCol="0" anchor="ctr"/>
+          <a:lstStyle/>
+          <a:p>
+            <a:pPr algn="ctr"/>
+            <a:r>
+              <a:rPr lang="nl-BE" dirty="0" smtClean="0"/>
+              <a:t>Owin</a:t>
+            </a:r>
+            <a:endParaRPr lang="en-US" dirty="0"/>
+          </a:p>
+        </p:txBody>
+      </p:sp>
+      <p:sp>
+        <p:nvSpPr>
+          <p:cNvPr id="11" name="Rectangle 10"/>
+          <p:cNvSpPr/>
+          <p:nvPr/>
+        </p:nvSpPr>
+        <p:spPr>
+          <a:xfrm>
+            <a:off x="8710259" y="4247605"/>
+            <a:ext cx="1640555" cy="869577"/>
+          </a:xfrm>
+          <a:prstGeom prst="rect">
+            <a:avLst/>
+          </a:prstGeom>
+          <a:solidFill>
+            <a:srgbClr val="00CCFF"/>
+          </a:solidFill>
+          <a:ln>
+            <a:solidFill>
+              <a:srgbClr val="00CCFF"/>
+            </a:solidFill>
+          </a:ln>
+        </p:spPr>
+        <p:style>
+          <a:lnRef idx="2">
+            <a:schemeClr val="accent1">
+              <a:shade val="50000"/>
+            </a:schemeClr>
+          </a:lnRef>
+          <a:fillRef idx="1">
+            <a:schemeClr val="accent1"/>
+          </a:fillRef>
+          <a:effectRef idx="0">
+            <a:schemeClr val="accent1"/>
+          </a:effectRef>
+          <a:fontRef idx="minor">
+            <a:schemeClr val="lt1"/>
+          </a:fontRef>
+        </p:style>
+        <p:txBody>
+          <a:bodyPr rtlCol="0" anchor="ctr"/>
+          <a:lstStyle/>
+          <a:p>
+            <a:pPr algn="ctr"/>
+            <a:r>
+              <a:rPr lang="nl-BE" dirty="0" smtClean="0"/>
+              <a:t>Signalr</a:t>
+            </a:r>
+          </a:p>
+          <a:p>
+            <a:pPr algn="ctr"/>
+            <a:r>
+              <a:rPr lang="nl-BE" dirty="0" smtClean="0"/>
+              <a:t>Hub</a:t>
+            </a:r>
+            <a:endParaRPr lang="en-US" dirty="0"/>
+          </a:p>
+        </p:txBody>
+      </p:sp>
+      <p:sp>
+        <p:nvSpPr>
+          <p:cNvPr id="12" name="Can 11"/>
+          <p:cNvSpPr/>
+          <p:nvPr/>
+        </p:nvSpPr>
+        <p:spPr>
+          <a:xfrm rot="5400000">
+            <a:off x="5638057" y="1938528"/>
+            <a:ext cx="338328" cy="722376"/>
+          </a:xfrm>
+          <a:prstGeom prst="can">
+            <a:avLst/>
+          </a:prstGeom>
+        </p:spPr>
+        <p:style>
+          <a:lnRef idx="1">
+            <a:schemeClr val="accent3"/>
+          </a:lnRef>
+          <a:fillRef idx="2">
+            <a:schemeClr val="accent3"/>
+          </a:fillRef>
+          <a:effectRef idx="1">
+            <a:schemeClr val="accent3"/>
+          </a:effectRef>
+          <a:fontRef idx="minor">
+            <a:schemeClr val="dk1"/>
+          </a:fontRef>
+        </p:style>
+        <p:txBody>
+          <a:bodyPr rtlCol="0" anchor="ctr"/>
+          <a:lstStyle/>
+          <a:p>
+            <a:pPr algn="ctr"/>
+            <a:endParaRPr lang="en-US"/>
+          </a:p>
+        </p:txBody>
+      </p:sp>
+      <p:sp>
+        <p:nvSpPr>
+          <p:cNvPr id="13" name="Can 12"/>
+          <p:cNvSpPr/>
+          <p:nvPr/>
+        </p:nvSpPr>
+        <p:spPr>
+          <a:xfrm rot="5400000">
+            <a:off x="5638057" y="2370320"/>
+            <a:ext cx="338328" cy="722376"/>
+          </a:xfrm>
+          <a:prstGeom prst="can">
+            <a:avLst/>
+          </a:prstGeom>
+        </p:spPr>
+        <p:style>
+          <a:lnRef idx="1">
+            <a:schemeClr val="accent3"/>
+          </a:lnRef>
+          <a:fillRef idx="2">
+            <a:schemeClr val="accent3"/>
+          </a:fillRef>
+          <a:effectRef idx="1">
+            <a:schemeClr val="accent3"/>
+          </a:effectRef>
+          <a:fontRef idx="minor">
+            <a:schemeClr val="dk1"/>
+          </a:fontRef>
+        </p:style>
+        <p:txBody>
+          <a:bodyPr rtlCol="0" anchor="ctr"/>
+          <a:lstStyle/>
+          <a:p>
+            <a:pPr algn="ctr"/>
+            <a:endParaRPr lang="en-US"/>
+          </a:p>
+        </p:txBody>
+      </p:sp>
+      <p:sp>
+        <p:nvSpPr>
+          <p:cNvPr id="14" name="Can 13"/>
+          <p:cNvSpPr/>
+          <p:nvPr/>
+        </p:nvSpPr>
+        <p:spPr>
+          <a:xfrm rot="5400000">
+            <a:off x="5644373" y="2802112"/>
+            <a:ext cx="338328" cy="722376"/>
+          </a:xfrm>
+          <a:prstGeom prst="can">
+            <a:avLst/>
+          </a:prstGeom>
+        </p:spPr>
+        <p:style>
+          <a:lnRef idx="1">
+            <a:schemeClr val="accent3"/>
+          </a:lnRef>
+          <a:fillRef idx="2">
+            <a:schemeClr val="accent3"/>
+          </a:fillRef>
+          <a:effectRef idx="1">
+            <a:schemeClr val="accent3"/>
+          </a:effectRef>
+          <a:fontRef idx="minor">
+            <a:schemeClr val="dk1"/>
+          </a:fontRef>
+        </p:style>
+        <p:txBody>
+          <a:bodyPr rtlCol="0" anchor="ctr"/>
+          <a:lstStyle/>
+          <a:p>
+            <a:pPr algn="ctr"/>
+            <a:endParaRPr lang="en-US"/>
+          </a:p>
+        </p:txBody>
+      </p:sp>
+      <p:sp>
+        <p:nvSpPr>
+          <p:cNvPr id="15" name="Can 14"/>
+          <p:cNvSpPr/>
+          <p:nvPr/>
+        </p:nvSpPr>
+        <p:spPr>
+          <a:xfrm rot="5400000">
+            <a:off x="5638057" y="3252192"/>
+            <a:ext cx="338328" cy="722376"/>
+          </a:xfrm>
+          <a:prstGeom prst="can">
+            <a:avLst/>
+          </a:prstGeom>
+        </p:spPr>
+        <p:style>
+          <a:lnRef idx="1">
+            <a:schemeClr val="accent3"/>
+          </a:lnRef>
+          <a:fillRef idx="2">
+            <a:schemeClr val="accent3"/>
+          </a:fillRef>
+          <a:effectRef idx="1">
+            <a:schemeClr val="accent3"/>
+          </a:effectRef>
+          <a:fontRef idx="minor">
+            <a:schemeClr val="dk1"/>
+          </a:fontRef>
+        </p:style>
+        <p:txBody>
+          <a:bodyPr rtlCol="0" anchor="ctr"/>
+          <a:lstStyle/>
+          <a:p>
+            <a:pPr algn="ctr"/>
+            <a:endParaRPr lang="en-US"/>
+          </a:p>
+        </p:txBody>
+      </p:sp>
+      <p:sp>
+        <p:nvSpPr>
+          <p:cNvPr id="16" name="Can 15"/>
+          <p:cNvSpPr/>
+          <p:nvPr/>
+        </p:nvSpPr>
+        <p:spPr>
+          <a:xfrm rot="5400000">
+            <a:off x="5643410" y="3702272"/>
+            <a:ext cx="338328" cy="722376"/>
+          </a:xfrm>
+          <a:prstGeom prst="can">
+            <a:avLst/>
+          </a:prstGeom>
+        </p:spPr>
+        <p:style>
+          <a:lnRef idx="1">
+            <a:schemeClr val="accent3"/>
+          </a:lnRef>
+          <a:fillRef idx="2">
+            <a:schemeClr val="accent3"/>
+          </a:fillRef>
+          <a:effectRef idx="1">
+            <a:schemeClr val="accent3"/>
+          </a:effectRef>
+          <a:fontRef idx="minor">
+            <a:schemeClr val="dk1"/>
+          </a:fontRef>
+        </p:style>
+        <p:txBody>
+          <a:bodyPr rtlCol="0" anchor="ctr"/>
+          <a:lstStyle/>
+          <a:p>
+            <a:pPr algn="ctr"/>
+            <a:endParaRPr lang="en-US"/>
+          </a:p>
+        </p:txBody>
+      </p:sp>
+      <p:sp>
+        <p:nvSpPr>
+          <p:cNvPr id="17" name="Can 16"/>
+          <p:cNvSpPr/>
+          <p:nvPr/>
+        </p:nvSpPr>
+        <p:spPr>
+          <a:xfrm rot="5400000">
+            <a:off x="5638057" y="4148226"/>
+            <a:ext cx="338328" cy="722376"/>
+          </a:xfrm>
+          <a:prstGeom prst="can">
+            <a:avLst/>
+          </a:prstGeom>
+        </p:spPr>
+        <p:style>
+          <a:lnRef idx="1">
+            <a:schemeClr val="accent3"/>
+          </a:lnRef>
+          <a:fillRef idx="2">
+            <a:schemeClr val="accent3"/>
+          </a:fillRef>
+          <a:effectRef idx="1">
+            <a:schemeClr val="accent3"/>
+          </a:effectRef>
+          <a:fontRef idx="minor">
+            <a:schemeClr val="dk1"/>
+          </a:fontRef>
+        </p:style>
+        <p:txBody>
+          <a:bodyPr rtlCol="0" anchor="ctr"/>
+          <a:lstStyle/>
+          <a:p>
+            <a:pPr algn="ctr"/>
+            <a:endParaRPr lang="en-US"/>
+          </a:p>
+        </p:txBody>
+      </p:sp>
+      <p:sp>
+        <p:nvSpPr>
+          <p:cNvPr id="18" name="Can 17"/>
+          <p:cNvSpPr/>
+          <p:nvPr/>
+        </p:nvSpPr>
+        <p:spPr>
+          <a:xfrm rot="5400000">
+            <a:off x="5638057" y="4594180"/>
+            <a:ext cx="338328" cy="722376"/>
+          </a:xfrm>
+          <a:prstGeom prst="can">
+            <a:avLst/>
+          </a:prstGeom>
+        </p:spPr>
+        <p:style>
+          <a:lnRef idx="1">
+            <a:schemeClr val="accent3"/>
+          </a:lnRef>
+          <a:fillRef idx="2">
+            <a:schemeClr val="accent3"/>
+          </a:fillRef>
+          <a:effectRef idx="1">
+            <a:schemeClr val="accent3"/>
+          </a:effectRef>
+          <a:fontRef idx="minor">
+            <a:schemeClr val="dk1"/>
+          </a:fontRef>
+        </p:style>
+        <p:txBody>
+          <a:bodyPr rtlCol="0" anchor="ctr"/>
+          <a:lstStyle/>
+          <a:p>
+            <a:pPr algn="ctr"/>
+            <a:endParaRPr lang="en-US"/>
+          </a:p>
+        </p:txBody>
+      </p:sp>
+      <p:sp>
+        <p:nvSpPr>
+          <p:cNvPr id="19" name="Can 18"/>
+          <p:cNvSpPr/>
+          <p:nvPr/>
+        </p:nvSpPr>
+        <p:spPr>
+          <a:xfrm rot="5400000">
+            <a:off x="5644373" y="5040134"/>
+            <a:ext cx="338328" cy="722376"/>
+          </a:xfrm>
+          <a:prstGeom prst="can">
+            <a:avLst/>
+          </a:prstGeom>
+        </p:spPr>
+        <p:style>
+          <a:lnRef idx="1">
+            <a:schemeClr val="accent3"/>
+          </a:lnRef>
+          <a:fillRef idx="2">
+            <a:schemeClr val="accent3"/>
+          </a:fillRef>
+          <a:effectRef idx="1">
+            <a:schemeClr val="accent3"/>
+          </a:effectRef>
+          <a:fontRef idx="minor">
+            <a:schemeClr val="dk1"/>
+          </a:fontRef>
+        </p:style>
+        <p:txBody>
+          <a:bodyPr rtlCol="0" anchor="ctr"/>
+          <a:lstStyle/>
+          <a:p>
+            <a:pPr algn="ctr"/>
+            <a:endParaRPr lang="en-US"/>
+          </a:p>
+        </p:txBody>
+      </p:sp>
+      <p:sp>
+        <p:nvSpPr>
+          <p:cNvPr id="20" name="Can 19"/>
+          <p:cNvSpPr/>
+          <p:nvPr/>
+        </p:nvSpPr>
+        <p:spPr>
+          <a:xfrm rot="5400000">
+            <a:off x="5637627" y="5490214"/>
+            <a:ext cx="338328" cy="722376"/>
+          </a:xfrm>
+          <a:prstGeom prst="can">
+            <a:avLst/>
+          </a:prstGeom>
+        </p:spPr>
+        <p:style>
+          <a:lnRef idx="1">
+            <a:schemeClr val="accent3"/>
+          </a:lnRef>
+          <a:fillRef idx="2">
+            <a:schemeClr val="accent3"/>
+          </a:fillRef>
+          <a:effectRef idx="1">
+            <a:schemeClr val="accent3"/>
+          </a:effectRef>
+          <a:fontRef idx="minor">
+            <a:schemeClr val="dk1"/>
+          </a:fontRef>
+        </p:style>
+        <p:txBody>
+          <a:bodyPr rtlCol="0" anchor="ctr"/>
+          <a:lstStyle/>
+          <a:p>
+            <a:pPr algn="ctr"/>
+            <a:endParaRPr lang="en-US"/>
+          </a:p>
+        </p:txBody>
+      </p:sp>
+      <p:sp>
+        <p:nvSpPr>
+          <p:cNvPr id="21" name="Oval 20"/>
+          <p:cNvSpPr/>
+          <p:nvPr/>
+        </p:nvSpPr>
+        <p:spPr>
+          <a:xfrm>
+            <a:off x="6705561" y="2220856"/>
+            <a:ext cx="230909" cy="215496"/>
+          </a:xfrm>
+          <a:prstGeom prst="ellipse">
+            <a:avLst/>
+          </a:prstGeom>
+          <a:solidFill>
+            <a:schemeClr val="bg2">
+              <a:lumMod val="50000"/>
+            </a:schemeClr>
+          </a:solidFill>
+          <a:ln>
+            <a:solidFill>
+              <a:schemeClr val="bg2">
+                <a:lumMod val="50000"/>
+              </a:schemeClr>
+            </a:solidFill>
+          </a:ln>
+        </p:spPr>
+        <p:style>
+          <a:lnRef idx="2">
+            <a:schemeClr val="accent1">
+              <a:shade val="50000"/>
+            </a:schemeClr>
+          </a:lnRef>
+          <a:fillRef idx="1">
+            <a:schemeClr val="accent1"/>
+          </a:fillRef>
+          <a:effectRef idx="0">
+            <a:schemeClr val="accent1"/>
+          </a:effectRef>
+          <a:fontRef idx="minor">
+            <a:schemeClr val="lt1"/>
+          </a:fontRef>
+        </p:style>
+        <p:txBody>
+          <a:bodyPr rtlCol="0" anchor="ctr"/>
+          <a:lstStyle/>
+          <a:p>
+            <a:pPr algn="ctr"/>
+            <a:endParaRPr lang="en-US"/>
+          </a:p>
+        </p:txBody>
+      </p:sp>
+      <p:cxnSp>
+        <p:nvCxnSpPr>
+          <p:cNvPr id="22" name="Straight Connector 21"/>
+          <p:cNvCxnSpPr/>
+          <p:nvPr/>
+        </p:nvCxnSpPr>
+        <p:spPr>
+          <a:xfrm>
+            <a:off x="6210395" y="2328604"/>
+            <a:ext cx="495604" cy="0"/>
+          </a:xfrm>
+          <a:prstGeom prst="line">
+            <a:avLst/>
+          </a:prstGeom>
+          <a:ln>
+            <a:solidFill>
+              <a:schemeClr val="bg2">
+                <a:lumMod val="50000"/>
+              </a:schemeClr>
+            </a:solidFill>
+          </a:ln>
+        </p:spPr>
+        <p:style>
+          <a:lnRef idx="1">
+            <a:schemeClr val="accent1"/>
+          </a:lnRef>
+          <a:fillRef idx="0">
+            <a:schemeClr val="accent1"/>
+          </a:fillRef>
+          <a:effectRef idx="0">
+            <a:schemeClr val="accent1"/>
+          </a:effectRef>
+          <a:fontRef idx="minor">
+            <a:schemeClr val="tx1"/>
+          </a:fontRef>
+        </p:style>
+      </p:cxnSp>
+      <p:sp>
+        <p:nvSpPr>
+          <p:cNvPr id="23" name="Rectangle 22"/>
+          <p:cNvSpPr/>
+          <p:nvPr/>
+        </p:nvSpPr>
+        <p:spPr>
+          <a:xfrm>
+            <a:off x="8710259" y="3177091"/>
+            <a:ext cx="1640555" cy="869577"/>
+          </a:xfrm>
+          <a:prstGeom prst="rect">
+            <a:avLst/>
+          </a:prstGeom>
+          <a:solidFill>
+            <a:srgbClr val="00CCFF"/>
+          </a:solidFill>
+          <a:ln>
+            <a:solidFill>
+              <a:srgbClr val="00CCFF"/>
+            </a:solidFill>
+          </a:ln>
+        </p:spPr>
+        <p:style>
+          <a:lnRef idx="2">
+            <a:schemeClr val="accent1">
+              <a:shade val="50000"/>
+            </a:schemeClr>
+          </a:lnRef>
+          <a:fillRef idx="1">
+            <a:schemeClr val="accent1"/>
+          </a:fillRef>
+          <a:effectRef idx="0">
+            <a:schemeClr val="accent1"/>
+          </a:effectRef>
+          <a:fontRef idx="minor">
+            <a:schemeClr val="lt1"/>
+          </a:fontRef>
+        </p:style>
+        <p:txBody>
+          <a:bodyPr rtlCol="0" anchor="ctr"/>
+          <a:lstStyle/>
+          <a:p>
+            <a:pPr algn="ctr"/>
+            <a:r>
+              <a:rPr lang="nl-BE" dirty="0" smtClean="0"/>
+              <a:t>Web API</a:t>
+            </a:r>
+          </a:p>
+          <a:p>
+            <a:pPr algn="ctr"/>
+            <a:r>
+              <a:rPr lang="nl-BE" dirty="0" smtClean="0"/>
+              <a:t>Controller</a:t>
+            </a:r>
+            <a:endParaRPr lang="en-US" dirty="0"/>
+          </a:p>
+        </p:txBody>
+      </p:sp>
+      <p:sp>
+        <p:nvSpPr>
+          <p:cNvPr id="24" name="Rectangle 23"/>
+          <p:cNvSpPr/>
+          <p:nvPr/>
+        </p:nvSpPr>
+        <p:spPr>
+          <a:xfrm>
+            <a:off x="8710259" y="5263255"/>
+            <a:ext cx="1613648" cy="869577"/>
+          </a:xfrm>
+          <a:prstGeom prst="rect">
+            <a:avLst/>
+          </a:prstGeom>
+          <a:ln/>
+        </p:spPr>
+        <p:style>
+          <a:lnRef idx="1">
+            <a:schemeClr val="accent3"/>
+          </a:lnRef>
+          <a:fillRef idx="2">
+            <a:schemeClr val="accent3"/>
+          </a:fillRef>
+          <a:effectRef idx="1">
+            <a:schemeClr val="accent3"/>
+          </a:effectRef>
+          <a:fontRef idx="minor">
+            <a:schemeClr val="dk1"/>
+          </a:fontRef>
+        </p:style>
+        <p:txBody>
+          <a:bodyPr rtlCol="0" anchor="ctr"/>
+          <a:lstStyle/>
+          <a:p>
+            <a:pPr algn="ctr"/>
+            <a:r>
+              <a:rPr lang="nl-BE" sz="1600" dirty="0" smtClean="0"/>
+              <a:t>MQTT </a:t>
+            </a:r>
+            <a:r>
+              <a:rPr lang="nl-BE" sz="1600" dirty="0" smtClean="0"/>
+              <a:t>Host </a:t>
+            </a:r>
+            <a:br>
+              <a:rPr lang="nl-BE" sz="1600" dirty="0" smtClean="0"/>
+            </a:br>
+            <a:r>
+              <a:rPr lang="nl-BE" sz="1400" dirty="0" smtClean="0"/>
+              <a:t>(Not available yet)</a:t>
+            </a:r>
+            <a:endParaRPr lang="en-US" sz="1400" dirty="0"/>
+          </a:p>
+        </p:txBody>
+      </p:sp>
+      <p:sp>
+        <p:nvSpPr>
+          <p:cNvPr id="25" name="Oval 24"/>
+          <p:cNvSpPr/>
+          <p:nvPr/>
+        </p:nvSpPr>
+        <p:spPr>
+          <a:xfrm>
+            <a:off x="10859246" y="3452857"/>
+            <a:ext cx="230909" cy="215496"/>
+          </a:xfrm>
+          <a:prstGeom prst="ellipse">
+            <a:avLst/>
+          </a:prstGeom>
+          <a:solidFill>
+            <a:schemeClr val="bg2">
+              <a:lumMod val="50000"/>
+            </a:schemeClr>
+          </a:solidFill>
+          <a:ln>
+            <a:solidFill>
+              <a:schemeClr val="bg2">
+                <a:lumMod val="50000"/>
+              </a:schemeClr>
+            </a:solidFill>
+          </a:ln>
+        </p:spPr>
+        <p:style>
+          <a:lnRef idx="2">
+            <a:schemeClr val="accent1">
+              <a:shade val="50000"/>
+            </a:schemeClr>
+          </a:lnRef>
+          <a:fillRef idx="1">
+            <a:schemeClr val="accent1"/>
+          </a:fillRef>
+          <a:effectRef idx="0">
+            <a:schemeClr val="accent1"/>
+          </a:effectRef>
+          <a:fontRef idx="minor">
+            <a:schemeClr val="lt1"/>
+          </a:fontRef>
+        </p:style>
+        <p:txBody>
+          <a:bodyPr rtlCol="0" anchor="ctr"/>
+          <a:lstStyle/>
+          <a:p>
+            <a:pPr algn="ctr"/>
+            <a:endParaRPr lang="en-US"/>
+          </a:p>
+        </p:txBody>
+      </p:sp>
+      <p:cxnSp>
+        <p:nvCxnSpPr>
+          <p:cNvPr id="26" name="Straight Connector 25"/>
+          <p:cNvCxnSpPr/>
+          <p:nvPr/>
+        </p:nvCxnSpPr>
+        <p:spPr>
+          <a:xfrm>
+            <a:off x="10364080" y="3560605"/>
+            <a:ext cx="495604" cy="0"/>
+          </a:xfrm>
+          <a:prstGeom prst="line">
+            <a:avLst/>
+          </a:prstGeom>
+          <a:ln>
+            <a:solidFill>
+              <a:schemeClr val="bg2">
+                <a:lumMod val="50000"/>
+              </a:schemeClr>
+            </a:solidFill>
+          </a:ln>
+        </p:spPr>
+        <p:style>
+          <a:lnRef idx="1">
+            <a:schemeClr val="accent1"/>
+          </a:lnRef>
+          <a:fillRef idx="0">
+            <a:schemeClr val="accent1"/>
+          </a:fillRef>
+          <a:effectRef idx="0">
+            <a:schemeClr val="accent1"/>
+          </a:effectRef>
+          <a:fontRef idx="minor">
+            <a:schemeClr val="tx1"/>
+          </a:fontRef>
+        </p:style>
+      </p:cxnSp>
+      <p:cxnSp>
+        <p:nvCxnSpPr>
+          <p:cNvPr id="27" name="Straight Arrow Connector 26"/>
+          <p:cNvCxnSpPr/>
+          <p:nvPr/>
+        </p:nvCxnSpPr>
+        <p:spPr>
+          <a:xfrm flipH="1" flipV="1">
+            <a:off x="11194222" y="4665867"/>
+            <a:ext cx="808729" cy="12711"/>
+          </a:xfrm>
+          <a:prstGeom prst="straightConnector1">
+            <a:avLst/>
+          </a:prstGeom>
+          <a:ln>
+            <a:tailEnd type="triangle"/>
+          </a:ln>
+        </p:spPr>
+        <p:style>
+          <a:lnRef idx="3">
+            <a:schemeClr val="dk1"/>
+          </a:lnRef>
+          <a:fillRef idx="0">
+            <a:schemeClr val="dk1"/>
+          </a:fillRef>
+          <a:effectRef idx="2">
+            <a:schemeClr val="dk1"/>
+          </a:effectRef>
+          <a:fontRef idx="minor">
+            <a:schemeClr val="tx1"/>
+          </a:fontRef>
+        </p:style>
+      </p:cxnSp>
+      <p:sp>
+        <p:nvSpPr>
+          <p:cNvPr id="28" name="Oval 27"/>
+          <p:cNvSpPr/>
+          <p:nvPr/>
+        </p:nvSpPr>
+        <p:spPr>
+          <a:xfrm>
+            <a:off x="10859246" y="4556984"/>
+            <a:ext cx="230909" cy="215496"/>
+          </a:xfrm>
+          <a:prstGeom prst="ellipse">
+            <a:avLst/>
+          </a:prstGeom>
+          <a:solidFill>
+            <a:schemeClr val="bg2">
+              <a:lumMod val="50000"/>
+            </a:schemeClr>
+          </a:solidFill>
+          <a:ln>
+            <a:solidFill>
+              <a:schemeClr val="bg2">
+                <a:lumMod val="50000"/>
+              </a:schemeClr>
+            </a:solidFill>
+          </a:ln>
+        </p:spPr>
+        <p:style>
+          <a:lnRef idx="2">
+            <a:schemeClr val="accent1">
+              <a:shade val="50000"/>
+            </a:schemeClr>
+          </a:lnRef>
+          <a:fillRef idx="1">
+            <a:schemeClr val="accent1"/>
+          </a:fillRef>
+          <a:effectRef idx="0">
+            <a:schemeClr val="accent1"/>
+          </a:effectRef>
+          <a:fontRef idx="minor">
+            <a:schemeClr val="lt1"/>
+          </a:fontRef>
+        </p:style>
+        <p:txBody>
+          <a:bodyPr rtlCol="0" anchor="ctr"/>
+          <a:lstStyle/>
+          <a:p>
+            <a:pPr algn="ctr"/>
+            <a:endParaRPr lang="en-US"/>
+          </a:p>
+        </p:txBody>
+      </p:sp>
+      <p:cxnSp>
+        <p:nvCxnSpPr>
+          <p:cNvPr id="29" name="Straight Connector 28"/>
+          <p:cNvCxnSpPr/>
+          <p:nvPr/>
+        </p:nvCxnSpPr>
+        <p:spPr>
+          <a:xfrm>
+            <a:off x="10364080" y="4664732"/>
+            <a:ext cx="495604" cy="0"/>
+          </a:xfrm>
+          <a:prstGeom prst="line">
+            <a:avLst/>
+          </a:prstGeom>
+          <a:ln>
+            <a:solidFill>
+              <a:schemeClr val="bg2">
+                <a:lumMod val="50000"/>
+              </a:schemeClr>
+            </a:solidFill>
+          </a:ln>
+        </p:spPr>
+        <p:style>
+          <a:lnRef idx="1">
+            <a:schemeClr val="accent1"/>
+          </a:lnRef>
+          <a:fillRef idx="0">
+            <a:schemeClr val="accent1"/>
+          </a:fillRef>
+          <a:effectRef idx="0">
+            <a:schemeClr val="accent1"/>
+          </a:effectRef>
+          <a:fontRef idx="minor">
+            <a:schemeClr val="tx1"/>
+          </a:fontRef>
+        </p:style>
+      </p:cxnSp>
+      <p:cxnSp>
+        <p:nvCxnSpPr>
+          <p:cNvPr id="30" name="Straight Arrow Connector 29"/>
+          <p:cNvCxnSpPr/>
+          <p:nvPr/>
+        </p:nvCxnSpPr>
+        <p:spPr>
+          <a:xfrm flipH="1" flipV="1">
+            <a:off x="11194222" y="5692184"/>
+            <a:ext cx="808729" cy="12711"/>
+          </a:xfrm>
+          <a:prstGeom prst="straightConnector1">
+            <a:avLst/>
+          </a:prstGeom>
+          <a:ln>
+            <a:tailEnd type="triangle"/>
+          </a:ln>
+        </p:spPr>
+        <p:style>
+          <a:lnRef idx="3">
+            <a:schemeClr val="dk1"/>
+          </a:lnRef>
+          <a:fillRef idx="0">
+            <a:schemeClr val="dk1"/>
+          </a:fillRef>
+          <a:effectRef idx="2">
+            <a:schemeClr val="dk1"/>
+          </a:effectRef>
+          <a:fontRef idx="minor">
+            <a:schemeClr val="tx1"/>
+          </a:fontRef>
+        </p:style>
+      </p:cxnSp>
+      <p:sp>
+        <p:nvSpPr>
+          <p:cNvPr id="31" name="Oval 30"/>
+          <p:cNvSpPr/>
+          <p:nvPr/>
+        </p:nvSpPr>
+        <p:spPr>
+          <a:xfrm>
+            <a:off x="10859246" y="5583301"/>
+            <a:ext cx="230909" cy="215496"/>
+          </a:xfrm>
+          <a:prstGeom prst="ellipse">
+            <a:avLst/>
+          </a:prstGeom>
+          <a:solidFill>
+            <a:schemeClr val="bg2">
+              <a:lumMod val="50000"/>
+            </a:schemeClr>
+          </a:solidFill>
+          <a:ln>
+            <a:solidFill>
+              <a:schemeClr val="bg2">
+                <a:lumMod val="50000"/>
+              </a:schemeClr>
+            </a:solidFill>
+          </a:ln>
+        </p:spPr>
+        <p:style>
+          <a:lnRef idx="2">
+            <a:schemeClr val="accent1">
+              <a:shade val="50000"/>
+            </a:schemeClr>
+          </a:lnRef>
+          <a:fillRef idx="1">
+            <a:schemeClr val="accent1"/>
+          </a:fillRef>
+          <a:effectRef idx="0">
+            <a:schemeClr val="accent1"/>
+          </a:effectRef>
+          <a:fontRef idx="minor">
+            <a:schemeClr val="lt1"/>
+          </a:fontRef>
+        </p:style>
+        <p:txBody>
+          <a:bodyPr rtlCol="0" anchor="ctr"/>
+          <a:lstStyle/>
+          <a:p>
+            <a:pPr algn="ctr"/>
+            <a:endParaRPr lang="en-US"/>
+          </a:p>
+        </p:txBody>
+      </p:sp>
+      <p:cxnSp>
+        <p:nvCxnSpPr>
+          <p:cNvPr id="32" name="Straight Connector 31"/>
+          <p:cNvCxnSpPr/>
+          <p:nvPr/>
+        </p:nvCxnSpPr>
+        <p:spPr>
+          <a:xfrm>
+            <a:off x="10364080" y="5691049"/>
+            <a:ext cx="495604" cy="0"/>
+          </a:xfrm>
+          <a:prstGeom prst="line">
+            <a:avLst/>
+          </a:prstGeom>
+          <a:ln>
+            <a:solidFill>
+              <a:schemeClr val="bg2">
+                <a:lumMod val="50000"/>
+              </a:schemeClr>
+            </a:solidFill>
+          </a:ln>
+        </p:spPr>
+        <p:style>
+          <a:lnRef idx="1">
+            <a:schemeClr val="accent1"/>
+          </a:lnRef>
+          <a:fillRef idx="0">
+            <a:schemeClr val="accent1"/>
+          </a:fillRef>
+          <a:effectRef idx="0">
+            <a:schemeClr val="accent1"/>
+          </a:effectRef>
+          <a:fontRef idx="minor">
+            <a:schemeClr val="tx1"/>
+          </a:fontRef>
+        </p:style>
+      </p:cxnSp>
+      <p:cxnSp>
+        <p:nvCxnSpPr>
+          <p:cNvPr id="33" name="Straight Arrow Connector 32"/>
+          <p:cNvCxnSpPr/>
+          <p:nvPr/>
+        </p:nvCxnSpPr>
+        <p:spPr>
+          <a:xfrm flipH="1" flipV="1">
+            <a:off x="11145019" y="3554249"/>
+            <a:ext cx="808729" cy="12711"/>
+          </a:xfrm>
+          <a:prstGeom prst="straightConnector1">
+            <a:avLst/>
+          </a:prstGeom>
+          <a:ln>
+            <a:tailEnd type="triangle"/>
+          </a:ln>
+        </p:spPr>
+        <p:style>
+          <a:lnRef idx="3">
+            <a:schemeClr val="dk1"/>
+          </a:lnRef>
+          <a:fillRef idx="0">
+            <a:schemeClr val="dk1"/>
+          </a:fillRef>
+          <a:effectRef idx="2">
+            <a:schemeClr val="dk1"/>
+          </a:effectRef>
+          <a:fontRef idx="minor">
+            <a:schemeClr val="tx1"/>
+          </a:fontRef>
+        </p:style>
+      </p:cxnSp>
+      <p:sp>
+        <p:nvSpPr>
+          <p:cNvPr id="35" name="TextBox 34"/>
+          <p:cNvSpPr txBox="1"/>
+          <p:nvPr/>
+        </p:nvSpPr>
+        <p:spPr>
+          <a:xfrm>
+            <a:off x="7037136" y="2117074"/>
+            <a:ext cx="788999" cy="369332"/>
+          </a:xfrm>
+          <a:prstGeom prst="rect">
+            <a:avLst/>
+          </a:prstGeom>
+          <a:noFill/>
+        </p:spPr>
+        <p:txBody>
+          <a:bodyPr wrap="none" rtlCol="0">
+            <a:spAutoFit/>
+          </a:bodyPr>
+          <a:lstStyle/>
+          <a:p>
+            <a:r>
+              <a:rPr lang="nl-BE" dirty="0" smtClean="0"/>
+              <a:t>AMQP</a:t>
+            </a:r>
+            <a:endParaRPr lang="en-US" dirty="0"/>
+          </a:p>
+        </p:txBody>
+      </p:sp>
+      <p:sp>
+        <p:nvSpPr>
+          <p:cNvPr id="36" name="TextBox 35"/>
+          <p:cNvSpPr txBox="1"/>
+          <p:nvPr/>
+        </p:nvSpPr>
+        <p:spPr>
+          <a:xfrm>
+            <a:off x="11145019" y="3134997"/>
+            <a:ext cx="675121" cy="369332"/>
+          </a:xfrm>
+          <a:prstGeom prst="rect">
+            <a:avLst/>
+          </a:prstGeom>
+          <a:noFill/>
+        </p:spPr>
+        <p:txBody>
+          <a:bodyPr wrap="none" rtlCol="0">
+            <a:spAutoFit/>
+          </a:bodyPr>
+          <a:lstStyle/>
+          <a:p>
+            <a:r>
+              <a:rPr lang="nl-BE" dirty="0" smtClean="0"/>
+              <a:t>HTTP</a:t>
+            </a:r>
+            <a:endParaRPr lang="en-US" dirty="0"/>
+          </a:p>
+        </p:txBody>
+      </p:sp>
+      <p:sp>
+        <p:nvSpPr>
+          <p:cNvPr id="37" name="TextBox 36"/>
+          <p:cNvSpPr txBox="1"/>
+          <p:nvPr/>
+        </p:nvSpPr>
+        <p:spPr>
+          <a:xfrm>
+            <a:off x="11150387" y="4260240"/>
+            <a:ext cx="817853" cy="369332"/>
+          </a:xfrm>
+          <a:prstGeom prst="rect">
+            <a:avLst/>
+          </a:prstGeom>
+          <a:noFill/>
+        </p:spPr>
+        <p:txBody>
+          <a:bodyPr wrap="none" rtlCol="0">
+            <a:spAutoFit/>
+          </a:bodyPr>
+          <a:lstStyle/>
+          <a:p>
+            <a:r>
+              <a:rPr lang="nl-BE" dirty="0" smtClean="0"/>
+              <a:t>Signalr</a:t>
+            </a:r>
+            <a:endParaRPr lang="en-US" dirty="0"/>
+          </a:p>
+        </p:txBody>
+      </p:sp>
+      <p:sp>
+        <p:nvSpPr>
+          <p:cNvPr id="38" name="TextBox 37"/>
+          <p:cNvSpPr txBox="1"/>
+          <p:nvPr/>
+        </p:nvSpPr>
+        <p:spPr>
+          <a:xfrm>
+            <a:off x="11150386" y="5249837"/>
+            <a:ext cx="759567" cy="369332"/>
+          </a:xfrm>
+          <a:prstGeom prst="rect">
+            <a:avLst/>
+          </a:prstGeom>
+          <a:noFill/>
+        </p:spPr>
+        <p:txBody>
+          <a:bodyPr wrap="none" rtlCol="0">
+            <a:spAutoFit/>
+          </a:bodyPr>
+          <a:lstStyle/>
+          <a:p>
+            <a:r>
+              <a:rPr lang="nl-BE" dirty="0" smtClean="0"/>
+              <a:t>MQTT</a:t>
+            </a:r>
+            <a:endParaRPr lang="en-US" dirty="0"/>
+          </a:p>
+        </p:txBody>
+      </p:sp>
+      <p:sp>
+        <p:nvSpPr>
+          <p:cNvPr id="40" name="TextBox 39"/>
+          <p:cNvSpPr txBox="1"/>
+          <p:nvPr/>
+        </p:nvSpPr>
+        <p:spPr>
+          <a:xfrm>
+            <a:off x="511006" y="3738110"/>
+            <a:ext cx="745717" cy="369332"/>
+          </a:xfrm>
+          <a:prstGeom prst="rect">
+            <a:avLst/>
+          </a:prstGeom>
+          <a:noFill/>
+        </p:spPr>
+        <p:txBody>
+          <a:bodyPr wrap="none" rtlCol="0">
+            <a:spAutoFit/>
+          </a:bodyPr>
+          <a:lstStyle/>
+          <a:p>
+            <a:r>
+              <a:rPr lang="nl-BE" dirty="0" smtClean="0"/>
+              <a:t>Amqp</a:t>
+            </a:r>
+            <a:endParaRPr lang="en-US" dirty="0"/>
+          </a:p>
+        </p:txBody>
+      </p:sp>
+    </p:spTree>
+    <p:extLst>
+      <p:ext uri="{BB962C8B-B14F-4D97-AF65-F5344CB8AC3E}">
+        <p14:creationId xmlns:p14="http://schemas.microsoft.com/office/powerpoint/2010/main" val="3732775258"/>
+      </p:ext>
+    </p:extLst>
+  </p:cSld>
+  <p:clrMapOvr>
+    <a:masterClrMapping/>
+  </p:clrMapOvr>
+  <p:timing>
+    <p:tnLst>
+      <p:par>
+        <p:cTn id="1" dur="indefinite" restart="never" nodeType="tmRoot">
+          <p:childTnLst>
+            <p:seq concurrent="1" nextAc="seek">
+              <p:cTn id="2" dur="indefinite" nodeType="mainSeq">
+                <p:childTnLst>
+                  <p:par>
+                    <p:cTn id="3" fill="hold">
+                      <p:stCondLst>
+                        <p:cond delay="indefinite"/>
+                      </p:stCondLst>
+                      <p:childTnLst>
+                        <p:par>
+                          <p:cTn id="4" fill="hold">
+                            <p:stCondLst>
+                              <p:cond delay="0"/>
+                            </p:stCondLst>
+                            <p:childTnLst>
+                              <p:par>
+                                <p:cTn id="5" presetID="1" presetClass="entr" presetSubtype="0" fill="hold" nodeType="clickEffect">
+                                  <p:stCondLst>
+                                    <p:cond delay="0"/>
+                                  </p:stCondLst>
+                                  <p:childTnLst>
+                                    <p:set>
+                                      <p:cBhvr>
+                                        <p:cTn id="6" dur="1" fill="hold">
+                                          <p:stCondLst>
+                                            <p:cond delay="0"/>
+                                          </p:stCondLst>
+                                        </p:cTn>
+                                        <p:tgtEl>
+                                          <p:spTgt spid="9"/>
+                                        </p:tgtEl>
+                                        <p:attrNameLst>
+                                          <p:attrName>style.visibility</p:attrName>
+                                        </p:attrNameLst>
+                                      </p:cBhvr>
+                                      <p:to>
+                                        <p:strVal val="visible"/>
+                                      </p:to>
+                                    </p:set>
+                                  </p:childTnLst>
+                                </p:cTn>
+                              </p:par>
+                              <p:par>
+                                <p:cTn id="7" presetID="1" presetClass="entr" presetSubtype="0" fill="hold" grpId="0" nodeType="withEffect">
+                                  <p:stCondLst>
+                                    <p:cond delay="0"/>
+                                  </p:stCondLst>
+                                  <p:childTnLst>
+                                    <p:set>
+                                      <p:cBhvr>
+                                        <p:cTn id="8" dur="1" fill="hold">
+                                          <p:stCondLst>
+                                            <p:cond delay="0"/>
+                                          </p:stCondLst>
+                                        </p:cTn>
+                                        <p:tgtEl>
+                                          <p:spTgt spid="6"/>
+                                        </p:tgtEl>
+                                        <p:attrNameLst>
+                                          <p:attrName>style.visibility</p:attrName>
+                                        </p:attrNameLst>
+                                      </p:cBhvr>
+                                      <p:to>
+                                        <p:strVal val="visible"/>
+                                      </p:to>
+                                    </p:set>
+                                  </p:childTnLst>
+                                </p:cTn>
+                              </p:par>
+                              <p:par>
+                                <p:cTn id="9" presetID="1" presetClass="entr" presetSubtype="0" fill="hold" grpId="0" nodeType="withEffect">
+                                  <p:stCondLst>
+                                    <p:cond delay="0"/>
+                                  </p:stCondLst>
+                                  <p:childTnLst>
+                                    <p:set>
+                                      <p:cBhvr>
+                                        <p:cTn id="10" dur="1" fill="hold">
+                                          <p:stCondLst>
+                                            <p:cond delay="0"/>
+                                          </p:stCondLst>
+                                        </p:cTn>
+                                        <p:tgtEl>
+                                          <p:spTgt spid="40"/>
+                                        </p:tgtEl>
+                                        <p:attrNameLst>
+                                          <p:attrName>style.visibility</p:attrName>
+                                        </p:attrNameLst>
+                                      </p:cBhvr>
+                                      <p:to>
+                                        <p:strVal val="visible"/>
+                                      </p:to>
+                                    </p:set>
+                                  </p:childTnLst>
+                                </p:cTn>
+                              </p:par>
+                            </p:childTnLst>
+                          </p:cTn>
+                        </p:par>
+                      </p:childTnLst>
+                    </p:cTn>
+                  </p:par>
+                  <p:par>
+                    <p:cTn id="11" fill="hold">
+                      <p:stCondLst>
+                        <p:cond delay="indefinite"/>
+                      </p:stCondLst>
+                      <p:childTnLst>
+                        <p:par>
+                          <p:cTn id="12" fill="hold">
+                            <p:stCondLst>
+                              <p:cond delay="0"/>
+                            </p:stCondLst>
+                            <p:childTnLst>
+                              <p:par>
+                                <p:cTn id="13" presetID="1" presetClass="entr" presetSubtype="0" fill="hold" grpId="0" nodeType="clickEffect">
+                                  <p:stCondLst>
+                                    <p:cond delay="0"/>
+                                  </p:stCondLst>
+                                  <p:childTnLst>
+                                    <p:set>
+                                      <p:cBhvr>
+                                        <p:cTn id="14" dur="1" fill="hold">
+                                          <p:stCondLst>
+                                            <p:cond delay="0"/>
+                                          </p:stCondLst>
+                                        </p:cTn>
+                                        <p:tgtEl>
+                                          <p:spTgt spid="7"/>
+                                        </p:tgtEl>
+                                        <p:attrNameLst>
+                                          <p:attrName>style.visibility</p:attrName>
+                                        </p:attrNameLst>
+                                      </p:cBhvr>
+                                      <p:to>
+                                        <p:strVal val="visible"/>
+                                      </p:to>
+                                    </p:set>
+                                  </p:childTnLst>
+                                </p:cTn>
+                              </p:par>
+                            </p:childTnLst>
+                          </p:cTn>
+                        </p:par>
+                      </p:childTnLst>
+                    </p:cTn>
+                  </p:par>
+                  <p:par>
+                    <p:cTn id="15" fill="hold">
+                      <p:stCondLst>
+                        <p:cond delay="indefinite"/>
+                      </p:stCondLst>
+                      <p:childTnLst>
+                        <p:par>
+                          <p:cTn id="16" fill="hold">
+                            <p:stCondLst>
+                              <p:cond delay="0"/>
+                            </p:stCondLst>
+                            <p:childTnLst>
+                              <p:par>
+                                <p:cTn id="17" presetID="1" presetClass="entr" presetSubtype="0" fill="hold" grpId="0" nodeType="clickEffect">
+                                  <p:stCondLst>
+                                    <p:cond delay="0"/>
+                                  </p:stCondLst>
+                                  <p:childTnLst>
+                                    <p:set>
+                                      <p:cBhvr>
+                                        <p:cTn id="18" dur="1" fill="hold">
+                                          <p:stCondLst>
+                                            <p:cond delay="0"/>
+                                          </p:stCondLst>
+                                        </p:cTn>
+                                        <p:tgtEl>
+                                          <p:spTgt spid="8"/>
+                                        </p:tgtEl>
+                                        <p:attrNameLst>
+                                          <p:attrName>style.visibility</p:attrName>
+                                        </p:attrNameLst>
+                                      </p:cBhvr>
+                                      <p:to>
+                                        <p:strVal val="visible"/>
+                                      </p:to>
+                                    </p:set>
+                                  </p:childTnLst>
+                                </p:cTn>
+                              </p:par>
+                              <p:par>
+                                <p:cTn id="19" presetID="1" presetClass="entr" presetSubtype="0" fill="hold" grpId="0" nodeType="withEffect">
+                                  <p:stCondLst>
+                                    <p:cond delay="0"/>
+                                  </p:stCondLst>
+                                  <p:childTnLst>
+                                    <p:set>
+                                      <p:cBhvr>
+                                        <p:cTn id="20" dur="1" fill="hold">
+                                          <p:stCondLst>
+                                            <p:cond delay="0"/>
+                                          </p:stCondLst>
+                                        </p:cTn>
+                                        <p:tgtEl>
+                                          <p:spTgt spid="12"/>
+                                        </p:tgtEl>
+                                        <p:attrNameLst>
+                                          <p:attrName>style.visibility</p:attrName>
+                                        </p:attrNameLst>
+                                      </p:cBhvr>
+                                      <p:to>
+                                        <p:strVal val="visible"/>
+                                      </p:to>
+                                    </p:set>
+                                  </p:childTnLst>
+                                </p:cTn>
+                              </p:par>
+                              <p:par>
+                                <p:cTn id="21" presetID="1" presetClass="entr" presetSubtype="0" fill="hold" grpId="0" nodeType="withEffect">
+                                  <p:stCondLst>
+                                    <p:cond delay="0"/>
+                                  </p:stCondLst>
+                                  <p:childTnLst>
+                                    <p:set>
+                                      <p:cBhvr>
+                                        <p:cTn id="22" dur="1" fill="hold">
+                                          <p:stCondLst>
+                                            <p:cond delay="0"/>
+                                          </p:stCondLst>
+                                        </p:cTn>
+                                        <p:tgtEl>
+                                          <p:spTgt spid="13"/>
+                                        </p:tgtEl>
+                                        <p:attrNameLst>
+                                          <p:attrName>style.visibility</p:attrName>
+                                        </p:attrNameLst>
+                                      </p:cBhvr>
+                                      <p:to>
+                                        <p:strVal val="visible"/>
+                                      </p:to>
+                                    </p:set>
+                                  </p:childTnLst>
+                                </p:cTn>
+                              </p:par>
+                              <p:par>
+                                <p:cTn id="23" presetID="1" presetClass="entr" presetSubtype="0" fill="hold" grpId="0" nodeType="withEffect">
+                                  <p:stCondLst>
+                                    <p:cond delay="0"/>
+                                  </p:stCondLst>
+                                  <p:childTnLst>
+                                    <p:set>
+                                      <p:cBhvr>
+                                        <p:cTn id="24" dur="1" fill="hold">
+                                          <p:stCondLst>
+                                            <p:cond delay="0"/>
+                                          </p:stCondLst>
+                                        </p:cTn>
+                                        <p:tgtEl>
+                                          <p:spTgt spid="14"/>
+                                        </p:tgtEl>
+                                        <p:attrNameLst>
+                                          <p:attrName>style.visibility</p:attrName>
+                                        </p:attrNameLst>
+                                      </p:cBhvr>
+                                      <p:to>
+                                        <p:strVal val="visible"/>
+                                      </p:to>
+                                    </p:set>
+                                  </p:childTnLst>
+                                </p:cTn>
+                              </p:par>
+                              <p:par>
+                                <p:cTn id="25" presetID="1" presetClass="entr" presetSubtype="0" fill="hold" grpId="0" nodeType="withEffect">
+                                  <p:stCondLst>
+                                    <p:cond delay="0"/>
+                                  </p:stCondLst>
+                                  <p:childTnLst>
+                                    <p:set>
+                                      <p:cBhvr>
+                                        <p:cTn id="26" dur="1" fill="hold">
+                                          <p:stCondLst>
+                                            <p:cond delay="0"/>
+                                          </p:stCondLst>
+                                        </p:cTn>
+                                        <p:tgtEl>
+                                          <p:spTgt spid="15"/>
+                                        </p:tgtEl>
+                                        <p:attrNameLst>
+                                          <p:attrName>style.visibility</p:attrName>
+                                        </p:attrNameLst>
+                                      </p:cBhvr>
+                                      <p:to>
+                                        <p:strVal val="visible"/>
+                                      </p:to>
+                                    </p:set>
+                                  </p:childTnLst>
+                                </p:cTn>
+                              </p:par>
+                              <p:par>
+                                <p:cTn id="27" presetID="1" presetClass="entr" presetSubtype="0" fill="hold" grpId="0" nodeType="withEffect">
+                                  <p:stCondLst>
+                                    <p:cond delay="0"/>
+                                  </p:stCondLst>
+                                  <p:childTnLst>
+                                    <p:set>
+                                      <p:cBhvr>
+                                        <p:cTn id="28" dur="1" fill="hold">
+                                          <p:stCondLst>
+                                            <p:cond delay="0"/>
+                                          </p:stCondLst>
+                                        </p:cTn>
+                                        <p:tgtEl>
+                                          <p:spTgt spid="16"/>
+                                        </p:tgtEl>
+                                        <p:attrNameLst>
+                                          <p:attrName>style.visibility</p:attrName>
+                                        </p:attrNameLst>
+                                      </p:cBhvr>
+                                      <p:to>
+                                        <p:strVal val="visible"/>
+                                      </p:to>
+                                    </p:set>
+                                  </p:childTnLst>
+                                </p:cTn>
+                              </p:par>
+                              <p:par>
+                                <p:cTn id="29" presetID="1" presetClass="entr" presetSubtype="0" fill="hold" grpId="0" nodeType="withEffect">
+                                  <p:stCondLst>
+                                    <p:cond delay="0"/>
+                                  </p:stCondLst>
+                                  <p:childTnLst>
+                                    <p:set>
+                                      <p:cBhvr>
+                                        <p:cTn id="30" dur="1" fill="hold">
+                                          <p:stCondLst>
+                                            <p:cond delay="0"/>
+                                          </p:stCondLst>
+                                        </p:cTn>
+                                        <p:tgtEl>
+                                          <p:spTgt spid="17"/>
+                                        </p:tgtEl>
+                                        <p:attrNameLst>
+                                          <p:attrName>style.visibility</p:attrName>
+                                        </p:attrNameLst>
+                                      </p:cBhvr>
+                                      <p:to>
+                                        <p:strVal val="visible"/>
+                                      </p:to>
+                                    </p:set>
+                                  </p:childTnLst>
+                                </p:cTn>
+                              </p:par>
+                              <p:par>
+                                <p:cTn id="31" presetID="1" presetClass="entr" presetSubtype="0" fill="hold" grpId="0" nodeType="withEffect">
+                                  <p:stCondLst>
+                                    <p:cond delay="0"/>
+                                  </p:stCondLst>
+                                  <p:childTnLst>
+                                    <p:set>
+                                      <p:cBhvr>
+                                        <p:cTn id="32" dur="1" fill="hold">
+                                          <p:stCondLst>
+                                            <p:cond delay="0"/>
+                                          </p:stCondLst>
+                                        </p:cTn>
+                                        <p:tgtEl>
+                                          <p:spTgt spid="18"/>
+                                        </p:tgtEl>
+                                        <p:attrNameLst>
+                                          <p:attrName>style.visibility</p:attrName>
+                                        </p:attrNameLst>
+                                      </p:cBhvr>
+                                      <p:to>
+                                        <p:strVal val="visible"/>
+                                      </p:to>
+                                    </p:set>
+                                  </p:childTnLst>
+                                </p:cTn>
+                              </p:par>
+                              <p:par>
+                                <p:cTn id="33" presetID="1" presetClass="entr" presetSubtype="0" fill="hold" grpId="0" nodeType="withEffect">
+                                  <p:stCondLst>
+                                    <p:cond delay="0"/>
+                                  </p:stCondLst>
+                                  <p:childTnLst>
+                                    <p:set>
+                                      <p:cBhvr>
+                                        <p:cTn id="34" dur="1" fill="hold">
+                                          <p:stCondLst>
+                                            <p:cond delay="0"/>
+                                          </p:stCondLst>
+                                        </p:cTn>
+                                        <p:tgtEl>
+                                          <p:spTgt spid="19"/>
+                                        </p:tgtEl>
+                                        <p:attrNameLst>
+                                          <p:attrName>style.visibility</p:attrName>
+                                        </p:attrNameLst>
+                                      </p:cBhvr>
+                                      <p:to>
+                                        <p:strVal val="visible"/>
+                                      </p:to>
+                                    </p:set>
+                                  </p:childTnLst>
+                                </p:cTn>
+                              </p:par>
+                              <p:par>
+                                <p:cTn id="35" presetID="1" presetClass="entr" presetSubtype="0" fill="hold" grpId="0" nodeType="withEffect">
+                                  <p:stCondLst>
+                                    <p:cond delay="0"/>
+                                  </p:stCondLst>
+                                  <p:childTnLst>
+                                    <p:set>
+                                      <p:cBhvr>
+                                        <p:cTn id="36" dur="1" fill="hold">
+                                          <p:stCondLst>
+                                            <p:cond delay="0"/>
+                                          </p:stCondLst>
+                                        </p:cTn>
+                                        <p:tgtEl>
+                                          <p:spTgt spid="20"/>
+                                        </p:tgtEl>
+                                        <p:attrNameLst>
+                                          <p:attrName>style.visibility</p:attrName>
+                                        </p:attrNameLst>
+                                      </p:cBhvr>
+                                      <p:to>
+                                        <p:strVal val="visible"/>
+                                      </p:to>
+                                    </p:set>
+                                  </p:childTnLst>
+                                </p:cTn>
+                              </p:par>
+                            </p:childTnLst>
+                          </p:cTn>
+                        </p:par>
+                      </p:childTnLst>
+                    </p:cTn>
+                  </p:par>
+                  <p:par>
+                    <p:cTn id="37" fill="hold">
+                      <p:stCondLst>
+                        <p:cond delay="indefinite"/>
+                      </p:stCondLst>
+                      <p:childTnLst>
+                        <p:par>
+                          <p:cTn id="38" fill="hold">
+                            <p:stCondLst>
+                              <p:cond delay="0"/>
+                            </p:stCondLst>
+                            <p:childTnLst>
+                              <p:par>
+                                <p:cTn id="39" presetID="1" presetClass="entr" presetSubtype="0" fill="hold" nodeType="clickEffect">
+                                  <p:stCondLst>
+                                    <p:cond delay="0"/>
+                                  </p:stCondLst>
+                                  <p:childTnLst>
+                                    <p:set>
+                                      <p:cBhvr>
+                                        <p:cTn id="40" dur="1" fill="hold">
+                                          <p:stCondLst>
+                                            <p:cond delay="0"/>
+                                          </p:stCondLst>
+                                        </p:cTn>
+                                        <p:tgtEl>
+                                          <p:spTgt spid="22"/>
+                                        </p:tgtEl>
+                                        <p:attrNameLst>
+                                          <p:attrName>style.visibility</p:attrName>
+                                        </p:attrNameLst>
+                                      </p:cBhvr>
+                                      <p:to>
+                                        <p:strVal val="visible"/>
+                                      </p:to>
+                                    </p:set>
+                                  </p:childTnLst>
+                                </p:cTn>
+                              </p:par>
+                              <p:par>
+                                <p:cTn id="41" presetID="1" presetClass="entr" presetSubtype="0" fill="hold" grpId="0" nodeType="withEffect">
+                                  <p:stCondLst>
+                                    <p:cond delay="0"/>
+                                  </p:stCondLst>
+                                  <p:childTnLst>
+                                    <p:set>
+                                      <p:cBhvr>
+                                        <p:cTn id="42" dur="1" fill="hold">
+                                          <p:stCondLst>
+                                            <p:cond delay="0"/>
+                                          </p:stCondLst>
+                                        </p:cTn>
+                                        <p:tgtEl>
+                                          <p:spTgt spid="21"/>
+                                        </p:tgtEl>
+                                        <p:attrNameLst>
+                                          <p:attrName>style.visibility</p:attrName>
+                                        </p:attrNameLst>
+                                      </p:cBhvr>
+                                      <p:to>
+                                        <p:strVal val="visible"/>
+                                      </p:to>
+                                    </p:set>
+                                  </p:childTnLst>
+                                </p:cTn>
+                              </p:par>
+                              <p:par>
+                                <p:cTn id="43" presetID="1" presetClass="entr" presetSubtype="0" fill="hold" grpId="0" nodeType="withEffect">
+                                  <p:stCondLst>
+                                    <p:cond delay="0"/>
+                                  </p:stCondLst>
+                                  <p:childTnLst>
+                                    <p:set>
+                                      <p:cBhvr>
+                                        <p:cTn id="44" dur="1" fill="hold">
+                                          <p:stCondLst>
+                                            <p:cond delay="0"/>
+                                          </p:stCondLst>
+                                        </p:cTn>
+                                        <p:tgtEl>
+                                          <p:spTgt spid="35"/>
+                                        </p:tgtEl>
+                                        <p:attrNameLst>
+                                          <p:attrName>style.visibility</p:attrName>
+                                        </p:attrNameLst>
+                                      </p:cBhvr>
+                                      <p:to>
+                                        <p:strVal val="visible"/>
+                                      </p:to>
+                                    </p:set>
+                                  </p:childTnLst>
+                                </p:cTn>
+                              </p:par>
+                            </p:childTnLst>
+                          </p:cTn>
+                        </p:par>
+                      </p:childTnLst>
+                    </p:cTn>
+                  </p:par>
+                  <p:par>
+                    <p:cTn id="45" fill="hold">
+                      <p:stCondLst>
+                        <p:cond delay="indefinite"/>
+                      </p:stCondLst>
+                      <p:childTnLst>
+                        <p:par>
+                          <p:cTn id="46" fill="hold">
+                            <p:stCondLst>
+                              <p:cond delay="0"/>
+                            </p:stCondLst>
+                            <p:childTnLst>
+                              <p:par>
+                                <p:cTn id="47" presetID="1" presetClass="entr" presetSubtype="0" fill="hold" grpId="0" nodeType="clickEffect">
+                                  <p:stCondLst>
+                                    <p:cond delay="0"/>
+                                  </p:stCondLst>
+                                  <p:childTnLst>
+                                    <p:set>
+                                      <p:cBhvr>
+                                        <p:cTn id="48" dur="1" fill="hold">
+                                          <p:stCondLst>
+                                            <p:cond delay="0"/>
+                                          </p:stCondLst>
+                                        </p:cTn>
+                                        <p:tgtEl>
+                                          <p:spTgt spid="4"/>
+                                        </p:tgtEl>
+                                        <p:attrNameLst>
+                                          <p:attrName>style.visibility</p:attrName>
+                                        </p:attrNameLst>
+                                      </p:cBhvr>
+                                      <p:to>
+                                        <p:strVal val="visible"/>
+                                      </p:to>
+                                    </p:set>
+                                  </p:childTnLst>
+                                </p:cTn>
+                              </p:par>
+                              <p:par>
+                                <p:cTn id="49" presetID="1" presetClass="entr" presetSubtype="0" fill="hold" grpId="0" nodeType="withEffect">
+                                  <p:stCondLst>
+                                    <p:cond delay="0"/>
+                                  </p:stCondLst>
+                                  <p:childTnLst>
+                                    <p:set>
+                                      <p:cBhvr>
+                                        <p:cTn id="50" dur="1" fill="hold">
+                                          <p:stCondLst>
+                                            <p:cond delay="0"/>
+                                          </p:stCondLst>
+                                        </p:cTn>
+                                        <p:tgtEl>
+                                          <p:spTgt spid="5"/>
+                                        </p:tgtEl>
+                                        <p:attrNameLst>
+                                          <p:attrName>style.visibility</p:attrName>
+                                        </p:attrNameLst>
+                                      </p:cBhvr>
+                                      <p:to>
+                                        <p:strVal val="visible"/>
+                                      </p:to>
+                                    </p:set>
+                                  </p:childTnLst>
+                                </p:cTn>
+                              </p:par>
+                              <p:par>
+                                <p:cTn id="51" presetID="1" presetClass="entr" presetSubtype="0" fill="hold" grpId="0" nodeType="withEffect">
+                                  <p:stCondLst>
+                                    <p:cond delay="0"/>
+                                  </p:stCondLst>
+                                  <p:childTnLst>
+                                    <p:set>
+                                      <p:cBhvr>
+                                        <p:cTn id="52" dur="1" fill="hold">
+                                          <p:stCondLst>
+                                            <p:cond delay="0"/>
+                                          </p:stCondLst>
+                                        </p:cTn>
+                                        <p:tgtEl>
+                                          <p:spTgt spid="10"/>
+                                        </p:tgtEl>
+                                        <p:attrNameLst>
+                                          <p:attrName>style.visibility</p:attrName>
+                                        </p:attrNameLst>
+                                      </p:cBhvr>
+                                      <p:to>
+                                        <p:strVal val="visible"/>
+                                      </p:to>
+                                    </p:set>
+                                  </p:childTnLst>
+                                </p:cTn>
+                              </p:par>
+                              <p:par>
+                                <p:cTn id="53" presetID="1" presetClass="entr" presetSubtype="0" fill="hold" grpId="0" nodeType="withEffect">
+                                  <p:stCondLst>
+                                    <p:cond delay="0"/>
+                                  </p:stCondLst>
+                                  <p:childTnLst>
+                                    <p:set>
+                                      <p:cBhvr>
+                                        <p:cTn id="54" dur="1" fill="hold">
+                                          <p:stCondLst>
+                                            <p:cond delay="0"/>
+                                          </p:stCondLst>
+                                        </p:cTn>
+                                        <p:tgtEl>
+                                          <p:spTgt spid="11"/>
+                                        </p:tgtEl>
+                                        <p:attrNameLst>
+                                          <p:attrName>style.visibility</p:attrName>
+                                        </p:attrNameLst>
+                                      </p:cBhvr>
+                                      <p:to>
+                                        <p:strVal val="visible"/>
+                                      </p:to>
+                                    </p:set>
+                                  </p:childTnLst>
+                                </p:cTn>
+                              </p:par>
+                              <p:par>
+                                <p:cTn id="55" presetID="1" presetClass="entr" presetSubtype="0" fill="hold" grpId="0" nodeType="withEffect">
+                                  <p:stCondLst>
+                                    <p:cond delay="0"/>
+                                  </p:stCondLst>
+                                  <p:childTnLst>
+                                    <p:set>
+                                      <p:cBhvr>
+                                        <p:cTn id="56" dur="1" fill="hold">
+                                          <p:stCondLst>
+                                            <p:cond delay="0"/>
+                                          </p:stCondLst>
+                                        </p:cTn>
+                                        <p:tgtEl>
+                                          <p:spTgt spid="23"/>
+                                        </p:tgtEl>
+                                        <p:attrNameLst>
+                                          <p:attrName>style.visibility</p:attrName>
+                                        </p:attrNameLst>
+                                      </p:cBhvr>
+                                      <p:to>
+                                        <p:strVal val="visible"/>
+                                      </p:to>
+                                    </p:set>
+                                  </p:childTnLst>
+                                </p:cTn>
+                              </p:par>
+                              <p:par>
+                                <p:cTn id="57" presetID="1" presetClass="entr" presetSubtype="0" fill="hold" grpId="0" nodeType="withEffect">
+                                  <p:stCondLst>
+                                    <p:cond delay="0"/>
+                                  </p:stCondLst>
+                                  <p:childTnLst>
+                                    <p:set>
+                                      <p:cBhvr>
+                                        <p:cTn id="58" dur="1" fill="hold">
+                                          <p:stCondLst>
+                                            <p:cond delay="0"/>
+                                          </p:stCondLst>
+                                        </p:cTn>
+                                        <p:tgtEl>
+                                          <p:spTgt spid="24"/>
+                                        </p:tgtEl>
+                                        <p:attrNameLst>
+                                          <p:attrName>style.visibility</p:attrName>
+                                        </p:attrNameLst>
+                                      </p:cBhvr>
+                                      <p:to>
+                                        <p:strVal val="visible"/>
+                                      </p:to>
+                                    </p:set>
+                                  </p:childTnLst>
+                                </p:cTn>
+                              </p:par>
+                              <p:par>
+                                <p:cTn id="59" presetID="1" presetClass="entr" presetSubtype="0" fill="hold" grpId="0" nodeType="withEffect">
+                                  <p:stCondLst>
+                                    <p:cond delay="0"/>
+                                  </p:stCondLst>
+                                  <p:childTnLst>
+                                    <p:set>
+                                      <p:cBhvr>
+                                        <p:cTn id="60" dur="1" fill="hold">
+                                          <p:stCondLst>
+                                            <p:cond delay="0"/>
+                                          </p:stCondLst>
+                                        </p:cTn>
+                                        <p:tgtEl>
+                                          <p:spTgt spid="25"/>
+                                        </p:tgtEl>
+                                        <p:attrNameLst>
+                                          <p:attrName>style.visibility</p:attrName>
+                                        </p:attrNameLst>
+                                      </p:cBhvr>
+                                      <p:to>
+                                        <p:strVal val="visible"/>
+                                      </p:to>
+                                    </p:set>
+                                  </p:childTnLst>
+                                </p:cTn>
+                              </p:par>
+                              <p:par>
+                                <p:cTn id="61" presetID="1" presetClass="entr" presetSubtype="0" fill="hold" nodeType="withEffect">
+                                  <p:stCondLst>
+                                    <p:cond delay="0"/>
+                                  </p:stCondLst>
+                                  <p:childTnLst>
+                                    <p:set>
+                                      <p:cBhvr>
+                                        <p:cTn id="62" dur="1" fill="hold">
+                                          <p:stCondLst>
+                                            <p:cond delay="0"/>
+                                          </p:stCondLst>
+                                        </p:cTn>
+                                        <p:tgtEl>
+                                          <p:spTgt spid="26"/>
+                                        </p:tgtEl>
+                                        <p:attrNameLst>
+                                          <p:attrName>style.visibility</p:attrName>
+                                        </p:attrNameLst>
+                                      </p:cBhvr>
+                                      <p:to>
+                                        <p:strVal val="visible"/>
+                                      </p:to>
+                                    </p:set>
+                                  </p:childTnLst>
+                                </p:cTn>
+                              </p:par>
+                              <p:par>
+                                <p:cTn id="63" presetID="1" presetClass="entr" presetSubtype="0" fill="hold" nodeType="withEffect">
+                                  <p:stCondLst>
+                                    <p:cond delay="0"/>
+                                  </p:stCondLst>
+                                  <p:childTnLst>
+                                    <p:set>
+                                      <p:cBhvr>
+                                        <p:cTn id="64" dur="1" fill="hold">
+                                          <p:stCondLst>
+                                            <p:cond delay="0"/>
+                                          </p:stCondLst>
+                                        </p:cTn>
+                                        <p:tgtEl>
+                                          <p:spTgt spid="27"/>
+                                        </p:tgtEl>
+                                        <p:attrNameLst>
+                                          <p:attrName>style.visibility</p:attrName>
+                                        </p:attrNameLst>
+                                      </p:cBhvr>
+                                      <p:to>
+                                        <p:strVal val="visible"/>
+                                      </p:to>
+                                    </p:set>
+                                  </p:childTnLst>
+                                </p:cTn>
+                              </p:par>
+                              <p:par>
+                                <p:cTn id="65" presetID="1" presetClass="entr" presetSubtype="0" fill="hold" grpId="0" nodeType="withEffect">
+                                  <p:stCondLst>
+                                    <p:cond delay="0"/>
+                                  </p:stCondLst>
+                                  <p:childTnLst>
+                                    <p:set>
+                                      <p:cBhvr>
+                                        <p:cTn id="66" dur="1" fill="hold">
+                                          <p:stCondLst>
+                                            <p:cond delay="0"/>
+                                          </p:stCondLst>
+                                        </p:cTn>
+                                        <p:tgtEl>
+                                          <p:spTgt spid="28"/>
+                                        </p:tgtEl>
+                                        <p:attrNameLst>
+                                          <p:attrName>style.visibility</p:attrName>
+                                        </p:attrNameLst>
+                                      </p:cBhvr>
+                                      <p:to>
+                                        <p:strVal val="visible"/>
+                                      </p:to>
+                                    </p:set>
+                                  </p:childTnLst>
+                                </p:cTn>
+                              </p:par>
+                              <p:par>
+                                <p:cTn id="67" presetID="1" presetClass="entr" presetSubtype="0" fill="hold" nodeType="withEffect">
+                                  <p:stCondLst>
+                                    <p:cond delay="0"/>
+                                  </p:stCondLst>
+                                  <p:childTnLst>
+                                    <p:set>
+                                      <p:cBhvr>
+                                        <p:cTn id="68" dur="1" fill="hold">
+                                          <p:stCondLst>
+                                            <p:cond delay="0"/>
+                                          </p:stCondLst>
+                                        </p:cTn>
+                                        <p:tgtEl>
+                                          <p:spTgt spid="29"/>
+                                        </p:tgtEl>
+                                        <p:attrNameLst>
+                                          <p:attrName>style.visibility</p:attrName>
+                                        </p:attrNameLst>
+                                      </p:cBhvr>
+                                      <p:to>
+                                        <p:strVal val="visible"/>
+                                      </p:to>
+                                    </p:set>
+                                  </p:childTnLst>
+                                </p:cTn>
+                              </p:par>
+                              <p:par>
+                                <p:cTn id="69" presetID="1" presetClass="entr" presetSubtype="0" fill="hold" nodeType="withEffect">
+                                  <p:stCondLst>
+                                    <p:cond delay="0"/>
+                                  </p:stCondLst>
+                                  <p:childTnLst>
+                                    <p:set>
+                                      <p:cBhvr>
+                                        <p:cTn id="70" dur="1" fill="hold">
+                                          <p:stCondLst>
+                                            <p:cond delay="0"/>
+                                          </p:stCondLst>
+                                        </p:cTn>
+                                        <p:tgtEl>
+                                          <p:spTgt spid="30"/>
+                                        </p:tgtEl>
+                                        <p:attrNameLst>
+                                          <p:attrName>style.visibility</p:attrName>
+                                        </p:attrNameLst>
+                                      </p:cBhvr>
+                                      <p:to>
+                                        <p:strVal val="visible"/>
+                                      </p:to>
+                                    </p:set>
+                                  </p:childTnLst>
+                                </p:cTn>
+                              </p:par>
+                              <p:par>
+                                <p:cTn id="71" presetID="1" presetClass="entr" presetSubtype="0" fill="hold" grpId="0" nodeType="withEffect">
+                                  <p:stCondLst>
+                                    <p:cond delay="0"/>
+                                  </p:stCondLst>
+                                  <p:childTnLst>
+                                    <p:set>
+                                      <p:cBhvr>
+                                        <p:cTn id="72" dur="1" fill="hold">
+                                          <p:stCondLst>
+                                            <p:cond delay="0"/>
+                                          </p:stCondLst>
+                                        </p:cTn>
+                                        <p:tgtEl>
+                                          <p:spTgt spid="31"/>
+                                        </p:tgtEl>
+                                        <p:attrNameLst>
+                                          <p:attrName>style.visibility</p:attrName>
+                                        </p:attrNameLst>
+                                      </p:cBhvr>
+                                      <p:to>
+                                        <p:strVal val="visible"/>
+                                      </p:to>
+                                    </p:set>
+                                  </p:childTnLst>
+                                </p:cTn>
+                              </p:par>
+                              <p:par>
+                                <p:cTn id="73" presetID="1" presetClass="entr" presetSubtype="0" fill="hold" nodeType="withEffect">
+                                  <p:stCondLst>
+                                    <p:cond delay="0"/>
+                                  </p:stCondLst>
+                                  <p:childTnLst>
+                                    <p:set>
+                                      <p:cBhvr>
+                                        <p:cTn id="74" dur="1" fill="hold">
+                                          <p:stCondLst>
+                                            <p:cond delay="0"/>
+                                          </p:stCondLst>
+                                        </p:cTn>
+                                        <p:tgtEl>
+                                          <p:spTgt spid="32"/>
+                                        </p:tgtEl>
+                                        <p:attrNameLst>
+                                          <p:attrName>style.visibility</p:attrName>
+                                        </p:attrNameLst>
+                                      </p:cBhvr>
+                                      <p:to>
+                                        <p:strVal val="visible"/>
+                                      </p:to>
+                                    </p:set>
+                                  </p:childTnLst>
+                                </p:cTn>
+                              </p:par>
+                              <p:par>
+                                <p:cTn id="75" presetID="1" presetClass="entr" presetSubtype="0" fill="hold" nodeType="withEffect">
+                                  <p:stCondLst>
+                                    <p:cond delay="0"/>
+                                  </p:stCondLst>
+                                  <p:childTnLst>
+                                    <p:set>
+                                      <p:cBhvr>
+                                        <p:cTn id="76" dur="1" fill="hold">
+                                          <p:stCondLst>
+                                            <p:cond delay="0"/>
+                                          </p:stCondLst>
+                                        </p:cTn>
+                                        <p:tgtEl>
+                                          <p:spTgt spid="33"/>
+                                        </p:tgtEl>
+                                        <p:attrNameLst>
+                                          <p:attrName>style.visibility</p:attrName>
+                                        </p:attrNameLst>
+                                      </p:cBhvr>
+                                      <p:to>
+                                        <p:strVal val="visible"/>
+                                      </p:to>
+                                    </p:set>
+                                  </p:childTnLst>
+                                </p:cTn>
+                              </p:par>
+                              <p:par>
+                                <p:cTn id="77" presetID="1" presetClass="entr" presetSubtype="0" fill="hold" grpId="0" nodeType="withEffect">
+                                  <p:stCondLst>
+                                    <p:cond delay="0"/>
+                                  </p:stCondLst>
+                                  <p:childTnLst>
+                                    <p:set>
+                                      <p:cBhvr>
+                                        <p:cTn id="78" dur="1" fill="hold">
+                                          <p:stCondLst>
+                                            <p:cond delay="0"/>
+                                          </p:stCondLst>
+                                        </p:cTn>
+                                        <p:tgtEl>
+                                          <p:spTgt spid="36"/>
+                                        </p:tgtEl>
+                                        <p:attrNameLst>
+                                          <p:attrName>style.visibility</p:attrName>
+                                        </p:attrNameLst>
+                                      </p:cBhvr>
+                                      <p:to>
+                                        <p:strVal val="visible"/>
+                                      </p:to>
+                                    </p:set>
+                                  </p:childTnLst>
+                                </p:cTn>
+                              </p:par>
+                              <p:par>
+                                <p:cTn id="79" presetID="1" presetClass="entr" presetSubtype="0" fill="hold" grpId="0" nodeType="withEffect">
+                                  <p:stCondLst>
+                                    <p:cond delay="0"/>
+                                  </p:stCondLst>
+                                  <p:childTnLst>
+                                    <p:set>
+                                      <p:cBhvr>
+                                        <p:cTn id="80" dur="1" fill="hold">
+                                          <p:stCondLst>
+                                            <p:cond delay="0"/>
+                                          </p:stCondLst>
+                                        </p:cTn>
+                                        <p:tgtEl>
+                                          <p:spTgt spid="37"/>
+                                        </p:tgtEl>
+                                        <p:attrNameLst>
+                                          <p:attrName>style.visibility</p:attrName>
+                                        </p:attrNameLst>
+                                      </p:cBhvr>
+                                      <p:to>
+                                        <p:strVal val="visible"/>
+                                      </p:to>
+                                    </p:set>
+                                  </p:childTnLst>
+                                </p:cTn>
+                              </p:par>
+                              <p:par>
+                                <p:cTn id="81" presetID="1" presetClass="entr" presetSubtype="0" fill="hold" grpId="0" nodeType="withEffect">
+                                  <p:stCondLst>
+                                    <p:cond delay="0"/>
+                                  </p:stCondLst>
+                                  <p:childTnLst>
+                                    <p:set>
+                                      <p:cBhvr>
+                                        <p:cTn id="82" dur="1" fill="hold">
+                                          <p:stCondLst>
+                                            <p:cond delay="0"/>
+                                          </p:stCondLst>
+                                        </p:cTn>
+                                        <p:tgtEl>
+                                          <p:spTgt spid="38"/>
+                                        </p:tgtEl>
+                                        <p:attrNameLst>
+                                          <p:attrName>style.visibility</p:attrName>
+                                        </p:attrNameLst>
+                                      </p:cBhvr>
+                                      <p:to>
+                                        <p:strVal val="visible"/>
+                                      </p:to>
+                                    </p:set>
+                                  </p:childTnLst>
+                                </p:cTn>
+                              </p:par>
+                            </p:childTnLst>
+                          </p:cTn>
+                        </p:par>
+                      </p:childTnLst>
+                    </p:cTn>
+                  </p:par>
+                </p:childTnLst>
+              </p:cTn>
+              <p:prevCondLst>
+                <p:cond evt="onPrev" delay="0">
+                  <p:tgtEl>
+                    <p:sldTgt/>
+                  </p:tgtEl>
+                </p:cond>
+              </p:prevCondLst>
+              <p:nextCondLst>
+                <p:cond evt="onNext" delay="0">
+                  <p:tgtEl>
+                    <p:sldTgt/>
+                  </p:tgtEl>
+                </p:cond>
+              </p:nextCondLst>
+            </p:seq>
+          </p:childTnLst>
+        </p:cTn>
+      </p:par>
+    </p:tnLst>
+    <p:bldLst>
+      <p:bldP spid="4" grpId="0" animBg="1"/>
+      <p:bldP spid="5" grpId="0" animBg="1"/>
+      <p:bldP spid="6" grpId="0" animBg="1"/>
+      <p:bldP spid="7" grpId="0" animBg="1"/>
+      <p:bldP spid="8" grpId="0" animBg="1"/>
+      <p:bldP spid="10" grpId="0" animBg="1"/>
+      <p:bldP spid="11" grpId="0" animBg="1"/>
+      <p:bldP spid="12" grpId="0" animBg="1"/>
+      <p:bldP spid="13" grpId="0" animBg="1"/>
+      <p:bldP spid="14" grpId="0" animBg="1"/>
+      <p:bldP spid="15" grpId="0" animBg="1"/>
+      <p:bldP spid="16" grpId="0" animBg="1"/>
+      <p:bldP spid="17" grpId="0" animBg="1"/>
+      <p:bldP spid="18" grpId="0" animBg="1"/>
+      <p:bldP spid="19" grpId="0" animBg="1"/>
+      <p:bldP spid="20" grpId="0" animBg="1"/>
+      <p:bldP spid="21" grpId="0" animBg="1"/>
+      <p:bldP spid="23" grpId="0" animBg="1"/>
+      <p:bldP spid="24" grpId="0" animBg="1"/>
+      <p:bldP spid="25" grpId="0" animBg="1"/>
+      <p:bldP spid="28" grpId="0" animBg="1"/>
+      <p:bldP spid="31" grpId="0" animBg="1"/>
+      <p:bldP spid="35" grpId="0"/>
+      <p:bldP spid="36" grpId="0"/>
+      <p:bldP spid="37" grpId="0"/>
+      <p:bldP spid="38" grpId="0"/>
+      <p:bldP spid="40" grpId="0"/>
+    </p:bldLst>
+  </p:timing>
+</p:sld>
+</file>
+
 <file path=ppt/theme/theme1.xml><?xml version="1.0" encoding="utf-8"?>
 <a:theme xmlns:a="http://schemas.openxmlformats.org/drawingml/2006/main" name="Office Theme">
   <a:themeElements>

--- a/images/architecture drawings.pptx
+++ b/images/architecture drawings.pptx
@@ -251,7 +251,7 @@
           <a:p>
             <a:fld id="{DC9AA326-EE99-456C-8AE0-599EDAE998F2}" type="datetimeFigureOut">
               <a:rPr lang="en-US" smtClean="0"/>
-              <a:t>16/04/15</a:t>
+              <a:t>17/04/15</a:t>
             </a:fld>
             <a:endParaRPr lang="en-US"/>
           </a:p>
@@ -421,7 +421,7 @@
           <a:p>
             <a:fld id="{DC9AA326-EE99-456C-8AE0-599EDAE998F2}" type="datetimeFigureOut">
               <a:rPr lang="en-US" smtClean="0"/>
-              <a:t>16/04/15</a:t>
+              <a:t>17/04/15</a:t>
             </a:fld>
             <a:endParaRPr lang="en-US"/>
           </a:p>
@@ -601,7 +601,7 @@
           <a:p>
             <a:fld id="{DC9AA326-EE99-456C-8AE0-599EDAE998F2}" type="datetimeFigureOut">
               <a:rPr lang="en-US" smtClean="0"/>
-              <a:t>16/04/15</a:t>
+              <a:t>17/04/15</a:t>
             </a:fld>
             <a:endParaRPr lang="en-US"/>
           </a:p>
@@ -771,7 +771,7 @@
           <a:p>
             <a:fld id="{DC9AA326-EE99-456C-8AE0-599EDAE998F2}" type="datetimeFigureOut">
               <a:rPr lang="en-US" smtClean="0"/>
-              <a:t>16/04/15</a:t>
+              <a:t>17/04/15</a:t>
             </a:fld>
             <a:endParaRPr lang="en-US"/>
           </a:p>
@@ -1017,7 +1017,7 @@
           <a:p>
             <a:fld id="{DC9AA326-EE99-456C-8AE0-599EDAE998F2}" type="datetimeFigureOut">
               <a:rPr lang="en-US" smtClean="0"/>
-              <a:t>16/04/15</a:t>
+              <a:t>17/04/15</a:t>
             </a:fld>
             <a:endParaRPr lang="en-US"/>
           </a:p>
@@ -1249,7 +1249,7 @@
           <a:p>
             <a:fld id="{DC9AA326-EE99-456C-8AE0-599EDAE998F2}" type="datetimeFigureOut">
               <a:rPr lang="en-US" smtClean="0"/>
-              <a:t>16/04/15</a:t>
+              <a:t>17/04/15</a:t>
             </a:fld>
             <a:endParaRPr lang="en-US"/>
           </a:p>
@@ -1616,7 +1616,7 @@
           <a:p>
             <a:fld id="{DC9AA326-EE99-456C-8AE0-599EDAE998F2}" type="datetimeFigureOut">
               <a:rPr lang="en-US" smtClean="0"/>
-              <a:t>16/04/15</a:t>
+              <a:t>17/04/15</a:t>
             </a:fld>
             <a:endParaRPr lang="en-US"/>
           </a:p>
@@ -1734,7 +1734,7 @@
           <a:p>
             <a:fld id="{DC9AA326-EE99-456C-8AE0-599EDAE998F2}" type="datetimeFigureOut">
               <a:rPr lang="en-US" smtClean="0"/>
-              <a:t>16/04/15</a:t>
+              <a:t>17/04/15</a:t>
             </a:fld>
             <a:endParaRPr lang="en-US"/>
           </a:p>
@@ -1829,7 +1829,7 @@
           <a:p>
             <a:fld id="{DC9AA326-EE99-456C-8AE0-599EDAE998F2}" type="datetimeFigureOut">
               <a:rPr lang="en-US" smtClean="0"/>
-              <a:t>16/04/15</a:t>
+              <a:t>17/04/15</a:t>
             </a:fld>
             <a:endParaRPr lang="en-US"/>
           </a:p>
@@ -2106,7 +2106,7 @@
           <a:p>
             <a:fld id="{DC9AA326-EE99-456C-8AE0-599EDAE998F2}" type="datetimeFigureOut">
               <a:rPr lang="en-US" smtClean="0"/>
-              <a:t>16/04/15</a:t>
+              <a:t>17/04/15</a:t>
             </a:fld>
             <a:endParaRPr lang="en-US"/>
           </a:p>
@@ -2359,7 +2359,7 @@
           <a:p>
             <a:fld id="{DC9AA326-EE99-456C-8AE0-599EDAE998F2}" type="datetimeFigureOut">
               <a:rPr lang="en-US" smtClean="0"/>
-              <a:t>16/04/15</a:t>
+              <a:t>17/04/15</a:t>
             </a:fld>
             <a:endParaRPr lang="en-US"/>
           </a:p>
@@ -2572,7 +2572,7 @@
           <a:p>
             <a:fld id="{DC9AA326-EE99-456C-8AE0-599EDAE998F2}" type="datetimeFigureOut">
               <a:rPr lang="en-US" smtClean="0"/>
-              <a:t>16/04/15</a:t>
+              <a:t>17/04/15</a:t>
             </a:fld>
             <a:endParaRPr lang="en-US"/>
           </a:p>
@@ -5608,7 +5608,7 @@
           </a:fontRef>
         </p:style>
         <p:txBody>
-          <a:bodyPr rtlCol="0" anchor="t"/>
+          <a:bodyPr rtlCol="0" anchor="ctr"/>
           <a:lstStyle/>
           <a:p>
             <a:pPr algn="ctr"/>
@@ -33556,8 +33556,8 @@
         </p:nvSpPr>
         <p:spPr>
           <a:xfrm>
-            <a:off x="454863" y="3357083"/>
-            <a:ext cx="817853" cy="369332"/>
+            <a:off x="432421" y="3357083"/>
+            <a:ext cx="862737" cy="369332"/>
           </a:xfrm>
           <a:prstGeom prst="rect">
             <a:avLst/>
@@ -33573,7 +33573,7 @@
             <a:pPr algn="ctr"/>
             <a:r>
               <a:rPr lang="nl-BE" dirty="0" smtClean="0"/>
-              <a:t>Signalr</a:t>
+              <a:t>SignalR</a:t>
             </a:r>
             <a:endParaRPr lang="en-US" dirty="0"/>
           </a:p>
@@ -33587,8 +33587,8 @@
         </p:nvSpPr>
         <p:spPr>
           <a:xfrm>
-            <a:off x="502034" y="4385560"/>
-            <a:ext cx="601383" cy="369332"/>
+            <a:off x="465165" y="4385560"/>
+            <a:ext cx="675121" cy="369332"/>
           </a:xfrm>
           <a:prstGeom prst="rect">
             <a:avLst/>
@@ -33604,7 +33604,7 @@
             <a:pPr algn="ctr"/>
             <a:r>
               <a:rPr lang="nl-BE" dirty="0" smtClean="0"/>
-              <a:t>Http</a:t>
+              <a:t>HTTP</a:t>
             </a:r>
             <a:endParaRPr lang="en-US" dirty="0"/>
           </a:p>
@@ -35675,11 +35675,7 @@
             <a:pPr algn="ctr"/>
             <a:r>
               <a:rPr lang="nl-BE" sz="1600" dirty="0" smtClean="0"/>
-              <a:t>MQTT </a:t>
-            </a:r>
-            <a:r>
-              <a:rPr lang="nl-BE" sz="1600" dirty="0" smtClean="0"/>
-              <a:t>Host </a:t>
+              <a:t>MQTT Host </a:t>
             </a:r>
             <a:br>
               <a:rPr lang="nl-BE" sz="1600" dirty="0" smtClean="0"/>
@@ -36127,7 +36123,7 @@
         <p:spPr>
           <a:xfrm>
             <a:off x="11150387" y="4260240"/>
-            <a:ext cx="817853" cy="369332"/>
+            <a:ext cx="862737" cy="369332"/>
           </a:xfrm>
           <a:prstGeom prst="rect">
             <a:avLst/>
@@ -36141,8 +36137,8 @@
           <a:lstStyle/>
           <a:p>
             <a:r>
-              <a:rPr lang="nl-BE" dirty="0" smtClean="0"/>
-              <a:t>Signalr</a:t>
+              <a:rPr lang="nl-BE" smtClean="0"/>
+              <a:t>SignalR</a:t>
             </a:r>
             <a:endParaRPr lang="en-US" dirty="0"/>
           </a:p>
@@ -36187,7 +36183,7 @@
         <p:spPr>
           <a:xfrm>
             <a:off x="511006" y="3738110"/>
-            <a:ext cx="745717" cy="369332"/>
+            <a:ext cx="788999" cy="369332"/>
           </a:xfrm>
           <a:prstGeom prst="rect">
             <a:avLst/>
@@ -36202,7 +36198,7 @@
           <a:p>
             <a:r>
               <a:rPr lang="nl-BE" dirty="0" smtClean="0"/>
-              <a:t>Amqp</a:t>
+              <a:t>AMQP</a:t>
             </a:r>
             <a:endParaRPr lang="en-US" dirty="0"/>
           </a:p>
